--- a/help/data-sheets/assets/EnterpriseSupportDatasheet.pptx
+++ b/help/data-sheets/assets/EnterpriseSupportDatasheet.pptx
@@ -144,13 +144,9 @@
 <file path=ppt/revisionInfo.xml><?xml version="1.0" encoding="utf-8"?>
 <p1510:revInfo xmlns:a="http://schemas.openxmlformats.org/drawingml/2006/main" xmlns:r="http://schemas.openxmlformats.org/officeDocument/2006/relationships" xmlns:p1510="http://schemas.microsoft.com/office/powerpoint/2015/10/main">
   <p1510:revLst>
-    <p1510:client id="{0AB2EF93-BE08-D205-D43E-3B568BB37DAA}" v="26" dt="2021-09-22T23:01:49.517"/>
-    <p1510:client id="{0AC6A3A1-0788-C69A-5EFD-279F3FA2CF0F}" v="51" dt="2021-09-22T18:56:17.553"/>
-    <p1510:client id="{112231ED-4F38-A856-2EFF-9D0F88AC9BDF}" v="3" dt="2021-09-22T19:11:31.474"/>
-    <p1510:client id="{3CA2F123-FAC9-2CDD-7937-C83283BA7837}" v="1" dt="2021-09-16T20:58:19.458"/>
-    <p1510:client id="{3F02B349-0406-AE51-D438-E7A0BE890230}" v="20" dt="2021-08-25T18:45:08.206"/>
-    <p1510:client id="{A40C3D7D-993B-38B2-2DDA-C562505A1054}" v="4" dt="2021-09-22T23:00:46.860"/>
-    <p1510:client id="{BAC4F85F-6423-7248-85C4-44132DA97563}" v="77" dt="2021-08-07T08:51:03.454"/>
+    <p1510:client id="{19826C17-B3F5-53A1-AAFF-C7771804C7A7}" v="128" dt="2021-10-13T18:50:39.613"/>
+    <p1510:client id="{1A3D389F-0E00-444F-BDF7-5C174E20EEC2}" v="2" dt="2021-10-13T19:33:05.183"/>
+    <p1510:client id="{D02E726A-82A5-CF13-9EBE-9B674D878D37}" v="22" dt="2021-10-12T19:51:27.470"/>
   </p1510:revLst>
 </p1510:revInfo>
 </file>
@@ -208,6 +204,139 @@
             <pc:docMk/>
             <pc:sldMk cId="1050037809" sldId="261"/>
             <ac:graphicFrameMk id="25" creationId="{3A91F5B0-3974-A14D-A146-FB590F2AAD18}"/>
+          </ac:graphicFrameMkLst>
+        </pc:graphicFrameChg>
+      </pc:sldChg>
+    </pc:docChg>
+  </pc:docChgLst>
+  <pc:docChgLst>
+    <pc:chgData name="Akilah Johnson" userId="S::akjohnso@adobe.com::2fa3aa60-0c9c-4d06-bae2-795983241227" providerId="AD" clId="Web-{19826C17-B3F5-53A1-AAFF-C7771804C7A7}"/>
+    <pc:docChg chg="modSld">
+      <pc:chgData name="Akilah Johnson" userId="S::akjohnso@adobe.com::2fa3aa60-0c9c-4d06-bae2-795983241227" providerId="AD" clId="Web-{19826C17-B3F5-53A1-AAFF-C7771804C7A7}" dt="2021-10-13T18:50:21.160" v="67"/>
+      <pc:docMkLst>
+        <pc:docMk/>
+      </pc:docMkLst>
+      <pc:sldChg chg="modSp">
+        <pc:chgData name="Akilah Johnson" userId="S::akjohnso@adobe.com::2fa3aa60-0c9c-4d06-bae2-795983241227" providerId="AD" clId="Web-{19826C17-B3F5-53A1-AAFF-C7771804C7A7}" dt="2021-10-13T18:38:26.810" v="9" actId="20577"/>
+        <pc:sldMkLst>
+          <pc:docMk/>
+          <pc:sldMk cId="5960377" sldId="259"/>
+        </pc:sldMkLst>
+        <pc:spChg chg="mod">
+          <ac:chgData name="Akilah Johnson" userId="S::akjohnso@adobe.com::2fa3aa60-0c9c-4d06-bae2-795983241227" providerId="AD" clId="Web-{19826C17-B3F5-53A1-AAFF-C7771804C7A7}" dt="2021-10-13T18:38:26.810" v="9" actId="20577"/>
+          <ac:spMkLst>
+            <pc:docMk/>
+            <pc:sldMk cId="5960377" sldId="259"/>
+            <ac:spMk id="75" creationId="{4602CC83-B0C7-8445-9007-87E67CDDD9D0}"/>
+          </ac:spMkLst>
+        </pc:spChg>
+        <pc:spChg chg="mod">
+          <ac:chgData name="Akilah Johnson" userId="S::akjohnso@adobe.com::2fa3aa60-0c9c-4d06-bae2-795983241227" providerId="AD" clId="Web-{19826C17-B3F5-53A1-AAFF-C7771804C7A7}" dt="2021-10-13T18:38:17.716" v="5" actId="20577"/>
+          <ac:spMkLst>
+            <pc:docMk/>
+            <pc:sldMk cId="5960377" sldId="259"/>
+            <ac:spMk id="83" creationId="{7A016ADC-2A30-8A4B-BE07-A9AB6C1898A7}"/>
+          </ac:spMkLst>
+        </pc:spChg>
+        <pc:spChg chg="mod">
+          <ac:chgData name="Akilah Johnson" userId="S::akjohnso@adobe.com::2fa3aa60-0c9c-4d06-bae2-795983241227" providerId="AD" clId="Web-{19826C17-B3F5-53A1-AAFF-C7771804C7A7}" dt="2021-10-13T18:38:19.654" v="6" actId="20577"/>
+          <ac:spMkLst>
+            <pc:docMk/>
+            <pc:sldMk cId="5960377" sldId="259"/>
+            <ac:spMk id="87" creationId="{57C0C871-6516-F145-97DA-27A143E6185C}"/>
+          </ac:spMkLst>
+        </pc:spChg>
+        <pc:spChg chg="mod">
+          <ac:chgData name="Akilah Johnson" userId="S::akjohnso@adobe.com::2fa3aa60-0c9c-4d06-bae2-795983241227" providerId="AD" clId="Web-{19826C17-B3F5-53A1-AAFF-C7771804C7A7}" dt="2021-10-13T18:38:14.044" v="4" actId="20577"/>
+          <ac:spMkLst>
+            <pc:docMk/>
+            <pc:sldMk cId="5960377" sldId="259"/>
+            <ac:spMk id="124" creationId="{14AAF776-9013-4C40-92F9-FFFE22C4038F}"/>
+          </ac:spMkLst>
+        </pc:spChg>
+        <pc:spChg chg="mod">
+          <ac:chgData name="Akilah Johnson" userId="S::akjohnso@adobe.com::2fa3aa60-0c9c-4d06-bae2-795983241227" providerId="AD" clId="Web-{19826C17-B3F5-53A1-AAFF-C7771804C7A7}" dt="2021-10-13T18:38:10.013" v="2" actId="20577"/>
+          <ac:spMkLst>
+            <pc:docMk/>
+            <pc:sldMk cId="5960377" sldId="259"/>
+            <ac:spMk id="125" creationId="{AF4EBBF5-5438-A043-B9AA-3822381D52EE}"/>
+          </ac:spMkLst>
+        </pc:spChg>
+        <pc:spChg chg="mod">
+          <ac:chgData name="Akilah Johnson" userId="S::akjohnso@adobe.com::2fa3aa60-0c9c-4d06-bae2-795983241227" providerId="AD" clId="Web-{19826C17-B3F5-53A1-AAFF-C7771804C7A7}" dt="2021-10-13T18:38:12.263" v="3" actId="20577"/>
+          <ac:spMkLst>
+            <pc:docMk/>
+            <pc:sldMk cId="5960377" sldId="259"/>
+            <ac:spMk id="126" creationId="{7F65676D-32E4-7B4B-BB85-4D504B5882BD}"/>
+          </ac:spMkLst>
+        </pc:spChg>
+      </pc:sldChg>
+      <pc:sldChg chg="modSp">
+        <pc:chgData name="Akilah Johnson" userId="S::akjohnso@adobe.com::2fa3aa60-0c9c-4d06-bae2-795983241227" providerId="AD" clId="Web-{19826C17-B3F5-53A1-AAFF-C7771804C7A7}" dt="2021-10-13T18:40:23.717" v="19" actId="20577"/>
+        <pc:sldMkLst>
+          <pc:docMk/>
+          <pc:sldMk cId="1050037809" sldId="261"/>
+        </pc:sldMkLst>
+        <pc:spChg chg="mod">
+          <ac:chgData name="Akilah Johnson" userId="S::akjohnso@adobe.com::2fa3aa60-0c9c-4d06-bae2-795983241227" providerId="AD" clId="Web-{19826C17-B3F5-53A1-AAFF-C7771804C7A7}" dt="2021-10-13T18:40:23.717" v="19" actId="20577"/>
+          <ac:spMkLst>
+            <pc:docMk/>
+            <pc:sldMk cId="1050037809" sldId="261"/>
+            <ac:spMk id="56" creationId="{00000000-0000-0000-0000-000000000000}"/>
+          </ac:spMkLst>
+        </pc:spChg>
+        <pc:graphicFrameChg chg="mod modGraphic">
+          <ac:chgData name="Akilah Johnson" userId="S::akjohnso@adobe.com::2fa3aa60-0c9c-4d06-bae2-795983241227" providerId="AD" clId="Web-{19826C17-B3F5-53A1-AAFF-C7771804C7A7}" dt="2021-10-13T18:39:38.154" v="17"/>
+          <ac:graphicFrameMkLst>
+            <pc:docMk/>
+            <pc:sldMk cId="1050037809" sldId="261"/>
+            <ac:graphicFrameMk id="111" creationId="{D8653CEC-4213-DE40-9BAF-D1E3318FF89C}"/>
+          </ac:graphicFrameMkLst>
+        </pc:graphicFrameChg>
+      </pc:sldChg>
+      <pc:sldChg chg="modSp">
+        <pc:chgData name="Akilah Johnson" userId="S::akjohnso@adobe.com::2fa3aa60-0c9c-4d06-bae2-795983241227" providerId="AD" clId="Web-{19826C17-B3F5-53A1-AAFF-C7771804C7A7}" dt="2021-10-13T18:39:10.373" v="15" actId="20577"/>
+        <pc:sldMkLst>
+          <pc:docMk/>
+          <pc:sldMk cId="717026355" sldId="266"/>
+        </pc:sldMkLst>
+        <pc:spChg chg="mod">
+          <ac:chgData name="Akilah Johnson" userId="S::akjohnso@adobe.com::2fa3aa60-0c9c-4d06-bae2-795983241227" providerId="AD" clId="Web-{19826C17-B3F5-53A1-AAFF-C7771804C7A7}" dt="2021-10-13T18:39:10.373" v="15" actId="20577"/>
+          <ac:spMkLst>
+            <pc:docMk/>
+            <pc:sldMk cId="717026355" sldId="266"/>
+            <ac:spMk id="9" creationId="{00000000-0000-0000-0000-000000000000}"/>
+          </ac:spMkLst>
+        </pc:spChg>
+        <pc:spChg chg="mod">
+          <ac:chgData name="Akilah Johnson" userId="S::akjohnso@adobe.com::2fa3aa60-0c9c-4d06-bae2-795983241227" providerId="AD" clId="Web-{19826C17-B3F5-53A1-AAFF-C7771804C7A7}" dt="2021-10-13T18:38:44.029" v="11" actId="20577"/>
+          <ac:spMkLst>
+            <pc:docMk/>
+            <pc:sldMk cId="717026355" sldId="266"/>
+            <ac:spMk id="82" creationId="{F6061E8D-9723-464D-AA49-7A3A3A02BE92}"/>
+          </ac:spMkLst>
+        </pc:spChg>
+        <pc:spChg chg="mod">
+          <ac:chgData name="Akilah Johnson" userId="S::akjohnso@adobe.com::2fa3aa60-0c9c-4d06-bae2-795983241227" providerId="AD" clId="Web-{19826C17-B3F5-53A1-AAFF-C7771804C7A7}" dt="2021-10-13T18:39:00.638" v="13" actId="20577"/>
+          <ac:spMkLst>
+            <pc:docMk/>
+            <pc:sldMk cId="717026355" sldId="266"/>
+            <ac:spMk id="83" creationId="{BB34E685-A734-974B-A33A-BE51D1A8BC0D}"/>
+          </ac:spMkLst>
+        </pc:spChg>
+      </pc:sldChg>
+      <pc:sldChg chg="modSp">
+        <pc:chgData name="Akilah Johnson" userId="S::akjohnso@adobe.com::2fa3aa60-0c9c-4d06-bae2-795983241227" providerId="AD" clId="Web-{19826C17-B3F5-53A1-AAFF-C7771804C7A7}" dt="2021-10-13T18:50:21.160" v="67"/>
+        <pc:sldMkLst>
+          <pc:docMk/>
+          <pc:sldMk cId="2161849182" sldId="267"/>
+        </pc:sldMkLst>
+        <pc:graphicFrameChg chg="mod modGraphic">
+          <ac:chgData name="Akilah Johnson" userId="S::akjohnso@adobe.com::2fa3aa60-0c9c-4d06-bae2-795983241227" providerId="AD" clId="Web-{19826C17-B3F5-53A1-AAFF-C7771804C7A7}" dt="2021-10-13T18:50:21.160" v="67"/>
+          <ac:graphicFrameMkLst>
+            <pc:docMk/>
+            <pc:sldMk cId="2161849182" sldId="267"/>
+            <ac:graphicFrameMk id="9" creationId="{00000000-0000-0000-0000-000000000000}"/>
           </ac:graphicFrameMkLst>
         </pc:graphicFrameChg>
       </pc:sldChg>
@@ -317,44 +446,89 @@
       </pc:sldChg>
     </pc:docChg>
   </pc:docChgLst>
+  <pc:docChgLst>
+    <pc:chgData name="Lauren Schutte" userId="6e08b2d3-447a-4d66-86be-444d50df187f" providerId="ADAL" clId="{1A3D389F-0E00-444F-BDF7-5C174E20EEC2}"/>
+    <pc:docChg chg="undo custSel modSld">
+      <pc:chgData name="Lauren Schutte" userId="6e08b2d3-447a-4d66-86be-444d50df187f" providerId="ADAL" clId="{1A3D389F-0E00-444F-BDF7-5C174E20EEC2}" dt="2021-10-13T19:40:59.066" v="67" actId="20577"/>
+      <pc:docMkLst>
+        <pc:docMk/>
+      </pc:docMkLst>
+      <pc:sldChg chg="delSp modSp mod">
+        <pc:chgData name="Lauren Schutte" userId="6e08b2d3-447a-4d66-86be-444d50df187f" providerId="ADAL" clId="{1A3D389F-0E00-444F-BDF7-5C174E20EEC2}" dt="2021-10-13T19:40:25.578" v="61" actId="478"/>
+        <pc:sldMkLst>
+          <pc:docMk/>
+          <pc:sldMk cId="5960377" sldId="259"/>
+        </pc:sldMkLst>
+        <pc:spChg chg="mod">
+          <ac:chgData name="Lauren Schutte" userId="6e08b2d3-447a-4d66-86be-444d50df187f" providerId="ADAL" clId="{1A3D389F-0E00-444F-BDF7-5C174E20EEC2}" dt="2021-10-13T19:33:45.182" v="59" actId="20577"/>
+          <ac:spMkLst>
+            <pc:docMk/>
+            <pc:sldMk cId="5960377" sldId="259"/>
+            <ac:spMk id="127" creationId="{BB896A03-8E7E-344F-BDE1-37C49461FF04}"/>
+          </ac:spMkLst>
+        </pc:spChg>
+        <pc:grpChg chg="del mod">
+          <ac:chgData name="Lauren Schutte" userId="6e08b2d3-447a-4d66-86be-444d50df187f" providerId="ADAL" clId="{1A3D389F-0E00-444F-BDF7-5C174E20EEC2}" dt="2021-10-13T19:40:25.578" v="61" actId="478"/>
+          <ac:grpSpMkLst>
+            <pc:docMk/>
+            <pc:sldMk cId="5960377" sldId="259"/>
+            <ac:grpSpMk id="62" creationId="{C539739D-1D3E-204D-9819-C44D9AE36DE8}"/>
+          </ac:grpSpMkLst>
+        </pc:grpChg>
+      </pc:sldChg>
+      <pc:sldChg chg="modSp mod">
+        <pc:chgData name="Lauren Schutte" userId="6e08b2d3-447a-4d66-86be-444d50df187f" providerId="ADAL" clId="{1A3D389F-0E00-444F-BDF7-5C174E20EEC2}" dt="2021-10-13T19:40:59.066" v="67" actId="20577"/>
+        <pc:sldMkLst>
+          <pc:docMk/>
+          <pc:sldMk cId="2161849182" sldId="267"/>
+        </pc:sldMkLst>
+        <pc:spChg chg="mod">
+          <ac:chgData name="Lauren Schutte" userId="6e08b2d3-447a-4d66-86be-444d50df187f" providerId="ADAL" clId="{1A3D389F-0E00-444F-BDF7-5C174E20EEC2}" dt="2021-10-13T19:40:59.066" v="67" actId="20577"/>
+          <ac:spMkLst>
+            <pc:docMk/>
+            <pc:sldMk cId="2161849182" sldId="267"/>
+            <ac:spMk id="2" creationId="{00000000-0000-0000-0000-000000000000}"/>
+          </ac:spMkLst>
+        </pc:spChg>
+        <pc:graphicFrameChg chg="mod modGraphic">
+          <ac:chgData name="Lauren Schutte" userId="6e08b2d3-447a-4d66-86be-444d50df187f" providerId="ADAL" clId="{1A3D389F-0E00-444F-BDF7-5C174E20EEC2}" dt="2021-10-13T19:33:05.183" v="58"/>
+          <ac:graphicFrameMkLst>
+            <pc:docMk/>
+            <pc:sldMk cId="2161849182" sldId="267"/>
+            <ac:graphicFrameMk id="9" creationId="{00000000-0000-0000-0000-000000000000}"/>
+          </ac:graphicFrameMkLst>
+        </pc:graphicFrameChg>
+      </pc:sldChg>
+    </pc:docChg>
+  </pc:docChgLst>
+  <pc:docChgLst>
+    <pc:chgData name="Akilah Johnson" userId="S::akjohnso@adobe.com::2fa3aa60-0c9c-4d06-bae2-795983241227" providerId="AD" clId="Web-{D02E726A-82A5-CF13-9EBE-9B674D878D37}"/>
+    <pc:docChg chg="modSld">
+      <pc:chgData name="Akilah Johnson" userId="S::akjohnso@adobe.com::2fa3aa60-0c9c-4d06-bae2-795983241227" providerId="AD" clId="Web-{D02E726A-82A5-CF13-9EBE-9B674D878D37}" dt="2021-10-12T19:51:27.470" v="10"/>
+      <pc:docMkLst>
+        <pc:docMk/>
+      </pc:docMkLst>
+      <pc:sldChg chg="modSp delCm">
+        <pc:chgData name="Akilah Johnson" userId="S::akjohnso@adobe.com::2fa3aa60-0c9c-4d06-bae2-795983241227" providerId="AD" clId="Web-{D02E726A-82A5-CF13-9EBE-9B674D878D37}" dt="2021-10-12T19:51:27.470" v="10"/>
+        <pc:sldMkLst>
+          <pc:docMk/>
+          <pc:sldMk cId="2161849182" sldId="267"/>
+        </pc:sldMkLst>
+        <pc:spChg chg="mod">
+          <ac:chgData name="Akilah Johnson" userId="S::akjohnso@adobe.com::2fa3aa60-0c9c-4d06-bae2-795983241227" providerId="AD" clId="Web-{D02E726A-82A5-CF13-9EBE-9B674D878D37}" dt="2021-10-12T19:51:04.127" v="8" actId="20577"/>
+          <ac:spMkLst>
+            <pc:docMk/>
+            <pc:sldMk cId="2161849182" sldId="267"/>
+            <ac:spMk id="2" creationId="{00000000-0000-0000-0000-000000000000}"/>
+          </ac:spMkLst>
+        </pc:spChg>
+      </pc:sldChg>
+    </pc:docChg>
+  </pc:docChgLst>
 </pc:chgInfo>
 </file>
 
 <file path=ppt/comments/comment1.xml><?xml version="1.0" encoding="utf-8"?>
-<p:cmLst xmlns:a="http://schemas.openxmlformats.org/drawingml/2006/main" xmlns:r="http://schemas.openxmlformats.org/officeDocument/2006/relationships" xmlns:p="http://schemas.openxmlformats.org/presentationml/2006/main">
-  <p:cm authorId="1" dt="2021-08-04T14:42:10.630" idx="4">
-    <p:pos x="-3291" y="2170"/>
-    <p:text/>
-    <p:extLst>
-      <p:ext uri="{C676402C-5697-4E1C-873F-D02D1690AC5C}">
-        <p15:threadingInfo xmlns:p15="http://schemas.microsoft.com/office/powerpoint/2012/main" timeZoneBias="420"/>
-      </p:ext>
-    </p:extLst>
-  </p:cm>
-  <p:cm authorId="1" dt="2021-08-04T14:42:19.668" idx="5">
-    <p:pos x="4567" y="1502"/>
-    <p:text>Can we add a darker blue line under 'Enterprise Support?'</p:text>
-    <p:extLst>
-      <p:ext uri="{C676402C-5697-4E1C-873F-D02D1690AC5C}">
-        <p15:threadingInfo xmlns:p15="http://schemas.microsoft.com/office/powerpoint/2012/main" timeZoneBias="420"/>
-      </p:ext>
-    </p:extLst>
-  </p:cm>
-  <p:cm authorId="1" dt="2021-08-04T15:01:35.985" idx="8">
-    <p:pos x="4567" y="1598"/>
-    <p:text>Hi Ankita, I did my best to keep the formatting you already worked so hard on. I added a few comments on things I'll need your help with . Thank again so much!</p:text>
-    <p:extLst>
-      <p:ext uri="{C676402C-5697-4E1C-873F-D02D1690AC5C}">
-        <p15:threadingInfo xmlns:p15="http://schemas.microsoft.com/office/powerpoint/2012/main" timeZoneBias="420">
-          <p15:parentCm authorId="1" idx="5"/>
-        </p15:threadingInfo>
-      </p:ext>
-    </p:extLst>
-  </p:cm>
-</p:cmLst>
-</file>
-
-<file path=ppt/comments/comment2.xml><?xml version="1.0" encoding="utf-8"?>
 <p:cmLst xmlns:a="http://schemas.openxmlformats.org/drawingml/2006/main" xmlns:r="http://schemas.openxmlformats.org/officeDocument/2006/relationships" xmlns:p="http://schemas.openxmlformats.org/presentationml/2006/main">
   <p:cm authorId="1" dt="2021-08-04T14:53:07.049" idx="6">
     <p:pos x="10" y="10"/>
@@ -450,7 +624,7 @@
           <a:p>
             <a:fld id="{CCB2A597-803A-C244-97E2-A01066125D19}" type="datetimeFigureOut">
               <a:rPr lang="en-US" smtClean="0"/>
-              <a:t>10/1/2021</a:t>
+              <a:t>11/19/2021</a:t>
             </a:fld>
             <a:endParaRPr lang="en-US"/>
           </a:p>
@@ -1231,7 +1405,7 @@
           <a:p>
             <a:fld id="{1D8BD707-D9CF-40AE-B4C6-C98DA3205C09}" type="datetimeFigureOut">
               <a:rPr lang="en-US"/>
-              <a:t>10/1/2021</a:t>
+              <a:t>11/19/2021</a:t>
             </a:fld>
             <a:endParaRPr lang="en-US"/>
           </a:p>
@@ -1471,7 +1645,7 @@
           <a:p>
             <a:fld id="{1D8BD707-D9CF-40AE-B4C6-C98DA3205C09}" type="datetimeFigureOut">
               <a:rPr lang="en-US"/>
-              <a:t>10/1/2021</a:t>
+              <a:t>11/19/2021</a:t>
             </a:fld>
             <a:endParaRPr lang="en-US"/>
           </a:p>
@@ -1724,7 +1898,7 @@
           <a:p>
             <a:fld id="{1D8BD707-D9CF-40AE-B4C6-C98DA3205C09}" type="datetimeFigureOut">
               <a:rPr lang="en-US"/>
-              <a:t>10/1/2021</a:t>
+              <a:t>11/19/2021</a:t>
             </a:fld>
             <a:endParaRPr lang="en-US"/>
           </a:p>
@@ -1911,7 +2085,7 @@
           <a:p>
             <a:fld id="{1D8BD707-D9CF-40AE-B4C6-C98DA3205C09}" type="datetimeFigureOut">
               <a:rPr lang="en-US"/>
-              <a:t>10/1/2021</a:t>
+              <a:t>11/19/2021</a:t>
             </a:fld>
             <a:endParaRPr lang="en-US"/>
           </a:p>
@@ -2069,7 +2243,7 @@
           <a:p>
             <a:fld id="{1D8BD707-D9CF-40AE-B4C6-C98DA3205C09}" type="datetimeFigureOut">
               <a:rPr lang="en-US"/>
-              <a:t>10/1/2021</a:t>
+              <a:t>11/19/2021</a:t>
             </a:fld>
             <a:endParaRPr lang="en-US"/>
           </a:p>
@@ -2327,7 +2501,7 @@
           <a:p>
             <a:fld id="{1D8BD707-D9CF-40AE-B4C6-C98DA3205C09}" type="datetimeFigureOut">
               <a:rPr lang="en-US"/>
-              <a:t>10/1/2021</a:t>
+              <a:t>11/19/2021</a:t>
             </a:fld>
             <a:endParaRPr lang="en-US"/>
           </a:p>
@@ -2566,25 +2740,22 @@
           </a:prstGeom>
         </p:spPr>
         <p:txBody>
-          <a:bodyPr vert="horz" wrap="square" lIns="0" tIns="12700" rIns="0" bIns="0" rtlCol="0">
+          <a:bodyPr vert="horz" wrap="square" lIns="0" tIns="12700" rIns="0" bIns="0" rtlCol="0" anchor="t">
             <a:spAutoFit/>
           </a:bodyPr>
           <a:lstStyle/>
           <a:p>
             <a:pPr marL="12700">
-              <a:lnSpc>
-                <a:spcPct val="100000"/>
-              </a:lnSpc>
               <a:spcBef>
                 <a:spcPts val="100"/>
               </a:spcBef>
             </a:pPr>
             <a:r>
-              <a:rPr lang="ja-JP" sz="2300">
+              <a:rPr lang="ja-JP" sz="2300" dirty="0">
                 <a:latin typeface="Adobe Clean Han Regular" panose="020B0500000000000000" pitchFamily="34" charset="-128"/>
                 <a:ea typeface="Adobe Clean Han Regular" panose="020B0500000000000000" pitchFamily="34" charset="-128"/>
               </a:rPr>
-              <a:t>アドビサポートのサービス</a:t>
+              <a:t>アドビサポートのプラン</a:t>
             </a:r>
           </a:p>
         </p:txBody>
@@ -2597,8 +2768,8 @@
         </p:nvSpPr>
         <p:spPr>
           <a:xfrm>
-            <a:off x="125147" y="7108796"/>
-            <a:ext cx="3618177" cy="228268"/>
+            <a:off x="125148" y="7013546"/>
+            <a:ext cx="3940122" cy="228268"/>
           </a:xfrm>
           <a:prstGeom prst="rect">
             <a:avLst/>
@@ -2646,14 +2817,14 @@
           <p:nvPr>
             <p:extLst>
               <p:ext uri="{D42A27DB-BD31-4B8C-83A1-F6EECF244321}">
-                <p14:modId xmlns:p14="http://schemas.microsoft.com/office/powerpoint/2010/main" val="3093671716"/>
+                <p14:modId xmlns:p14="http://schemas.microsoft.com/office/powerpoint/2010/main" val="3754723622"/>
               </p:ext>
             </p:extLst>
           </p:nvPr>
         </p:nvGraphicFramePr>
         <p:xfrm>
           <a:off x="146919" y="7473158"/>
-          <a:ext cx="7477080" cy="2233204"/>
+          <a:ext cx="7477080" cy="2190409"/>
         </p:xfrm>
         <a:graphic>
           <a:graphicData uri="http://schemas.openxmlformats.org/drawingml/2006/table">
@@ -2662,21 +2833,21 @@
                 <a:tableStyleId>{2D5ABB26-0587-4C30-8999-92F81FD0307C}</a:tableStyleId>
               </a:tblPr>
               <a:tblGrid>
-                <a:gridCol w="4653681">
+                <a:gridCol w="4905141">
                   <a:extLst>
                     <a:ext uri="{9D8B030D-6E8A-4147-A177-3AD203B41FA5}">
                       <a16:colId xmlns:a16="http://schemas.microsoft.com/office/drawing/2014/main" val="20000"/>
                     </a:ext>
                   </a:extLst>
                 </a:gridCol>
-                <a:gridCol w="1381125">
+                <a:gridCol w="1143000">
                   <a:extLst>
                     <a:ext uri="{9D8B030D-6E8A-4147-A177-3AD203B41FA5}">
                       <a16:colId xmlns:a16="http://schemas.microsoft.com/office/drawing/2014/main" val="20001"/>
                     </a:ext>
                   </a:extLst>
                 </a:gridCol>
-                <a:gridCol w="1442274">
+                <a:gridCol w="1428939">
                   <a:extLst>
                     <a:ext uri="{9D8B030D-6E8A-4147-A177-3AD203B41FA5}">
                       <a16:colId xmlns:a16="http://schemas.microsoft.com/office/drawing/2014/main" val="20002"/>
@@ -2699,7 +2870,7 @@
                         </a:spcBef>
                       </a:pPr>
                       <a:r>
-                        <a:rPr lang="ja-JP" sz="900">
+                        <a:rPr lang="ja-JP" sz="900" dirty="0">
                           <a:solidFill>
                             <a:srgbClr val="020302"/>
                           </a:solidFill>
@@ -2746,18 +2917,27 @@
                     <a:bodyPr/>
                     <a:lstStyle/>
                     <a:p>
-                      <a:pPr marL="381000" indent="-152400">
+                      <a:pPr marL="2540" marR="0" lvl="0" indent="0" algn="ctr" defTabSz="914400" eaLnBrk="1" fontAlgn="auto" latinLnBrk="0" hangingPunct="1">
                         <a:lnSpc>
                           <a:spcPct val="100000"/>
                         </a:lnSpc>
                         <a:spcBef>
-                          <a:spcPts val="55"/>
+                          <a:spcPts val="60"/>
                         </a:spcBef>
+                        <a:spcAft>
+                          <a:spcPts val="0"/>
+                        </a:spcAft>
+                        <a:buClrTx/>
+                        <a:buSzTx/>
+                        <a:buFontTx/>
+                        <a:buNone/>
+                        <a:tabLst/>
+                        <a:defRPr/>
                       </a:pPr>
                       <a:r>
-                        <a:rPr lang="ja-JP" sz="900" dirty="0">
+                        <a:rPr lang="ja-JP" altLang="en-US" sz="900" dirty="0">
                           <a:solidFill>
-                            <a:srgbClr val="020302"/>
+                            <a:srgbClr val="404040"/>
                           </a:solidFill>
                           <a:latin typeface="Adobe Clean Han Regular" panose="020B0500000000000000" pitchFamily="34" charset="-128"/>
                           <a:ea typeface="Adobe Clean Han Regular" panose="020B0500000000000000" pitchFamily="34" charset="-128"/>
@@ -2767,7 +2947,7 @@
                       </a:r>
                     </a:p>
                   </a:txBody>
-                  <a:tcPr marL="0" marR="0" marT="6985" marB="0" anchor="ctr">
+                  <a:tcPr marL="0" marR="0" marT="0" marB="0" anchor="ctr">
                     <a:lnL w="6350">
                       <a:solidFill>
                         <a:srgbClr val="B7B8B8"/>
@@ -2786,11 +2966,14 @@
                       </a:solidFill>
                       <a:prstDash val="solid"/>
                     </a:lnT>
-                    <a:lnB w="76200">
+                    <a:lnB w="76200" cap="flat" cmpd="sng" algn="ctr">
                       <a:solidFill>
                         <a:srgbClr val="B3B3B3"/>
                       </a:solidFill>
                       <a:prstDash val="solid"/>
+                      <a:round/>
+                      <a:headEnd type="none" w="med" len="med"/>
+                      <a:tailEnd type="none" w="med" len="med"/>
                     </a:lnB>
                     <a:solidFill>
                       <a:srgbClr val="D9D9D9"/>
@@ -2802,16 +2985,25 @@
                     <a:bodyPr/>
                     <a:lstStyle/>
                     <a:p>
-                      <a:pPr marL="0" indent="0" algn="ctr">
+                      <a:pPr marL="2540" marR="0" lvl="0" indent="0" algn="ctr" defTabSz="914400" eaLnBrk="1" fontAlgn="auto" latinLnBrk="0" hangingPunct="1">
                         <a:lnSpc>
                           <a:spcPct val="100000"/>
                         </a:lnSpc>
                         <a:spcBef>
-                          <a:spcPts val="80"/>
+                          <a:spcPts val="60"/>
                         </a:spcBef>
+                        <a:spcAft>
+                          <a:spcPts val="0"/>
+                        </a:spcAft>
+                        <a:buClrTx/>
+                        <a:buSzTx/>
+                        <a:buFontTx/>
+                        <a:buNone/>
+                        <a:tabLst/>
+                        <a:defRPr/>
                       </a:pPr>
                       <a:r>
-                        <a:rPr lang="ja-JP" sz="900" dirty="0">
+                        <a:rPr lang="ja-JP" altLang="en-US" sz="900" dirty="0">
                           <a:solidFill>
                             <a:srgbClr val="FFFFFF"/>
                           </a:solidFill>
@@ -2823,7 +3015,7 @@
                       </a:r>
                     </a:p>
                   </a:txBody>
-                  <a:tcPr marL="0" marR="0" marT="10160" marB="0" anchor="ctr">
+                  <a:tcPr marL="0" marR="0" marT="0" marB="0" anchor="ctr">
                     <a:lnL w="6350">
                       <a:solidFill>
                         <a:srgbClr val="B7B8B8"/>
@@ -2892,7 +3084,7 @@
                       </a:r>
                     </a:p>
                     <a:p>
-                      <a:pPr marL="50800" marR="387985" lvl="0" indent="0" defTabSz="914400" eaLnBrk="1" fontAlgn="auto" latinLnBrk="0" hangingPunct="1">
+                      <a:pPr marL="50800" marR="387985" lvl="0" indent="0" eaLnBrk="1" fontAlgn="auto" latinLnBrk="0" hangingPunct="1">
                         <a:lnSpc>
                           <a:spcPts val="1000"/>
                         </a:lnSpc>
@@ -2906,27 +3098,25 @@
                         <a:buSzTx/>
                         <a:buFontTx/>
                         <a:buNone/>
-                        <a:tabLst/>
-                        <a:defRPr/>
                       </a:pPr>
                       <a:r>
                         <a:rPr lang="ja-JP" sz="900" b="0" i="0" dirty="0">
                           <a:solidFill>
                             <a:srgbClr val="020302"/>
                           </a:solidFill>
-                          <a:latin typeface="Adobe Clean Han Regular" panose="020B0500000000000000" pitchFamily="34" charset="-128"/>
-                          <a:ea typeface="Adobe Clean Han Regular" panose="020B0500000000000000" pitchFamily="34" charset="-128"/>
-                          <a:cs typeface="Adobe Clean"/>
+                          <a:latin typeface="Adobe Clean Han Light" panose="020B0300000000000000" pitchFamily="34" charset="-128"/>
+                          <a:ea typeface="Adobe Clean Han Light" panose="020B0300000000000000" pitchFamily="34" charset="-128"/>
+                          <a:cs typeface="+mn-cs"/>
                         </a:rPr>
-                        <a:t> </a:t>
+                        <a:t> </a:t>
                       </a:r>
                       <a:r>
                         <a:rPr lang="ja-JP" sz="900" b="0" i="0" u="none" strike="noStrike" dirty="0">
                           <a:solidFill>
                             <a:schemeClr val="tx1"/>
                           </a:solidFill>
-                          <a:latin typeface="Adobe Clean Han Regular" panose="020B0500000000000000" pitchFamily="34" charset="-128"/>
-                          <a:ea typeface="Adobe Clean Han Regular" panose="020B0500000000000000" pitchFamily="34" charset="-128"/>
+                          <a:latin typeface="Adobe Clean Han Light" panose="020B0300000000000000" pitchFamily="34" charset="-128"/>
+                          <a:ea typeface="Adobe Clean Han Light" panose="020B0300000000000000" pitchFamily="34" charset="-128"/>
                           <a:cs typeface="+mn-cs"/>
                         </a:rPr>
                         <a:t>お客様の本番業務機能がダウンしている、または著しいデータ損失やサービス低下があり、機能およびユーザビリティを復元するための早急な処置が必要。</a:t>
@@ -2940,11 +3130,14 @@
                       </a:solidFill>
                       <a:prstDash val="solid"/>
                     </a:lnL>
-                    <a:lnR w="6350">
+                    <a:lnR w="6350" cap="flat" cmpd="sng" algn="ctr">
                       <a:solidFill>
                         <a:srgbClr val="B7B8B8"/>
                       </a:solidFill>
                       <a:prstDash val="solid"/>
+                      <a:round/>
+                      <a:headEnd type="none" w="med" len="med"/>
+                      <a:tailEnd type="none" w="med" len="med"/>
                     </a:lnR>
                     <a:lnT w="6350">
                       <a:solidFill>
@@ -2965,57 +3158,53 @@
                     <a:bodyPr/>
                     <a:lstStyle/>
                     <a:p>
-                      <a:pPr marL="342900" marR="492125" indent="0" algn="ctr">
-                        <a:lnSpc>
-                          <a:spcPct val="102200"/>
-                        </a:lnSpc>
-                      </a:pPr>
+                      <a:pPr algn="ctr" fontAlgn="ctr"/>
                       <a:r>
-                        <a:rPr lang="ja-JP" sz="900" dirty="0">
+                        <a:rPr lang="ja-JP" sz="900" b="0" i="0" u="none" strike="noStrike" dirty="0">
                           <a:solidFill>
                             <a:srgbClr val="020302"/>
                           </a:solidFill>
-                          <a:latin typeface="Adobe Clean Han Regular" panose="020B0500000000000000" pitchFamily="34" charset="-128"/>
-                          <a:ea typeface="Adobe Clean Han Regular" panose="020B0500000000000000" pitchFamily="34" charset="-128"/>
-                          <a:cs typeface="AdobeClean-Light"/>
+                          <a:latin typeface="Adobe Clean Han Light" panose="020B0300000000000000" pitchFamily="34" charset="-128"/>
+                          <a:ea typeface="Adobe Clean Han Light" panose="020B0300000000000000" pitchFamily="34" charset="-128"/>
                         </a:rPr>
                         <a:t>24 時間年中無休／</a:t>
                       </a:r>
                       <a:br>
-                        <a:rPr lang="sk-SK" altLang="ja-JP" sz="900" dirty="0">
+                        <a:rPr lang="sk-SK" altLang="ja-JP" sz="900" b="0" i="0" u="none" strike="noStrike" dirty="0">
                           <a:solidFill>
                             <a:srgbClr val="020302"/>
                           </a:solidFill>
-                          <a:latin typeface="Adobe Clean Han Regular" panose="020B0500000000000000" pitchFamily="34" charset="-128"/>
-                          <a:ea typeface="Adobe Clean Han Regular" panose="020B0500000000000000" pitchFamily="34" charset="-128"/>
-                          <a:cs typeface="AdobeClean-Light"/>
+                          <a:latin typeface="Adobe Clean Han Light" panose="020B0300000000000000" pitchFamily="34" charset="-128"/>
+                          <a:ea typeface="Adobe Clean Han Light" panose="020B0300000000000000" pitchFamily="34" charset="-128"/>
                         </a:rPr>
                       </a:br>
                       <a:r>
-                        <a:rPr lang="ja-JP" sz="900" dirty="0">
+                        <a:rPr lang="ja-JP" sz="900" b="0" i="0" u="none" strike="noStrike" dirty="0">
                           <a:solidFill>
                             <a:srgbClr val="020302"/>
                           </a:solidFill>
-                          <a:latin typeface="Adobe Clean Han Regular" panose="020B0500000000000000" pitchFamily="34" charset="-128"/>
-                          <a:ea typeface="Adobe Clean Han Regular" panose="020B0500000000000000" pitchFamily="34" charset="-128"/>
-                          <a:cs typeface="AdobeClean-Light"/>
+                          <a:latin typeface="Adobe Clean Han Light" panose="020B0300000000000000" pitchFamily="34" charset="-128"/>
+                          <a:ea typeface="Adobe Clean Han Light" panose="020B0300000000000000" pitchFamily="34" charset="-128"/>
                         </a:rPr>
                         <a:t>1 時間</a:t>
                       </a:r>
                     </a:p>
                   </a:txBody>
-                  <a:tcPr marL="0" marR="0" marT="0" marB="0" anchor="ctr">
+                  <a:tcPr marL="9525" marR="9525" marT="9525" marB="0" anchor="ctr">
                     <a:lnL w="6350">
                       <a:solidFill>
                         <a:srgbClr val="B7B8B8"/>
                       </a:solidFill>
                       <a:prstDash val="solid"/>
                     </a:lnL>
-                    <a:lnR w="6350">
+                    <a:lnR w="6350" cap="flat" cmpd="sng" algn="ctr">
                       <a:solidFill>
                         <a:srgbClr val="B7B8B8"/>
                       </a:solidFill>
                       <a:prstDash val="solid"/>
+                      <a:round/>
+                      <a:headEnd type="none" w="med" len="med"/>
+                      <a:tailEnd type="none" w="med" len="med"/>
                     </a:lnR>
                     <a:lnT w="76200">
                       <a:solidFill>
@@ -3036,33 +3225,47 @@
                     <a:bodyPr/>
                     <a:lstStyle/>
                     <a:p>
-                      <a:pPr marL="171450" marR="476250" indent="0" algn="ctr">
-                        <a:lnSpc>
-                          <a:spcPct val="100000"/>
-                        </a:lnSpc>
-                        <a:spcBef>
-                          <a:spcPts val="700"/>
-                        </a:spcBef>
-                      </a:pPr>
+                      <a:pPr algn="ctr" fontAlgn="ctr"/>
                       <a:r>
-                        <a:rPr lang="ja-JP" sz="900" dirty="0">
+                        <a:rPr lang="ja-JP" sz="900" b="0" i="0" u="none" strike="noStrike" dirty="0">
                           <a:solidFill>
                             <a:srgbClr val="020302"/>
                           </a:solidFill>
-                          <a:latin typeface="Adobe Clean Han Regular" panose="020B0500000000000000" pitchFamily="34" charset="-128"/>
-                          <a:ea typeface="Adobe Clean Han Regular" panose="020B0500000000000000" pitchFamily="34" charset="-128"/>
-                          <a:cs typeface="AdobeClean-Light"/>
+                          <a:latin typeface="Adobe Clean Han Light" panose="020B0300000000000000" pitchFamily="34" charset="-128"/>
+                          <a:ea typeface="Adobe Clean Han Light" panose="020B0300000000000000" pitchFamily="34" charset="-128"/>
                         </a:rPr>
-                        <a:t>24 時間年中無休／30 分</a:t>
+                        <a:t>24 時間年中無休／</a:t>
+                      </a:r>
+                      <a:br>
+                        <a:rPr lang="sk-SK" altLang="ja-JP" sz="900" b="0" i="0" u="none" strike="noStrike" dirty="0">
+                          <a:solidFill>
+                            <a:srgbClr val="020302"/>
+                          </a:solidFill>
+                          <a:latin typeface="Adobe Clean Han Light" panose="020B0300000000000000" pitchFamily="34" charset="-128"/>
+                          <a:ea typeface="Adobe Clean Han Light" panose="020B0300000000000000" pitchFamily="34" charset="-128"/>
+                        </a:rPr>
+                      </a:br>
+                      <a:r>
+                        <a:rPr lang="ja-JP" sz="900" b="0" i="0" u="none" strike="noStrike" dirty="0">
+                          <a:solidFill>
+                            <a:srgbClr val="020302"/>
+                          </a:solidFill>
+                          <a:latin typeface="Adobe Clean Han Light" panose="020B0300000000000000" pitchFamily="34" charset="-128"/>
+                          <a:ea typeface="Adobe Clean Han Light" panose="020B0300000000000000" pitchFamily="34" charset="-128"/>
+                        </a:rPr>
+                        <a:t>30 分</a:t>
                       </a:r>
                     </a:p>
                   </a:txBody>
-                  <a:tcPr marL="0" marR="0" marT="0" marB="0" anchor="ctr">
-                    <a:lnL w="6350">
+                  <a:tcPr marL="9525" marR="9525" marT="9525" marB="0" anchor="ctr">
+                    <a:lnL w="6350" cap="flat" cmpd="sng" algn="ctr">
                       <a:solidFill>
                         <a:srgbClr val="B7B8B8"/>
                       </a:solidFill>
                       <a:prstDash val="solid"/>
+                      <a:round/>
+                      <a:headEnd type="none" w="med" len="med"/>
+                      <a:tailEnd type="none" w="med" len="med"/>
                     </a:lnL>
                     <a:lnR w="6350" cap="flat" cmpd="sng" algn="ctr">
                       <a:solidFill>
@@ -3101,7 +3304,7 @@
                   </a:ext>
                 </a:extLst>
               </a:tr>
-              <a:tr h="484755">
+              <a:tr h="0">
                 <a:tc>
                   <a:txBody>
                     <a:bodyPr/>
@@ -3116,7 +3319,7 @@
                         </a:spcBef>
                       </a:pPr>
                       <a:r>
-                        <a:rPr lang="ja-JP" sz="900" b="1">
+                        <a:rPr lang="ja-JP" sz="900" b="1" dirty="0">
                           <a:solidFill>
                             <a:srgbClr val="020302"/>
                           </a:solidFill>
@@ -3137,12 +3340,12 @@
                         </a:spcBef>
                       </a:pPr>
                       <a:r>
-                        <a:rPr lang="ja-JP" sz="900" b="0" i="0" u="none" strike="noStrike">
+                        <a:rPr lang="ja-JP" sz="900" b="0" i="0" u="none" strike="noStrike" dirty="0">
                           <a:solidFill>
                             <a:schemeClr val="tx1"/>
                           </a:solidFill>
-                          <a:latin typeface="Adobe Clean Han Regular" panose="020B0500000000000000" pitchFamily="34" charset="-128"/>
-                          <a:ea typeface="Adobe Clean Han Regular" panose="020B0500000000000000" pitchFamily="34" charset="-128"/>
+                          <a:latin typeface="Adobe Clean Han Light" panose="020B0300000000000000" pitchFamily="34" charset="-128"/>
+                          <a:ea typeface="Adobe Clean Han Light" panose="020B0300000000000000" pitchFamily="34" charset="-128"/>
                           <a:cs typeface="+mn-cs"/>
                         </a:rPr>
                         <a:t>お客様の業務機能に重大なサービス低下や潜在的なデータ損失、サービス使用不能の可能性があるか、主な機能が影響を受けている。</a:t>
@@ -3156,11 +3359,14 @@
                       </a:solidFill>
                       <a:prstDash val="solid"/>
                     </a:lnL>
-                    <a:lnR w="6350">
+                    <a:lnR w="6350" cap="flat" cmpd="sng" algn="ctr">
                       <a:solidFill>
                         <a:srgbClr val="B7B8B8"/>
                       </a:solidFill>
                       <a:prstDash val="solid"/>
+                      <a:round/>
+                      <a:headEnd type="none" w="med" len="med"/>
+                      <a:tailEnd type="none" w="med" len="med"/>
                     </a:lnR>
                     <a:lnT w="6350">
                       <a:solidFill>
@@ -3181,57 +3387,34 @@
                     <a:bodyPr/>
                     <a:lstStyle/>
                     <a:p>
-                      <a:pPr marL="285750" marR="343535" indent="-57150" algn="ctr">
-                        <a:lnSpc>
-                          <a:spcPct val="102200"/>
-                        </a:lnSpc>
-                      </a:pPr>
+                      <a:pPr algn="ctr" fontAlgn="ctr"/>
                       <a:r>
-                        <a:rPr lang="ja-JP" sz="900" dirty="0">
+                        <a:rPr lang="ja-JP" sz="900" b="0" i="0" u="none" strike="noStrike" dirty="0">
                           <a:solidFill>
                             <a:srgbClr val="020302"/>
                           </a:solidFill>
-                          <a:latin typeface="Adobe Clean Han Regular" panose="020B0500000000000000" pitchFamily="34" charset="-128"/>
-                          <a:ea typeface="Adobe Clean Han Regular" panose="020B0500000000000000" pitchFamily="34" charset="-128"/>
-                          <a:cs typeface="AdobeClean-Light"/>
+                          <a:latin typeface="Adobe Clean Han Light" panose="020B0300000000000000" pitchFamily="34" charset="-128"/>
+                          <a:ea typeface="Adobe Clean Han Light" panose="020B0300000000000000" pitchFamily="34" charset="-128"/>
                         </a:rPr>
-                        <a:t>営業時間／</a:t>
-                      </a:r>
-                      <a:br>
-                        <a:rPr lang="sk-SK" altLang="ja-JP" sz="900" dirty="0">
-                          <a:solidFill>
-                            <a:srgbClr val="020302"/>
-                          </a:solidFill>
-                          <a:latin typeface="Adobe Clean Han Regular" panose="020B0500000000000000" pitchFamily="34" charset="-128"/>
-                          <a:ea typeface="Adobe Clean Han Regular" panose="020B0500000000000000" pitchFamily="34" charset="-128"/>
-                          <a:cs typeface="AdobeClean-Light"/>
-                        </a:rPr>
-                      </a:br>
-                      <a:r>
-                        <a:rPr lang="ja-JP" sz="900" dirty="0">
-                          <a:solidFill>
-                            <a:srgbClr val="020302"/>
-                          </a:solidFill>
-                          <a:latin typeface="Adobe Clean Han Regular" panose="020B0500000000000000" pitchFamily="34" charset="-128"/>
-                          <a:ea typeface="Adobe Clean Han Regular" panose="020B0500000000000000" pitchFamily="34" charset="-128"/>
-                          <a:cs typeface="AdobeClean-Light"/>
-                        </a:rPr>
-                        <a:t>4 時間</a:t>
+                        <a:t>営業時間／4 時間</a:t>
                       </a:r>
                     </a:p>
                   </a:txBody>
-                  <a:tcPr marL="0" marR="0" marT="0" marB="0" anchor="ctr">
+                  <a:tcPr marL="9525" marR="9525" marT="9525" marB="0" anchor="ctr">
                     <a:lnL w="6350">
                       <a:solidFill>
                         <a:srgbClr val="B7B8B8"/>
                       </a:solidFill>
                       <a:prstDash val="solid"/>
                     </a:lnL>
-                    <a:lnR w="6350">
+                    <a:lnR w="6350" cap="flat" cmpd="sng" algn="ctr">
                       <a:solidFill>
                         <a:srgbClr val="B7B8B8"/>
                       </a:solidFill>
                       <a:prstDash val="solid"/>
+                      <a:round/>
+                      <a:headEnd type="none" w="med" len="med"/>
+                      <a:tailEnd type="none" w="med" len="med"/>
                     </a:lnR>
                     <a:lnT w="6350">
                       <a:solidFill>
@@ -3252,30 +3435,58 @@
                     <a:bodyPr/>
                     <a:lstStyle/>
                     <a:p>
-                      <a:pPr marL="342900" marR="492125" indent="0" algn="ctr">
-                        <a:lnSpc>
-                          <a:spcPct val="102200"/>
-                        </a:lnSpc>
-                      </a:pPr>
+                      <a:pPr algn="ctr" fontAlgn="ctr"/>
                       <a:r>
-                        <a:rPr lang="ja-JP" sz="900" dirty="0">
+                        <a:rPr lang="ja-JP" altLang="en-US" sz="900" b="0" i="0" u="none" strike="noStrike" dirty="0">
                           <a:solidFill>
                             <a:srgbClr val="020302"/>
                           </a:solidFill>
-                          <a:latin typeface="Adobe Clean Han Regular" panose="020B0500000000000000" pitchFamily="34" charset="-128"/>
-                          <a:ea typeface="Adobe Clean Han Regular" panose="020B0500000000000000" pitchFamily="34" charset="-128"/>
-                          <a:cs typeface="AdobeClean-Light"/>
+                          <a:latin typeface="Adobe Clean Han Light" panose="020B0300000000000000" pitchFamily="34" charset="-128"/>
+                          <a:ea typeface="Adobe Clean Han Light" panose="020B0300000000000000" pitchFamily="34" charset="-128"/>
                         </a:rPr>
-                        <a:t>24 時間週 5 日／1 時間</a:t>
+                        <a:t>平日</a:t>
+                      </a:r>
+                      <a:r>
+                        <a:rPr lang="en-US" altLang="ja-JP" sz="900" b="0" i="0" u="none" strike="noStrike" dirty="0">
+                          <a:solidFill>
+                            <a:srgbClr val="020302"/>
+                          </a:solidFill>
+                          <a:latin typeface="Adobe Clean Han Light" panose="020B0300000000000000" pitchFamily="34" charset="-128"/>
+                          <a:ea typeface="Adobe Clean Han Light" panose="020B0300000000000000" pitchFamily="34" charset="-128"/>
+                        </a:rPr>
+                        <a:t>24</a:t>
+                      </a:r>
+                      <a:r>
+                        <a:rPr lang="ja-JP" altLang="en-US" sz="900" b="0" i="0" u="none" strike="noStrike" dirty="0">
+                          <a:solidFill>
+                            <a:srgbClr val="020302"/>
+                          </a:solidFill>
+                          <a:latin typeface="Adobe Clean Han Light" panose="020B0300000000000000" pitchFamily="34" charset="-128"/>
+                          <a:ea typeface="Adobe Clean Han Light" panose="020B0300000000000000" pitchFamily="34" charset="-128"/>
+                        </a:rPr>
+                        <a:t>時間</a:t>
+                      </a:r>
+                      <a:r>
+                        <a:rPr lang="ja-JP" sz="900" b="0" i="0" u="none" strike="noStrike" dirty="0">
+                          <a:solidFill>
+                            <a:srgbClr val="020302"/>
+                          </a:solidFill>
+                          <a:latin typeface="Adobe Clean Han Light" panose="020B0300000000000000" pitchFamily="34" charset="-128"/>
+                          <a:ea typeface="Adobe Clean Han Light" panose="020B0300000000000000" pitchFamily="34" charset="-128"/>
+                        </a:rPr>
+                        <a:t>／1 時間</a:t>
                       </a:r>
                     </a:p>
                   </a:txBody>
-                  <a:tcPr marL="0" marR="0" marT="0" marB="0" anchor="ctr">
-                    <a:lnL w="6350">
+                  <a:tcPr marL="9525" marR="9525" marT="9525" marB="0" anchor="ctr">
+                    <a:lnL w="6350" cap="flat" cmpd="sng" algn="ctr">
                       <a:solidFill>
                         <a:srgbClr val="B7B8B8"/>
                       </a:solidFill>
                       <a:prstDash val="solid"/>
+                      <a:round/>
+                      <a:headEnd type="none" w="med" len="med"/>
+                      <a:tailEnd type="none" w="med" len="med"/>
                     </a:lnL>
                     <a:lnR w="6350" cap="flat" cmpd="sng" algn="ctr">
                       <a:solidFill>
@@ -3326,7 +3537,7 @@
                         </a:spcBef>
                       </a:pPr>
                       <a:r>
-                        <a:rPr lang="ja-JP" sz="900" b="1">
+                        <a:rPr lang="ja-JP" sz="900" b="1" dirty="0">
                           <a:solidFill>
                             <a:srgbClr val="020302"/>
                           </a:solidFill>
@@ -3347,15 +3558,15 @@
                         </a:spcBef>
                       </a:pPr>
                       <a:r>
-                        <a:rPr lang="ja-JP" sz="900" b="0" i="0" u="none" strike="noStrike">
+                        <a:rPr lang="ja-JP" sz="900" b="0" i="0" u="none" strike="noStrike" dirty="0">
                           <a:solidFill>
                             <a:schemeClr val="tx1"/>
                           </a:solidFill>
-                          <a:latin typeface="Adobe Clean Han Regular" panose="020B0500000000000000" pitchFamily="34" charset="-128"/>
-                          <a:ea typeface="Adobe Clean Han Regular" panose="020B0500000000000000" pitchFamily="34" charset="-128"/>
+                          <a:latin typeface="Adobe Clean Han Light" panose="020B0300000000000000" pitchFamily="34" charset="-128"/>
+                          <a:ea typeface="Adobe Clean Han Light" panose="020B0300000000000000" pitchFamily="34" charset="-128"/>
                           <a:cs typeface="+mn-cs"/>
                         </a:rPr>
-                        <a:t>お客様の業務機能に軽微なサービス低下があるが、業務機能を正常に続行できるソリューション／回避策が存在する。  </a:t>
+                        <a:t>お客様の業務機能に軽微なサービス低下があるが、業務機能を正常に続行できる解決策／回避策が存在する。 </a:t>
                       </a:r>
                     </a:p>
                   </a:txBody>
@@ -3366,11 +3577,14 @@
                       </a:solidFill>
                       <a:prstDash val="solid"/>
                     </a:lnL>
-                    <a:lnR w="6350">
+                    <a:lnR w="6350" cap="flat" cmpd="sng" algn="ctr">
                       <a:solidFill>
                         <a:srgbClr val="B7B8B8"/>
                       </a:solidFill>
                       <a:prstDash val="solid"/>
+                      <a:round/>
+                      <a:headEnd type="none" w="med" len="med"/>
+                      <a:tailEnd type="none" w="med" len="med"/>
                     </a:lnR>
                     <a:lnT w="6350">
                       <a:solidFill>
@@ -3391,57 +3605,34 @@
                     <a:bodyPr/>
                     <a:lstStyle/>
                     <a:p>
-                      <a:pPr marL="285750" marR="343535" indent="12700" algn="ctr">
-                        <a:lnSpc>
-                          <a:spcPct val="102200"/>
-                        </a:lnSpc>
-                      </a:pPr>
+                      <a:pPr algn="ctr" fontAlgn="ctr"/>
                       <a:r>
-                        <a:rPr lang="ja-JP" sz="900" dirty="0">
+                        <a:rPr lang="ja-JP" sz="900" b="0" i="0" u="none" strike="noStrike">
                           <a:solidFill>
                             <a:srgbClr val="020302"/>
                           </a:solidFill>
-                          <a:latin typeface="Adobe Clean Han Regular" panose="020B0500000000000000" pitchFamily="34" charset="-128"/>
-                          <a:ea typeface="Adobe Clean Han Regular" panose="020B0500000000000000" pitchFamily="34" charset="-128"/>
-                          <a:cs typeface="AdobeClean-Light"/>
+                          <a:latin typeface="Adobe Clean Han Light" panose="020B0300000000000000" pitchFamily="34" charset="-128"/>
+                          <a:ea typeface="Adobe Clean Han Light" panose="020B0300000000000000" pitchFamily="34" charset="-128"/>
                         </a:rPr>
-                        <a:t>営業時間／</a:t>
-                      </a:r>
-                      <a:br>
-                        <a:rPr lang="sk-SK" altLang="ja-JP" sz="900" dirty="0">
-                          <a:solidFill>
-                            <a:srgbClr val="020302"/>
-                          </a:solidFill>
-                          <a:latin typeface="Adobe Clean Han Regular" panose="020B0500000000000000" pitchFamily="34" charset="-128"/>
-                          <a:ea typeface="Adobe Clean Han Regular" panose="020B0500000000000000" pitchFamily="34" charset="-128"/>
-                          <a:cs typeface="AdobeClean-Light"/>
-                        </a:rPr>
-                      </a:br>
-                      <a:r>
-                        <a:rPr lang="ja-JP" sz="900" dirty="0">
-                          <a:solidFill>
-                            <a:srgbClr val="020302"/>
-                          </a:solidFill>
-                          <a:latin typeface="Adobe Clean Han Regular" panose="020B0500000000000000" pitchFamily="34" charset="-128"/>
-                          <a:ea typeface="Adobe Clean Han Regular" panose="020B0500000000000000" pitchFamily="34" charset="-128"/>
-                          <a:cs typeface="AdobeClean-Light"/>
-                        </a:rPr>
-                        <a:t>6 時間</a:t>
+                        <a:t>営業時間／6 時間</a:t>
                       </a:r>
                     </a:p>
                   </a:txBody>
-                  <a:tcPr marL="0" marR="0" marT="0" marB="0" anchor="ctr">
+                  <a:tcPr marL="9525" marR="9525" marT="9525" marB="0" anchor="ctr">
                     <a:lnL w="6350">
                       <a:solidFill>
                         <a:srgbClr val="B7B8B8"/>
                       </a:solidFill>
                       <a:prstDash val="solid"/>
                     </a:lnL>
-                    <a:lnR w="6350">
+                    <a:lnR w="6350" cap="flat" cmpd="sng" algn="ctr">
                       <a:solidFill>
                         <a:srgbClr val="B7B8B8"/>
                       </a:solidFill>
                       <a:prstDash val="solid"/>
+                      <a:round/>
+                      <a:headEnd type="none" w="med" len="med"/>
+                      <a:tailEnd type="none" w="med" len="med"/>
                     </a:lnR>
                     <a:lnT w="6350">
                       <a:solidFill>
@@ -3462,54 +3653,28 @@
                     <a:bodyPr/>
                     <a:lstStyle/>
                     <a:p>
-                      <a:pPr marL="228600" marR="398780" indent="3175" algn="ctr">
-                        <a:lnSpc>
-                          <a:spcPct val="102200"/>
-                        </a:lnSpc>
-                        <a:spcBef>
-                          <a:spcPts val="675"/>
-                        </a:spcBef>
-                      </a:pPr>
+                      <a:pPr algn="ctr" fontAlgn="ctr"/>
                       <a:r>
-                        <a:rPr lang="ja-JP" sz="900" dirty="0">
+                        <a:rPr lang="ja-JP" sz="900" b="0" i="0" u="none" strike="noStrike" dirty="0">
                           <a:solidFill>
                             <a:srgbClr val="020302"/>
                           </a:solidFill>
-                          <a:latin typeface="Adobe Clean Han Regular" panose="020B0500000000000000" pitchFamily="34" charset="-128"/>
-                          <a:ea typeface="Adobe Clean Han Regular" panose="020B0500000000000000" pitchFamily="34" charset="-128"/>
-                          <a:cs typeface="AdobeClean-Light"/>
+                          <a:latin typeface="Adobe Clean Han Light" panose="020B0300000000000000" pitchFamily="34" charset="-128"/>
+                          <a:ea typeface="Adobe Clean Han Light" panose="020B0300000000000000" pitchFamily="34" charset="-128"/>
                         </a:rPr>
-                        <a:t>営業時間／</a:t>
-                      </a:r>
-                      <a:br>
-                        <a:rPr lang="sk-SK" altLang="ja-JP" sz="900" dirty="0">
-                          <a:solidFill>
-                            <a:srgbClr val="020302"/>
-                          </a:solidFill>
-                          <a:latin typeface="Adobe Clean Han Regular" panose="020B0500000000000000" pitchFamily="34" charset="-128"/>
-                          <a:ea typeface="Adobe Clean Han Regular" panose="020B0500000000000000" pitchFamily="34" charset="-128"/>
-                          <a:cs typeface="AdobeClean-Light"/>
-                        </a:rPr>
-                      </a:br>
-                      <a:r>
-                        <a:rPr lang="ja-JP" sz="900" dirty="0">
-                          <a:solidFill>
-                            <a:srgbClr val="020302"/>
-                          </a:solidFill>
-                          <a:latin typeface="Adobe Clean Han Regular" panose="020B0500000000000000" pitchFamily="34" charset="-128"/>
-                          <a:ea typeface="Adobe Clean Han Regular" panose="020B0500000000000000" pitchFamily="34" charset="-128"/>
-                          <a:cs typeface="AdobeClean-Light"/>
-                        </a:rPr>
-                        <a:t>2 時間</a:t>
+                        <a:t>営業時間／2 時間</a:t>
                       </a:r>
                     </a:p>
                   </a:txBody>
-                  <a:tcPr marL="0" marR="0" marT="0" marB="0" anchor="ctr">
-                    <a:lnL w="6350">
+                  <a:tcPr marL="9525" marR="9525" marT="9525" marB="0" anchor="ctr">
+                    <a:lnL w="6350" cap="flat" cmpd="sng" algn="ctr">
                       <a:solidFill>
                         <a:srgbClr val="B7B8B8"/>
                       </a:solidFill>
                       <a:prstDash val="solid"/>
+                      <a:round/>
+                      <a:headEnd type="none" w="med" len="med"/>
+                      <a:tailEnd type="none" w="med" len="med"/>
                     </a:lnL>
                     <a:lnR w="6350" cap="flat" cmpd="sng" algn="ctr">
                       <a:solidFill>
@@ -3560,7 +3725,7 @@
                         </a:spcBef>
                       </a:pPr>
                       <a:r>
-                        <a:rPr lang="ja-JP" sz="900" b="1">
+                        <a:rPr lang="ja-JP" sz="900" b="1" dirty="0">
                           <a:solidFill>
                             <a:srgbClr val="020302"/>
                           </a:solidFill>
@@ -3581,23 +3746,23 @@
                         </a:spcBef>
                       </a:pPr>
                       <a:r>
-                        <a:rPr lang="ja-JP" sz="900" b="1">
+                        <a:rPr lang="ja-JP" sz="900" b="1" dirty="0">
                           <a:solidFill>
                             <a:srgbClr val="020302"/>
                           </a:solidFill>
-                          <a:latin typeface="Adobe Clean Han Regular" panose="020B0500000000000000" pitchFamily="34" charset="-128"/>
-                          <a:ea typeface="Adobe Clean Han Regular" panose="020B0500000000000000" pitchFamily="34" charset="-128"/>
-                          <a:cs typeface="Adobe Clean"/>
+                          <a:latin typeface="Adobe Clean Han Light" panose="020B0300000000000000" pitchFamily="34" charset="-128"/>
+                          <a:ea typeface="Adobe Clean Han Light" panose="020B0300000000000000" pitchFamily="34" charset="-128"/>
+                          <a:cs typeface="+mn-cs"/>
                         </a:rPr>
-                        <a:t> </a:t>
+                        <a:t> </a:t>
                       </a:r>
                       <a:r>
-                        <a:rPr lang="ja-JP" sz="900" b="0" i="0" u="none" strike="noStrike">
+                        <a:rPr lang="ja-JP" sz="900" b="0" i="0" u="none" strike="noStrike" dirty="0">
                           <a:solidFill>
                             <a:schemeClr val="tx1"/>
                           </a:solidFill>
-                          <a:latin typeface="Adobe Clean Han Regular" panose="020B0500000000000000" pitchFamily="34" charset="-128"/>
-                          <a:ea typeface="Adobe Clean Han Regular" panose="020B0500000000000000" pitchFamily="34" charset="-128"/>
+                          <a:latin typeface="Adobe Clean Han Light" panose="020B0300000000000000" pitchFamily="34" charset="-128"/>
+                          <a:ea typeface="Adobe Clean Han Light" panose="020B0300000000000000" pitchFamily="34" charset="-128"/>
                           <a:cs typeface="+mn-cs"/>
                         </a:rPr>
                         <a:t>現在の製品機能に関する一般的な質問または機能拡張のリクエスト。</a:t>
@@ -3611,11 +3776,14 @@
                       </a:solidFill>
                       <a:prstDash val="solid"/>
                     </a:lnL>
-                    <a:lnR w="6350">
+                    <a:lnR w="6350" cap="flat" cmpd="sng" algn="ctr">
                       <a:solidFill>
                         <a:srgbClr val="B7B8B8"/>
                       </a:solidFill>
                       <a:prstDash val="solid"/>
+                      <a:round/>
+                      <a:headEnd type="none" w="med" len="med"/>
+                      <a:tailEnd type="none" w="med" len="med"/>
                     </a:lnR>
                     <a:lnT w="6350">
                       <a:solidFill>
@@ -3636,36 +3804,34 @@
                     <a:bodyPr/>
                     <a:lstStyle/>
                     <a:p>
-                      <a:pPr marL="473709" marR="343535" indent="-175895" algn="ctr">
-                        <a:lnSpc>
-                          <a:spcPct val="102200"/>
-                        </a:lnSpc>
-                      </a:pPr>
+                      <a:pPr algn="ctr" fontAlgn="ctr"/>
                       <a:r>
-                        <a:rPr lang="ja-JP" sz="900">
+                        <a:rPr lang="ja-JP" sz="900" b="0" i="0" u="none" strike="noStrike">
                           <a:solidFill>
                             <a:srgbClr val="020302"/>
                           </a:solidFill>
-                          <a:latin typeface="Adobe Clean Han Regular" panose="020B0500000000000000" pitchFamily="34" charset="-128"/>
-                          <a:ea typeface="Adobe Clean Han Regular" panose="020B0500000000000000" pitchFamily="34" charset="-128"/>
-                          <a:cs typeface="AdobeClean-Light"/>
+                          <a:latin typeface="Adobe Clean Han Light" panose="020B0300000000000000" pitchFamily="34" charset="-128"/>
+                          <a:ea typeface="Adobe Clean Han Light" panose="020B0300000000000000" pitchFamily="34" charset="-128"/>
                         </a:rPr>
                         <a:t>営業日／3 日</a:t>
                       </a:r>
                     </a:p>
                   </a:txBody>
-                  <a:tcPr marL="0" marR="0" marT="0" marB="0" anchor="ctr">
+                  <a:tcPr marL="9525" marR="9525" marT="9525" marB="0" anchor="ctr">
                     <a:lnL w="6350">
                       <a:solidFill>
                         <a:srgbClr val="B7B8B8"/>
                       </a:solidFill>
                       <a:prstDash val="solid"/>
                     </a:lnL>
-                    <a:lnR w="6350">
+                    <a:lnR w="6350" cap="flat" cmpd="sng" algn="ctr">
                       <a:solidFill>
                         <a:srgbClr val="B7B8B8"/>
                       </a:solidFill>
                       <a:prstDash val="solid"/>
+                      <a:round/>
+                      <a:headEnd type="none" w="med" len="med"/>
+                      <a:tailEnd type="none" w="med" len="med"/>
                     </a:lnR>
                     <a:lnT w="6350">
                       <a:solidFill>
@@ -3686,30 +3852,28 @@
                     <a:bodyPr/>
                     <a:lstStyle/>
                     <a:p>
-                      <a:pPr marL="473709" marR="343535" indent="-175895" algn="ctr">
-                        <a:lnSpc>
-                          <a:spcPct val="102200"/>
-                        </a:lnSpc>
-                      </a:pPr>
+                      <a:pPr algn="ctr" fontAlgn="ctr"/>
                       <a:r>
-                        <a:rPr lang="ja-JP" sz="900" dirty="0">
+                        <a:rPr lang="ja-JP" sz="900" b="0" i="0" u="none" strike="noStrike" dirty="0">
                           <a:solidFill>
                             <a:srgbClr val="020302"/>
                           </a:solidFill>
-                          <a:latin typeface="Adobe Clean Han Regular" panose="020B0500000000000000" pitchFamily="34" charset="-128"/>
-                          <a:ea typeface="Adobe Clean Han Regular" panose="020B0500000000000000" pitchFamily="34" charset="-128"/>
-                          <a:cs typeface="AdobeClean-Light"/>
+                          <a:latin typeface="Adobe Clean Han Light" panose="020B0300000000000000" pitchFamily="34" charset="-128"/>
+                          <a:ea typeface="Adobe Clean Han Light" panose="020B0300000000000000" pitchFamily="34" charset="-128"/>
                         </a:rPr>
                         <a:t>営業日／1 日</a:t>
                       </a:r>
                     </a:p>
                   </a:txBody>
-                  <a:tcPr marL="0" marR="0" marT="0" marB="0" anchor="ctr">
-                    <a:lnL w="6350">
+                  <a:tcPr marL="9525" marR="9525" marT="9525" marB="0" anchor="ctr">
+                    <a:lnL w="6350" cap="flat" cmpd="sng" algn="ctr">
                       <a:solidFill>
                         <a:srgbClr val="B7B8B8"/>
                       </a:solidFill>
                       <a:prstDash val="solid"/>
+                      <a:round/>
+                      <a:headEnd type="none" w="med" len="med"/>
+                      <a:tailEnd type="none" w="med" len="med"/>
                     </a:lnL>
                     <a:lnR w="6350" cap="flat" cmpd="sng" algn="ctr">
                       <a:solidFill>
@@ -3784,7 +3948,7 @@
         <p:spPr>
           <a:xfrm>
             <a:off x="97788" y="9888626"/>
-            <a:ext cx="2721612" cy="133370"/>
+            <a:ext cx="2245360" cy="133370"/>
           </a:xfrm>
           <a:prstGeom prst="rect">
             <a:avLst/>
@@ -3805,10 +3969,7 @@
               </a:spcBef>
             </a:pPr>
             <a:r>
-              <a:rPr lang="ja-JP" dirty="0">
-                <a:latin typeface="Adobe Clean Han Regular" panose="020B0500000000000000" pitchFamily="34" charset="-128"/>
-                <a:ea typeface="Adobe Clean Han Regular" panose="020B0500000000000000" pitchFamily="34" charset="-128"/>
-              </a:rPr>
+              <a:rPr lang="ja-JP"/>
               <a:t>©2021 Adobe.All Rights Reserved.Adobe Confidential.</a:t>
             </a:r>
           </a:p>
@@ -3847,8 +4008,6 @@
                 <a:solidFill>
                   <a:schemeClr val="bg1"/>
                 </a:solidFill>
-                <a:latin typeface="Adobe Clean Han Regular" panose="020B0500000000000000" pitchFamily="34" charset="-128"/>
-                <a:ea typeface="Adobe Clean Han Regular" panose="020B0500000000000000" pitchFamily="34" charset="-128"/>
               </a:rPr>
               <a:t>Adobe Experience Cloud</a:t>
             </a:r>
@@ -3870,7 +4029,7 @@
         <p:spPr>
           <a:xfrm>
             <a:off x="146919" y="756605"/>
-            <a:ext cx="6035427" cy="1242841"/>
+            <a:ext cx="6035427" cy="1244508"/>
           </a:xfrm>
           <a:prstGeom prst="rect">
             <a:avLst/>
@@ -3891,51 +4050,61 @@
               </a:spcBef>
             </a:pPr>
             <a:r>
-              <a:rPr lang="ja-JP" sz="1100" dirty="0">
+              <a:rPr lang="ja-JP" sz="1200" dirty="0">
+                <a:solidFill>
+                  <a:schemeClr val="bg1"/>
+                </a:solidFill>
+                <a:latin typeface="Adobe Clean Han Normal" panose="020B0400000000000000" pitchFamily="34" charset="-128"/>
+                <a:ea typeface="Adobe Clean Han Normal" panose="020B0400000000000000" pitchFamily="34" charset="-128"/>
+              </a:rPr>
+              <a:t>オンライン | ビジネス |</a:t>
+            </a:r>
+            <a:r>
+              <a:rPr lang="ja-JP" sz="1200" b="1" dirty="0">
+                <a:solidFill>
+                  <a:schemeClr val="bg1"/>
+                </a:solidFill>
+                <a:latin typeface="Adobe Clean Han Normal" panose="020B0400000000000000" pitchFamily="34" charset="-128"/>
+                <a:ea typeface="Adobe Clean Han Normal" panose="020B0400000000000000" pitchFamily="34" charset="-128"/>
+              </a:rPr>
+              <a:t> </a:t>
+            </a:r>
+            <a:r>
+              <a:rPr lang="ja-JP" sz="1200" b="1" dirty="0">
                 <a:solidFill>
                   <a:schemeClr val="bg1"/>
                 </a:solidFill>
                 <a:latin typeface="Adobe Clean Han Regular" panose="020B0500000000000000" pitchFamily="34" charset="-128"/>
                 <a:ea typeface="Adobe Clean Han Regular" panose="020B0500000000000000" pitchFamily="34" charset="-128"/>
               </a:rPr>
-              <a:t>オンライン | ビジネス |</a:t>
-            </a:r>
-            <a:r>
-              <a:rPr lang="ja-JP" sz="1100" b="1" dirty="0">
+              <a:t>エンタープライズ </a:t>
+            </a:r>
+            <a:r>
+              <a:rPr lang="ja-JP" sz="1200" dirty="0">
                 <a:solidFill>
                   <a:schemeClr val="bg1"/>
                 </a:solidFill>
-                <a:latin typeface="Adobe Clean Han Regular" panose="020B0500000000000000" pitchFamily="34" charset="-128"/>
-                <a:ea typeface="Adobe Clean Han Regular" panose="020B0500000000000000" pitchFamily="34" charset="-128"/>
+                <a:latin typeface="Adobe Clean Han Normal" panose="020B0400000000000000" pitchFamily="34" charset="-128"/>
+                <a:ea typeface="Adobe Clean Han Normal" panose="020B0400000000000000" pitchFamily="34" charset="-128"/>
               </a:rPr>
-              <a:t> エンタープライズ </a:t>
-            </a:r>
-            <a:r>
-              <a:rPr lang="ja-JP" sz="1100" dirty="0">
+              <a:t>| エリート</a:t>
+            </a:r>
+            <a:br>
+              <a:rPr lang="ja-JP" sz="900" dirty="0">
                 <a:solidFill>
                   <a:schemeClr val="bg1"/>
                 </a:solidFill>
-                <a:latin typeface="Adobe Clean Han Regular" panose="020B0500000000000000" pitchFamily="34" charset="-128"/>
-                <a:ea typeface="Adobe Clean Han Regular" panose="020B0500000000000000" pitchFamily="34" charset="-128"/>
+                <a:latin typeface="Adobe Clean Han Normal" panose="020B0400000000000000" pitchFamily="34" charset="-128"/>
+                <a:ea typeface="Adobe Clean Han Normal" panose="020B0400000000000000" pitchFamily="34" charset="-128"/>
               </a:rPr>
-              <a:t>| エリート</a:t>
-            </a:r>
-            <a:br>
-              <a:rPr lang="ja-JP" sz="800" dirty="0">
+            </a:br>
+            <a:r>
+              <a:rPr lang="ja-JP" sz="850" dirty="0">
                 <a:solidFill>
                   <a:schemeClr val="bg1"/>
                 </a:solidFill>
-                <a:latin typeface="Adobe Clean Han Regular" panose="020B0500000000000000" pitchFamily="34" charset="-128"/>
-                <a:ea typeface="Adobe Clean Han Regular" panose="020B0500000000000000" pitchFamily="34" charset="-128"/>
-              </a:rPr>
-            </a:br>
-            <a:r>
-              <a:rPr lang="ja-JP" sz="800" dirty="0">
-                <a:solidFill>
-                  <a:schemeClr val="bg1"/>
-                </a:solidFill>
-                <a:latin typeface="Adobe Clean Han Regular" panose="020B0500000000000000" pitchFamily="34" charset="-128"/>
-                <a:ea typeface="Adobe Clean Han Regular" panose="020B0500000000000000" pitchFamily="34" charset="-128"/>
+                <a:latin typeface="Adobe Clean Han Normal" panose="020B0400000000000000" pitchFamily="34" charset="-128"/>
+                <a:ea typeface="Adobe Clean Han Normal" panose="020B0400000000000000" pitchFamily="34" charset="-128"/>
               </a:rPr>
               <a:t>エンタープライズサポートでは、Adobe Experience League のパーソナライズされたラーニングパスやモニタリングされているコミュニティフォーラムへのアクセスが提供されます。アドビ製品に関する詳細なテクニカルドキュメントや最新のリリースノートは、いつでも参照可能です。また、エンタープライズサポートのお客様には、アドビサポートチーム内における専任の技術相談窓口として、専任サポートエンジニアが対応します。お客様がお使いの Experience Cloud ソリューションに関する豊富な知識と経験を持つサポートチームが、あらゆるサポートリクエストを適切なタイミングで解決できるように、テクニカルチームと協力してお客様を支援します。エンタープライズサポートには、お客様のビジネスの中断を最も重要なタイミングで最小限に抑えることができるような、さらなるサービスが充実しています。 </a:t>
             </a:r>
@@ -3957,14 +4126,14 @@
           <p:nvPr>
             <p:extLst>
               <p:ext uri="{D42A27DB-BD31-4B8C-83A1-F6EECF244321}">
-                <p14:modId xmlns:p14="http://schemas.microsoft.com/office/powerpoint/2010/main" val="3484316982"/>
+                <p14:modId xmlns:p14="http://schemas.microsoft.com/office/powerpoint/2010/main" val="1466003699"/>
               </p:ext>
             </p:extLst>
           </p:nvPr>
         </p:nvGraphicFramePr>
         <p:xfrm>
           <a:off x="125148" y="2159576"/>
-          <a:ext cx="7498851" cy="4843512"/>
+          <a:ext cx="7498851" cy="4675190"/>
         </p:xfrm>
         <a:graphic>
           <a:graphicData uri="http://schemas.openxmlformats.org/drawingml/2006/table">
@@ -3980,14 +4149,14 @@
                     </a:ext>
                   </a:extLst>
                 </a:gridCol>
-                <a:gridCol w="3133474">
+                <a:gridCol w="3409503">
                   <a:extLst>
                     <a:ext uri="{9D8B030D-6E8A-4147-A177-3AD203B41FA5}">
                       <a16:colId xmlns:a16="http://schemas.microsoft.com/office/drawing/2014/main" val="20001"/>
                     </a:ext>
                   </a:extLst>
                 </a:gridCol>
-                <a:gridCol w="1425889">
+                <a:gridCol w="1149860">
                   <a:extLst>
                     <a:ext uri="{9D8B030D-6E8A-4147-A177-3AD203B41FA5}">
                       <a16:colId xmlns:a16="http://schemas.microsoft.com/office/drawing/2014/main" val="2563521174"/>
@@ -4008,10 +4177,7 @@
                     <a:bodyPr/>
                     <a:lstStyle/>
                     <a:p>
-                      <a:endParaRPr lang="en-US">
-                        <a:latin typeface="Adobe Clean Han Regular" panose="020B0500000000000000" pitchFamily="34" charset="-128"/>
-                        <a:ea typeface="Adobe Clean Han Regular" panose="020B0500000000000000" pitchFamily="34" charset="-128"/>
-                      </a:endParaRPr>
+                      <a:endParaRPr lang="en-US"/>
                     </a:p>
                   </a:txBody>
                   <a:tcPr/>
@@ -4099,7 +4265,7 @@
                         </a:spcBef>
                       </a:pPr>
                       <a:r>
-                        <a:rPr lang="ja-JP" sz="900">
+                        <a:rPr lang="ja-JP" sz="900" dirty="0">
                           <a:solidFill>
                             <a:srgbClr val="FFFFFF"/>
                           </a:solidFill>
@@ -4156,10 +4322,7 @@
                     <a:bodyPr/>
                     <a:lstStyle/>
                     <a:p>
-                      <a:endParaRPr lang="en-US">
-                        <a:latin typeface="Adobe Clean Han Regular" panose="020B0500000000000000" pitchFamily="34" charset="-128"/>
-                        <a:ea typeface="Adobe Clean Han Regular" panose="020B0500000000000000" pitchFamily="34" charset="-128"/>
-                      </a:endParaRPr>
+                      <a:endParaRPr lang="en-US"/>
                     </a:p>
                   </a:txBody>
                   <a:tcPr/>
@@ -4200,8 +4363,7 @@
                         <a:solidFill>
                           <a:sysClr val="windowText" lastClr="000000"/>
                         </a:solidFill>
-                        <a:latin typeface="Adobe Clean Han Regular" panose="020B0500000000000000" pitchFamily="34" charset="-128"/>
-                        <a:ea typeface="Adobe Clean Han Regular" panose="020B0500000000000000" pitchFamily="34" charset="-128"/>
+                        <a:latin typeface="Adobe Clean Light" panose="020B0303020404020204" pitchFamily="34" charset="0"/>
                       </a:endParaRPr>
                     </a:p>
                   </a:txBody>
@@ -4261,12 +4423,12 @@
                         <a:defRPr/>
                       </a:pPr>
                       <a:r>
-                        <a:rPr lang="ja-JP" sz="800" i="1">
+                        <a:rPr lang="ja-JP" sz="800" i="1" dirty="0">
                           <a:solidFill>
                             <a:schemeClr val="bg1"/>
                           </a:solidFill>
-                          <a:latin typeface="Adobe Clean Han Regular" panose="020B0500000000000000" pitchFamily="34" charset="-128"/>
-                          <a:ea typeface="Adobe Clean Han Regular" panose="020B0500000000000000" pitchFamily="34" charset="-128"/>
+                          <a:latin typeface="Adobe Clean Han Light" panose="020B0300000000000000" pitchFamily="34" charset="-128"/>
+                          <a:ea typeface="Adobe Clean Han Light" panose="020B0300000000000000" pitchFamily="34" charset="-128"/>
                         </a:rPr>
                         <a:t>有償サポート（$）</a:t>
                       </a:r>
@@ -4332,7 +4494,7 @@
                         </a:spcBef>
                       </a:pPr>
                       <a:r>
-                        <a:rPr lang="ja-JP" sz="1000" b="1" i="0">
+                        <a:rPr lang="ja-JP" sz="1000" b="1" i="0" dirty="0">
                           <a:solidFill>
                             <a:schemeClr val="bg1"/>
                           </a:solidFill>
@@ -4388,12 +4550,12 @@
                         </a:spcBef>
                       </a:pPr>
                       <a:r>
-                        <a:rPr lang="ja-JP" sz="900">
+                        <a:rPr lang="ja-JP" sz="900" dirty="0">
                           <a:solidFill>
                             <a:srgbClr val="020302"/>
                           </a:solidFill>
-                          <a:latin typeface="Adobe Clean Han Regular" panose="020B0500000000000000" pitchFamily="34" charset="-128"/>
-                          <a:ea typeface="Adobe Clean Han Regular" panose="020B0500000000000000" pitchFamily="34" charset="-128"/>
+                          <a:latin typeface="Adobe Clean Han Light" panose="020B0300000000000000" pitchFamily="34" charset="-128"/>
+                          <a:ea typeface="Adobe Clean Han Light" panose="020B0300000000000000" pitchFamily="34" charset="-128"/>
                           <a:cs typeface="AdobeClean-Light"/>
                         </a:rPr>
                         <a:t>アカウントサポートリード</a:t>
@@ -4441,8 +4603,7 @@
                         </a:spcBef>
                       </a:pPr>
                       <a:endParaRPr sz="900">
-                        <a:latin typeface="Adobe Clean Han Regular" panose="020B0500000000000000" pitchFamily="34" charset="-128"/>
-                        <a:ea typeface="Adobe Clean Han Regular" panose="020B0500000000000000" pitchFamily="34" charset="-128"/>
+                        <a:latin typeface="Wingdings"/>
                         <a:cs typeface="Wingdings"/>
                       </a:endParaRPr>
                     </a:p>
@@ -4483,8 +4644,7 @@
                         </a:spcBef>
                       </a:pPr>
                       <a:endParaRPr sz="900">
-                        <a:latin typeface="Adobe Clean Han Regular" panose="020B0500000000000000" pitchFamily="34" charset="-128"/>
-                        <a:ea typeface="Adobe Clean Han Regular" panose="020B0500000000000000" pitchFamily="34" charset="-128"/>
+                        <a:latin typeface="Wingdings"/>
                         <a:cs typeface="Wingdings"/>
                       </a:endParaRPr>
                     </a:p>
@@ -4564,12 +4724,12 @@
                         </a:spcBef>
                       </a:pPr>
                       <a:r>
-                        <a:rPr lang="ja-JP" sz="900">
+                        <a:rPr lang="ja-JP" sz="900" dirty="0">
                           <a:solidFill>
                             <a:srgbClr val="020302"/>
                           </a:solidFill>
-                          <a:latin typeface="Adobe Clean Han Regular" panose="020B0500000000000000" pitchFamily="34" charset="-128"/>
-                          <a:ea typeface="Adobe Clean Han Regular" panose="020B0500000000000000" pitchFamily="34" charset="-128"/>
+                          <a:latin typeface="Adobe Clean Han Light" panose="020B0300000000000000" pitchFamily="34" charset="-128"/>
+                          <a:ea typeface="Adobe Clean Han Light" panose="020B0300000000000000" pitchFamily="34" charset="-128"/>
                           <a:cs typeface="AdobeClean-Light"/>
                         </a:rPr>
                         <a:t>専任サポートエンジニア</a:t>
@@ -4602,8 +4762,7 @@
                         </a:lnSpc>
                       </a:pPr>
                       <a:endParaRPr sz="900">
-                        <a:latin typeface="Adobe Clean Han Regular" panose="020B0500000000000000" pitchFamily="34" charset="-128"/>
-                        <a:ea typeface="Adobe Clean Han Regular" panose="020B0500000000000000" pitchFamily="34" charset="-128"/>
+                        <a:latin typeface="Times New Roman"/>
                         <a:cs typeface="Times New Roman"/>
                       </a:endParaRPr>
                     </a:p>
@@ -4648,8 +4807,8 @@
                           <a:solidFill>
                             <a:srgbClr val="020302"/>
                           </a:solidFill>
-                          <a:latin typeface="Adobe Clean Han Regular" panose="020B0500000000000000" pitchFamily="34" charset="-128"/>
-                          <a:ea typeface="Adobe Clean Han Regular" panose="020B0500000000000000" pitchFamily="34" charset="-128"/>
+                          <a:latin typeface="Wingdings"/>
+                          <a:ea typeface="MS Mincho"/>
                           <a:cs typeface="Wingdings"/>
                         </a:rPr>
                         <a:t></a:t>
@@ -4738,8 +4897,8 @@
                           <a:solidFill>
                             <a:srgbClr val="020302"/>
                           </a:solidFill>
-                          <a:latin typeface="Adobe Clean Han Regular" panose="020B0500000000000000" pitchFamily="34" charset="-128"/>
-                          <a:ea typeface="Adobe Clean Han Regular" panose="020B0500000000000000" pitchFamily="34" charset="-128"/>
+                          <a:latin typeface="Adobe Clean Han Light" panose="020B0300000000000000" pitchFamily="34" charset="-128"/>
+                          <a:ea typeface="Adobe Clean Han Light" panose="020B0300000000000000" pitchFamily="34" charset="-128"/>
                           <a:cs typeface="AdobeClean-Light"/>
                         </a:rPr>
                         <a:t>テクニカルアカウントマネージャー</a:t>
@@ -4778,8 +4937,7 @@
                         </a:lnSpc>
                       </a:pPr>
                       <a:endParaRPr sz="900">
-                        <a:latin typeface="Adobe Clean Han Regular" panose="020B0500000000000000" pitchFamily="34" charset="-128"/>
-                        <a:ea typeface="Adobe Clean Han Regular" panose="020B0500000000000000" pitchFamily="34" charset="-128"/>
+                        <a:latin typeface="Times New Roman"/>
                         <a:cs typeface="Times New Roman"/>
                       </a:endParaRPr>
                     </a:p>
@@ -4817,8 +4975,7 @@
                         </a:lnSpc>
                       </a:pPr>
                       <a:endParaRPr sz="900">
-                        <a:latin typeface="Adobe Clean Han Regular" panose="020B0500000000000000" pitchFamily="34" charset="-128"/>
-                        <a:ea typeface="Adobe Clean Han Regular" panose="020B0500000000000000" pitchFamily="34" charset="-128"/>
+                        <a:latin typeface="Times New Roman"/>
                         <a:cs typeface="Times New Roman"/>
                       </a:endParaRPr>
                     </a:p>
@@ -4863,7 +5020,7 @@
                         </a:spcBef>
                       </a:pPr>
                       <a:r>
-                        <a:rPr lang="ja-JP" sz="1000" b="1" i="0">
+                        <a:rPr lang="ja-JP" sz="1000" b="1" i="0" dirty="0">
                           <a:solidFill>
                             <a:schemeClr val="bg1"/>
                           </a:solidFill>
@@ -4932,8 +5089,8 @@
                           <a:solidFill>
                             <a:srgbClr val="020302"/>
                           </a:solidFill>
-                          <a:latin typeface="Adobe Clean Han Regular" panose="020B0500000000000000" pitchFamily="34" charset="-128"/>
-                          <a:ea typeface="Adobe Clean Han Regular" panose="020B0500000000000000" pitchFamily="34" charset="-128"/>
+                          <a:latin typeface="Adobe Clean Han Light" panose="020B0300000000000000" pitchFamily="34" charset="-128"/>
+                          <a:ea typeface="Adobe Clean Han Light" panose="020B0300000000000000" pitchFamily="34" charset="-128"/>
                           <a:cs typeface="AdobeClean-Light"/>
                         </a:rPr>
                         <a:t>オンラインサポート</a:t>
@@ -4975,16 +5132,24 @@
                         </a:spcBef>
                       </a:pPr>
                       <a:r>
-                        <a:rPr lang="ja-JP" sz="900">
+                        <a:rPr lang="ja-JP" altLang="en-US" sz="900" dirty="0">
                           <a:solidFill>
                             <a:srgbClr val="020302"/>
                           </a:solidFill>
-                          <a:latin typeface="Adobe Clean Han Regular" panose="020B0500000000000000" pitchFamily="34" charset="-128"/>
-                          <a:ea typeface="Adobe Clean Han Regular" panose="020B0500000000000000" pitchFamily="34" charset="-128"/>
+                          <a:latin typeface="Adobe Clean Han Light" panose="020B0300000000000000" pitchFamily="34" charset="-128"/>
+                          <a:ea typeface="Adobe Clean Han Light" panose="020B0300000000000000" pitchFamily="34" charset="-128"/>
                           <a:cs typeface="AdobeClean-Light"/>
                         </a:rPr>
-                        <a:t>営業時間</a:t>
+                        <a:t>営業時間内</a:t>
                       </a:r>
+                      <a:endParaRPr lang="ja-JP" sz="900" dirty="0">
+                        <a:solidFill>
+                          <a:srgbClr val="020302"/>
+                        </a:solidFill>
+                        <a:latin typeface="Adobe Clean Han Light" panose="020B0300000000000000" pitchFamily="34" charset="-128"/>
+                        <a:ea typeface="Adobe Clean Han Light" panose="020B0300000000000000" pitchFamily="34" charset="-128"/>
+                        <a:cs typeface="AdobeClean-Light"/>
+                      </a:endParaRPr>
                     </a:p>
                   </a:txBody>
                   <a:tcPr marL="0" marR="0" marT="67945" marB="0">
@@ -5023,16 +5188,46 @@
                         </a:spcBef>
                       </a:pPr>
                       <a:r>
-                        <a:rPr lang="ja-JP" sz="900">
+                        <a:rPr lang="ja-JP" altLang="en-US" sz="900" dirty="0">
                           <a:solidFill>
                             <a:srgbClr val="020302"/>
                           </a:solidFill>
-                          <a:latin typeface="Adobe Clean Han Regular" panose="020B0500000000000000" pitchFamily="34" charset="-128"/>
-                          <a:ea typeface="Adobe Clean Han Regular" panose="020B0500000000000000" pitchFamily="34" charset="-128"/>
+                          <a:latin typeface="Adobe Clean Han Light" panose="020B0300000000000000" pitchFamily="34" charset="-128"/>
+                          <a:ea typeface="Adobe Clean Han Light" panose="020B0300000000000000" pitchFamily="34" charset="-128"/>
                           <a:cs typeface="AdobeClean-Light"/>
                         </a:rPr>
-                        <a:t>24 時間週 5 日</a:t>
+                        <a:t>平日</a:t>
                       </a:r>
+                      <a:r>
+                        <a:rPr lang="en-US" altLang="ja-JP" sz="900" dirty="0">
+                          <a:solidFill>
+                            <a:srgbClr val="020302"/>
+                          </a:solidFill>
+                          <a:latin typeface="Adobe Clean Han Light" panose="020B0300000000000000" pitchFamily="34" charset="-128"/>
+                          <a:ea typeface="Adobe Clean Han Light" panose="020B0300000000000000" pitchFamily="34" charset="-128"/>
+                          <a:cs typeface="AdobeClean-Light"/>
+                        </a:rPr>
+                        <a:t>24</a:t>
+                      </a:r>
+                      <a:r>
+                        <a:rPr lang="ja-JP" altLang="en-US" sz="900" dirty="0">
+                          <a:solidFill>
+                            <a:srgbClr val="020302"/>
+                          </a:solidFill>
+                          <a:latin typeface="Adobe Clean Han Light" panose="020B0300000000000000" pitchFamily="34" charset="-128"/>
+                          <a:ea typeface="Adobe Clean Han Light" panose="020B0300000000000000" pitchFamily="34" charset="-128"/>
+                          <a:cs typeface="AdobeClean-Light"/>
+                        </a:rPr>
+                        <a:t>時間</a:t>
+                      </a:r>
+                      <a:endParaRPr lang="ja-JP" sz="900" dirty="0">
+                        <a:solidFill>
+                          <a:srgbClr val="020302"/>
+                        </a:solidFill>
+                        <a:latin typeface="Adobe Clean Han Light" panose="020B0300000000000000" pitchFamily="34" charset="-128"/>
+                        <a:ea typeface="Adobe Clean Han Light" panose="020B0300000000000000" pitchFamily="34" charset="-128"/>
+                        <a:cs typeface="AdobeClean-Light"/>
+                      </a:endParaRPr>
                     </a:p>
                   </a:txBody>
                   <a:tcPr marL="0" marR="0" marT="67945" marB="0">
@@ -5115,12 +5310,12 @@
                         </a:spcBef>
                       </a:pPr>
                       <a:r>
-                        <a:rPr lang="ja-JP" sz="900">
+                        <a:rPr lang="ja-JP" sz="900" dirty="0">
                           <a:solidFill>
                             <a:srgbClr val="020302"/>
                           </a:solidFill>
-                          <a:latin typeface="Adobe Clean Han Regular" panose="020B0500000000000000" pitchFamily="34" charset="-128"/>
-                          <a:ea typeface="Adobe Clean Han Regular" panose="020B0500000000000000" pitchFamily="34" charset="-128"/>
+                          <a:latin typeface="Adobe Clean Han Light" panose="020B0300000000000000" pitchFamily="34" charset="-128"/>
+                          <a:ea typeface="Adobe Clean Han Light" panose="020B0300000000000000" pitchFamily="34" charset="-128"/>
                           <a:cs typeface="AdobeClean-Light"/>
                         </a:rPr>
                         <a:t>24 時間年中無休の P1 の問題のサポート</a:t>
@@ -5160,8 +5355,8 @@
                           <a:solidFill>
                             <a:srgbClr val="020302"/>
                           </a:solidFill>
-                          <a:latin typeface="Adobe Clean Han Regular" panose="020B0500000000000000" pitchFamily="34" charset="-128"/>
-                          <a:ea typeface="Adobe Clean Han Regular" panose="020B0500000000000000" pitchFamily="34" charset="-128"/>
+                          <a:latin typeface="Wingdings"/>
+                          <a:ea typeface="MS Mincho"/>
                           <a:cs typeface="Wingdings"/>
                         </a:rPr>
                         <a:t></a:t>
@@ -5199,8 +5394,8 @@
                           <a:solidFill>
                             <a:srgbClr val="020302"/>
                           </a:solidFill>
-                          <a:latin typeface="Adobe Clean Han Regular" panose="020B0500000000000000" pitchFamily="34" charset="-128"/>
-                          <a:ea typeface="Adobe Clean Han Regular" panose="020B0500000000000000" pitchFamily="34" charset="-128"/>
+                          <a:latin typeface="Wingdings"/>
+                          <a:ea typeface="MS Mincho"/>
                           <a:cs typeface="Wingdings"/>
                         </a:rPr>
                         <a:t></a:t>
@@ -5285,12 +5480,12 @@
                         </a:spcBef>
                       </a:pPr>
                       <a:r>
-                        <a:rPr lang="ja-JP" sz="900">
+                        <a:rPr lang="ja-JP" sz="900" dirty="0">
                           <a:solidFill>
                             <a:srgbClr val="020302"/>
                           </a:solidFill>
-                          <a:latin typeface="Adobe Clean Han Regular" panose="020B0500000000000000" pitchFamily="34" charset="-128"/>
-                          <a:ea typeface="Adobe Clean Han Regular" panose="020B0500000000000000" pitchFamily="34" charset="-128"/>
+                          <a:latin typeface="Adobe Clean Han Light" panose="020B0300000000000000" pitchFamily="34" charset="-128"/>
+                          <a:ea typeface="Adobe Clean Han Light" panose="020B0300000000000000" pitchFamily="34" charset="-128"/>
                           <a:cs typeface="AdobeClean-Light"/>
                         </a:rPr>
                         <a:t>サポート対象ユーザー（製品単位）</a:t>
@@ -5332,12 +5527,12 @@
                         </a:spcBef>
                       </a:pPr>
                       <a:r>
-                        <a:rPr lang="ja-JP" sz="900">
+                        <a:rPr lang="ja-JP" sz="900" dirty="0">
                           <a:solidFill>
                             <a:srgbClr val="020302"/>
                           </a:solidFill>
-                          <a:latin typeface="Adobe Clean Han Regular" panose="020B0500000000000000" pitchFamily="34" charset="-128"/>
-                          <a:ea typeface="Adobe Clean Han Regular" panose="020B0500000000000000" pitchFamily="34" charset="-128"/>
+                          <a:latin typeface="Adobe Clean Han Light" panose="020B0300000000000000" pitchFamily="34" charset="-128"/>
+                          <a:ea typeface="Adobe Clean Han Light" panose="020B0300000000000000" pitchFamily="34" charset="-128"/>
                           <a:cs typeface="AdobeClean-Light"/>
                         </a:rPr>
                         <a:t>4</a:t>
@@ -5371,12 +5566,12 @@
                         </a:spcBef>
                       </a:pPr>
                       <a:r>
-                        <a:rPr lang="ja-JP" sz="900">
+                        <a:rPr lang="ja-JP" sz="900" dirty="0">
                           <a:solidFill>
                             <a:srgbClr val="020302"/>
                           </a:solidFill>
-                          <a:latin typeface="Adobe Clean Han Regular" panose="020B0500000000000000" pitchFamily="34" charset="-128"/>
-                          <a:ea typeface="Adobe Clean Han Regular" panose="020B0500000000000000" pitchFamily="34" charset="-128"/>
+                          <a:latin typeface="Adobe Clean Han Light" panose="020B0300000000000000" pitchFamily="34" charset="-128"/>
+                          <a:ea typeface="Adobe Clean Han Light" panose="020B0300000000000000" pitchFamily="34" charset="-128"/>
                           <a:cs typeface="AdobeClean-Light"/>
                         </a:rPr>
                         <a:t>10</a:t>
@@ -5456,8 +5651,8 @@
                           <a:solidFill>
                             <a:srgbClr val="020302"/>
                           </a:solidFill>
-                          <a:latin typeface="Adobe Clean Han Regular" panose="020B0500000000000000" pitchFamily="34" charset="-128"/>
-                          <a:ea typeface="Adobe Clean Han Regular" panose="020B0500000000000000" pitchFamily="34" charset="-128"/>
+                          <a:latin typeface="Adobe Clean Han Light" panose="020B0300000000000000" pitchFamily="34" charset="-128"/>
+                          <a:ea typeface="Adobe Clean Han Light" panose="020B0300000000000000" pitchFamily="34" charset="-128"/>
                           <a:cs typeface="AdobeClean-Light"/>
                         </a:rPr>
                         <a:t>電話サポート（ライブ）</a:t>
@@ -5493,8 +5688,7 @@
                         </a:spcBef>
                       </a:pPr>
                       <a:endParaRPr sz="900">
-                        <a:latin typeface="Adobe Clean Han Regular" panose="020B0500000000000000" pitchFamily="34" charset="-128"/>
-                        <a:ea typeface="Adobe Clean Han Regular" panose="020B0500000000000000" pitchFamily="34" charset="-128"/>
+                        <a:latin typeface="Wingdings"/>
                         <a:cs typeface="Wingdings"/>
                       </a:endParaRPr>
                     </a:p>
@@ -5530,8 +5724,8 @@
                           <a:solidFill>
                             <a:srgbClr val="020302"/>
                           </a:solidFill>
-                          <a:latin typeface="Adobe Clean Han Regular" panose="020B0500000000000000" pitchFamily="34" charset="-128"/>
-                          <a:ea typeface="Adobe Clean Han Regular" panose="020B0500000000000000" pitchFamily="34" charset="-128"/>
+                          <a:latin typeface="Wingdings"/>
+                          <a:ea typeface="MS Mincho"/>
                           <a:cs typeface="Wingdings"/>
                         </a:rPr>
                         <a:t></a:t>
@@ -5607,12 +5801,12 @@
                         </a:spcBef>
                       </a:pPr>
                       <a:r>
-                        <a:rPr lang="ja-JP" sz="900">
+                        <a:rPr lang="ja-JP" sz="900" dirty="0">
                           <a:solidFill>
                             <a:srgbClr val="020302"/>
                           </a:solidFill>
-                          <a:latin typeface="Adobe Clean Han Regular" panose="020B0500000000000000" pitchFamily="34" charset="-128"/>
-                          <a:ea typeface="Adobe Clean Han Regular" panose="020B0500000000000000" pitchFamily="34" charset="-128"/>
+                          <a:latin typeface="Adobe Clean Han Light" panose="020B0300000000000000" pitchFamily="34" charset="-128"/>
+                          <a:ea typeface="Adobe Clean Han Light" panose="020B0300000000000000" pitchFamily="34" charset="-128"/>
                           <a:cs typeface="AdobeClean-Light"/>
                         </a:rPr>
                         <a:t>エスカレーション管理</a:t>
@@ -5648,8 +5842,7 @@
                         </a:spcBef>
                       </a:pPr>
                       <a:endParaRPr sz="900">
-                        <a:latin typeface="Adobe Clean Han Regular" panose="020B0500000000000000" pitchFamily="34" charset="-128"/>
-                        <a:ea typeface="Adobe Clean Han Regular" panose="020B0500000000000000" pitchFamily="34" charset="-128"/>
+                        <a:latin typeface="Wingdings"/>
                         <a:cs typeface="Wingdings"/>
                       </a:endParaRPr>
                     </a:p>
@@ -5685,8 +5878,8 @@
                           <a:solidFill>
                             <a:srgbClr val="020302"/>
                           </a:solidFill>
-                          <a:latin typeface="Adobe Clean Han Regular" panose="020B0500000000000000" pitchFamily="34" charset="-128"/>
-                          <a:ea typeface="Adobe Clean Han Regular" panose="020B0500000000000000" pitchFamily="34" charset="-128"/>
+                          <a:latin typeface="Wingdings"/>
+                          <a:ea typeface="MS Mincho"/>
                           <a:cs typeface="Wingdings"/>
                         </a:rPr>
                         <a:t></a:t>
@@ -5766,8 +5959,8 @@
                           <a:solidFill>
                             <a:srgbClr val="020302"/>
                           </a:solidFill>
-                          <a:latin typeface="Adobe Clean Han Regular" panose="020B0500000000000000" pitchFamily="34" charset="-128"/>
-                          <a:ea typeface="Adobe Clean Han Regular" panose="020B0500000000000000" pitchFamily="34" charset="-128"/>
+                          <a:latin typeface="Adobe Clean Han Light" panose="020B0300000000000000" pitchFamily="34" charset="-128"/>
+                          <a:ea typeface="Adobe Clean Han Light" panose="020B0300000000000000" pitchFamily="34" charset="-128"/>
                           <a:cs typeface="AdobeClean-Light"/>
                         </a:rPr>
                         <a:t>年間のサービスレビュー</a:t>
@@ -5800,8 +5993,7 @@
                         </a:lnSpc>
                       </a:pPr>
                       <a:endParaRPr sz="900">
-                        <a:latin typeface="Adobe Clean Han Regular" panose="020B0500000000000000" pitchFamily="34" charset="-128"/>
-                        <a:ea typeface="Adobe Clean Han Regular" panose="020B0500000000000000" pitchFamily="34" charset="-128"/>
+                        <a:latin typeface="Times New Roman"/>
                         <a:cs typeface="Times New Roman"/>
                       </a:endParaRPr>
                     </a:p>
@@ -5830,9 +6022,9 @@
                         </a:lnSpc>
                       </a:pPr>
                       <a:r>
-                        <a:rPr lang="ja-JP" sz="900">
-                          <a:latin typeface="Adobe Clean Han Regular" panose="020B0500000000000000" pitchFamily="34" charset="-128"/>
-                          <a:ea typeface="Adobe Clean Han Regular" panose="020B0500000000000000" pitchFamily="34" charset="-128"/>
+                        <a:rPr lang="ja-JP" sz="900" dirty="0">
+                          <a:latin typeface="Adobe Clean Han Light" panose="020B0300000000000000" pitchFamily="34" charset="-128"/>
+                          <a:ea typeface="Adobe Clean Han Light" panose="020B0300000000000000" pitchFamily="34" charset="-128"/>
                           <a:cs typeface="Times New Roman"/>
                         </a:rPr>
                         <a:t>2</a:t>
@@ -5878,9 +6070,9 @@
                         </a:spcBef>
                       </a:pPr>
                       <a:r>
-                        <a:rPr lang="ja-JP" sz="900">
-                          <a:latin typeface="Adobe Clean Han Regular" panose="020B0500000000000000" pitchFamily="34" charset="-128"/>
-                          <a:ea typeface="Adobe Clean Han Regular" panose="020B0500000000000000" pitchFamily="34" charset="-128"/>
+                        <a:rPr lang="ja-JP" sz="900" dirty="0">
+                          <a:latin typeface="Adobe Clean Han Light" panose="020B0300000000000000" pitchFamily="34" charset="-128"/>
+                          <a:ea typeface="Adobe Clean Han Light" panose="020B0300000000000000" pitchFamily="34" charset="-128"/>
                           <a:cs typeface="AdobeClean-Light"/>
                         </a:rPr>
                         <a:t>年間のエキスパートセッション</a:t>
@@ -5919,8 +6111,7 @@
                         </a:lnSpc>
                       </a:pPr>
                       <a:endParaRPr sz="900">
-                        <a:latin typeface="Adobe Clean Han Regular" panose="020B0500000000000000" pitchFamily="34" charset="-128"/>
-                        <a:ea typeface="Adobe Clean Han Regular" panose="020B0500000000000000" pitchFamily="34" charset="-128"/>
+                        <a:latin typeface="Times New Roman"/>
                         <a:cs typeface="Times New Roman"/>
                       </a:endParaRPr>
                     </a:p>
@@ -5949,9 +6140,9 @@
                         </a:lnSpc>
                       </a:pPr>
                       <a:r>
-                        <a:rPr lang="ja-JP" sz="900">
-                          <a:latin typeface="Adobe Clean Han Regular" panose="020B0500000000000000" pitchFamily="34" charset="-128"/>
-                          <a:ea typeface="Adobe Clean Han Regular" panose="020B0500000000000000" pitchFamily="34" charset="-128"/>
+                        <a:rPr lang="ja-JP" sz="900" dirty="0">
+                          <a:latin typeface="Adobe Clean Han Light" panose="020B0300000000000000" pitchFamily="34" charset="-128"/>
+                          <a:ea typeface="Adobe Clean Han Light" panose="020B0300000000000000" pitchFamily="34" charset="-128"/>
                           <a:cs typeface="Times New Roman"/>
                         </a:rPr>
                         <a:t>2</a:t>
@@ -5997,9 +6188,9 @@
                         </a:spcBef>
                       </a:pPr>
                       <a:r>
-                        <a:rPr lang="ja-JP" sz="900">
-                          <a:latin typeface="Adobe Clean Han Regular" panose="020B0500000000000000" pitchFamily="34" charset="-128"/>
-                          <a:ea typeface="Adobe Clean Han Regular" panose="020B0500000000000000" pitchFamily="34" charset="-128"/>
+                        <a:rPr lang="ja-JP" sz="900" dirty="0">
+                          <a:latin typeface="Adobe Clean Han Light" panose="020B0300000000000000" pitchFamily="34" charset="-128"/>
+                          <a:ea typeface="Adobe Clean Han Light" panose="020B0300000000000000" pitchFamily="34" charset="-128"/>
                           <a:cs typeface="AdobeClean-Light"/>
                         </a:rPr>
                         <a:t>ケースレビュー</a:t>
@@ -6038,8 +6229,7 @@
                         </a:lnSpc>
                       </a:pPr>
                       <a:endParaRPr sz="900">
-                        <a:latin typeface="Adobe Clean Han Regular" panose="020B0500000000000000" pitchFamily="34" charset="-128"/>
-                        <a:ea typeface="Adobe Clean Han Regular" panose="020B0500000000000000" pitchFamily="34" charset="-128"/>
+                        <a:latin typeface="Times New Roman"/>
                         <a:cs typeface="Times New Roman"/>
                       </a:endParaRPr>
                     </a:p>
@@ -6084,8 +6274,8 @@
                           <a:solidFill>
                             <a:srgbClr val="020302"/>
                           </a:solidFill>
-                          <a:latin typeface="Adobe Clean Han Regular" panose="020B0500000000000000" pitchFamily="34" charset="-128"/>
-                          <a:ea typeface="Adobe Clean Han Regular" panose="020B0500000000000000" pitchFamily="34" charset="-128"/>
+                          <a:latin typeface="Wingdings"/>
+                          <a:ea typeface="MS Mincho"/>
                           <a:cs typeface="Wingdings"/>
                         </a:rPr>
                         <a:t></a:t>
@@ -6170,12 +6360,12 @@
                         </a:spcBef>
                       </a:pPr>
                       <a:r>
-                        <a:rPr lang="ja-JP" sz="900" dirty="0">
+                        <a:rPr lang="ja-JP" sz="900">
                           <a:solidFill>
                             <a:srgbClr val="020302"/>
                           </a:solidFill>
-                          <a:latin typeface="Adobe Clean Han Regular" panose="020B0500000000000000" pitchFamily="34" charset="-128"/>
-                          <a:ea typeface="Adobe Clean Han Regular" panose="020B0500000000000000" pitchFamily="34" charset="-128"/>
+                          <a:latin typeface="Adobe Clean Han Light" panose="020B0300000000000000" pitchFamily="34" charset="-128"/>
+                          <a:ea typeface="Adobe Clean Han Light" panose="020B0300000000000000" pitchFamily="34" charset="-128"/>
                           <a:cs typeface="AdobeClean-Light"/>
                         </a:rPr>
                         <a:t>イベント管理</a:t>
@@ -6214,8 +6404,7 @@
                         </a:lnSpc>
                       </a:pPr>
                       <a:endParaRPr sz="900">
-                        <a:latin typeface="Adobe Clean Han Regular" panose="020B0500000000000000" pitchFamily="34" charset="-128"/>
-                        <a:ea typeface="Adobe Clean Han Regular" panose="020B0500000000000000" pitchFamily="34" charset="-128"/>
+                        <a:latin typeface="Times New Roman"/>
                         <a:cs typeface="Times New Roman"/>
                       </a:endParaRPr>
                     </a:p>
@@ -6244,8 +6433,7 @@
                         </a:lnSpc>
                       </a:pPr>
                       <a:endParaRPr sz="900">
-                        <a:latin typeface="Adobe Clean Han Regular" panose="020B0500000000000000" pitchFamily="34" charset="-128"/>
-                        <a:ea typeface="Adobe Clean Han Regular" panose="020B0500000000000000" pitchFamily="34" charset="-128"/>
+                        <a:latin typeface="Times New Roman"/>
                         <a:cs typeface="Times New Roman"/>
                       </a:endParaRPr>
                     </a:p>
@@ -6319,12 +6507,12 @@
                         </a:spcBef>
                       </a:pPr>
                       <a:r>
-                        <a:rPr lang="ja-JP" sz="900">
+                        <a:rPr lang="ja-JP" sz="900" dirty="0">
                           <a:solidFill>
                             <a:srgbClr val="020302"/>
                           </a:solidFill>
-                          <a:latin typeface="Adobe Clean Han Regular" panose="020B0500000000000000" pitchFamily="34" charset="-128"/>
-                          <a:ea typeface="Adobe Clean Han Regular" panose="020B0500000000000000" pitchFamily="34" charset="-128"/>
+                          <a:latin typeface="Adobe Clean Han Light" panose="020B0300000000000000" pitchFamily="34" charset="-128"/>
+                          <a:ea typeface="Adobe Clean Han Light" panose="020B0300000000000000" pitchFamily="34" charset="-128"/>
                           <a:cs typeface="AdobeClean-Light"/>
                         </a:rPr>
                         <a:t>環境レビュー、メンテナンスと監視</a:t>
@@ -6357,8 +6545,7 @@
                         </a:lnSpc>
                       </a:pPr>
                       <a:endParaRPr sz="900">
-                        <a:latin typeface="Adobe Clean Han Regular" panose="020B0500000000000000" pitchFamily="34" charset="-128"/>
-                        <a:ea typeface="Adobe Clean Han Regular" panose="020B0500000000000000" pitchFamily="34" charset="-128"/>
+                        <a:latin typeface="Times New Roman"/>
                         <a:cs typeface="Times New Roman"/>
                       </a:endParaRPr>
                     </a:p>
@@ -6387,8 +6574,7 @@
                         </a:lnSpc>
                       </a:pPr>
                       <a:endParaRPr sz="900">
-                        <a:latin typeface="Adobe Clean Han Regular" panose="020B0500000000000000" pitchFamily="34" charset="-128"/>
-                        <a:ea typeface="Adobe Clean Han Regular" panose="020B0500000000000000" pitchFamily="34" charset="-128"/>
+                        <a:latin typeface="Times New Roman"/>
                         <a:cs typeface="Times New Roman"/>
                       </a:endParaRPr>
                     </a:p>
@@ -6462,36 +6648,15 @@
                         </a:spcBef>
                       </a:pPr>
                       <a:r>
-                        <a:rPr lang="ja-JP" sz="900" dirty="0">
+                        <a:rPr lang="ja-JP" sz="900" spc="-20" baseline="0" dirty="0">
                           <a:solidFill>
                             <a:srgbClr val="020302"/>
                           </a:solidFill>
-                          <a:latin typeface="Adobe Clean Han Regular" panose="020B0500000000000000" pitchFamily="34" charset="-128"/>
-                          <a:ea typeface="Adobe Clean Han Regular" panose="020B0500000000000000" pitchFamily="34" charset="-128"/>
+                          <a:latin typeface="Adobe Clean Han Light" panose="020B0300000000000000" pitchFamily="34" charset="-128"/>
+                          <a:ea typeface="Adobe Clean Han Light" panose="020B0300000000000000" pitchFamily="34" charset="-128"/>
                           <a:cs typeface="AdobeClean-Light"/>
                         </a:rPr>
-                        <a:t>リリース、移行、アップグレード、</a:t>
-                      </a:r>
-                      <a:br>
-                        <a:rPr lang="sk-SK" altLang="ja-JP" sz="900" dirty="0">
-                          <a:solidFill>
-                            <a:srgbClr val="020302"/>
-                          </a:solidFill>
-                          <a:latin typeface="Adobe Clean Han Regular" panose="020B0500000000000000" pitchFamily="34" charset="-128"/>
-                          <a:ea typeface="Adobe Clean Han Regular" panose="020B0500000000000000" pitchFamily="34" charset="-128"/>
-                          <a:cs typeface="AdobeClean-Light"/>
-                        </a:rPr>
-                      </a:br>
-                      <a:r>
-                        <a:rPr lang="ja-JP" sz="900" dirty="0">
-                          <a:solidFill>
-                            <a:srgbClr val="020302"/>
-                          </a:solidFill>
-                          <a:latin typeface="Adobe Clean Han Regular" panose="020B0500000000000000" pitchFamily="34" charset="-128"/>
-                          <a:ea typeface="Adobe Clean Han Regular" panose="020B0500000000000000" pitchFamily="34" charset="-128"/>
-                          <a:cs typeface="AdobeClean-Light"/>
-                        </a:rPr>
-                        <a:t>製品ロードマップのレビュー</a:t>
+                        <a:t>リリース、移行、アップグレード、製品ロードマップのレビュー</a:t>
                       </a:r>
                     </a:p>
                   </a:txBody>
@@ -6521,8 +6686,7 @@
                         </a:lnSpc>
                       </a:pPr>
                       <a:endParaRPr sz="900">
-                        <a:latin typeface="Adobe Clean Han Regular" panose="020B0500000000000000" pitchFamily="34" charset="-128"/>
-                        <a:ea typeface="Adobe Clean Han Regular" panose="020B0500000000000000" pitchFamily="34" charset="-128"/>
+                        <a:latin typeface="Times New Roman"/>
                         <a:cs typeface="Times New Roman"/>
                       </a:endParaRPr>
                     </a:p>
@@ -6551,8 +6715,7 @@
                         </a:lnSpc>
                       </a:pPr>
                       <a:endParaRPr sz="900">
-                        <a:latin typeface="Adobe Clean Han Regular" panose="020B0500000000000000" pitchFamily="34" charset="-128"/>
-                        <a:ea typeface="Adobe Clean Han Regular" panose="020B0500000000000000" pitchFamily="34" charset="-128"/>
+                        <a:latin typeface="Times New Roman"/>
                         <a:cs typeface="Times New Roman"/>
                       </a:endParaRPr>
                     </a:p>
@@ -6635,27 +6798,12 @@
                         </a:spcBef>
                       </a:pPr>
                       <a:r>
-                        <a:rPr lang="ja-JP" sz="900" dirty="0">
-                          <a:latin typeface="Adobe Clean Han Regular" panose="020B0500000000000000" pitchFamily="34" charset="-128"/>
-                          <a:ea typeface="Adobe Clean Han Regular" panose="020B0500000000000000" pitchFamily="34" charset="-128"/>
+                        <a:rPr lang="ja-JP" sz="900" spc="-20" baseline="0" dirty="0">
+                          <a:latin typeface="Adobe Clean Han Light" panose="020B0300000000000000" pitchFamily="34" charset="-128"/>
+                          <a:ea typeface="Adobe Clean Han Light" panose="020B0300000000000000" pitchFamily="34" charset="-128"/>
                           <a:cs typeface="AdobeClean-Light"/>
                         </a:rPr>
-                        <a:t>クラウドサポートアクティビティ – </a:t>
-                      </a:r>
-                      <a:br>
-                        <a:rPr lang="sk-SK" altLang="ja-JP" sz="900" dirty="0">
-                          <a:latin typeface="Adobe Clean Han Regular" panose="020B0500000000000000" pitchFamily="34" charset="-128"/>
-                          <a:ea typeface="Adobe Clean Han Regular" panose="020B0500000000000000" pitchFamily="34" charset="-128"/>
-                          <a:cs typeface="AdobeClean-Light"/>
-                        </a:rPr>
-                      </a:br>
-                      <a:r>
-                        <a:rPr lang="ja-JP" sz="900" dirty="0">
-                          <a:latin typeface="Adobe Clean Han Regular" panose="020B0500000000000000" pitchFamily="34" charset="-128"/>
-                          <a:ea typeface="Adobe Clean Han Regular" panose="020B0500000000000000" pitchFamily="34" charset="-128"/>
-                          <a:cs typeface="AdobeClean-Light"/>
-                        </a:rPr>
-                        <a:t>Experience Manager as Cloud</a:t>
+                        <a:t>クラウドサポートアクティビティ – Experience Manager as Cloud</a:t>
                       </a:r>
                     </a:p>
                   </a:txBody>
@@ -6691,8 +6839,7 @@
                         </a:lnSpc>
                       </a:pPr>
                       <a:endParaRPr sz="900">
-                        <a:latin typeface="Adobe Clean Han Regular" panose="020B0500000000000000" pitchFamily="34" charset="-128"/>
-                        <a:ea typeface="Adobe Clean Han Regular" panose="020B0500000000000000" pitchFamily="34" charset="-128"/>
+                        <a:latin typeface="Times New Roman"/>
                         <a:cs typeface="Times New Roman"/>
                       </a:endParaRPr>
                     </a:p>
@@ -6742,12 +6889,12 @@
                         <a:defRPr/>
                       </a:pPr>
                       <a:r>
-                        <a:rPr lang="ja-JP" sz="900">
+                        <a:rPr lang="ja-JP" sz="900" dirty="0">
                           <a:solidFill>
                             <a:srgbClr val="020302"/>
                           </a:solidFill>
-                          <a:latin typeface="Adobe Clean Han Regular" panose="020B0500000000000000" pitchFamily="34" charset="-128"/>
-                          <a:ea typeface="Adobe Clean Han Regular" panose="020B0500000000000000" pitchFamily="34" charset="-128"/>
+                          <a:latin typeface="Wingdings"/>
+                          <a:ea typeface="MS Mincho"/>
                           <a:cs typeface="Wingdings"/>
                         </a:rPr>
                         <a:t></a:t>
@@ -6771,9 +6918,8 @@
                         <a:tabLst/>
                         <a:defRPr/>
                       </a:pPr>
-                      <a:endParaRPr lang="en-US" sz="900">
-                        <a:latin typeface="Adobe Clean Han Regular" panose="020B0500000000000000" pitchFamily="34" charset="-128"/>
-                        <a:ea typeface="Adobe Clean Han Regular" panose="020B0500000000000000" pitchFamily="34" charset="-128"/>
+                      <a:endParaRPr lang="en-US" sz="900" dirty="0">
+                        <a:latin typeface="Wingdings"/>
                         <a:cs typeface="Wingdings"/>
                       </a:endParaRPr>
                     </a:p>
@@ -6818,7 +6964,7 @@
                         </a:spcBef>
                       </a:pPr>
                       <a:r>
-                        <a:rPr lang="ja-JP" sz="1000" b="1" i="0">
+                        <a:rPr lang="ja-JP" sz="1000" b="1" i="0" dirty="0">
                           <a:solidFill>
                             <a:schemeClr val="bg1"/>
                           </a:solidFill>
@@ -6880,12 +7026,12 @@
                         </a:spcBef>
                       </a:pPr>
                       <a:r>
-                        <a:rPr lang="ja-JP" sz="900">
+                        <a:rPr lang="ja-JP" sz="900" dirty="0">
                           <a:solidFill>
                             <a:srgbClr val="020302"/>
                           </a:solidFill>
-                          <a:latin typeface="Adobe Clean Han Regular" panose="020B0500000000000000" pitchFamily="34" charset="-128"/>
-                          <a:ea typeface="Adobe Clean Han Regular" panose="020B0500000000000000" pitchFamily="34" charset="-128"/>
+                          <a:latin typeface="Adobe Clean Han Light" panose="020B0300000000000000" pitchFamily="34" charset="-128"/>
+                          <a:ea typeface="Adobe Clean Han Light" panose="020B0300000000000000" pitchFamily="34" charset="-128"/>
                           <a:cs typeface="AdobeClean-Light"/>
                         </a:rPr>
                         <a:t>Launch Advisory サービス – 製品導入の初年度</a:t>
@@ -6934,8 +7080,7 @@
                         </a:lnSpc>
                       </a:pPr>
                       <a:endParaRPr sz="900">
-                        <a:latin typeface="Adobe Clean Han Regular" panose="020B0500000000000000" pitchFamily="34" charset="-128"/>
-                        <a:ea typeface="Adobe Clean Han Regular" panose="020B0500000000000000" pitchFamily="34" charset="-128"/>
+                        <a:latin typeface="Times New Roman"/>
                         <a:cs typeface="Times New Roman"/>
                       </a:endParaRPr>
                     </a:p>
@@ -6989,8 +7134,8 @@
                           <a:solidFill>
                             <a:srgbClr val="020302"/>
                           </a:solidFill>
-                          <a:latin typeface="Adobe Clean Han Regular" panose="020B0500000000000000" pitchFamily="34" charset="-128"/>
-                          <a:ea typeface="Adobe Clean Han Regular" panose="020B0500000000000000" pitchFamily="34" charset="-128"/>
+                          <a:latin typeface="Wingdings"/>
+                          <a:ea typeface="MS Mincho"/>
                           <a:cs typeface="Wingdings"/>
                         </a:rPr>
                         <a:t></a:t>
@@ -7068,10 +7213,7 @@
                     <a:bodyPr/>
                     <a:lstStyle/>
                     <a:p>
-                      <a:endParaRPr lang="en-US" sz="900">
-                        <a:latin typeface="Adobe Clean Han Regular" panose="020B0500000000000000" pitchFamily="34" charset="-128"/>
-                        <a:ea typeface="Adobe Clean Han Regular" panose="020B0500000000000000" pitchFamily="34" charset="-128"/>
-                      </a:endParaRPr>
+                      <a:endParaRPr lang="en-US" sz="900"/>
                     </a:p>
                   </a:txBody>
                   <a:tcPr>
@@ -7118,12 +7260,12 @@
                         <a:defRPr/>
                       </a:pPr>
                       <a:r>
-                        <a:rPr lang="ja-JP" sz="900">
+                        <a:rPr lang="ja-JP" sz="900" dirty="0">
                           <a:solidFill>
                             <a:srgbClr val="020302"/>
                           </a:solidFill>
-                          <a:latin typeface="Adobe Clean Han Regular" panose="020B0500000000000000" pitchFamily="34" charset="-128"/>
-                          <a:ea typeface="Adobe Clean Han Regular" panose="020B0500000000000000" pitchFamily="34" charset="-128"/>
+                          <a:latin typeface="Wingdings"/>
+                          <a:ea typeface="MS Mincho"/>
                           <a:cs typeface="Wingdings"/>
                         </a:rPr>
                         <a:t></a:t>
@@ -7185,8 +7327,8 @@
                       </a:pPr>
                       <a:r>
                         <a:rPr lang="ja-JP" sz="900" dirty="0">
-                          <a:latin typeface="Adobe Clean Han Regular" panose="020B0500000000000000" pitchFamily="34" charset="-128"/>
-                          <a:ea typeface="Adobe Clean Han Regular" panose="020B0500000000000000" pitchFamily="34" charset="-128"/>
+                          <a:latin typeface="Adobe Clean Han Light" panose="020B0300000000000000" pitchFamily="34" charset="-128"/>
+                          <a:ea typeface="Adobe Clean Han Light" panose="020B0300000000000000" pitchFamily="34" charset="-128"/>
                           <a:cs typeface="AdobeClean-Light"/>
                         </a:rPr>
                         <a:t>フィールドサービスアクティビティ </a:t>
@@ -7323,15 +7465,15 @@
         </p:nvSpPr>
         <p:spPr>
           <a:xfrm>
-            <a:off x="2835998" y="9001991"/>
-            <a:ext cx="2248789" cy="795089"/>
+            <a:off x="2835998" y="8731717"/>
+            <a:ext cx="2302739" cy="1084912"/>
           </a:xfrm>
           <a:prstGeom prst="rect">
             <a:avLst/>
           </a:prstGeom>
         </p:spPr>
         <p:txBody>
-          <a:bodyPr vert="horz" wrap="square" lIns="0" tIns="12700" rIns="0" bIns="0" rtlCol="0">
+          <a:bodyPr vert="horz" wrap="square" lIns="0" tIns="12700" rIns="0" bIns="0" rtlCol="0" anchor="t">
             <a:spAutoFit/>
           </a:bodyPr>
           <a:lstStyle/>
@@ -7352,8 +7494,8 @@
                 <a:solidFill>
                   <a:srgbClr val="020302"/>
                 </a:solidFill>
-                <a:latin typeface="Adobe Clean Han Regular" panose="020B0500000000000000" pitchFamily="34" charset="-128"/>
-                <a:ea typeface="Adobe Clean Han Regular" panose="020B0500000000000000" pitchFamily="34" charset="-128"/>
+                <a:latin typeface="Adobe Clean Han Light" panose="020B0300000000000000" pitchFamily="34" charset="-128"/>
+                <a:ea typeface="Adobe Clean Han Light" panose="020B0300000000000000" pitchFamily="34" charset="-128"/>
                 <a:cs typeface="AdobeClean-Light"/>
               </a:rPr>
               <a:t>チャットセッションを開始すると、回答やケース申請による支援を受けることができます。</a:t>
@@ -7361,9 +7503,6 @@
           </a:p>
           <a:p>
             <a:pPr marL="33020" marR="159385">
-              <a:lnSpc>
-                <a:spcPct val="100000"/>
-              </a:lnSpc>
               <a:spcBef>
                 <a:spcPts val="100"/>
               </a:spcBef>
@@ -7376,8 +7515,8 @@
                 <a:solidFill>
                   <a:srgbClr val="7A7A7A"/>
                 </a:solidFill>
-                <a:latin typeface="Adobe Clean Han Regular" panose="020B0500000000000000" pitchFamily="34" charset="-128"/>
-                <a:ea typeface="Adobe Clean Han Regular" panose="020B0500000000000000" pitchFamily="34" charset="-128"/>
+                <a:latin typeface="Adobe Clean Han Light" panose="020B0300000000000000" pitchFamily="34" charset="-128"/>
+                <a:ea typeface="Adobe Clean Han Light" panose="020B0300000000000000" pitchFamily="34" charset="-128"/>
                 <a:cs typeface="AdobeClean-LightIt"/>
               </a:rPr>
               <a:t>* すべての製品にライブチャットサポートがあるわけではありません</a:t>
@@ -7387,11 +7526,51 @@
                 <a:solidFill>
                   <a:srgbClr val="7A7A7A"/>
                 </a:solidFill>
-                <a:latin typeface="Adobe Clean Han Regular" panose="020B0500000000000000" pitchFamily="34" charset="-128"/>
-                <a:ea typeface="Adobe Clean Han Regular" panose="020B0500000000000000" pitchFamily="34" charset="-128"/>
+                <a:latin typeface="Adobe Clean Han Light" panose="020B0300000000000000" pitchFamily="34" charset="-128"/>
+                <a:ea typeface="Adobe Clean Han Light" panose="020B0300000000000000" pitchFamily="34" charset="-128"/>
                 <a:cs typeface="AdobeClean-LightIt"/>
               </a:rPr>
-              <a:t>。  </a:t>
+              <a:t>。</a:t>
+            </a:r>
+            <a:endParaRPr lang="en-US" altLang="ja-JP" sz="900" i="1" dirty="0">
+              <a:solidFill>
+                <a:srgbClr val="7A7A7A"/>
+              </a:solidFill>
+              <a:latin typeface="Adobe Clean Han Light" panose="020B0300000000000000" pitchFamily="34" charset="-128"/>
+              <a:ea typeface="Adobe Clean Han Light" panose="020B0300000000000000" pitchFamily="34" charset="-128"/>
+              <a:cs typeface="AdobeClean-LightIt"/>
+            </a:endParaRPr>
+          </a:p>
+          <a:p>
+            <a:pPr marL="33020" marR="159385">
+              <a:spcBef>
+                <a:spcPts val="100"/>
+              </a:spcBef>
+              <a:tabLst>
+                <a:tab pos="1786889" algn="l"/>
+              </a:tabLst>
+            </a:pPr>
+            <a:r>
+              <a:rPr lang="ja-JP" altLang="en-US" sz="900" i="1" dirty="0">
+                <a:solidFill>
+                  <a:srgbClr val="7A7A7A"/>
+                </a:solidFill>
+                <a:latin typeface="Adobe Clean Han Light" panose="020B0300000000000000" pitchFamily="34" charset="-128"/>
+                <a:ea typeface="Adobe Clean Han Light" panose="020B0300000000000000" pitchFamily="34" charset="-128"/>
+                <a:cs typeface="AdobeClean-LightIt"/>
+              </a:rPr>
+              <a:t>* チャットサポートは日本語に対応していません。</a:t>
+            </a:r>
+            <a:r>
+              <a:rPr lang="ja-JP" sz="900" i="1" dirty="0">
+                <a:solidFill>
+                  <a:srgbClr val="7A7A7A"/>
+                </a:solidFill>
+                <a:latin typeface="Adobe Clean Han Light" panose="020B0300000000000000" pitchFamily="34" charset="-128"/>
+                <a:ea typeface="Adobe Clean Han Light" panose="020B0300000000000000" pitchFamily="34" charset="-128"/>
+                <a:cs typeface="AdobeClean-LightIt"/>
+              </a:rPr>
+              <a:t>  </a:t>
             </a:r>
           </a:p>
         </p:txBody>
@@ -7412,8 +7591,8 @@
         </p:nvSpPr>
         <p:spPr>
           <a:xfrm>
-            <a:off x="689236" y="6664838"/>
-            <a:ext cx="1861191" cy="184666"/>
+            <a:off x="689236" y="6262870"/>
+            <a:ext cx="1924423" cy="184666"/>
           </a:xfrm>
           <a:prstGeom prst="rect">
             <a:avLst/>
@@ -7443,8 +7622,8 @@
                 <a:solidFill>
                   <a:srgbClr val="000000"/>
                 </a:solidFill>
-                <a:latin typeface="Adobe Clean Han Regular" panose="020B0500000000000000" pitchFamily="34" charset="-128"/>
-                <a:ea typeface="Adobe Clean Han Regular" panose="020B0500000000000000" pitchFamily="34" charset="-128"/>
+                <a:latin typeface="Adobe Clean Han Light" panose="020B0300000000000000" pitchFamily="34" charset="-128"/>
+                <a:ea typeface="Adobe Clean Han Light" panose="020B0300000000000000" pitchFamily="34" charset="-128"/>
               </a:rPr>
               <a:t>コミュニティフォーラム</a:t>
             </a:r>
@@ -7467,8 +7646,8 @@
         </p:nvSpPr>
         <p:spPr>
           <a:xfrm>
-            <a:off x="689236" y="6868024"/>
-            <a:ext cx="1830211" cy="184666"/>
+            <a:off x="689237" y="6466056"/>
+            <a:ext cx="1690706" cy="184666"/>
           </a:xfrm>
           <a:prstGeom prst="rect">
             <a:avLst/>
@@ -7513,7 +7692,7 @@
         </p:nvSpPr>
         <p:spPr>
           <a:xfrm>
-            <a:off x="355868" y="7102087"/>
+            <a:off x="355868" y="6700119"/>
             <a:ext cx="2194560" cy="1113125"/>
           </a:xfrm>
           <a:prstGeom prst="rect">
@@ -7521,7 +7700,7 @@
           </a:prstGeom>
         </p:spPr>
         <p:txBody>
-          <a:bodyPr vert="horz" wrap="square" lIns="0" tIns="35560" rIns="0" bIns="0" rtlCol="0">
+          <a:bodyPr vert="horz" wrap="square" lIns="0" tIns="35560" rIns="0" bIns="0" rtlCol="0" anchor="t">
             <a:spAutoFit/>
           </a:bodyPr>
           <a:lstStyle/>
@@ -7531,8 +7710,8 @@
                 <a:solidFill>
                   <a:srgbClr val="4B4B4B"/>
                 </a:solidFill>
-                <a:latin typeface="Adobe Clean Han Regular" panose="020B0500000000000000" pitchFamily="34" charset="-128"/>
-                <a:ea typeface="Adobe Clean Han Regular" panose="020B0500000000000000" pitchFamily="34" charset="-128"/>
+                <a:latin typeface="Adobe Clean Han Light" panose="020B0300000000000000" pitchFamily="34" charset="-128"/>
+                <a:ea typeface="Adobe Clean Han Light" panose="020B0300000000000000" pitchFamily="34" charset="-128"/>
               </a:rPr>
               <a:t>テクニカルソリューション、製品ドキュメント、FAQ などの増大するデータベースにオンラインで継続的にアクセスできます。また、アドビコミュニティで実務担当者や他のお客様と繋がり、ベストプラクティスや学習した内容を共有できます。</a:t>
             </a:r>
@@ -7555,7 +7734,7 @@
         </p:nvSpPr>
         <p:spPr>
           <a:xfrm>
-            <a:off x="5723508" y="6664838"/>
+            <a:off x="5723508" y="6262870"/>
             <a:ext cx="1463040" cy="184666"/>
           </a:xfrm>
           <a:prstGeom prst="rect">
@@ -7582,12 +7761,12 @@
               <a:defRPr/>
             </a:pPr>
             <a:r>
-              <a:rPr lang="ja-JP" sz="1200" dirty="0">
+              <a:rPr lang="ja-JP" sz="1200">
                 <a:solidFill>
                   <a:srgbClr val="000000"/>
                 </a:solidFill>
-                <a:latin typeface="Adobe Clean Han Regular" panose="020B0500000000000000" pitchFamily="34" charset="-128"/>
-                <a:ea typeface="Adobe Clean Han Regular" panose="020B0500000000000000" pitchFamily="34" charset="-128"/>
+                <a:latin typeface="Adobe Clean Han Light" panose="020B0300000000000000" pitchFamily="34" charset="-128"/>
+                <a:ea typeface="Adobe Clean Han Light" panose="020B0300000000000000" pitchFamily="34" charset="-128"/>
               </a:rPr>
               <a:t>Experience League</a:t>
             </a:r>
@@ -7610,7 +7789,7 @@
         </p:nvSpPr>
         <p:spPr>
           <a:xfrm>
-            <a:off x="5723508" y="6868024"/>
+            <a:off x="5723508" y="6466056"/>
             <a:ext cx="1745671" cy="184666"/>
           </a:xfrm>
           <a:prstGeom prst="rect">
@@ -7656,15 +7835,15 @@
         </p:nvSpPr>
         <p:spPr>
           <a:xfrm>
-            <a:off x="5265660" y="7060285"/>
-            <a:ext cx="2354339" cy="1267014"/>
+            <a:off x="5265660" y="6658317"/>
+            <a:ext cx="2327669" cy="1267014"/>
           </a:xfrm>
           <a:prstGeom prst="rect">
             <a:avLst/>
           </a:prstGeom>
         </p:spPr>
         <p:txBody>
-          <a:bodyPr vert="horz" wrap="square" lIns="0" tIns="35560" rIns="0" bIns="0" rtlCol="0">
+          <a:bodyPr vert="horz" wrap="square" lIns="0" tIns="35560" rIns="0" bIns="0" rtlCol="0" anchor="t">
             <a:spAutoFit/>
           </a:bodyPr>
           <a:lstStyle/>
@@ -7674,8 +7853,8 @@
                 <a:solidFill>
                   <a:srgbClr val="4B4B4B"/>
                 </a:solidFill>
-                <a:latin typeface="Adobe Clean Han Regular" panose="020B0500000000000000" pitchFamily="34" charset="-128"/>
-                <a:ea typeface="Adobe Clean Han Regular" panose="020B0500000000000000" pitchFamily="34" charset="-128"/>
+                <a:latin typeface="Adobe Clean Han Light" panose="020B0300000000000000" pitchFamily="34" charset="-128"/>
+                <a:ea typeface="Adobe Clean Han Light" panose="020B0300000000000000" pitchFamily="34" charset="-128"/>
               </a:rPr>
               <a:t>エクスペリエンスメーカーは、Experience League から誕生します。Experience League に参加すると、パーソナライズされた学習で、顧客体験管理能力を強化することができます。スキルの向上や、グローバルコミュニティでの仲間との交流のほか、キャリアアップに役立つ評価の獲得も可能です。</a:t>
             </a:r>
@@ -7698,8 +7877,8 @@
         </p:nvSpPr>
         <p:spPr>
           <a:xfrm>
-            <a:off x="3201544" y="8520784"/>
-            <a:ext cx="1543003" cy="369332"/>
+            <a:off x="3201544" y="8231460"/>
+            <a:ext cx="1829015" cy="184666"/>
           </a:xfrm>
           <a:prstGeom prst="rect">
             <a:avLst/>
@@ -7729,8 +7908,8 @@
                 <a:solidFill>
                   <a:srgbClr val="000000"/>
                 </a:solidFill>
-                <a:latin typeface="Adobe Clean Han Regular" panose="020B0500000000000000" pitchFamily="34" charset="-128"/>
-                <a:ea typeface="Adobe Clean Han Regular" panose="020B0500000000000000" pitchFamily="34" charset="-128"/>
+                <a:latin typeface="Adobe Clean Han Light" panose="020B0300000000000000" pitchFamily="34" charset="-128"/>
+                <a:ea typeface="Adobe Clean Han Light" panose="020B0300000000000000" pitchFamily="34" charset="-128"/>
               </a:rPr>
               <a:t>ライブチャットサポート*</a:t>
             </a:r>
@@ -7753,7 +7932,7 @@
         </p:nvSpPr>
         <p:spPr>
           <a:xfrm>
-            <a:off x="3201544" y="8702003"/>
+            <a:off x="3201544" y="8412679"/>
             <a:ext cx="1269578" cy="184666"/>
           </a:xfrm>
           <a:prstGeom prst="rect">
@@ -7801,7 +7980,7 @@
         </p:nvSpPr>
         <p:spPr>
           <a:xfrm>
-            <a:off x="3201544" y="6664838"/>
+            <a:off x="3201544" y="6262870"/>
             <a:ext cx="2520000" cy="184666"/>
           </a:xfrm>
           <a:prstGeom prst="rect">
@@ -7828,12 +8007,12 @@
               <a:defRPr/>
             </a:pPr>
             <a:r>
-              <a:rPr lang="ja-JP" sz="1200">
+              <a:rPr lang="ja-JP" sz="1200" dirty="0">
                 <a:solidFill>
                   <a:srgbClr val="000000"/>
                 </a:solidFill>
-                <a:latin typeface="Adobe Clean Han Regular" panose="020B0500000000000000" pitchFamily="34" charset="-128"/>
-                <a:ea typeface="Adobe Clean Han Regular" panose="020B0500000000000000" pitchFamily="34" charset="-128"/>
+                <a:latin typeface="Adobe Clean Han Light" panose="020B0300000000000000" pitchFamily="34" charset="-128"/>
+                <a:ea typeface="Adobe Clean Han Light" panose="020B0300000000000000" pitchFamily="34" charset="-128"/>
               </a:rPr>
               <a:t>24 時間年中無休 P1 </a:t>
             </a:r>
@@ -7856,7 +8035,7 @@
         </p:nvSpPr>
         <p:spPr>
           <a:xfrm>
-            <a:off x="3201544" y="6868024"/>
+            <a:off x="3201544" y="6466056"/>
             <a:ext cx="952184" cy="184666"/>
           </a:xfrm>
           <a:prstGeom prst="rect">
@@ -7902,7 +8081,7 @@
         </p:nvSpPr>
         <p:spPr>
           <a:xfrm>
-            <a:off x="2835999" y="7097788"/>
+            <a:off x="2835999" y="6695820"/>
             <a:ext cx="2194560" cy="959237"/>
           </a:xfrm>
           <a:prstGeom prst="rect">
@@ -7916,29 +8095,29 @@
           <a:lstStyle/>
           <a:p>
             <a:r>
-              <a:rPr lang="ja-JP" sz="1000" dirty="0">
+              <a:rPr lang="ja-JP" sz="1000">
                 <a:solidFill>
                   <a:srgbClr val="020302"/>
                 </a:solidFill>
-                <a:latin typeface="Adobe Clean Han Regular" panose="020B0500000000000000" pitchFamily="34" charset="-128"/>
-                <a:ea typeface="Adobe Clean Han Regular" panose="020B0500000000000000" pitchFamily="34" charset="-128"/>
+                <a:latin typeface="Adobe Clean Han Light" panose="020B0300000000000000" pitchFamily="34" charset="-128"/>
+                <a:ea typeface="Adobe Clean Han Light" panose="020B0300000000000000" pitchFamily="34" charset="-128"/>
               </a:rPr>
               <a:t>承認済みユーザーまたは</a:t>
             </a:r>
             <a:r>
-              <a:rPr lang="ja-JP" sz="1000" b="1" dirty="0">
+              <a:rPr lang="ja-JP" sz="1000" b="1">
                 <a:solidFill>
                   <a:srgbClr val="020302"/>
                 </a:solidFill>
-                <a:latin typeface="Adobe Clean Han Regular" panose="020B0500000000000000" pitchFamily="34" charset="-128"/>
-                <a:ea typeface="Adobe Clean Han Regular" panose="020B0500000000000000" pitchFamily="34" charset="-128"/>
+                <a:latin typeface="Adobe Clean Han Light" panose="020B0300000000000000" pitchFamily="34" charset="-128"/>
+                <a:ea typeface="Adobe Clean Han Light" panose="020B0300000000000000" pitchFamily="34" charset="-128"/>
               </a:rPr>
               <a:t>サポート対象ユーザー</a:t>
             </a:r>
             <a:r>
-              <a:rPr lang="ja-JP" sz="1000" dirty="0">
-                <a:latin typeface="Adobe Clean Han Regular" panose="020B0500000000000000" pitchFamily="34" charset="-128"/>
-                <a:ea typeface="Adobe Clean Han Regular" panose="020B0500000000000000" pitchFamily="34" charset="-128"/>
+              <a:rPr lang="ja-JP" sz="1000">
+                <a:latin typeface="Adobe Clean Han Light" panose="020B0300000000000000" pitchFamily="34" charset="-128"/>
+                <a:ea typeface="Adobe Clean Han Light" panose="020B0300000000000000" pitchFamily="34" charset="-128"/>
               </a:rPr>
               <a:t>は、使用可能なすべてのチャネル（P1 の場合は電話を含む）を通じて問題を申請でき、お客様の会社を代表してアドビのテクニカルサポートチームとやり取りできます。 </a:t>
             </a:r>
@@ -7959,8 +8138,8 @@
         </p:nvSpPr>
         <p:spPr>
           <a:xfrm>
-            <a:off x="214971" y="6447157"/>
-            <a:ext cx="1848207" cy="45719"/>
+            <a:off x="214971" y="6045189"/>
+            <a:ext cx="2194560" cy="45719"/>
           </a:xfrm>
           <a:custGeom>
             <a:avLst/>
@@ -7989,10 +8168,7 @@
           <a:bodyPr wrap="square" lIns="0" tIns="0" rIns="0" bIns="0" rtlCol="0"/>
           <a:lstStyle/>
           <a:p>
-            <a:endParaRPr>
-              <a:latin typeface="Adobe Clean Han Regular" panose="020B0500000000000000" pitchFamily="34" charset="-128"/>
-              <a:ea typeface="Adobe Clean Han Regular" panose="020B0500000000000000" pitchFamily="34" charset="-128"/>
-            </a:endParaRPr>
+            <a:endParaRPr/>
           </a:p>
         </p:txBody>
       </p:sp>
@@ -8010,7 +8186,7 @@
         </p:nvSpPr>
         <p:spPr>
           <a:xfrm>
-            <a:off x="214971" y="6124178"/>
+            <a:off x="214971" y="5722210"/>
             <a:ext cx="2304477" cy="307777"/>
           </a:xfrm>
           <a:prstGeom prst="rect">
@@ -8032,7 +8208,7 @@
               </a:spcBef>
             </a:pPr>
             <a:r>
-              <a:rPr lang="ja-JP" sz="1400" b="1">
+              <a:rPr lang="ja-JP" sz="1400" b="1" dirty="0">
                 <a:solidFill>
                   <a:srgbClr val="020302"/>
                 </a:solidFill>
@@ -8061,7 +8237,7 @@
         </p:nvSpPr>
         <p:spPr>
           <a:xfrm>
-            <a:off x="689237" y="8520784"/>
+            <a:off x="689237" y="8231460"/>
             <a:ext cx="991521" cy="184666"/>
           </a:xfrm>
           <a:prstGeom prst="rect">
@@ -8088,12 +8264,12 @@
               <a:defRPr/>
             </a:pPr>
             <a:r>
-              <a:rPr lang="ja-JP" sz="1200">
+              <a:rPr lang="ja-JP" sz="1200" dirty="0">
                 <a:solidFill>
                   <a:srgbClr val="000000"/>
                 </a:solidFill>
-                <a:latin typeface="Adobe Clean Han Regular" panose="020B0500000000000000" pitchFamily="34" charset="-128"/>
-                <a:ea typeface="Adobe Clean Han Regular" panose="020B0500000000000000" pitchFamily="34" charset="-128"/>
+                <a:latin typeface="Adobe Clean Han Light" panose="020B0300000000000000" pitchFamily="34" charset="-128"/>
+                <a:ea typeface="Adobe Clean Han Light" panose="020B0300000000000000" pitchFamily="34" charset="-128"/>
               </a:rPr>
               <a:t>Office Hours</a:t>
             </a:r>
@@ -8116,7 +8292,7 @@
         </p:nvSpPr>
         <p:spPr>
           <a:xfrm>
-            <a:off x="689237" y="8702003"/>
+            <a:off x="689237" y="8412679"/>
             <a:ext cx="793487" cy="184666"/>
           </a:xfrm>
           <a:prstGeom prst="rect">
@@ -8138,7 +8314,7 @@
               </a:spcAft>
             </a:pPr>
             <a:r>
-              <a:rPr lang="ja-JP" sz="1200" b="1">
+              <a:rPr lang="ja-JP" sz="1200" b="1" dirty="0">
                 <a:latin typeface="Adobe Clean Han Regular" panose="020B0500000000000000" pitchFamily="34" charset="-128"/>
                 <a:ea typeface="Adobe Clean Han Regular" panose="020B0500000000000000" pitchFamily="34" charset="-128"/>
                 <a:cs typeface="Open Sans" pitchFamily="34" charset="0"/>
@@ -8162,8 +8338,8 @@
         </p:nvSpPr>
         <p:spPr>
           <a:xfrm>
-            <a:off x="355867" y="8900888"/>
-            <a:ext cx="2480131" cy="959237"/>
+            <a:off x="355868" y="8697289"/>
+            <a:ext cx="2194560" cy="1113125"/>
           </a:xfrm>
           <a:prstGeom prst="rect">
             <a:avLst/>
@@ -8176,12 +8352,12 @@
           <a:lstStyle/>
           <a:p>
             <a:r>
-              <a:rPr lang="ja-JP" sz="1000" dirty="0">
+              <a:rPr lang="ja-JP" sz="1000">
                 <a:solidFill>
                   <a:srgbClr val="4B4B4B"/>
                 </a:solidFill>
-                <a:latin typeface="Adobe Clean Han Regular" panose="020B0500000000000000" pitchFamily="34" charset="-128"/>
-                <a:ea typeface="Adobe Clean Han Regular" panose="020B0500000000000000" pitchFamily="34" charset="-128"/>
+                <a:latin typeface="Adobe Clean Han Light" panose="020B0300000000000000" pitchFamily="34" charset="-128"/>
+                <a:ea typeface="Adobe Clean Han Light" panose="020B0300000000000000" pitchFamily="34" charset="-128"/>
               </a:rPr>
               <a:t>アドビカスタマーサポートチームによる Office Hours には、参加者に情報を提供するだけでなく、問題のトラブルシューティングやアドビソリューションで成功するためのヒントやテクニックを紹介することを目的としたセッションが含まれています。 </a:t>
             </a:r>
@@ -8204,7 +8380,7 @@
         </p:nvSpPr>
         <p:spPr>
           <a:xfrm>
-            <a:off x="5723507" y="8520784"/>
+            <a:off x="5723507" y="8161610"/>
             <a:ext cx="2015239" cy="184666"/>
           </a:xfrm>
           <a:prstGeom prst="rect">
@@ -8235,8 +8411,8 @@
                 <a:solidFill>
                   <a:srgbClr val="000000"/>
                 </a:solidFill>
-                <a:latin typeface="Adobe Clean Han Regular" panose="020B0500000000000000" pitchFamily="34" charset="-128"/>
-                <a:ea typeface="Adobe Clean Han Regular" panose="020B0500000000000000" pitchFamily="34" charset="-128"/>
+                <a:latin typeface="Adobe Clean Han Light" panose="020B0300000000000000" pitchFamily="34" charset="-128"/>
+                <a:ea typeface="Adobe Clean Han Light" panose="020B0300000000000000" pitchFamily="34" charset="-128"/>
               </a:rPr>
               <a:t>セルフサービスポータル</a:t>
             </a:r>
@@ -8259,26 +8435,23 @@
         </p:nvSpPr>
         <p:spPr>
           <a:xfrm>
-            <a:off x="5723507" y="8702003"/>
-            <a:ext cx="1693025" cy="369332"/>
+            <a:off x="5723508" y="8342829"/>
+            <a:ext cx="1486754" cy="359073"/>
           </a:xfrm>
           <a:prstGeom prst="rect">
             <a:avLst/>
           </a:prstGeom>
         </p:spPr>
         <p:txBody>
-          <a:bodyPr wrap="square" lIns="0" tIns="0" rIns="0" bIns="0">
+          <a:bodyPr wrap="none" lIns="0" tIns="0" rIns="0" bIns="0">
             <a:spAutoFit/>
           </a:bodyPr>
           <a:lstStyle/>
           <a:p>
             <a:pPr>
-              <a:spcBef>
-                <a:spcPts val="600"/>
-              </a:spcBef>
-              <a:spcAft>
-                <a:spcPts val="600"/>
-              </a:spcAft>
+              <a:lnSpc>
+                <a:spcPts val="1400"/>
+              </a:lnSpc>
             </a:pPr>
             <a:r>
               <a:rPr lang="ja-JP" sz="1200" b="1" dirty="0">
@@ -8286,7 +8459,7 @@
                 <a:ea typeface="Adobe Clean Han Regular" panose="020B0500000000000000" pitchFamily="34" charset="-128"/>
                 <a:cs typeface="Open Sans" pitchFamily="34" charset="0"/>
               </a:rPr>
-              <a:t>24 時間年中無休の</a:t>
+              <a:t>24 時間年中無休のサ</a:t>
             </a:r>
             <a:br>
               <a:rPr lang="sk-SK" altLang="ja-JP" sz="1200" b="1" dirty="0">
@@ -8301,7 +8474,7 @@
                 <a:ea typeface="Adobe Clean Han Regular" panose="020B0500000000000000" pitchFamily="34" charset="-128"/>
                 <a:cs typeface="Open Sans" pitchFamily="34" charset="0"/>
               </a:rPr>
-              <a:t>サポートポータル</a:t>
+              <a:t>ポートポータル</a:t>
             </a:r>
           </a:p>
         </p:txBody>
@@ -8320,8 +8493,8 @@
         </p:nvSpPr>
         <p:spPr>
           <a:xfrm>
-            <a:off x="5265661" y="9100035"/>
-            <a:ext cx="2354338" cy="866904"/>
+            <a:off x="5265661" y="8658311"/>
+            <a:ext cx="2302738" cy="1113125"/>
           </a:xfrm>
           <a:prstGeom prst="rect">
             <a:avLst/>
@@ -8334,12 +8507,12 @@
           <a:lstStyle/>
           <a:p>
             <a:r>
-              <a:rPr lang="ja-JP" sz="900" dirty="0">
+              <a:rPr lang="ja-JP" sz="1000" dirty="0">
                 <a:solidFill>
                   <a:srgbClr val="4B4B4B"/>
                 </a:solidFill>
-                <a:latin typeface="Adobe Clean Han Regular" panose="020B0500000000000000" pitchFamily="34" charset="-128"/>
-                <a:ea typeface="Adobe Clean Han Regular" panose="020B0500000000000000" pitchFamily="34" charset="-128"/>
+                <a:latin typeface="Adobe Clean Han Light" panose="020B0300000000000000" pitchFamily="34" charset="-128"/>
+                <a:ea typeface="Adobe Clean Han Light" panose="020B0300000000000000" pitchFamily="34" charset="-128"/>
               </a:rPr>
               <a:t>オンラインのセルフサービスサポートポータルにオンデマンドでアクセスして、サポートリクエストを申請したり、ケースのステータスを確認したり、その他のリソース（ナレッジベース、ニュースとアラート、注目すべきヒントなど）を参照したりできます。</a:t>
             </a:r>
@@ -8363,7 +8536,7 @@
         <p:spPr>
           <a:xfrm>
             <a:off x="97788" y="9888626"/>
-            <a:ext cx="3103756" cy="133370"/>
+            <a:ext cx="2245360" cy="133370"/>
           </a:xfrm>
           <a:prstGeom prst="rect">
             <a:avLst/>
@@ -8475,10 +8648,7 @@
               </a:spcBef>
             </a:pPr>
             <a:r>
-              <a:rPr lang="ja-JP" dirty="0">
-                <a:latin typeface="Adobe Clean Han Regular" panose="020B0500000000000000" pitchFamily="34" charset="-128"/>
-                <a:ea typeface="Adobe Clean Han Regular" panose="020B0500000000000000" pitchFamily="34" charset="-128"/>
-              </a:rPr>
+              <a:rPr lang="ja-JP"/>
               <a:t>©2021 Adobe.All Rights Reserved.Adobe Confidential.</a:t>
             </a:r>
           </a:p>
@@ -8497,9 +8667,9 @@
           <p:nvPr/>
         </p:nvSpPr>
         <p:spPr>
-          <a:xfrm>
-            <a:off x="214971" y="868681"/>
-            <a:ext cx="2747304" cy="85539"/>
+          <a:xfrm flipV="1">
+            <a:off x="214970" y="822962"/>
+            <a:ext cx="2749209" cy="45719"/>
           </a:xfrm>
           <a:custGeom>
             <a:avLst/>
@@ -8528,10 +8698,7 @@
           <a:bodyPr wrap="square" lIns="0" tIns="0" rIns="0" bIns="0" rtlCol="0"/>
           <a:lstStyle/>
           <a:p>
-            <a:endParaRPr>
-              <a:latin typeface="Adobe Clean Han Regular" panose="020B0500000000000000" pitchFamily="34" charset="-128"/>
-              <a:ea typeface="Adobe Clean Han Regular" panose="020B0500000000000000" pitchFamily="34" charset="-128"/>
-            </a:endParaRPr>
+            <a:endParaRPr/>
           </a:p>
         </p:txBody>
       </p:sp>
@@ -8549,7 +8716,7 @@
         </p:nvSpPr>
         <p:spPr>
           <a:xfrm>
-            <a:off x="214971" y="530261"/>
+            <a:off x="214971" y="520064"/>
             <a:ext cx="2857514" cy="307777"/>
           </a:xfrm>
           <a:prstGeom prst="rect">
@@ -8571,7 +8738,7 @@
               </a:spcBef>
             </a:pPr>
             <a:r>
-              <a:rPr lang="ja-JP" sz="1400" b="1">
+              <a:rPr lang="ja-JP" sz="1400" b="1" dirty="0">
                 <a:solidFill>
                   <a:srgbClr val="020302"/>
                 </a:solidFill>
@@ -8598,8 +8765,8 @@
         </p:nvSpPr>
         <p:spPr>
           <a:xfrm>
-            <a:off x="689237" y="2603192"/>
-            <a:ext cx="1719497" cy="197490"/>
+            <a:off x="689237" y="2592995"/>
+            <a:ext cx="1811734" cy="197490"/>
           </a:xfrm>
           <a:prstGeom prst="rect">
             <a:avLst/>
@@ -8673,8 +8840,8 @@
                 <a:solidFill>
                   <a:srgbClr val="4B4B4B"/>
                 </a:solidFill>
-                <a:latin typeface="Adobe Clean Han Regular" panose="020B0500000000000000" pitchFamily="34" charset="-128"/>
-                <a:ea typeface="Adobe Clean Han Regular" panose="020B0500000000000000" pitchFamily="34" charset="-128"/>
+                <a:latin typeface="Adobe Clean Han Light" panose="020B0300000000000000" pitchFamily="34" charset="-128"/>
+                <a:ea typeface="Adobe Clean Han Light" panose="020B0300000000000000" pitchFamily="34" charset="-128"/>
               </a:rPr>
               <a:t>アドビ内の専任連絡窓口が、エスカレーション支援や定期的なアップデートを提供し、お客様の最も重要なオープン中のサポートリクエストに優先的に対応します。</a:t>
             </a:r>
@@ -8696,7 +8863,7 @@
         <p:spPr>
           <a:xfrm>
             <a:off x="3201544" y="2592995"/>
-            <a:ext cx="1656206" cy="197490"/>
+            <a:ext cx="1427866" cy="197490"/>
           </a:xfrm>
           <a:prstGeom prst="rect">
             <a:avLst/>
@@ -8770,8 +8937,8 @@
                 <a:solidFill>
                   <a:srgbClr val="4B4B4B"/>
                 </a:solidFill>
-                <a:latin typeface="Adobe Clean Han Regular" panose="020B0500000000000000" pitchFamily="34" charset="-128"/>
-                <a:ea typeface="Adobe Clean Han Regular" panose="020B0500000000000000" pitchFamily="34" charset="-128"/>
+                <a:latin typeface="Adobe Clean Han Light" panose="020B0300000000000000" pitchFamily="34" charset="-128"/>
+                <a:ea typeface="Adobe Clean Han Light" panose="020B0300000000000000" pitchFamily="34" charset="-128"/>
               </a:rPr>
               <a:t>エンタープライズプログラムのサービス、メリットおよびサポート関連指標に関して、包括的なレビューを年 2 回行います。</a:t>
             </a:r>
@@ -8814,12 +8981,12 @@
               </a:spcBef>
             </a:pPr>
             <a:r>
-              <a:rPr lang="ja-JP" sz="1000" dirty="0">
+              <a:rPr lang="ja-JP" sz="1000">
                 <a:solidFill>
                   <a:srgbClr val="4B4B4B"/>
                 </a:solidFill>
-                <a:latin typeface="Adobe Clean Han Regular" panose="020B0500000000000000" pitchFamily="34" charset="-128"/>
-                <a:ea typeface="Adobe Clean Han Regular" panose="020B0500000000000000" pitchFamily="34" charset="-128"/>
+                <a:latin typeface="Adobe Clean Han Light" panose="020B0300000000000000" pitchFamily="34" charset="-128"/>
+                <a:ea typeface="Adobe Clean Han Light" panose="020B0300000000000000" pitchFamily="34" charset="-128"/>
               </a:rPr>
               <a:t>特定の製品の機能と、それを活用して一般的なビジネス上の問題を解決する方法に焦点を当てた 60 分のセッションです。</a:t>
             </a:r>
@@ -8840,7 +9007,7 @@
         </p:nvSpPr>
         <p:spPr>
           <a:xfrm>
-            <a:off x="5265661" y="5001737"/>
+            <a:off x="5265661" y="4882667"/>
             <a:ext cx="2194560" cy="536622"/>
           </a:xfrm>
           <a:prstGeom prst="rect">
@@ -8848,7 +9015,7 @@
           </a:prstGeom>
         </p:spPr>
         <p:txBody>
-          <a:bodyPr vert="horz" wrap="square" lIns="0" tIns="12700" rIns="0" bIns="0" rtlCol="0">
+          <a:bodyPr vert="horz" wrap="square" lIns="0" tIns="12700" rIns="0" bIns="0" rtlCol="0" anchor="t">
             <a:spAutoFit/>
           </a:bodyPr>
           <a:lstStyle/>
@@ -8866,8 +9033,8 @@
                 <a:solidFill>
                   <a:srgbClr val="4B4B4B"/>
                 </a:solidFill>
-                <a:latin typeface="Adobe Clean Han Regular" panose="020B0500000000000000" pitchFamily="34" charset="-128"/>
-                <a:ea typeface="Adobe Clean Han Regular" panose="020B0500000000000000" pitchFamily="34" charset="-128"/>
+                <a:latin typeface="Adobe Clean Han Light" panose="020B0300000000000000" pitchFamily="34" charset="-128"/>
+                <a:ea typeface="Adobe Clean Han Light" panose="020B0300000000000000" pitchFamily="34" charset="-128"/>
               </a:rPr>
               <a:t>AEM as a Cloud Service におけるカスタマイズのベストプラクティスとコアコンポーネントの採用を促進します。</a:t>
             </a:r>
@@ -8888,7 +9055,7 @@
         </p:nvSpPr>
         <p:spPr>
           <a:xfrm>
-            <a:off x="2835999" y="4994097"/>
+            <a:off x="2835999" y="4875027"/>
             <a:ext cx="2194560" cy="540276"/>
           </a:xfrm>
           <a:prstGeom prst="rect">
@@ -8896,12 +9063,12 @@
           </a:prstGeom>
         </p:spPr>
         <p:txBody>
-          <a:bodyPr vert="horz" wrap="square" lIns="0" tIns="12700" rIns="0" bIns="0" rtlCol="0">
+          <a:bodyPr vert="horz" wrap="square" lIns="0" tIns="12700" rIns="0" bIns="0" rtlCol="0" anchor="t">
             <a:spAutoFit/>
           </a:bodyPr>
           <a:lstStyle/>
           <a:p>
-            <a:pPr marL="14604" marR="5080" indent="-1905">
+            <a:pPr marL="13970" marR="5080" indent="-1905">
               <a:lnSpc>
                 <a:spcPct val="117000"/>
               </a:lnSpc>
@@ -8910,33 +9077,14 @@
               </a:spcBef>
             </a:pPr>
             <a:r>
-              <a:rPr lang="ja-JP" sz="1000" dirty="0">
+              <a:rPr lang="ja-JP" sz="1000">
                 <a:solidFill>
                   <a:srgbClr val="4B4B4B"/>
                 </a:solidFill>
-                <a:latin typeface="Adobe Clean Han Regular" panose="020B0500000000000000" pitchFamily="34" charset="-128"/>
-                <a:ea typeface="Adobe Clean Han Regular" panose="020B0500000000000000" pitchFamily="34" charset="-128"/>
+                <a:latin typeface="Adobe Clean Han Light" panose="020B0300000000000000" pitchFamily="34" charset="-128"/>
+                <a:ea typeface="Adobe Clean Han Light" panose="020B0300000000000000" pitchFamily="34" charset="-128"/>
               </a:rPr>
-              <a:t>最適化のチャンスがあるカスタマイズソリューションの採用領域を特定、</a:t>
-            </a:r>
-            <a:br>
-              <a:rPr lang="sk-SK" altLang="ja-JP" sz="1000" dirty="0">
-                <a:solidFill>
-                  <a:srgbClr val="4B4B4B"/>
-                </a:solidFill>
-                <a:latin typeface="Adobe Clean Han Regular" panose="020B0500000000000000" pitchFamily="34" charset="-128"/>
-                <a:ea typeface="Adobe Clean Han Regular" panose="020B0500000000000000" pitchFamily="34" charset="-128"/>
-              </a:rPr>
-            </a:br>
-            <a:r>
-              <a:rPr lang="ja-JP" sz="1000" dirty="0">
-                <a:solidFill>
-                  <a:srgbClr val="4B4B4B"/>
-                </a:solidFill>
-                <a:latin typeface="Adobe Clean Han Regular" panose="020B0500000000000000" pitchFamily="34" charset="-128"/>
-                <a:ea typeface="Adobe Clean Han Regular" panose="020B0500000000000000" pitchFamily="34" charset="-128"/>
-              </a:rPr>
-              <a:t>レビュー、提案します。</a:t>
+              <a:t>最適化のチャンスがあるカスタマイズソリューションの採用領域を特定、レビュー、提案します。</a:t>
             </a:r>
           </a:p>
         </p:txBody>
@@ -8955,7 +9103,7 @@
         </p:nvSpPr>
         <p:spPr>
           <a:xfrm>
-            <a:off x="355868" y="4947989"/>
+            <a:off x="355868" y="4828919"/>
             <a:ext cx="2194560" cy="900375"/>
           </a:xfrm>
           <a:prstGeom prst="rect">
@@ -8963,7 +9111,7 @@
           </a:prstGeom>
         </p:spPr>
         <p:txBody>
-          <a:bodyPr vert="horz" wrap="square" lIns="0" tIns="12700" rIns="0" bIns="0" rtlCol="0">
+          <a:bodyPr vert="horz" wrap="square" lIns="0" tIns="12700" rIns="0" bIns="0" rtlCol="0" anchor="t">
             <a:spAutoFit/>
           </a:bodyPr>
           <a:lstStyle/>
@@ -8977,14 +9125,14 @@
               </a:spcBef>
             </a:pPr>
             <a:r>
-              <a:rPr lang="ja-JP" sz="1000">
+              <a:rPr lang="ja-JP" sz="1000" dirty="0">
                 <a:solidFill>
                   <a:srgbClr val="4B4B4B"/>
                 </a:solidFill>
-                <a:latin typeface="Adobe Clean Han Regular" panose="020B0500000000000000" pitchFamily="34" charset="-128"/>
-                <a:ea typeface="Adobe Clean Han Regular" panose="020B0500000000000000" pitchFamily="34" charset="-128"/>
+                <a:latin typeface="Adobe Clean Han Light" panose="020B0300000000000000" pitchFamily="34" charset="-128"/>
+                <a:ea typeface="Adobe Clean Han Light" panose="020B0300000000000000" pitchFamily="34" charset="-128"/>
               </a:rPr>
-              <a:t>AEM as a Cloud Service のお客様が業界標準や AEM as a Cloud Service のベストプラクティスを遵守することを支援するための技術的および運用上のガバナンスを提供します。</a:t>
+              <a:t>AEM as a Cloud Service のお客様が業界標準や AEM as a Cloud Service のベストプラクティスを遵守することを支援するための技術的および運用上のガバナンスです。</a:t>
             </a:r>
           </a:p>
         </p:txBody>
@@ -9026,8 +9174,8 @@
                 <a:solidFill>
                   <a:srgbClr val="4B4B4B"/>
                 </a:solidFill>
-                <a:latin typeface="Adobe Clean Han Regular" panose="020B0500000000000000" pitchFamily="34" charset="-128"/>
-                <a:ea typeface="Adobe Clean Han Regular" panose="020B0500000000000000" pitchFamily="34" charset="-128"/>
+                <a:latin typeface="Adobe Clean Han Light" panose="020B0300000000000000" pitchFamily="34" charset="-128"/>
+                <a:ea typeface="Adobe Clean Han Light" panose="020B0300000000000000" pitchFamily="34" charset="-128"/>
               </a:rPr>
               <a:t>お客様のソリューション環境およびビジネス目標をよく理解している、専任のサポートエンジニアです。豊富な経験を活かして、お客様のエンタープライズサポートエクスペリエンスの調整を支援します。</a:t>
             </a:r>
@@ -9050,8 +9198,8 @@
         </p:nvSpPr>
         <p:spPr>
           <a:xfrm>
-            <a:off x="3201544" y="1127425"/>
-            <a:ext cx="1883244" cy="184666"/>
+            <a:off x="3201543" y="1117228"/>
+            <a:ext cx="1836877" cy="184666"/>
           </a:xfrm>
           <a:prstGeom prst="rect">
             <a:avLst/>
@@ -9137,8 +9285,8 @@
         </p:nvSpPr>
         <p:spPr>
           <a:xfrm>
-            <a:off x="5723508" y="1099976"/>
-            <a:ext cx="1422237" cy="382156"/>
+            <a:off x="5723508" y="1089779"/>
+            <a:ext cx="2060957" cy="197490"/>
           </a:xfrm>
           <a:prstGeom prst="rect">
             <a:avLst/>
@@ -9167,7 +9315,7 @@
                 <a:ea typeface="Adobe Clean Han Regular" panose="020B0500000000000000" pitchFamily="34" charset="-128"/>
                 <a:cs typeface="Adobe Clean"/>
               </a:rPr>
-              <a:t>エキスパートによるセッション</a:t>
+              <a:t>エキスパートセッション</a:t>
             </a:r>
           </a:p>
         </p:txBody>
@@ -9186,8 +9334,8 @@
         </p:nvSpPr>
         <p:spPr>
           <a:xfrm>
-            <a:off x="5181600" y="4400028"/>
-            <a:ext cx="1972258" cy="646331"/>
+            <a:off x="5181600" y="4347633"/>
+            <a:ext cx="2411730" cy="461665"/>
           </a:xfrm>
           <a:prstGeom prst="rect">
             <a:avLst/>
@@ -9235,8 +9383,8 @@
         </p:nvSpPr>
         <p:spPr>
           <a:xfrm>
-            <a:off x="2752588" y="4400293"/>
-            <a:ext cx="1708650" cy="646331"/>
+            <a:off x="2752587" y="4319323"/>
+            <a:ext cx="2122649" cy="461665"/>
           </a:xfrm>
           <a:prstGeom prst="rect">
             <a:avLst/>
@@ -9284,7 +9432,7 @@
         </p:nvSpPr>
         <p:spPr>
           <a:xfrm>
-            <a:off x="381000" y="4438394"/>
+            <a:off x="381000" y="4319324"/>
             <a:ext cx="1998943" cy="461665"/>
           </a:xfrm>
           <a:prstGeom prst="rect">
@@ -9306,7 +9454,7 @@
               </a:spcBef>
             </a:pPr>
             <a:r>
-              <a:rPr lang="ja-JP" sz="1200" b="1">
+              <a:rPr lang="ja-JP" sz="1200" b="1" dirty="0">
                 <a:solidFill>
                   <a:srgbClr val="020302"/>
                 </a:solidFill>
@@ -9411,8 +9559,8 @@
         </p:nvSpPr>
         <p:spPr>
           <a:xfrm>
-            <a:off x="689237" y="1102554"/>
-            <a:ext cx="1373941" cy="197490"/>
+            <a:off x="689237" y="1092357"/>
+            <a:ext cx="1509133" cy="197490"/>
           </a:xfrm>
           <a:prstGeom prst="rect">
             <a:avLst/>
@@ -9525,8 +9673,8 @@
                 <a:solidFill>
                   <a:srgbClr val="4B4B4B"/>
                 </a:solidFill>
-                <a:latin typeface="Adobe Clean Han Regular" panose="020B0500000000000000" pitchFamily="34" charset="-128"/>
-                <a:ea typeface="Adobe Clean Han Regular" panose="020B0500000000000000" pitchFamily="34" charset="-128"/>
+                <a:latin typeface="Adobe Clean Han Light" panose="020B0300000000000000" pitchFamily="34" charset="-128"/>
+                <a:ea typeface="Adobe Clean Han Light" panose="020B0300000000000000" pitchFamily="34" charset="-128"/>
               </a:rPr>
               <a:t>オープン中のサポートリクエストを定期的にレビューし、ケースの説明、ビジネスへの影響、ステータス、優先度、迅速な解決に必要な次のステップへの合意について、お客様と調整します。</a:t>
             </a:r>
@@ -9547,7 +9695,7 @@
         </p:nvSpPr>
         <p:spPr>
           <a:xfrm>
-            <a:off x="214971" y="3981193"/>
+            <a:off x="214971" y="3862123"/>
             <a:ext cx="3428183" cy="307777"/>
           </a:xfrm>
           <a:prstGeom prst="rect">
@@ -9569,7 +9717,7 @@
               </a:spcBef>
             </a:pPr>
             <a:r>
-              <a:rPr lang="ja-JP" sz="1400" b="1">
+              <a:rPr lang="ja-JP" sz="1400" b="1" dirty="0">
                 <a:solidFill>
                   <a:srgbClr val="020302"/>
                 </a:solidFill>
@@ -9596,8 +9744,8 @@
         </p:nvSpPr>
         <p:spPr>
           <a:xfrm>
-            <a:off x="214971" y="4310484"/>
-            <a:ext cx="3299754" cy="97040"/>
+            <a:off x="214970" y="4191414"/>
+            <a:ext cx="3301659" cy="45719"/>
           </a:xfrm>
           <a:custGeom>
             <a:avLst/>
@@ -9626,10 +9774,7 @@
           <a:bodyPr wrap="square" lIns="0" tIns="0" rIns="0" bIns="0" rtlCol="0"/>
           <a:lstStyle/>
           <a:p>
-            <a:endParaRPr>
-              <a:latin typeface="Adobe Clean Han Regular" panose="020B0500000000000000" pitchFamily="34" charset="-128"/>
-              <a:ea typeface="Adobe Clean Han Regular" panose="020B0500000000000000" pitchFamily="34" charset="-128"/>
-            </a:endParaRPr>
+            <a:endParaRPr/>
           </a:p>
         </p:txBody>
       </p:sp>
@@ -9664,7 +9809,7 @@
         </p:blipFill>
         <p:spPr>
           <a:xfrm>
-            <a:off x="3588317" y="3892352"/>
+            <a:off x="3582602" y="3797096"/>
             <a:ext cx="461665" cy="461665"/>
           </a:xfrm>
           <a:prstGeom prst="rect">
@@ -9703,7 +9848,7 @@
         </p:blipFill>
         <p:spPr>
           <a:xfrm>
-            <a:off x="2776853" y="6679878"/>
+            <a:off x="2776853" y="6277910"/>
             <a:ext cx="411480" cy="411480"/>
           </a:xfrm>
           <a:prstGeom prst="rect">
@@ -9742,7 +9887,7 @@
         </p:blipFill>
         <p:spPr>
           <a:xfrm>
-            <a:off x="228600" y="8520784"/>
+            <a:off x="228600" y="8231460"/>
             <a:ext cx="411480" cy="411480"/>
           </a:xfrm>
           <a:prstGeom prst="rect">
@@ -9781,7 +9926,7 @@
         </p:blipFill>
         <p:spPr>
           <a:xfrm>
-            <a:off x="228600" y="6641210"/>
+            <a:off x="228600" y="6239242"/>
             <a:ext cx="411480" cy="411480"/>
           </a:xfrm>
           <a:prstGeom prst="rect">
@@ -9820,7 +9965,7 @@
         </p:blipFill>
         <p:spPr>
           <a:xfrm>
-            <a:off x="5257800" y="6629400"/>
+            <a:off x="5257800" y="6227432"/>
             <a:ext cx="411480" cy="411480"/>
           </a:xfrm>
           <a:prstGeom prst="rect">
@@ -9859,7 +10004,7 @@
         </p:blipFill>
         <p:spPr>
           <a:xfrm>
-            <a:off x="5257800" y="8520784"/>
+            <a:off x="5257800" y="8231460"/>
             <a:ext cx="411480" cy="411480"/>
           </a:xfrm>
           <a:prstGeom prst="rect">
@@ -9898,7 +10043,7 @@
         </p:blipFill>
         <p:spPr>
           <a:xfrm>
-            <a:off x="2776853" y="8520784"/>
+            <a:off x="2776853" y="8231460"/>
             <a:ext cx="411480" cy="411480"/>
           </a:xfrm>
           <a:prstGeom prst="rect">
@@ -9996,10 +10141,7 @@
           <a:bodyPr wrap="square" lIns="0" tIns="0" rIns="0" bIns="0" rtlCol="0"/>
           <a:lstStyle/>
           <a:p>
-            <a:endParaRPr>
-              <a:latin typeface="Adobe Clean Han Regular" panose="020B0500000000000000" pitchFamily="34" charset="-128"/>
-              <a:ea typeface="Adobe Clean Han Regular" panose="020B0500000000000000" pitchFamily="34" charset="-128"/>
-            </a:endParaRPr>
+            <a:endParaRPr/>
           </a:p>
         </p:txBody>
       </p:sp>
@@ -10017,7 +10159,7 @@
         </p:nvSpPr>
         <p:spPr>
           <a:xfrm rot="5400000" flipH="1">
-            <a:off x="3863341" y="5609838"/>
+            <a:off x="3863341" y="5240798"/>
             <a:ext cx="45719" cy="5577840"/>
           </a:xfrm>
           <a:custGeom>
@@ -10054,146 +10196,10 @@
           <a:bodyPr wrap="square" lIns="0" tIns="0" rIns="0" bIns="0" rtlCol="0"/>
           <a:lstStyle/>
           <a:p>
-            <a:endParaRPr>
-              <a:latin typeface="Adobe Clean Han Regular" panose="020B0500000000000000" pitchFamily="34" charset="-128"/>
-              <a:ea typeface="Adobe Clean Han Regular" panose="020B0500000000000000" pitchFamily="34" charset="-128"/>
-            </a:endParaRPr>
+            <a:endParaRPr/>
           </a:p>
         </p:txBody>
       </p:sp>
-      <p:grpSp>
-        <p:nvGrpSpPr>
-          <p:cNvPr id="62" name="object 3">
-            <a:extLst>
-              <a:ext uri="{FF2B5EF4-FFF2-40B4-BE49-F238E27FC236}">
-                <a16:creationId xmlns:a16="http://schemas.microsoft.com/office/drawing/2014/main" id="{C539739D-1D3E-204D-9819-C44D9AE36DE8}"/>
-              </a:ext>
-            </a:extLst>
-          </p:cNvPr>
-          <p:cNvGrpSpPr/>
-          <p:nvPr/>
-        </p:nvGrpSpPr>
-        <p:grpSpPr>
-          <a:xfrm rot="5400000">
-            <a:off x="1154159" y="-868525"/>
-            <a:ext cx="5661921" cy="7931849"/>
-            <a:chOff x="-247019" y="421767"/>
-            <a:chExt cx="3875281" cy="7641336"/>
-          </a:xfrm>
-        </p:grpSpPr>
-        <p:sp>
-          <p:nvSpPr>
-            <p:cNvPr id="63" name="object 4">
-              <a:extLst>
-                <a:ext uri="{FF2B5EF4-FFF2-40B4-BE49-F238E27FC236}">
-                  <a16:creationId xmlns:a16="http://schemas.microsoft.com/office/drawing/2014/main" id="{F41DD51E-EC9C-7B44-BE42-FA9C42B94675}"/>
-                </a:ext>
-              </a:extLst>
-            </p:cNvPr>
-            <p:cNvSpPr/>
-            <p:nvPr/>
-          </p:nvSpPr>
-          <p:spPr>
-            <a:xfrm>
-              <a:off x="3628262" y="576453"/>
-              <a:ext cx="0" cy="7486650"/>
-            </a:xfrm>
-            <a:custGeom>
-              <a:avLst/>
-              <a:gdLst/>
-              <a:ahLst/>
-              <a:cxnLst/>
-              <a:rect l="l" t="t" r="r" b="b"/>
-              <a:pathLst>
-                <a:path h="7486650">
-                  <a:moveTo>
-                    <a:pt x="0" y="0"/>
-                  </a:moveTo>
-                  <a:lnTo>
-                    <a:pt x="0" y="7486408"/>
-                  </a:lnTo>
-                </a:path>
-              </a:pathLst>
-            </a:custGeom>
-            <a:ln w="61722">
-              <a:solidFill>
-                <a:srgbClr val="EAEAEB"/>
-              </a:solidFill>
-            </a:ln>
-          </p:spPr>
-          <p:txBody>
-            <a:bodyPr wrap="square" lIns="0" tIns="0" rIns="0" bIns="0" rtlCol="0"/>
-            <a:lstStyle/>
-            <a:p>
-              <a:endParaRPr>
-                <a:latin typeface="Adobe Clean Han Regular" panose="020B0500000000000000" pitchFamily="34" charset="-128"/>
-                <a:ea typeface="Adobe Clean Han Regular" panose="020B0500000000000000" pitchFamily="34" charset="-128"/>
-              </a:endParaRPr>
-            </a:p>
-          </p:txBody>
-        </p:sp>
-        <p:sp>
-          <p:nvSpPr>
-            <p:cNvPr id="64" name="object 5">
-              <a:extLst>
-                <a:ext uri="{FF2B5EF4-FFF2-40B4-BE49-F238E27FC236}">
-                  <a16:creationId xmlns:a16="http://schemas.microsoft.com/office/drawing/2014/main" id="{6E97A2E1-56BC-2B46-9873-F675D66FF621}"/>
-                </a:ext>
-              </a:extLst>
-            </p:cNvPr>
-            <p:cNvSpPr/>
-            <p:nvPr/>
-          </p:nvSpPr>
-          <p:spPr>
-            <a:xfrm>
-              <a:off x="-247019" y="421767"/>
-              <a:ext cx="3844040" cy="7600950"/>
-            </a:xfrm>
-            <a:custGeom>
-              <a:avLst/>
-              <a:gdLst/>
-              <a:ahLst/>
-              <a:cxnLst/>
-              <a:rect l="l" t="t" r="r" b="b"/>
-              <a:pathLst>
-                <a:path w="3409950" h="7600950">
-                  <a:moveTo>
-                    <a:pt x="0" y="7600569"/>
-                  </a:moveTo>
-                  <a:lnTo>
-                    <a:pt x="3409492" y="7600569"/>
-                  </a:lnTo>
-                  <a:lnTo>
-                    <a:pt x="3409492" y="0"/>
-                  </a:lnTo>
-                  <a:lnTo>
-                    <a:pt x="0" y="0"/>
-                  </a:lnTo>
-                  <a:lnTo>
-                    <a:pt x="0" y="7600569"/>
-                  </a:lnTo>
-                  <a:close/>
-                </a:path>
-              </a:pathLst>
-            </a:custGeom>
-            <a:ln w="12954">
-              <a:solidFill>
-                <a:srgbClr val="EBEBEB"/>
-              </a:solidFill>
-            </a:ln>
-          </p:spPr>
-          <p:txBody>
-            <a:bodyPr wrap="square" lIns="0" tIns="0" rIns="0" bIns="0" rtlCol="0"/>
-            <a:lstStyle/>
-            <a:p>
-              <a:endParaRPr>
-                <a:latin typeface="Adobe Clean Han Regular" panose="020B0500000000000000" pitchFamily="34" charset="-128"/>
-                <a:ea typeface="Adobe Clean Han Regular" panose="020B0500000000000000" pitchFamily="34" charset="-128"/>
-              </a:endParaRPr>
-            </a:p>
-          </p:txBody>
-        </p:sp>
-      </p:grpSp>
     </p:spTree>
     <p:extLst>
       <p:ext uri="{BB962C8B-B14F-4D97-AF65-F5344CB8AC3E}">
@@ -10269,10 +10275,7 @@
           <a:bodyPr wrap="square" lIns="0" tIns="0" rIns="0" bIns="0" rtlCol="0"/>
           <a:lstStyle/>
           <a:p>
-            <a:endParaRPr>
-              <a:latin typeface="Adobe Clean Han Regular" panose="020B0500000000000000" pitchFamily="34" charset="-128"/>
-              <a:ea typeface="Adobe Clean Han Regular" panose="020B0500000000000000" pitchFamily="34" charset="-128"/>
-            </a:endParaRPr>
+            <a:endParaRPr/>
           </a:p>
         </p:txBody>
       </p:sp>
@@ -10321,10 +10324,7 @@
           <a:bodyPr wrap="square" lIns="0" tIns="0" rIns="0" bIns="0" rtlCol="0"/>
           <a:lstStyle/>
           <a:p>
-            <a:endParaRPr>
-              <a:latin typeface="Adobe Clean Han Regular" panose="020B0500000000000000" pitchFamily="34" charset="-128"/>
-              <a:ea typeface="Adobe Clean Han Regular" panose="020B0500000000000000" pitchFamily="34" charset="-128"/>
-            </a:endParaRPr>
+            <a:endParaRPr/>
           </a:p>
         </p:txBody>
       </p:sp>
@@ -10373,10 +10373,7 @@
           <a:bodyPr wrap="square" lIns="0" tIns="0" rIns="0" bIns="0" rtlCol="0"/>
           <a:lstStyle/>
           <a:p>
-            <a:endParaRPr>
-              <a:latin typeface="Adobe Clean Han Regular" panose="020B0500000000000000" pitchFamily="34" charset="-128"/>
-              <a:ea typeface="Adobe Clean Han Regular" panose="020B0500000000000000" pitchFamily="34" charset="-128"/>
-            </a:endParaRPr>
+            <a:endParaRPr/>
           </a:p>
         </p:txBody>
       </p:sp>
@@ -10425,10 +10422,7 @@
           <a:bodyPr wrap="square" lIns="0" tIns="0" rIns="0" bIns="0" rtlCol="0"/>
           <a:lstStyle/>
           <a:p>
-            <a:endParaRPr>
-              <a:latin typeface="Adobe Clean Han Regular" panose="020B0500000000000000" pitchFamily="34" charset="-128"/>
-              <a:ea typeface="Adobe Clean Han Regular" panose="020B0500000000000000" pitchFamily="34" charset="-128"/>
-            </a:endParaRPr>
+            <a:endParaRPr/>
           </a:p>
         </p:txBody>
       </p:sp>
@@ -10459,8 +10453,7 @@
               </a:lnSpc>
             </a:pPr>
             <a:endParaRPr sz="500">
-              <a:latin typeface="Adobe Clean Han Regular" panose="020B0500000000000000" pitchFamily="34" charset="-128"/>
-              <a:ea typeface="Adobe Clean Han Regular" panose="020B0500000000000000" pitchFamily="34" charset="-128"/>
+              <a:latin typeface="Adobe Clean"/>
               <a:cs typeface="Adobe Clean"/>
             </a:endParaRPr>
           </a:p>
@@ -10474,8 +10467,7 @@
               </a:spcBef>
             </a:pPr>
             <a:endParaRPr sz="700">
-              <a:latin typeface="Adobe Clean Han Regular" panose="020B0500000000000000" pitchFamily="34" charset="-128"/>
-              <a:ea typeface="Adobe Clean Han Regular" panose="020B0500000000000000" pitchFamily="34" charset="-128"/>
+              <a:latin typeface="Adobe Clean"/>
               <a:cs typeface="Adobe Clean"/>
             </a:endParaRPr>
           </a:p>
@@ -10490,8 +10482,8 @@
                 <a:solidFill>
                   <a:srgbClr val="6D6D6D"/>
                 </a:solidFill>
-                <a:latin typeface="Adobe Clean Han Regular" panose="020B0500000000000000" pitchFamily="34" charset="-128"/>
-                <a:ea typeface="Adobe Clean Han Regular" panose="020B0500000000000000" pitchFamily="34" charset="-128"/>
+                <a:latin typeface="Adobe Clean"/>
+                <a:ea typeface="MS Mincho"/>
                 <a:cs typeface="Adobe Clean"/>
               </a:rPr>
               <a:t>©2021 Adobe.All Rights Reserved.Adobe Confidential.</a:t>
@@ -10507,8 +10499,8 @@
         </p:nvSpPr>
         <p:spPr>
           <a:xfrm>
-            <a:off x="4379603" y="914778"/>
-            <a:ext cx="2830821" cy="135230"/>
+            <a:off x="4329477" y="921362"/>
+            <a:ext cx="2880933" cy="51013"/>
           </a:xfrm>
           <a:custGeom>
             <a:avLst/>
@@ -10537,10 +10529,7 @@
           <a:bodyPr wrap="square" lIns="0" tIns="0" rIns="0" bIns="0" rtlCol="0"/>
           <a:lstStyle/>
           <a:p>
-            <a:endParaRPr>
-              <a:latin typeface="Adobe Clean Han Regular" panose="020B0500000000000000" pitchFamily="34" charset="-128"/>
-              <a:ea typeface="Adobe Clean Han Regular" panose="020B0500000000000000" pitchFamily="34" charset="-128"/>
-            </a:endParaRPr>
+            <a:endParaRPr/>
           </a:p>
         </p:txBody>
       </p:sp>
@@ -10552,23 +10541,20 @@
         </p:nvSpPr>
         <p:spPr>
           <a:xfrm>
-            <a:off x="4333884" y="589788"/>
-            <a:ext cx="3097646" cy="228268"/>
+            <a:off x="4305089" y="589788"/>
+            <a:ext cx="3200593" cy="228268"/>
           </a:xfrm>
           <a:prstGeom prst="rect">
             <a:avLst/>
           </a:prstGeom>
         </p:spPr>
         <p:txBody>
-          <a:bodyPr vert="horz" wrap="square" lIns="0" tIns="12700" rIns="0" bIns="0" rtlCol="0">
+          <a:bodyPr vert="horz" wrap="square" lIns="0" tIns="12700" rIns="0" bIns="0" rtlCol="0" anchor="t">
             <a:spAutoFit/>
           </a:bodyPr>
           <a:lstStyle/>
           <a:p>
             <a:pPr marL="12700">
-              <a:lnSpc>
-                <a:spcPct val="100000"/>
-              </a:lnSpc>
               <a:spcBef>
                 <a:spcPts val="100"/>
               </a:spcBef>
@@ -10617,7 +10603,7 @@
               </a:spcBef>
             </a:pPr>
             <a:r>
-              <a:rPr lang="ja-JP" sz="1400" b="1">
+              <a:rPr lang="ja-JP" sz="1400" b="1" dirty="0">
                 <a:solidFill>
                   <a:srgbClr val="020302"/>
                 </a:solidFill>
@@ -10665,22 +10651,29 @@
             </a:r>
             <a:r>
               <a:rPr lang="ja-JP" sz="1000" dirty="0">
-                <a:latin typeface="Adobe Clean Han Regular" panose="020B0500000000000000" pitchFamily="34" charset="-128"/>
-                <a:ea typeface="Adobe Clean Han Regular" panose="020B0500000000000000" pitchFamily="34" charset="-128"/>
+                <a:latin typeface="Adobe Clean Han Light" panose="020B0300000000000000" pitchFamily="34" charset="-128"/>
+                <a:ea typeface="Adobe Clean Han Light" panose="020B0300000000000000" pitchFamily="34" charset="-128"/>
               </a:rPr>
               <a:t>を実装するお客様のための Launch Advisory は、</a:t>
+            </a:r>
+            <a:r>
+              <a:rPr lang="ja-JP" sz="1000" b="1" dirty="0">
+                <a:latin typeface="Adobe Clean Han Light" panose="020B0300000000000000" pitchFamily="34" charset="-128"/>
+                <a:ea typeface="Adobe Clean Han Light" panose="020B0300000000000000" pitchFamily="34" charset="-128"/>
+              </a:rPr>
+              <a:t>デ</a:t>
             </a:r>
             <a:r>
               <a:rPr lang="ja-JP" sz="1000" b="1" dirty="0">
                 <a:latin typeface="Adobe Clean Han Regular" panose="020B0500000000000000" pitchFamily="34" charset="-128"/>
                 <a:ea typeface="Adobe Clean Han Regular" panose="020B0500000000000000" pitchFamily="34" charset="-128"/>
               </a:rPr>
-              <a:t>デプロイメントの成功をサポート</a:t>
+              <a:t>プロイメントの成功をサポート</a:t>
             </a:r>
             <a:r>
               <a:rPr lang="ja-JP" sz="1000" dirty="0">
-                <a:latin typeface="Adobe Clean Han Regular" panose="020B0500000000000000" pitchFamily="34" charset="-128"/>
-                <a:ea typeface="Adobe Clean Han Regular" panose="020B0500000000000000" pitchFamily="34" charset="-128"/>
+                <a:latin typeface="Adobe Clean Han Light" panose="020B0300000000000000" pitchFamily="34" charset="-128"/>
+                <a:ea typeface="Adobe Clean Han Light" panose="020B0300000000000000" pitchFamily="34" charset="-128"/>
               </a:rPr>
               <a:t>し、</a:t>
             </a:r>
@@ -10693,22 +10686,29 @@
             </a:r>
             <a:r>
               <a:rPr lang="ja-JP" sz="1000" dirty="0">
-                <a:latin typeface="Adobe Clean Han Regular" panose="020B0500000000000000" pitchFamily="34" charset="-128"/>
-                <a:ea typeface="Adobe Clean Han Regular" panose="020B0500000000000000" pitchFamily="34" charset="-128"/>
+                <a:latin typeface="Adobe Clean Han Light" panose="020B0300000000000000" pitchFamily="34" charset="-128"/>
+                <a:ea typeface="Adobe Clean Han Light" panose="020B0300000000000000" pitchFamily="34" charset="-128"/>
               </a:rPr>
               <a:t>することが実証されている、</a:t>
+            </a:r>
+            <a:r>
+              <a:rPr lang="ja-JP" sz="1000" b="1" dirty="0">
+                <a:latin typeface="Adobe Clean Han Light" panose="020B0300000000000000" pitchFamily="34" charset="-128"/>
+                <a:ea typeface="Adobe Clean Han Light" panose="020B0300000000000000" pitchFamily="34" charset="-128"/>
+              </a:rPr>
+              <a:t>ア</a:t>
             </a:r>
             <a:r>
               <a:rPr lang="ja-JP" sz="1000" b="1" dirty="0">
                 <a:latin typeface="Adobe Clean Han Regular" panose="020B0500000000000000" pitchFamily="34" charset="-128"/>
                 <a:ea typeface="Adobe Clean Han Regular" panose="020B0500000000000000" pitchFamily="34" charset="-128"/>
               </a:rPr>
-              <a:t>アドバイザリサービスおよび提案の中核</a:t>
+              <a:t>ドバイザリサービスおよび提案の中核</a:t>
             </a:r>
             <a:r>
               <a:rPr lang="ja-JP" sz="1000" dirty="0">
-                <a:latin typeface="Adobe Clean Han Regular" panose="020B0500000000000000" pitchFamily="34" charset="-128"/>
-                <a:ea typeface="Adobe Clean Han Regular" panose="020B0500000000000000" pitchFamily="34" charset="-128"/>
+                <a:latin typeface="Adobe Clean Han Light" panose="020B0300000000000000" pitchFamily="34" charset="-128"/>
+                <a:ea typeface="Adobe Clean Han Light" panose="020B0300000000000000" pitchFamily="34" charset="-128"/>
               </a:rPr>
               <a:t>です。</a:t>
             </a:r>
@@ -10773,8 +10773,8 @@
                 <a:solidFill>
                   <a:srgbClr val="4B4B4B"/>
                 </a:solidFill>
-                <a:latin typeface="Adobe Clean Han Regular" panose="020B0500000000000000" pitchFamily="34" charset="-128"/>
-                <a:ea typeface="Adobe Clean Han Regular" panose="020B0500000000000000" pitchFamily="34" charset="-128"/>
+                <a:latin typeface="Adobe Clean Han Light" panose="020B0300000000000000" pitchFamily="34" charset="-128"/>
+                <a:ea typeface="Adobe Clean Han Light" panose="020B0300000000000000" pitchFamily="34" charset="-128"/>
               </a:rPr>
               <a:t>フィールドサービスは、</a:t>
             </a:r>
@@ -10793,8 +10793,8 @@
                 <a:solidFill>
                   <a:srgbClr val="4B4B4B"/>
                 </a:solidFill>
-                <a:latin typeface="Adobe Clean Han Regular" panose="020B0500000000000000" pitchFamily="34" charset="-128"/>
-                <a:ea typeface="Adobe Clean Han Regular" panose="020B0500000000000000" pitchFamily="34" charset="-128"/>
+                <a:latin typeface="Adobe Clean Han Light" panose="020B0300000000000000" pitchFamily="34" charset="-128"/>
+                <a:ea typeface="Adobe Clean Han Light" panose="020B0300000000000000" pitchFamily="34" charset="-128"/>
               </a:rPr>
               <a:t>、集中的なカスタマーサクセス、</a:t>
             </a:r>
@@ -10813,8 +10813,8 @@
                 <a:solidFill>
                   <a:srgbClr val="4B4B4B"/>
                 </a:solidFill>
-                <a:latin typeface="Adobe Clean Han Regular" panose="020B0500000000000000" pitchFamily="34" charset="-128"/>
-                <a:ea typeface="Adobe Clean Han Regular" panose="020B0500000000000000" pitchFamily="34" charset="-128"/>
+                <a:latin typeface="Adobe Clean Han Light" panose="020B0300000000000000" pitchFamily="34" charset="-128"/>
+                <a:ea typeface="Adobe Clean Han Light" panose="020B0300000000000000" pitchFamily="34" charset="-128"/>
               </a:rPr>
               <a:t>の短縮のために使用されます。</a:t>
             </a:r>
@@ -10823,8 +10823,8 @@
                 <a:solidFill>
                   <a:srgbClr val="4B4B4B"/>
                 </a:solidFill>
-                <a:latin typeface="Adobe Clean Han Regular" panose="020B0500000000000000" pitchFamily="34" charset="-128"/>
-                <a:ea typeface="Adobe Clean Han Regular" panose="020B0500000000000000" pitchFamily="34" charset="-128"/>
+                <a:latin typeface="Adobe Clean Han Light" panose="020B0300000000000000" pitchFamily="34" charset="-128"/>
+                <a:ea typeface="Adobe Clean Han Light" panose="020B0300000000000000" pitchFamily="34" charset="-128"/>
               </a:rPr>
             </a:br>
             <a:r>
@@ -10832,8 +10832,8 @@
                 <a:solidFill>
                   <a:srgbClr val="4B4B4B"/>
                 </a:solidFill>
-                <a:latin typeface="Adobe Clean Han Regular" panose="020B0500000000000000" pitchFamily="34" charset="-128"/>
-                <a:ea typeface="Adobe Clean Han Regular" panose="020B0500000000000000" pitchFamily="34" charset="-128"/>
+                <a:latin typeface="Adobe Clean Han Light" panose="020B0300000000000000" pitchFamily="34" charset="-128"/>
+                <a:ea typeface="Adobe Clean Han Light" panose="020B0300000000000000" pitchFamily="34" charset="-128"/>
               </a:rPr>
               <a:t>アドビサポート契約の対象となるソリューション製品で、Launch Advisory が適用される場合、</a:t>
             </a:r>
@@ -10845,36 +10845,17 @@
                 <a:latin typeface="Adobe Clean Han Regular" panose="020B0500000000000000" pitchFamily="34" charset="-128"/>
                 <a:ea typeface="Adobe Clean Han Regular" panose="020B0500000000000000" pitchFamily="34" charset="-128"/>
               </a:rPr>
-              <a:t>1 年目の</a:t>
-            </a:r>
-            <a:br>
-              <a:rPr lang="sk-SK" altLang="ja-JP" sz="1000" b="1" dirty="0">
-                <a:solidFill>
-                  <a:srgbClr val="4B4B4B"/>
-                </a:solidFill>
-                <a:latin typeface="Adobe Clean Han Regular" panose="020B0500000000000000" pitchFamily="34" charset="-128"/>
-                <a:ea typeface="Adobe Clean Han Regular" panose="020B0500000000000000" pitchFamily="34" charset="-128"/>
-              </a:rPr>
-            </a:br>
-            <a:r>
-              <a:rPr lang="ja-JP" sz="1000" b="1" dirty="0">
-                <a:solidFill>
-                  <a:srgbClr val="4B4B4B"/>
-                </a:solidFill>
-                <a:latin typeface="Adobe Clean Han Regular" panose="020B0500000000000000" pitchFamily="34" charset="-128"/>
-                <a:ea typeface="Adobe Clean Han Regular" panose="020B0500000000000000" pitchFamily="34" charset="-128"/>
-              </a:rPr>
-              <a:t>フィールドサービス</a:t>
+              <a:t>1 年目のフィールドサービスはありません</a:t>
             </a:r>
             <a:r>
               <a:rPr lang="ja-JP" sz="1000" dirty="0">
                 <a:solidFill>
                   <a:srgbClr val="4B4B4B"/>
                 </a:solidFill>
-                <a:latin typeface="Adobe Clean Han Regular" panose="020B0500000000000000" pitchFamily="34" charset="-128"/>
-                <a:ea typeface="Adobe Clean Han Regular" panose="020B0500000000000000" pitchFamily="34" charset="-128"/>
+                <a:latin typeface="Adobe Clean Han Light" panose="020B0300000000000000" pitchFamily="34" charset="-128"/>
+                <a:ea typeface="Adobe Clean Han Light" panose="020B0300000000000000" pitchFamily="34" charset="-128"/>
               </a:rPr>
-              <a:t>はありません。 </a:t>
+              <a:t>。 </a:t>
             </a:r>
           </a:p>
           <a:p>
@@ -10887,8 +10868,8 @@
               <a:solidFill>
                 <a:srgbClr val="1F1F1F"/>
               </a:solidFill>
-              <a:latin typeface="Adobe Clean Han Regular" panose="020B0500000000000000" pitchFamily="34" charset="-128"/>
-              <a:ea typeface="Adobe Clean Han Regular" panose="020B0500000000000000" pitchFamily="34" charset="-128"/>
+              <a:latin typeface="Adobe Clean Han Light" panose="020B0300000000000000" pitchFamily="34" charset="-128"/>
+              <a:ea typeface="Adobe Clean Han Light" panose="020B0300000000000000" pitchFamily="34" charset="-128"/>
               <a:cs typeface="Adobe Clean"/>
             </a:endParaRPr>
           </a:p>
@@ -10908,8 +10889,8 @@
         </p:nvSpPr>
         <p:spPr>
           <a:xfrm flipV="1">
-            <a:off x="924304" y="869060"/>
-            <a:ext cx="1285496" cy="45719"/>
+            <a:off x="924304" y="869059"/>
+            <a:ext cx="1414530" cy="45719"/>
           </a:xfrm>
           <a:custGeom>
             <a:avLst/>
@@ -10938,10 +10919,7 @@
           <a:bodyPr wrap="square" lIns="0" tIns="0" rIns="0" bIns="0" rtlCol="0"/>
           <a:lstStyle/>
           <a:p>
-            <a:endParaRPr>
-              <a:latin typeface="Adobe Clean Han Regular" panose="020B0500000000000000" pitchFamily="34" charset="-128"/>
-              <a:ea typeface="Adobe Clean Han Regular" panose="020B0500000000000000" pitchFamily="34" charset="-128"/>
-            </a:endParaRPr>
+            <a:endParaRPr/>
           </a:p>
         </p:txBody>
       </p:sp>
@@ -10989,10 +10967,7 @@
           <a:bodyPr wrap="square" lIns="0" tIns="0" rIns="0" bIns="0" rtlCol="0"/>
           <a:lstStyle/>
           <a:p>
-            <a:endParaRPr>
-              <a:latin typeface="Adobe Clean Han Regular" panose="020B0500000000000000" pitchFamily="34" charset="-128"/>
-              <a:ea typeface="Adobe Clean Han Regular" panose="020B0500000000000000" pitchFamily="34" charset="-128"/>
-            </a:endParaRPr>
+            <a:endParaRPr/>
           </a:p>
         </p:txBody>
       </p:sp>
@@ -11040,10 +11015,7 @@
           <a:bodyPr wrap="square" lIns="0" tIns="0" rIns="0" bIns="0" rtlCol="0"/>
           <a:lstStyle/>
           <a:p>
-            <a:endParaRPr>
-              <a:latin typeface="Adobe Clean Han Regular" panose="020B0500000000000000" pitchFamily="34" charset="-128"/>
-              <a:ea typeface="Adobe Clean Han Regular" panose="020B0500000000000000" pitchFamily="34" charset="-128"/>
-            </a:endParaRPr>
+            <a:endParaRPr/>
           </a:p>
         </p:txBody>
       </p:sp>
@@ -11061,8 +11033,8 @@
         </p:nvSpPr>
         <p:spPr>
           <a:xfrm>
-            <a:off x="172087" y="3867961"/>
-            <a:ext cx="3613019" cy="2644314"/>
+            <a:off x="172087" y="3639358"/>
+            <a:ext cx="3525469" cy="2644314"/>
           </a:xfrm>
           <a:prstGeom prst="rect">
             <a:avLst/>
@@ -11081,8 +11053,8 @@
             </a:pPr>
             <a:r>
               <a:rPr lang="ja-JP" sz="1000" dirty="0">
-                <a:latin typeface="Adobe Clean Han Regular" panose="020B0500000000000000" pitchFamily="34" charset="-128"/>
-                <a:ea typeface="Adobe Clean Han Regular" panose="020B0500000000000000" pitchFamily="34" charset="-128"/>
+                <a:latin typeface="Adobe Clean Han Light" panose="020B0300000000000000" pitchFamily="34" charset="-128"/>
+                <a:ea typeface="Adobe Clean Han Light" panose="020B0300000000000000" pitchFamily="34" charset="-128"/>
               </a:rPr>
               <a:t>アドビソリューションエキスパートは、お客様や実装パートナーに対して、</a:t>
             </a:r>
@@ -11101,8 +11073,8 @@
                 <a:solidFill>
                   <a:srgbClr val="000000"/>
                 </a:solidFill>
-                <a:latin typeface="Adobe Clean Han Regular" panose="020B0500000000000000" pitchFamily="34" charset="-128"/>
-                <a:ea typeface="Adobe Clean Han Regular" panose="020B0500000000000000" pitchFamily="34" charset="-128"/>
+                <a:latin typeface="Adobe Clean Han Light" panose="020B0300000000000000" pitchFamily="34" charset="-128"/>
+                <a:ea typeface="Adobe Clean Han Light" panose="020B0300000000000000" pitchFamily="34" charset="-128"/>
               </a:rPr>
               <a:t>で、要件、アーキテクチャ、開発プロセス、ローンチ準備レビューの検証を支援します。</a:t>
             </a:r>
@@ -11117,8 +11089,8 @@
               <a:solidFill>
                 <a:srgbClr val="1F1F1F"/>
               </a:solidFill>
-              <a:latin typeface="Adobe Clean Han Regular" panose="020B0500000000000000" pitchFamily="34" charset="-128"/>
-              <a:ea typeface="Adobe Clean Han Regular" panose="020B0500000000000000" pitchFamily="34" charset="-128"/>
+              <a:latin typeface="Adobe Clean Han Light" panose="020B0300000000000000" pitchFamily="34" charset="-128"/>
+              <a:ea typeface="Adobe Clean Han Light" panose="020B0300000000000000" pitchFamily="34" charset="-128"/>
               <a:cs typeface="Adobe Clean"/>
             </a:endParaRPr>
           </a:p>
@@ -11130,8 +11102,8 @@
             </a:pPr>
             <a:r>
               <a:rPr lang="ja-JP" sz="1000" dirty="0">
-                <a:latin typeface="Adobe Clean Han Regular" panose="020B0500000000000000" pitchFamily="34" charset="-128"/>
-                <a:ea typeface="Adobe Clean Han Regular" panose="020B0500000000000000" pitchFamily="34" charset="-128"/>
+                <a:latin typeface="Adobe Clean Han Light" panose="020B0300000000000000" pitchFamily="34" charset="-128"/>
+                <a:ea typeface="Adobe Clean Han Light" panose="020B0300000000000000" pitchFamily="34" charset="-128"/>
               </a:rPr>
               <a:t>Launch Advisory では、お客様のプロジェクトスケジュールの一般的なマイルストーン（</a:t>
             </a:r>
@@ -11144,21 +11116,21 @@
             </a:r>
             <a:r>
               <a:rPr lang="ja-JP" sz="1000" dirty="0">
-                <a:latin typeface="Adobe Clean Han Regular" panose="020B0500000000000000" pitchFamily="34" charset="-128"/>
-                <a:ea typeface="Adobe Clean Han Regular" panose="020B0500000000000000" pitchFamily="34" charset="-128"/>
+                <a:latin typeface="Adobe Clean Han Light" panose="020B0300000000000000" pitchFamily="34" charset="-128"/>
+                <a:ea typeface="Adobe Clean Han Light" panose="020B0300000000000000" pitchFamily="34" charset="-128"/>
               </a:rPr>
               <a:t>）に合わせて、</a:t>
             </a:r>
             <a:br>
               <a:rPr lang="sk-SK" altLang="ja-JP" sz="1000" dirty="0">
-                <a:latin typeface="Adobe Clean Han Regular" panose="020B0500000000000000" pitchFamily="34" charset="-128"/>
-                <a:ea typeface="Adobe Clean Han Regular" panose="020B0500000000000000" pitchFamily="34" charset="-128"/>
+                <a:latin typeface="Adobe Clean Han Light" panose="020B0300000000000000" pitchFamily="34" charset="-128"/>
+                <a:ea typeface="Adobe Clean Han Light" panose="020B0300000000000000" pitchFamily="34" charset="-128"/>
               </a:rPr>
             </a:br>
             <a:r>
               <a:rPr lang="ja-JP" sz="1000" dirty="0">
-                <a:latin typeface="Adobe Clean Han Regular" panose="020B0500000000000000" pitchFamily="34" charset="-128"/>
-                <a:ea typeface="Adobe Clean Han Regular" panose="020B0500000000000000" pitchFamily="34" charset="-128"/>
+                <a:latin typeface="Adobe Clean Han Light" panose="020B0300000000000000" pitchFamily="34" charset="-128"/>
+                <a:ea typeface="Adobe Clean Han Light" panose="020B0300000000000000" pitchFamily="34" charset="-128"/>
               </a:rPr>
               <a:t>ガイド、検証、評価、提案を行います。</a:t>
             </a:r>
@@ -11170,8 +11142,8 @@
               </a:spcBef>
             </a:pPr>
             <a:endParaRPr lang="en-US" sz="1000" dirty="0">
-              <a:latin typeface="Adobe Clean Han Regular" panose="020B0500000000000000" pitchFamily="34" charset="-128"/>
-              <a:ea typeface="Adobe Clean Han Regular" panose="020B0500000000000000" pitchFamily="34" charset="-128"/>
+              <a:latin typeface="Adobe Clean Han Light" panose="020B0300000000000000" pitchFamily="34" charset="-128"/>
+              <a:ea typeface="Adobe Clean Han Light" panose="020B0300000000000000" pitchFamily="34" charset="-128"/>
             </a:endParaRPr>
           </a:p>
           <a:p>
@@ -11182,8 +11154,8 @@
             </a:pPr>
             <a:r>
               <a:rPr lang="ja-JP" sz="1000" dirty="0">
-                <a:latin typeface="Adobe Clean Han Regular" panose="020B0500000000000000" pitchFamily="34" charset="-128"/>
-                <a:ea typeface="Adobe Clean Han Regular" panose="020B0500000000000000" pitchFamily="34" charset="-128"/>
+                <a:latin typeface="Adobe Clean Han Light" panose="020B0300000000000000" pitchFamily="34" charset="-128"/>
+                <a:ea typeface="Adobe Clean Han Light" panose="020B0300000000000000" pitchFamily="34" charset="-128"/>
               </a:rPr>
               <a:t>主な成果物：</a:t>
             </a:r>
@@ -11198,21 +11170,21 @@
             </a:pPr>
             <a:r>
               <a:rPr lang="ja-JP" sz="1000" dirty="0">
-                <a:latin typeface="Adobe Clean Han Regular" panose="020B0500000000000000" pitchFamily="34" charset="-128"/>
-                <a:ea typeface="Adobe Clean Han Regular" panose="020B0500000000000000" pitchFamily="34" charset="-128"/>
+                <a:latin typeface="Adobe Clean Han Light" panose="020B0300000000000000" pitchFamily="34" charset="-128"/>
+                <a:ea typeface="Adobe Clean Han Light" panose="020B0300000000000000" pitchFamily="34" charset="-128"/>
               </a:rPr>
               <a:t>キックオフ（プロジェクトコラボレーション</a:t>
             </a:r>
             <a:br>
               <a:rPr lang="sk-SK" altLang="ja-JP" sz="1000" dirty="0">
-                <a:latin typeface="Adobe Clean Han Regular" panose="020B0500000000000000" pitchFamily="34" charset="-128"/>
-                <a:ea typeface="Adobe Clean Han Regular" panose="020B0500000000000000" pitchFamily="34" charset="-128"/>
+                <a:latin typeface="Adobe Clean Han Light" panose="020B0300000000000000" pitchFamily="34" charset="-128"/>
+                <a:ea typeface="Adobe Clean Han Light" panose="020B0300000000000000" pitchFamily="34" charset="-128"/>
               </a:rPr>
             </a:br>
             <a:r>
               <a:rPr lang="ja-JP" sz="1000" dirty="0">
-                <a:latin typeface="Adobe Clean Han Regular" panose="020B0500000000000000" pitchFamily="34" charset="-128"/>
-                <a:ea typeface="Adobe Clean Han Regular" panose="020B0500000000000000" pitchFamily="34" charset="-128"/>
+                <a:latin typeface="Adobe Clean Han Light" panose="020B0300000000000000" pitchFamily="34" charset="-128"/>
+                <a:ea typeface="Adobe Clean Han Light" panose="020B0300000000000000" pitchFamily="34" charset="-128"/>
               </a:rPr>
               <a:t>計画を含む）資料</a:t>
             </a:r>
@@ -11227,8 +11199,8 @@
             </a:pPr>
             <a:r>
               <a:rPr lang="ja-JP" sz="1000" dirty="0">
-                <a:latin typeface="Adobe Clean Han Regular" panose="020B0500000000000000" pitchFamily="34" charset="-128"/>
-                <a:ea typeface="Adobe Clean Han Regular" panose="020B0500000000000000" pitchFamily="34" charset="-128"/>
+                <a:latin typeface="Adobe Clean Han Light" panose="020B0300000000000000" pitchFamily="34" charset="-128"/>
+                <a:ea typeface="Adobe Clean Han Light" panose="020B0300000000000000" pitchFamily="34" charset="-128"/>
               </a:rPr>
               <a:t>評価および提案ドキュメント</a:t>
             </a:r>
@@ -11243,10 +11215,10 @@
             </a:pPr>
             <a:r>
               <a:rPr lang="ja-JP" sz="1000" dirty="0">
-                <a:latin typeface="Adobe Clean Han Regular" panose="020B0500000000000000" pitchFamily="34" charset="-128"/>
-                <a:ea typeface="Adobe Clean Han Regular" panose="020B0500000000000000" pitchFamily="34" charset="-128"/>
+                <a:latin typeface="Adobe Clean Han Light" panose="020B0300000000000000" pitchFamily="34" charset="-128"/>
+                <a:ea typeface="Adobe Clean Han Light" panose="020B0300000000000000" pitchFamily="34" charset="-128"/>
               </a:rPr>
-              <a:t>エンゲージメントの概要</a:t>
+              <a:t>エンゲージメントサマリー</a:t>
             </a:r>
           </a:p>
         </p:txBody>
@@ -11265,7 +11237,7 @@
         </p:nvSpPr>
         <p:spPr>
           <a:xfrm rot="10800000" flipH="1">
-            <a:off x="3749432" y="3840480"/>
+            <a:off x="3692282" y="3840480"/>
             <a:ext cx="45719" cy="5669280"/>
           </a:xfrm>
           <a:custGeom>
@@ -11295,10 +11267,7 @@
           <a:bodyPr wrap="square" lIns="0" tIns="0" rIns="0" bIns="0" rtlCol="0"/>
           <a:lstStyle/>
           <a:p>
-            <a:endParaRPr>
-              <a:latin typeface="Adobe Clean Han Regular" panose="020B0500000000000000" pitchFamily="34" charset="-128"/>
-              <a:ea typeface="Adobe Clean Han Regular" panose="020B0500000000000000" pitchFamily="34" charset="-128"/>
-            </a:endParaRPr>
+            <a:endParaRPr/>
           </a:p>
         </p:txBody>
       </p:sp>
@@ -11407,10 +11376,7 @@
           <a:bodyPr wrap="square" lIns="0" tIns="0" rIns="0" bIns="0" rtlCol="0"/>
           <a:lstStyle/>
           <a:p>
-            <a:endParaRPr>
-              <a:latin typeface="Adobe Clean Han Regular" panose="020B0500000000000000" pitchFamily="34" charset="-128"/>
-              <a:ea typeface="Adobe Clean Han Regular" panose="020B0500000000000000" pitchFamily="34" charset="-128"/>
-            </a:endParaRPr>
+            <a:endParaRPr/>
           </a:p>
         </p:txBody>
       </p:sp>
@@ -11488,8 +11454,8 @@
         </p:nvSpPr>
         <p:spPr>
           <a:xfrm>
-            <a:off x="2918286" y="2221884"/>
-            <a:ext cx="933111" cy="430887"/>
+            <a:off x="2918287" y="2217116"/>
+            <a:ext cx="933110" cy="430887"/>
           </a:xfrm>
           <a:prstGeom prst="rect">
             <a:avLst/>
@@ -11508,7 +11474,20 @@
                 <a:latin typeface="Adobe Clean Han Regular" panose="020B0500000000000000" pitchFamily="34" charset="-128"/>
                 <a:ea typeface="Adobe Clean Han Regular" panose="020B0500000000000000" pitchFamily="34" charset="-128"/>
               </a:rPr>
-              <a:t>ポストローンチ</a:t>
+              <a:t>ポスト</a:t>
+            </a:r>
+            <a:br>
+              <a:rPr lang="en-US" altLang="ja-JP" sz="1100" dirty="0">
+                <a:latin typeface="Adobe Clean Han Regular" panose="020B0500000000000000" pitchFamily="34" charset="-128"/>
+                <a:ea typeface="Adobe Clean Han Regular" panose="020B0500000000000000" pitchFamily="34" charset="-128"/>
+              </a:rPr>
+            </a:br>
+            <a:r>
+              <a:rPr lang="ja-JP" sz="1100" dirty="0">
+                <a:latin typeface="Adobe Clean Han Regular" panose="020B0500000000000000" pitchFamily="34" charset="-128"/>
+                <a:ea typeface="Adobe Clean Han Regular" panose="020B0500000000000000" pitchFamily="34" charset="-128"/>
+              </a:rPr>
+              <a:t>ローンチ</a:t>
             </a:r>
           </a:p>
         </p:txBody>
@@ -11528,7 +11507,7 @@
           <p:nvPr/>
         </p:nvPicPr>
         <p:blipFill>
-          <a:blip r:embed="rId4">
+          <a:blip r:embed="rId4" cstate="print">
             <a:extLst>
               <a:ext uri="{28A0092B-C50C-407E-A947-70E740481C1C}">
                 <a14:useLocalDpi xmlns:a14="http://schemas.microsoft.com/office/drawing/2010/main" val="0"/>
@@ -11540,8 +11519,8 @@
         </p:blipFill>
         <p:spPr>
           <a:xfrm>
-            <a:off x="334498" y="6618006"/>
-            <a:ext cx="3096805" cy="2855621"/>
+            <a:off x="336106" y="6379881"/>
+            <a:ext cx="3093589" cy="2855621"/>
           </a:xfrm>
           <a:prstGeom prst="rect">
             <a:avLst/>
@@ -11598,10 +11577,7 @@
           <a:lstStyle/>
           <a:p>
             <a:pPr algn="ctr"/>
-            <a:endParaRPr lang="en-US">
-              <a:latin typeface="Adobe Clean Han Regular" panose="020B0500000000000000" pitchFamily="34" charset="-128"/>
-              <a:ea typeface="Adobe Clean Han Regular" panose="020B0500000000000000" pitchFamily="34" charset="-128"/>
-            </a:endParaRPr>
+            <a:endParaRPr lang="en-US"/>
           </a:p>
         </p:txBody>
       </p:sp>
@@ -11619,7 +11595,7 @@
         </p:nvSpPr>
         <p:spPr>
           <a:xfrm>
-            <a:off x="3855907" y="4694431"/>
+            <a:off x="3855907" y="4465828"/>
             <a:ext cx="3525469" cy="2310889"/>
           </a:xfrm>
           <a:prstGeom prst="rect">
@@ -11627,7 +11603,7 @@
           </a:prstGeom>
         </p:spPr>
         <p:txBody>
-          <a:bodyPr wrap="square">
+          <a:bodyPr wrap="square" lIns="91440" tIns="45720" rIns="91440" bIns="45720" anchor="t">
             <a:spAutoFit/>
           </a:bodyPr>
           <a:lstStyle/>
@@ -11652,8 +11628,8 @@
                 <a:solidFill>
                   <a:srgbClr val="000000"/>
                 </a:solidFill>
-                <a:latin typeface="Adobe Clean Han Regular" panose="020B0500000000000000" pitchFamily="34" charset="-128"/>
-                <a:ea typeface="Adobe Clean Han Regular" panose="020B0500000000000000" pitchFamily="34" charset="-128"/>
+                <a:latin typeface="Adobe Clean Han Light" panose="020B0300000000000000" pitchFamily="34" charset="-128"/>
+                <a:ea typeface="Adobe Clean Han Light" panose="020B0300000000000000" pitchFamily="34" charset="-128"/>
               </a:rPr>
               <a:t>は、お客様が技術的に安定し、ツールを最大限に活用できるようにします。</a:t>
             </a:r>
@@ -11662,8 +11638,8 @@
                 <a:solidFill>
                   <a:srgbClr val="000000"/>
                 </a:solidFill>
-                <a:latin typeface="Adobe Clean Han Regular" panose="020B0500000000000000" pitchFamily="34" charset="-128"/>
-                <a:ea typeface="Adobe Clean Han Regular" panose="020B0500000000000000" pitchFamily="34" charset="-128"/>
+                <a:latin typeface="Adobe Clean Han Light" panose="020B0300000000000000" pitchFamily="34" charset="-128"/>
+                <a:ea typeface="Adobe Clean Han Light" panose="020B0300000000000000" pitchFamily="34" charset="-128"/>
               </a:rPr>
             </a:br>
             <a:r>
@@ -11671,8 +11647,8 @@
                 <a:solidFill>
                   <a:srgbClr val="000000"/>
                 </a:solidFill>
-                <a:latin typeface="Adobe Clean Han Regular" panose="020B0500000000000000" pitchFamily="34" charset="-128"/>
-                <a:ea typeface="Adobe Clean Han Regular" panose="020B0500000000000000" pitchFamily="34" charset="-128"/>
+                <a:latin typeface="Adobe Clean Han Light" panose="020B0300000000000000" pitchFamily="34" charset="-128"/>
+                <a:ea typeface="Adobe Clean Han Light" panose="020B0300000000000000" pitchFamily="34" charset="-128"/>
               </a:rPr>
               <a:t>具体的には、プラットフォームの設定、統合、トラブルシューティングに関するサポートや提案などがあります。</a:t>
             </a:r>
@@ -11684,8 +11660,8 @@
               </a:spcBef>
             </a:pPr>
             <a:endParaRPr lang="en-US" sz="1000" dirty="0">
-              <a:latin typeface="Adobe Clean Han Regular" panose="020B0500000000000000" pitchFamily="34" charset="-128"/>
-              <a:ea typeface="Adobe Clean Han Regular" panose="020B0500000000000000" pitchFamily="34" charset="-128"/>
+              <a:latin typeface="Adobe Clean Han Light" panose="020B0300000000000000" pitchFamily="34" charset="-128"/>
+              <a:ea typeface="Adobe Clean Han Light" panose="020B0300000000000000" pitchFamily="34" charset="-128"/>
             </a:endParaRPr>
           </a:p>
           <a:p>
@@ -11696,8 +11672,8 @@
             </a:pPr>
             <a:r>
               <a:rPr lang="ja-JP" sz="1000" dirty="0">
-                <a:latin typeface="Adobe Clean Han Regular" panose="020B0500000000000000" pitchFamily="34" charset="-128"/>
-                <a:ea typeface="Adobe Clean Han Regular" panose="020B0500000000000000" pitchFamily="34" charset="-128"/>
+                <a:latin typeface="Adobe Clean Han Light" panose="020B0300000000000000" pitchFamily="34" charset="-128"/>
+                <a:ea typeface="Adobe Clean Han Light" panose="020B0300000000000000" pitchFamily="34" charset="-128"/>
               </a:rPr>
               <a:t>利用可能なテクニカルアクティビティのタイプ：</a:t>
             </a:r>
@@ -11715,8 +11691,8 @@
             </a:pPr>
             <a:r>
               <a:rPr lang="ja-JP" sz="1000" dirty="0">
-                <a:latin typeface="Adobe Clean Han Regular" panose="020B0500000000000000" pitchFamily="34" charset="-128"/>
-                <a:ea typeface="Adobe Clean Han Regular" panose="020B0500000000000000" pitchFamily="34" charset="-128"/>
+                <a:latin typeface="Adobe Clean Han Light" panose="020B0300000000000000" pitchFamily="34" charset="-128"/>
+                <a:ea typeface="Adobe Clean Han Light" panose="020B0300000000000000" pitchFamily="34" charset="-128"/>
               </a:rPr>
               <a:t>健全性監査</a:t>
             </a:r>
@@ -11734,8 +11710,8 @@
             </a:pPr>
             <a:r>
               <a:rPr lang="ja-JP" sz="1000" dirty="0">
-                <a:latin typeface="Adobe Clean Han Regular" panose="020B0500000000000000" pitchFamily="34" charset="-128"/>
-                <a:ea typeface="Adobe Clean Han Regular" panose="020B0500000000000000" pitchFamily="34" charset="-128"/>
+                <a:latin typeface="Adobe Clean Han Light" panose="020B0300000000000000" pitchFamily="34" charset="-128"/>
+                <a:ea typeface="Adobe Clean Han Light" panose="020B0300000000000000" pitchFamily="34" charset="-128"/>
               </a:rPr>
               <a:t>プラットフォーム監査</a:t>
             </a:r>
@@ -11753,8 +11729,8 @@
             </a:pPr>
             <a:r>
               <a:rPr lang="ja-JP" sz="1000" dirty="0">
-                <a:latin typeface="Adobe Clean Han Regular" panose="020B0500000000000000" pitchFamily="34" charset="-128"/>
-                <a:ea typeface="Adobe Clean Han Regular" panose="020B0500000000000000" pitchFamily="34" charset="-128"/>
+                <a:latin typeface="Adobe Clean Han Light" panose="020B0300000000000000" pitchFamily="34" charset="-128"/>
+                <a:ea typeface="Adobe Clean Han Light" panose="020B0300000000000000" pitchFamily="34" charset="-128"/>
               </a:rPr>
               <a:t>機能セットの有効化</a:t>
             </a:r>
@@ -11772,8 +11748,8 @@
             </a:pPr>
             <a:r>
               <a:rPr lang="ja-JP" sz="1000" dirty="0">
-                <a:latin typeface="Adobe Clean Han Regular" panose="020B0500000000000000" pitchFamily="34" charset="-128"/>
-                <a:ea typeface="Adobe Clean Han Regular" panose="020B0500000000000000" pitchFamily="34" charset="-128"/>
+                <a:latin typeface="Adobe Clean Han Light" panose="020B0300000000000000" pitchFamily="34" charset="-128"/>
+                <a:ea typeface="Adobe Clean Han Light" panose="020B0300000000000000" pitchFamily="34" charset="-128"/>
               </a:rPr>
               <a:t>基本的な統合と設定</a:t>
             </a:r>
@@ -11791,8 +11767,8 @@
             </a:pPr>
             <a:r>
               <a:rPr lang="ja-JP" sz="1000" dirty="0">
-                <a:latin typeface="Adobe Clean Han Regular" panose="020B0500000000000000" pitchFamily="34" charset="-128"/>
-                <a:ea typeface="Adobe Clean Han Regular" panose="020B0500000000000000" pitchFamily="34" charset="-128"/>
+                <a:latin typeface="Adobe Clean Han Light" panose="020B0300000000000000" pitchFamily="34" charset="-128"/>
+                <a:ea typeface="Adobe Clean Han Light" panose="020B0300000000000000" pitchFamily="34" charset="-128"/>
               </a:rPr>
               <a:t>お客様のソリューションのトラブルシューティング</a:t>
             </a:r>
@@ -11810,8 +11786,8 @@
             </a:pPr>
             <a:r>
               <a:rPr lang="ja-JP" sz="1000" dirty="0">
-                <a:latin typeface="Adobe Clean Han Regular" panose="020B0500000000000000" pitchFamily="34" charset="-128"/>
-                <a:ea typeface="Adobe Clean Han Regular" panose="020B0500000000000000" pitchFamily="34" charset="-128"/>
+                <a:latin typeface="Adobe Clean Han Light" panose="020B0300000000000000" pitchFamily="34" charset="-128"/>
+                <a:ea typeface="Adobe Clean Han Light" panose="020B0300000000000000" pitchFamily="34" charset="-128"/>
               </a:rPr>
               <a:t>クラウドサービスのサポート</a:t>
             </a:r>
@@ -11832,7 +11808,7 @@
         </p:nvSpPr>
         <p:spPr>
           <a:xfrm>
-            <a:off x="3851397" y="7249456"/>
+            <a:off x="3851397" y="7020853"/>
             <a:ext cx="3525469" cy="2054409"/>
           </a:xfrm>
           <a:prstGeom prst="rect">
@@ -11840,7 +11816,7 @@
           </a:prstGeom>
         </p:spPr>
         <p:txBody>
-          <a:bodyPr wrap="square">
+          <a:bodyPr wrap="square" lIns="91440" tIns="45720" rIns="91440" bIns="45720" anchor="t">
             <a:spAutoFit/>
           </a:bodyPr>
           <a:lstStyle/>
@@ -11865,29 +11841,10 @@
                 <a:solidFill>
                   <a:srgbClr val="000000"/>
                 </a:solidFill>
-                <a:latin typeface="Adobe Clean Han Regular" panose="020B0500000000000000" pitchFamily="34" charset="-128"/>
-                <a:ea typeface="Adobe Clean Han Regular" panose="020B0500000000000000" pitchFamily="34" charset="-128"/>
+                <a:latin typeface="Adobe Clean Han Light" panose="020B0300000000000000" pitchFamily="34" charset="-128"/>
+                <a:ea typeface="Adobe Clean Han Light" panose="020B0300000000000000" pitchFamily="34" charset="-128"/>
               </a:rPr>
-              <a:t>は、お客様のアドビソリューションから価値が実現されるようにするオポチュニティを提供します。これには、1 つ以上のアドビソリューションで価値実現を促進するための戦略、測定、</a:t>
-            </a:r>
-            <a:br>
-              <a:rPr lang="sk-SK" altLang="ja-JP" sz="1000" dirty="0">
-                <a:solidFill>
-                  <a:srgbClr val="000000"/>
-                </a:solidFill>
-                <a:latin typeface="Adobe Clean Han Regular" panose="020B0500000000000000" pitchFamily="34" charset="-128"/>
-                <a:ea typeface="Adobe Clean Han Regular" panose="020B0500000000000000" pitchFamily="34" charset="-128"/>
-              </a:rPr>
-            </a:br>
-            <a:r>
-              <a:rPr lang="ja-JP" sz="1000" dirty="0">
-                <a:solidFill>
-                  <a:srgbClr val="000000"/>
-                </a:solidFill>
-                <a:latin typeface="Adobe Clean Han Regular" panose="020B0500000000000000" pitchFamily="34" charset="-128"/>
-                <a:ea typeface="Adobe Clean Han Regular" panose="020B0500000000000000" pitchFamily="34" charset="-128"/>
-              </a:rPr>
-              <a:t>成熟度に関するサポートの提案が含まれます。</a:t>
+              <a:t>は、お客様のアドビソリューションから価値が実現されるようにするオポチュニティを提供します。これには、1 つ以上のアドビソリューションで価値実現を促進するための戦略、測定、成熟度に関するサポートの提案が含まれます。</a:t>
             </a:r>
           </a:p>
           <a:p>
@@ -11897,8 +11854,8 @@
               </a:spcBef>
             </a:pPr>
             <a:endParaRPr lang="en-US" sz="1000" dirty="0">
-              <a:latin typeface="Adobe Clean Han Regular" panose="020B0500000000000000" pitchFamily="34" charset="-128"/>
-              <a:ea typeface="Adobe Clean Han Regular" panose="020B0500000000000000" pitchFamily="34" charset="-128"/>
+              <a:latin typeface="Adobe Clean Han Light" panose="020B0300000000000000" pitchFamily="34" charset="-128"/>
+              <a:ea typeface="Adobe Clean Han Light" panose="020B0300000000000000" pitchFamily="34" charset="-128"/>
             </a:endParaRPr>
           </a:p>
           <a:p>
@@ -11909,8 +11866,8 @@
             </a:pPr>
             <a:r>
               <a:rPr lang="ja-JP" sz="1000" dirty="0">
-                <a:latin typeface="Adobe Clean Han Regular" panose="020B0500000000000000" pitchFamily="34" charset="-128"/>
-                <a:ea typeface="Adobe Clean Han Regular" panose="020B0500000000000000" pitchFamily="34" charset="-128"/>
+                <a:latin typeface="Adobe Clean Han Light" panose="020B0300000000000000" pitchFamily="34" charset="-128"/>
+                <a:ea typeface="Adobe Clean Han Light" panose="020B0300000000000000" pitchFamily="34" charset="-128"/>
               </a:rPr>
               <a:t>利用可能な戦略的アクティビティのタイプ：</a:t>
             </a:r>
@@ -11928,8 +11885,8 @@
             </a:pPr>
             <a:r>
               <a:rPr lang="ja-JP" sz="1000" dirty="0">
-                <a:latin typeface="Adobe Clean Han Regular" panose="020B0500000000000000" pitchFamily="34" charset="-128"/>
-                <a:ea typeface="Adobe Clean Han Regular" panose="020B0500000000000000" pitchFamily="34" charset="-128"/>
+                <a:latin typeface="Adobe Clean Han Light" panose="020B0300000000000000" pitchFamily="34" charset="-128"/>
+                <a:ea typeface="Adobe Clean Han Light" panose="020B0300000000000000" pitchFamily="34" charset="-128"/>
               </a:rPr>
               <a:t>成熟度ロードマップ</a:t>
             </a:r>
@@ -11947,8 +11904,8 @@
             </a:pPr>
             <a:r>
               <a:rPr lang="ja-JP" sz="1000" dirty="0">
-                <a:latin typeface="Adobe Clean Han Regular" panose="020B0500000000000000" pitchFamily="34" charset="-128"/>
-                <a:ea typeface="Adobe Clean Han Regular" panose="020B0500000000000000" pitchFamily="34" charset="-128"/>
+                <a:latin typeface="Adobe Clean Han Light" panose="020B0300000000000000" pitchFamily="34" charset="-128"/>
+                <a:ea typeface="Adobe Clean Han Light" panose="020B0300000000000000" pitchFamily="34" charset="-128"/>
               </a:rPr>
               <a:t>ユースケース開発／測定</a:t>
             </a:r>
@@ -11966,8 +11923,8 @@
             </a:pPr>
             <a:r>
               <a:rPr lang="ja-JP" sz="1000" dirty="0">
-                <a:latin typeface="Adobe Clean Han Regular" panose="020B0500000000000000" pitchFamily="34" charset="-128"/>
-                <a:ea typeface="Adobe Clean Han Regular" panose="020B0500000000000000" pitchFamily="34" charset="-128"/>
+                <a:latin typeface="Adobe Clean Han Light" panose="020B0300000000000000" pitchFamily="34" charset="-128"/>
+                <a:ea typeface="Adobe Clean Han Light" panose="020B0300000000000000" pitchFamily="34" charset="-128"/>
               </a:rPr>
               <a:t>レポートおよび分析</a:t>
             </a:r>
@@ -11985,8 +11942,8 @@
             </a:pPr>
             <a:r>
               <a:rPr lang="ja-JP" sz="1000" dirty="0">
-                <a:latin typeface="Adobe Clean Han Regular" panose="020B0500000000000000" pitchFamily="34" charset="-128"/>
-                <a:ea typeface="Adobe Clean Han Regular" panose="020B0500000000000000" pitchFamily="34" charset="-128"/>
+                <a:latin typeface="Adobe Clean Han Light" panose="020B0300000000000000" pitchFamily="34" charset="-128"/>
+                <a:ea typeface="Adobe Clean Han Light" panose="020B0300000000000000" pitchFamily="34" charset="-128"/>
               </a:rPr>
               <a:t>ベストプラクティスの有効化</a:t>
             </a:r>
@@ -12007,8 +11964,8 @@
         </p:nvSpPr>
         <p:spPr>
           <a:xfrm>
-            <a:off x="3851397" y="3891661"/>
-            <a:ext cx="3525468" cy="553998"/>
+            <a:off x="3851397" y="3663058"/>
+            <a:ext cx="3525468" cy="584775"/>
           </a:xfrm>
           <a:prstGeom prst="rect">
             <a:avLst/>
@@ -12046,7 +12003,40 @@
                 <a:ea typeface="Adobe Clean Han Regular" panose="020B0500000000000000" pitchFamily="34" charset="-128"/>
                 <a:cs typeface="AdobeClean-Light"/>
               </a:rPr>
-              <a:t>2 つのトラック</a:t>
+              <a:t>1 年ごとに </a:t>
+            </a:r>
+            <a:r>
+              <a:rPr lang="ja-JP" sz="1200" b="1" u="sng" dirty="0">
+                <a:solidFill>
+                  <a:srgbClr val="1F1F1F"/>
+                </a:solidFill>
+                <a:latin typeface="Adobe Clean Han Regular" panose="020B0500000000000000" pitchFamily="34" charset="-128"/>
+                <a:ea typeface="Adobe Clean Han Regular" panose="020B0500000000000000" pitchFamily="34" charset="-128"/>
+                <a:cs typeface="AdobeClean-Light"/>
+              </a:rPr>
+              <a:t>2</a:t>
+            </a:r>
+            <a:r>
+              <a:rPr lang="ja-JP" sz="1000" b="1" u="sng" dirty="0">
+                <a:solidFill>
+                  <a:srgbClr val="1F1F1F"/>
+                </a:solidFill>
+                <a:latin typeface="Adobe Clean Han Regular" panose="020B0500000000000000" pitchFamily="34" charset="-128"/>
+                <a:ea typeface="Adobe Clean Han Regular" panose="020B0500000000000000" pitchFamily="34" charset="-128"/>
+                <a:cs typeface="AdobeClean-Light"/>
+              </a:rPr>
+              <a:t> つのアクティビティを</a:t>
+            </a:r>
+            <a:r>
+              <a:rPr lang="ja-JP" sz="1000" dirty="0">
+                <a:solidFill>
+                  <a:srgbClr val="1F1F1F"/>
+                </a:solidFill>
+                <a:latin typeface="Adobe Clean Han Regular" panose="020B0500000000000000" pitchFamily="34" charset="-128"/>
+                <a:ea typeface="Adobe Clean Han Regular" panose="020B0500000000000000" pitchFamily="34" charset="-128"/>
+                <a:cs typeface="AdobeClean-Light"/>
+              </a:rPr>
+              <a:t> 2 つのトラック</a:t>
             </a:r>
             <a:r>
               <a:rPr lang="ja-JP" sz="1000" dirty="0">
@@ -12065,6 +12055,7 @@
                 </a:solidFill>
                 <a:latin typeface="Adobe Clean Han Regular" panose="020B0500000000000000" pitchFamily="34" charset="-128"/>
                 <a:ea typeface="Adobe Clean Han Regular" panose="020B0500000000000000" pitchFamily="34" charset="-128"/>
+                <a:cs typeface="AdobeClean-Light"/>
               </a:rPr>
               <a:t>テクニカルトラック</a:t>
             </a:r>
@@ -12075,6 +12066,7 @@
                 </a:solidFill>
                 <a:latin typeface="Adobe Clean Han Regular" panose="020B0500000000000000" pitchFamily="34" charset="-128"/>
                 <a:ea typeface="Adobe Clean Han Regular" panose="020B0500000000000000" pitchFamily="34" charset="-128"/>
+                <a:cs typeface="AdobeClean-Light"/>
               </a:rPr>
               <a:t>および／または</a:t>
             </a:r>
@@ -12085,6 +12077,7 @@
                 </a:solidFill>
                 <a:latin typeface="Adobe Clean Han Regular" panose="020B0500000000000000" pitchFamily="34" charset="-128"/>
                 <a:ea typeface="Adobe Clean Han Regular" panose="020B0500000000000000" pitchFamily="34" charset="-128"/>
+                <a:cs typeface="AdobeClean-Light"/>
               </a:rPr>
               <a:t>戦略的トラック</a:t>
             </a:r>
@@ -12095,37 +12088,9 @@
                 </a:solidFill>
                 <a:latin typeface="Adobe Clean Han Regular" panose="020B0500000000000000" pitchFamily="34" charset="-128"/>
                 <a:ea typeface="Adobe Clean Han Regular" panose="020B0500000000000000" pitchFamily="34" charset="-128"/>
+                <a:cs typeface="AdobeClean-Light"/>
               </a:rPr>
-              <a:t>）から、</a:t>
-            </a:r>
-            <a:br>
-              <a:rPr lang="sk-SK" altLang="ja-JP" sz="1000" dirty="0">
-                <a:solidFill>
-                  <a:srgbClr val="1F1F1F"/>
-                </a:solidFill>
-                <a:latin typeface="Adobe Clean Han Regular" panose="020B0500000000000000" pitchFamily="34" charset="-128"/>
-                <a:ea typeface="Adobe Clean Han Regular" panose="020B0500000000000000" pitchFamily="34" charset="-128"/>
-              </a:rPr>
-            </a:br>
-            <a:r>
-              <a:rPr lang="ja-JP" sz="1000" b="1" u="sng" dirty="0">
-                <a:solidFill>
-                  <a:srgbClr val="1F1F1F"/>
-                </a:solidFill>
-                <a:latin typeface="Adobe Clean Han Regular" panose="020B0500000000000000" pitchFamily="34" charset="-128"/>
-                <a:ea typeface="Adobe Clean Han Regular" panose="020B0500000000000000" pitchFamily="34" charset="-128"/>
-              </a:rPr>
-              <a:t>1 年ごとに 2 つのアクティビティ</a:t>
-            </a:r>
-            <a:r>
-              <a:rPr lang="ja-JP" sz="1000" dirty="0">
-                <a:solidFill>
-                  <a:srgbClr val="1F1F1F"/>
-                </a:solidFill>
-                <a:latin typeface="Adobe Clean Han Regular" panose="020B0500000000000000" pitchFamily="34" charset="-128"/>
-                <a:ea typeface="Adobe Clean Han Regular" panose="020B0500000000000000" pitchFamily="34" charset="-128"/>
-              </a:rPr>
-              <a:t>を利用できます。</a:t>
+              <a:t>）から利用できます。</a:t>
             </a:r>
           </a:p>
         </p:txBody>
@@ -12144,8 +12109,8 @@
         </p:nvSpPr>
         <p:spPr>
           <a:xfrm>
-            <a:off x="2236134" y="2221884"/>
-            <a:ext cx="826006" cy="430887"/>
+            <a:off x="2283579" y="2217116"/>
+            <a:ext cx="731116" cy="430887"/>
           </a:xfrm>
           <a:prstGeom prst="rect">
             <a:avLst/>
@@ -12222,8 +12187,8 @@
         </p:nvSpPr>
         <p:spPr>
           <a:xfrm>
-            <a:off x="205422" y="2330087"/>
-            <a:ext cx="826006" cy="430887"/>
+            <a:off x="110488" y="2330087"/>
+            <a:ext cx="1015874" cy="261610"/>
           </a:xfrm>
           <a:prstGeom prst="rect">
             <a:avLst/>
@@ -12238,7 +12203,7 @@
           <a:p>
             <a:pPr algn="ctr"/>
             <a:r>
-              <a:rPr lang="ja-JP" sz="1100">
+              <a:rPr lang="ja-JP" sz="1100" dirty="0">
                 <a:latin typeface="Adobe Clean Han Regular" panose="020B0500000000000000" pitchFamily="34" charset="-128"/>
                 <a:ea typeface="Adobe Clean Han Regular" panose="020B0500000000000000" pitchFamily="34" charset="-128"/>
               </a:rPr>
@@ -12277,7 +12242,7 @@
           <a:p>
             <a:pPr algn="ctr"/>
             <a:r>
-              <a:rPr lang="ja-JP" sz="1100">
+              <a:rPr lang="ja-JP" sz="1100" dirty="0">
                 <a:latin typeface="Adobe Clean Han Regular" panose="020B0500000000000000" pitchFamily="34" charset="-128"/>
                 <a:ea typeface="Adobe Clean Han Regular" panose="020B0500000000000000" pitchFamily="34" charset="-128"/>
               </a:rPr>
@@ -12338,7 +12303,7 @@
           <a:p>
             <a:pPr algn="ctr"/>
             <a:r>
-              <a:rPr lang="ja-JP">
+              <a:rPr lang="ja-JP" dirty="0">
                 <a:solidFill>
                   <a:schemeClr val="accent1">
                     <a:lumMod val="50000"/>
@@ -12413,8 +12378,8 @@
                 <a:solidFill>
                   <a:srgbClr val="6C6C6C"/>
                 </a:solidFill>
-                <a:latin typeface="Adobe Clean Han Regular" panose="020B0500000000000000" pitchFamily="34" charset="-128"/>
-                <a:ea typeface="Adobe Clean Han Regular" panose="020B0500000000000000" pitchFamily="34" charset="-128"/>
+                <a:latin typeface="Adobe Clean"/>
+                <a:ea typeface="MS Mincho"/>
                 <a:cs typeface="Adobe Clean"/>
               </a:rPr>
               <a:t>©2020 Adobe.All Rights Reserved.Adobe Confidential.</a:t>
@@ -12430,8 +12395,7 @@
               </a:spcBef>
             </a:pPr>
             <a:endParaRPr sz="800">
-              <a:latin typeface="Adobe Clean Han Regular" panose="020B0500000000000000" pitchFamily="34" charset="-128"/>
-              <a:ea typeface="Adobe Clean Han Regular" panose="020B0500000000000000" pitchFamily="34" charset="-128"/>
+              <a:latin typeface="Adobe Clean"/>
               <a:cs typeface="Adobe Clean"/>
             </a:endParaRPr>
           </a:p>
@@ -12449,8 +12413,8 @@
                 <a:solidFill>
                   <a:srgbClr val="6D6D6D"/>
                 </a:solidFill>
-                <a:latin typeface="Adobe Clean Han Regular" panose="020B0500000000000000" pitchFamily="34" charset="-128"/>
-                <a:ea typeface="Adobe Clean Han Regular" panose="020B0500000000000000" pitchFamily="34" charset="-128"/>
+                <a:latin typeface="Adobe Clean"/>
+                <a:ea typeface="MS Mincho"/>
                 <a:cs typeface="Adobe Clean"/>
               </a:rPr>
               <a:t>©2020 Adobe.All Rights Reserved.Adobe Confidential.</a:t>
@@ -12504,10 +12468,7 @@
           <a:bodyPr wrap="square" lIns="0" tIns="0" rIns="0" bIns="0" rtlCol="0"/>
           <a:lstStyle/>
           <a:p>
-            <a:endParaRPr>
-              <a:latin typeface="Adobe Clean Han Regular" panose="020B0500000000000000" pitchFamily="34" charset="-128"/>
-              <a:ea typeface="Adobe Clean Han Regular" panose="020B0500000000000000" pitchFamily="34" charset="-128"/>
-            </a:endParaRPr>
+            <a:endParaRPr/>
           </a:p>
         </p:txBody>
       </p:sp>
@@ -12541,7 +12502,7 @@
               </a:spcBef>
             </a:pPr>
             <a:r>
-              <a:rPr lang="ja-JP" sz="1400" b="1">
+              <a:rPr lang="ja-JP" sz="1400" b="1" dirty="0">
                 <a:solidFill>
                   <a:srgbClr val="020302"/>
                 </a:solidFill>
@@ -12563,7 +12524,7 @@
         <p:spPr>
           <a:xfrm>
             <a:off x="6754821" y="9283729"/>
-            <a:ext cx="930275" cy="758541"/>
+            <a:ext cx="1017579" cy="662305"/>
           </a:xfrm>
           <a:prstGeom prst="rect">
             <a:avLst/>
@@ -12584,12 +12545,12 @@
               </a:spcBef>
             </a:pPr>
             <a:r>
-              <a:rPr lang="ja-JP" sz="800">
+              <a:rPr lang="ja-JP" sz="800" dirty="0">
                 <a:solidFill>
                   <a:srgbClr val="777879"/>
                 </a:solidFill>
-                <a:latin typeface="Adobe Clean Han Regular" panose="020B0500000000000000" pitchFamily="34" charset="-128"/>
-                <a:ea typeface="Adobe Clean Han Regular" panose="020B0500000000000000" pitchFamily="34" charset="-128"/>
+                <a:latin typeface="Adobe Clean"/>
+                <a:ea typeface="MS Mincho"/>
                 <a:cs typeface="Adobe Clean"/>
               </a:rPr>
               <a:t>Adobe</a:t>
@@ -12602,12 +12563,12 @@
               </a:lnSpc>
             </a:pPr>
             <a:r>
-              <a:rPr lang="ja-JP" sz="800">
+              <a:rPr lang="ja-JP" sz="800" dirty="0">
                 <a:solidFill>
                   <a:srgbClr val="777879"/>
                 </a:solidFill>
-                <a:latin typeface="Adobe Clean Han Regular" panose="020B0500000000000000" pitchFamily="34" charset="-128"/>
-                <a:ea typeface="Adobe Clean Han Regular" panose="020B0500000000000000" pitchFamily="34" charset="-128"/>
+                <a:latin typeface="Adobe Clean"/>
+                <a:ea typeface="MS Mincho"/>
                 <a:cs typeface="Adobe Clean"/>
               </a:rPr>
               <a:t>345 Park Avenue</a:t>
@@ -12620,12 +12581,12 @@
               </a:lnSpc>
             </a:pPr>
             <a:r>
-              <a:rPr lang="ja-JP" sz="800">
+              <a:rPr lang="ja-JP" sz="800" spc="-10" dirty="0">
                 <a:solidFill>
                   <a:srgbClr val="777879"/>
                 </a:solidFill>
-                <a:latin typeface="Adobe Clean Han Regular" panose="020B0500000000000000" pitchFamily="34" charset="-128"/>
-                <a:ea typeface="Adobe Clean Han Regular" panose="020B0500000000000000" pitchFamily="34" charset="-128"/>
+                <a:latin typeface="Adobe Clean"/>
+                <a:ea typeface="MS Mincho"/>
                 <a:cs typeface="Adobe Clean"/>
               </a:rPr>
               <a:t>San Jose, CA95110-2704</a:t>
@@ -12641,12 +12602,12 @@
               </a:spcBef>
             </a:pPr>
             <a:r>
-              <a:rPr lang="ja-JP" sz="800">
+              <a:rPr lang="ja-JP" sz="800" dirty="0">
                 <a:solidFill>
                   <a:srgbClr val="777879"/>
                 </a:solidFill>
-                <a:latin typeface="Adobe Clean Han Regular" panose="020B0500000000000000" pitchFamily="34" charset="-128"/>
-                <a:ea typeface="Adobe Clean Han Regular" panose="020B0500000000000000" pitchFamily="34" charset="-128"/>
+                <a:latin typeface="Adobe Clean"/>
+                <a:ea typeface="MS Mincho"/>
                 <a:cs typeface="Adobe Clean"/>
               </a:rPr>
               <a:t>USA</a:t>
@@ -12662,7 +12623,7 @@
               </a:spcBef>
             </a:pPr>
             <a:r>
-              <a:rPr lang="ja-JP" sz="800" u="sng">
+              <a:rPr lang="ja-JP" sz="800" u="sng" dirty="0">
                 <a:solidFill>
                   <a:srgbClr val="5F5F5F"/>
                 </a:solidFill>
@@ -12671,8 +12632,8 @@
                     <a:srgbClr val="0000FF"/>
                   </a:solidFill>
                 </a:uFill>
-                <a:latin typeface="Adobe Clean Han Regular" panose="020B0500000000000000" pitchFamily="34" charset="-128"/>
-                <a:ea typeface="Adobe Clean Han Regular" panose="020B0500000000000000" pitchFamily="34" charset="-128"/>
+                <a:latin typeface="Adobe Clean"/>
+                <a:ea typeface="MS Mincho"/>
                 <a:cs typeface="Adobe Clean"/>
                 <a:hlinkClick r:id="rId3"/>
               </a:rPr>
@@ -12706,10 +12667,7 @@
           <a:bodyPr wrap="square" lIns="0" tIns="0" rIns="0" bIns="0" rtlCol="0"/>
           <a:lstStyle/>
           <a:p>
-            <a:endParaRPr>
-              <a:latin typeface="Adobe Clean Han Regular" panose="020B0500000000000000" pitchFamily="34" charset="-128"/>
-              <a:ea typeface="Adobe Clean Han Regular" panose="020B0500000000000000" pitchFamily="34" charset="-128"/>
-            </a:endParaRPr>
+            <a:endParaRPr/>
           </a:p>
         </p:txBody>
       </p:sp>
@@ -12792,10 +12750,7 @@
           <a:bodyPr wrap="square" lIns="0" tIns="0" rIns="0" bIns="0" rtlCol="0"/>
           <a:lstStyle/>
           <a:p>
-            <a:endParaRPr>
-              <a:latin typeface="Adobe Clean Han Regular" panose="020B0500000000000000" pitchFamily="34" charset="-128"/>
-              <a:ea typeface="Adobe Clean Han Regular" panose="020B0500000000000000" pitchFamily="34" charset="-128"/>
-            </a:endParaRPr>
+            <a:endParaRPr/>
           </a:p>
         </p:txBody>
       </p:sp>
@@ -12824,10 +12779,7 @@
           <a:bodyPr wrap="square" lIns="0" tIns="0" rIns="0" bIns="0" rtlCol="0"/>
           <a:lstStyle/>
           <a:p>
-            <a:endParaRPr>
-              <a:latin typeface="Adobe Clean Han Regular" panose="020B0500000000000000" pitchFamily="34" charset="-128"/>
-              <a:ea typeface="Adobe Clean Han Regular" panose="020B0500000000000000" pitchFamily="34" charset="-128"/>
-            </a:endParaRPr>
+            <a:endParaRPr/>
           </a:p>
         </p:txBody>
       </p:sp>
@@ -12840,14 +12792,14 @@
         <p:spPr>
           <a:xfrm>
             <a:off x="75947" y="9437110"/>
-            <a:ext cx="6028760" cy="563616"/>
+            <a:ext cx="5958141" cy="563616"/>
           </a:xfrm>
           <a:prstGeom prst="rect">
             <a:avLst/>
           </a:prstGeom>
         </p:spPr>
         <p:txBody>
-          <a:bodyPr vert="horz" wrap="square" lIns="0" tIns="29845" rIns="0" bIns="0" rtlCol="0">
+          <a:bodyPr vert="horz" wrap="square" lIns="0" tIns="29845" rIns="0" bIns="0" rtlCol="0" anchor="t">
             <a:spAutoFit/>
           </a:bodyPr>
           <a:lstStyle/>
@@ -12861,12 +12813,12 @@
               </a:spcBef>
             </a:pPr>
             <a:r>
-              <a:rPr lang="ja-JP" sz="1100" i="1" dirty="0">
+              <a:rPr lang="ja-JP" sz="1100" i="1" spc="-40" dirty="0">
                 <a:solidFill>
                   <a:srgbClr val="777879"/>
                 </a:solidFill>
-                <a:latin typeface="Adobe Clean Han Regular" panose="020B0500000000000000" pitchFamily="34" charset="-128"/>
-                <a:ea typeface="Adobe Clean Han Regular" panose="020B0500000000000000" pitchFamily="34" charset="-128"/>
+                <a:latin typeface="Adobe Clean Han Light" panose="020B0300000000000000" pitchFamily="34" charset="-128"/>
+                <a:ea typeface="Adobe Clean Han Light" panose="020B0300000000000000" pitchFamily="34" charset="-128"/>
                 <a:cs typeface="AdobeClean-LightIt"/>
               </a:rPr>
               <a:t>アドビサポートのサービスやお客様に最適なレベルについて詳しくは、専任アカウントマネージャー（NAM）またはカスタマーサクセスマネージャー（CSM）にお問い合わせください。</a:t>
@@ -12886,8 +12838,8 @@
                 <a:solidFill>
                   <a:srgbClr val="6D6D6D"/>
                 </a:solidFill>
-                <a:latin typeface="Adobe Clean Han Regular" panose="020B0500000000000000" pitchFamily="34" charset="-128"/>
-                <a:ea typeface="Adobe Clean Han Regular" panose="020B0500000000000000" pitchFamily="34" charset="-128"/>
+                <a:latin typeface="Adobe Clean"/>
+                <a:ea typeface="MS Mincho"/>
                 <a:cs typeface="Adobe Clean"/>
               </a:rPr>
               <a:t>©2021 Adobe.All Rights Reserved.Adobe Confidential.</a:t>
@@ -12950,10 +12902,10 @@
                 <a:solidFill>
                   <a:srgbClr val="1F1F1F"/>
                 </a:solidFill>
-                <a:latin typeface="Adobe Clean Han Regular" panose="020B0500000000000000" pitchFamily="34" charset="-128"/>
-                <a:ea typeface="Adobe Clean Han Regular" panose="020B0500000000000000" pitchFamily="34" charset="-128"/>
+                <a:latin typeface="Adobe Clean Han Light" panose="020B0300000000000000" pitchFamily="34" charset="-128"/>
+                <a:ea typeface="Adobe Clean Han Light" panose="020B0300000000000000" pitchFamily="34" charset="-128"/>
               </a:rPr>
-              <a:t>アドビサポートの対象地域と現地営業時間は、以下のとおりです。対象地域は、お客様のセールスオーダーやその他のアドビサポートの購買記録に記載されている請求先の地域に準じます。</a:t>
+              <a:t>アドビサポートの対象地域と現地営業時間は、以下のとおりです。対象地域は、お客様のセールスオーダーやその他のアドビサポートのご契約資料に記載されている請求先の地域に準じます。</a:t>
             </a:r>
           </a:p>
         </p:txBody>
@@ -12973,7 +12925,7 @@
           <p:nvPr>
             <p:extLst>
               <p:ext uri="{D42A27DB-BD31-4B8C-83A1-F6EECF244321}">
-                <p14:modId xmlns:p14="http://schemas.microsoft.com/office/powerpoint/2010/main" val="67125210"/>
+                <p14:modId xmlns:p14="http://schemas.microsoft.com/office/powerpoint/2010/main" val="2801914842"/>
               </p:ext>
             </p:extLst>
           </p:nvPr>
@@ -13177,7 +13129,7 @@
                     <a:p>
                       <a:pPr algn="ctr"/>
                       <a:r>
-                        <a:rPr lang="ja-JP" sz="1100">
+                        <a:rPr lang="ja-JP" sz="1100" dirty="0">
                           <a:solidFill>
                             <a:schemeClr val="tx1"/>
                           </a:solidFill>
@@ -13524,7 +13476,7 @@
                     <a:p>
                       <a:pPr algn="ctr"/>
                       <a:r>
-                        <a:rPr lang="ja-JP" sz="1100">
+                        <a:rPr lang="ja-JP" sz="1100" dirty="0">
                           <a:solidFill>
                             <a:schemeClr val="tx1"/>
                           </a:solidFill>
@@ -13962,10 +13914,7 @@
           <a:bodyPr wrap="square" lIns="0" tIns="0" rIns="0" bIns="0" rtlCol="0"/>
           <a:lstStyle/>
           <a:p>
-            <a:endParaRPr>
-              <a:latin typeface="Adobe Clean Han Regular" panose="020B0500000000000000" pitchFamily="34" charset="-128"/>
-              <a:ea typeface="Adobe Clean Han Regular" panose="020B0500000000000000" pitchFamily="34" charset="-128"/>
-            </a:endParaRPr>
+            <a:endParaRPr/>
           </a:p>
         </p:txBody>
       </p:sp>
@@ -14151,8 +14100,8 @@
         </p:nvSpPr>
         <p:spPr>
           <a:xfrm>
-            <a:off x="6405043" y="8543943"/>
-            <a:ext cx="930275" cy="382797"/>
+            <a:off x="6192011" y="8543943"/>
+            <a:ext cx="1374756" cy="382797"/>
           </a:xfrm>
           <a:prstGeom prst="rect">
             <a:avLst/>
@@ -14164,7 +14113,7 @@
           </a:bodyPr>
           <a:lstStyle/>
           <a:p>
-            <a:pPr marL="50800" marR="5080" indent="-51435" algn="ctr">
+            <a:pPr marR="5080" algn="ctr">
               <a:lnSpc>
                 <a:spcPts val="1390"/>
               </a:lnSpc>
@@ -14222,14 +14171,14 @@
           <p:nvPr>
             <p:extLst>
               <p:ext uri="{D42A27DB-BD31-4B8C-83A1-F6EECF244321}">
-                <p14:modId xmlns:p14="http://schemas.microsoft.com/office/powerpoint/2010/main" val="2345573531"/>
+                <p14:modId xmlns:p14="http://schemas.microsoft.com/office/powerpoint/2010/main" val="2694522743"/>
               </p:ext>
             </p:extLst>
           </p:nvPr>
         </p:nvGraphicFramePr>
         <p:xfrm>
           <a:off x="194237" y="1272353"/>
-          <a:ext cx="7368291" cy="3235960"/>
+          <a:ext cx="7368291" cy="3388360"/>
         </p:xfrm>
         <a:graphic>
           <a:graphicData uri="http://schemas.openxmlformats.org/drawingml/2006/table">
@@ -14326,7 +14275,7 @@
                     <a:bodyPr/>
                     <a:lstStyle/>
                     <a:p>
-                      <a:pPr marL="0" marR="0" lvl="0" indent="0" defTabSz="914400" eaLnBrk="1" fontAlgn="auto" latinLnBrk="0" hangingPunct="1">
+                      <a:pPr marL="0" marR="0" lvl="0" indent="0" eaLnBrk="1" fontAlgn="auto" latinLnBrk="0" hangingPunct="1">
                         <a:lnSpc>
                           <a:spcPct val="100000"/>
                         </a:lnSpc>
@@ -14340,19 +14289,17 @@
                         <a:buSzTx/>
                         <a:buFontTx/>
                         <a:buNone/>
-                        <a:tabLst/>
-                        <a:defRPr/>
                       </a:pPr>
                       <a:r>
                         <a:rPr lang="ja-JP" sz="1000" b="0" dirty="0">
                           <a:solidFill>
                             <a:srgbClr val="000000"/>
                           </a:solidFill>
-                          <a:latin typeface="Adobe Clean Han Regular" panose="020B0500000000000000" pitchFamily="34" charset="-128"/>
-                          <a:ea typeface="Adobe Clean Han Regular" panose="020B0500000000000000" pitchFamily="34" charset="-128"/>
+                          <a:latin typeface="Adobe Clean Han Light" panose="020B0300000000000000" pitchFamily="34" charset="-128"/>
+                          <a:ea typeface="Adobe Clean Han Light" panose="020B0300000000000000" pitchFamily="34" charset="-128"/>
                           <a:cs typeface="+mn-cs"/>
                         </a:rPr>
-                        <a:t>Experience League では、アドビへの投資に対して企業が期待している価値を実現するための支援を行います。セルフサービスのチュートリアル、製品ドキュメント、講師によるトレーニング、コミュニティ、テクニカルサポートなど、パーソナライズされた成功への道筋に沿って、お客様が学習し、繋がり、成長できる、統合された場所です。 </a:t>
+                        <a:t>Experience League では、アドビへの投資に対して企業が期待している価値を実現するための支援を行います。セルフサービスのチュートリアル、製品ドキュメント、講師によるトレーニング、コミュニティ、テクニカルサポートなど、パーソナライズされた成功への道筋に沿って、お客様が学習し、繋がり、成長できる、統合された場所です。 </a:t>
                       </a:r>
                     </a:p>
                   </a:txBody>
@@ -14434,7 +14381,7 @@
                         <a:defRPr/>
                       </a:pPr>
                       <a:r>
-                        <a:rPr lang="ja-JP" sz="1100">
+                        <a:rPr lang="ja-JP" sz="1100" dirty="0">
                           <a:solidFill>
                             <a:schemeClr val="dk1"/>
                           </a:solidFill>
@@ -14446,7 +14393,7 @@
                         <a:t>トレーニング</a:t>
                       </a:r>
                       <a:r>
-                        <a:rPr lang="ja-JP" sz="1100">
+                        <a:rPr lang="ja-JP" sz="1100" dirty="0">
                           <a:solidFill>
                             <a:schemeClr val="dk1"/>
                           </a:solidFill>
@@ -14529,12 +14476,12 @@
                         <a:defRPr/>
                       </a:pPr>
                       <a:r>
-                        <a:rPr lang="ja-JP" sz="1000">
+                        <a:rPr lang="ja-JP" sz="1000" dirty="0">
                           <a:solidFill>
                             <a:srgbClr val="000000"/>
                           </a:solidFill>
-                          <a:latin typeface="Adobe Clean Han Regular" panose="020B0500000000000000" pitchFamily="34" charset="-128"/>
-                          <a:ea typeface="Adobe Clean Han Regular" panose="020B0500000000000000" pitchFamily="34" charset="-128"/>
+                          <a:latin typeface="Adobe Clean Han Light" panose="020B0300000000000000" pitchFamily="34" charset="-128"/>
+                          <a:ea typeface="Adobe Clean Han Light" panose="020B0300000000000000" pitchFamily="34" charset="-128"/>
                           <a:cs typeface="+mn-cs"/>
                         </a:rPr>
                         <a:t>Adobe Digital Learning Services のコースには、Experience League からアクセスできます。ラーニングコースは、オンデマンドレッスンと講師によるレッスンが統合されています。  市場価値が認められたスキルを習得し、組織での成功を促進するために活用できます。</a:t>
@@ -14619,7 +14566,7 @@
                         <a:defRPr/>
                       </a:pPr>
                       <a:r>
-                        <a:rPr lang="ja-JP" sz="1100">
+                        <a:rPr lang="ja-JP" sz="1100" dirty="0">
                           <a:solidFill>
                             <a:schemeClr val="tx1"/>
                           </a:solidFill>
@@ -14685,7 +14632,7 @@
                     <a:bodyPr/>
                     <a:lstStyle/>
                     <a:p>
-                      <a:pPr marL="0" marR="0" lvl="0" indent="0" defTabSz="914400" eaLnBrk="1" fontAlgn="auto" latinLnBrk="0" hangingPunct="1">
+                      <a:pPr marL="0" marR="0" lvl="0" indent="0" eaLnBrk="1" fontAlgn="auto" latinLnBrk="0" hangingPunct="1">
                         <a:lnSpc>
                           <a:spcPct val="100000"/>
                         </a:lnSpc>
@@ -14699,19 +14646,17 @@
                         <a:buSzTx/>
                         <a:buFontTx/>
                         <a:buNone/>
-                        <a:tabLst/>
-                        <a:defRPr/>
                       </a:pPr>
                       <a:r>
-                        <a:rPr lang="ja-JP" sz="1000" spc="-20" baseline="0" dirty="0">
+                        <a:rPr lang="ja-JP" sz="1000" dirty="0">
                           <a:solidFill>
                             <a:srgbClr val="000000"/>
                           </a:solidFill>
-                          <a:latin typeface="Adobe Clean Han Regular" panose="020B0500000000000000" pitchFamily="34" charset="-128"/>
-                          <a:ea typeface="Adobe Clean Han Regular" panose="020B0500000000000000" pitchFamily="34" charset="-128"/>
+                          <a:latin typeface="Adobe Clean Han Light" panose="020B0300000000000000" pitchFamily="34" charset="-128"/>
+                          <a:ea typeface="Adobe Clean Han Light" panose="020B0300000000000000" pitchFamily="34" charset="-128"/>
                           <a:cs typeface="+mn-cs"/>
                         </a:rPr>
-                        <a:t>status.adobe.com では、マルチテナント環境にデプロイされたすべてのアドビ製品およびサービスのシステムステータス情報が表示されます。お客様は、アドビが製品イベントを作成、更新、解決した際に電子メール通知を受け取るようサブスクリプション設定を選択できます。イベントには、定期的なメンテナンスや、様々な重大度レベルの問題が含まれています。 </a:t>
+                        <a:t>status.adobe.com では、マルチテナント環境にデプロイされたすべてのアドビ製品およびサービスのシステムステータス情報が表示されます。お客様は、アドビが製品イベントを作成、更新、解決した際に電子メール通知を受け取るようサブスクリプション設定を選択できます。イベントには、定期的なメンテナンスや、様々な重大度レベルの問題が含まれています。 </a:t>
                       </a:r>
                     </a:p>
                   </a:txBody>
@@ -14793,7 +14738,7 @@
                         <a:defRPr/>
                       </a:pPr>
                       <a:r>
-                        <a:rPr lang="ja-JP" sz="1100">
+                        <a:rPr lang="ja-JP" sz="1100" dirty="0">
                           <a:solidFill>
                             <a:schemeClr val="tx1"/>
                           </a:solidFill>
@@ -14802,7 +14747,7 @@
                           <a:cs typeface="+mn-cs"/>
                           <a:hlinkClick r:id="rId10"/>
                         </a:rPr>
-                        <a:t>利用規約</a:t>
+                        <a:t>利用条件</a:t>
                       </a:r>
                     </a:p>
                   </a:txBody>
@@ -14864,8 +14809,8 @@
                           <a:solidFill>
                             <a:srgbClr val="000000"/>
                           </a:solidFill>
-                          <a:latin typeface="Adobe Clean Han Regular" panose="020B0500000000000000" pitchFamily="34" charset="-128"/>
-                          <a:ea typeface="Adobe Clean Han Regular" panose="020B0500000000000000" pitchFamily="34" charset="-128"/>
+                          <a:latin typeface="Adobe Clean Han Light" panose="020B0300000000000000" pitchFamily="34" charset="-128"/>
+                          <a:ea typeface="Adobe Clean Han Light" panose="020B0300000000000000" pitchFamily="34" charset="-128"/>
                           <a:cs typeface="+mn-cs"/>
                         </a:rPr>
                         <a:t>提供するサポートサービスについて詳しく説明されています。</a:t>
@@ -15487,12 +15432,6 @@
 </file>
 
 <file path=customXml/item1.xml><?xml version="1.0" encoding="utf-8"?>
-<p:properties xmlns:p="http://schemas.microsoft.com/office/2006/metadata/properties" xmlns:xsi="http://www.w3.org/2001/XMLSchema-instance" xmlns:pc="http://schemas.microsoft.com/office/infopath/2007/PartnerControls">
-  <documentManagement/>
-</p:properties>
-</file>
-
-<file path=customXml/item2.xml><?xml version="1.0" encoding="utf-8"?>
 <ct:contentTypeSchema xmlns:ct="http://schemas.microsoft.com/office/2006/metadata/contentType" xmlns:ma="http://schemas.microsoft.com/office/2006/metadata/properties/metaAttributes" ct:_="" ma:_="" ma:contentTypeName="Document" ma:contentTypeID="0x010100E783BF6876BCC646A459363AF21A7736" ma:contentTypeVersion="10" ma:contentTypeDescription="Create a new document." ma:contentTypeScope="" ma:versionID="c4ffda7f4f415767600769e454c2ea87">
   <xsd:schema xmlns:xsd="http://www.w3.org/2001/XMLSchema" xmlns:xs="http://www.w3.org/2001/XMLSchema" xmlns:p="http://schemas.microsoft.com/office/2006/metadata/properties" xmlns:ns2="8a053bff-88be-49e4-9a87-e748e18b8b62" xmlns:ns3="6c8368ec-3776-49b5-a5bb-90648cf9530f" targetNamespace="http://schemas.microsoft.com/office/2006/metadata/properties" ma:root="true" ma:fieldsID="df3ec33bccc23e23bce7bc897fad43d1" ns2:_="" ns3:_="">
     <xsd:import namespace="8a053bff-88be-49e4-9a87-e748e18b8b62"/>
@@ -15697,6 +15636,12 @@
 </ct:contentTypeSchema>
 </file>
 
+<file path=customXml/item2.xml><?xml version="1.0" encoding="utf-8"?>
+<p:properties xmlns:p="http://schemas.microsoft.com/office/2006/metadata/properties" xmlns:xsi="http://www.w3.org/2001/XMLSchema-instance" xmlns:pc="http://schemas.microsoft.com/office/infopath/2007/PartnerControls">
+  <documentManagement/>
+</p:properties>
+</file>
+
 <file path=customXml/item3.xml><?xml version="1.0" encoding="utf-8"?>
 <?mso-contentType ?>
 <FormTemplates xmlns="http://schemas.microsoft.com/sharepoint/v3/contenttype/forms">
@@ -15707,15 +15652,6 @@
 </file>
 
 <file path=customXml/itemProps1.xml><?xml version="1.0" encoding="utf-8"?>
-<ds:datastoreItem xmlns:ds="http://schemas.openxmlformats.org/officeDocument/2006/customXml" ds:itemID="{ED4099BE-EDEC-4FF1-8378-446617236015}">
-  <ds:schemaRefs>
-    <ds:schemaRef ds:uri="http://schemas.microsoft.com/office/2006/metadata/properties"/>
-    <ds:schemaRef ds:uri="http://schemas.microsoft.com/office/infopath/2007/PartnerControls"/>
-  </ds:schemaRefs>
-</ds:datastoreItem>
-</file>
-
-<file path=customXml/itemProps2.xml><?xml version="1.0" encoding="utf-8"?>
 <ds:datastoreItem xmlns:ds="http://schemas.openxmlformats.org/officeDocument/2006/customXml" ds:itemID="{FB2EBF8D-136B-48EC-8FC0-F70C0583664B}">
   <ds:schemaRefs>
     <ds:schemaRef ds:uri="6c8368ec-3776-49b5-a5bb-90648cf9530f"/>
@@ -15734,6 +15670,23 @@
 </ds:datastoreItem>
 </file>
 
+<file path=customXml/itemProps2.xml><?xml version="1.0" encoding="utf-8"?>
+<ds:datastoreItem xmlns:ds="http://schemas.openxmlformats.org/officeDocument/2006/customXml" ds:itemID="{ED4099BE-EDEC-4FF1-8378-446617236015}">
+  <ds:schemaRefs>
+    <ds:schemaRef ds:uri="6c8368ec-3776-49b5-a5bb-90648cf9530f"/>
+    <ds:schemaRef ds:uri="8a053bff-88be-49e4-9a87-e748e18b8b62"/>
+    <ds:schemaRef ds:uri="http://purl.org/dc/dcmitype/"/>
+    <ds:schemaRef ds:uri="http://purl.org/dc/elements/1.1/"/>
+    <ds:schemaRef ds:uri="http://purl.org/dc/terms/"/>
+    <ds:schemaRef ds:uri="http://schemas.microsoft.com/office/2006/documentManagement/types"/>
+    <ds:schemaRef ds:uri="http://schemas.microsoft.com/office/2006/metadata/properties"/>
+    <ds:schemaRef ds:uri="http://schemas.microsoft.com/office/infopath/2007/PartnerControls"/>
+    <ds:schemaRef ds:uri="http://schemas.openxmlformats.org/package/2006/metadata/core-properties"/>
+    <ds:schemaRef ds:uri="http://www.w3.org/XML/1998/namespace"/>
+  </ds:schemaRefs>
+</ds:datastoreItem>
+</file>
+
 <file path=customXml/itemProps3.xml><?xml version="1.0" encoding="utf-8"?>
 <ds:datastoreItem xmlns:ds="http://schemas.openxmlformats.org/officeDocument/2006/customXml" ds:itemID="{941989CE-20BB-4A6A-A33F-71A1AE469C3E}">
   <ds:schemaRefs>

--- a/help/data-sheets/assets/EnterpriseSupportDatasheet.pptx
+++ b/help/data-sheets/assets/EnterpriseSupportDatasheet.pptx
@@ -141,12 +141,540 @@
 </p:cmAuthorLst>
 </file>
 
-<file path=ppt/revisionInfo.xml><?xml version="1.0" encoding="utf-8"?>
-<p1510:revInfo xmlns:a="http://schemas.openxmlformats.org/drawingml/2006/main" xmlns:r="http://schemas.openxmlformats.org/officeDocument/2006/relationships" xmlns:p1510="http://schemas.microsoft.com/office/powerpoint/2015/10/main">
-  <p1510:revLst>
-    <p1510:client id="{51054313-E3E9-A543-B651-B15A687DE6AB}" v="3" dt="2021-12-06T17:04:25.104"/>
-  </p1510:revLst>
-</p1510:revInfo>
+<file path=ppt/changesInfos/changesInfo1.xml><?xml version="1.0" encoding="utf-8"?>
+<pc:chgInfo xmlns:a="http://schemas.openxmlformats.org/drawingml/2006/main" xmlns:r="http://schemas.openxmlformats.org/officeDocument/2006/relationships" xmlns:ac="http://schemas.microsoft.com/office/drawing/2013/main/command" xmlns:pc="http://schemas.microsoft.com/office/powerpoint/2013/main/command">
+  <pc:docChgLst>
+    <pc:chgData name="Ankita Sood" userId="S::asood@adobe.com::c93a62e3-2a47-429d-82c6-c2a8fd110ae7" providerId="AD" clId="Web-{5EA87E00-148E-AB9F-558F-52E0C44EDC93}"/>
+    <pc:docChg chg="modSld">
+      <pc:chgData name="Ankita Sood" userId="S::asood@adobe.com::c93a62e3-2a47-429d-82c6-c2a8fd110ae7" providerId="AD" clId="Web-{5EA87E00-148E-AB9F-558F-52E0C44EDC93}" dt="2022-01-13T18:29:42.444" v="16" actId="20577"/>
+      <pc:docMkLst>
+        <pc:docMk/>
+      </pc:docMkLst>
+      <pc:sldChg chg="modSp">
+        <pc:chgData name="Ankita Sood" userId="S::asood@adobe.com::c93a62e3-2a47-429d-82c6-c2a8fd110ae7" providerId="AD" clId="Web-{5EA87E00-148E-AB9F-558F-52E0C44EDC93}" dt="2022-01-13T18:29:22.131" v="3" actId="20577"/>
+        <pc:sldMkLst>
+          <pc:docMk/>
+          <pc:sldMk cId="5960377" sldId="259"/>
+        </pc:sldMkLst>
+        <pc:spChg chg="mod">
+          <ac:chgData name="Ankita Sood" userId="S::asood@adobe.com::c93a62e3-2a47-429d-82c6-c2a8fd110ae7" providerId="AD" clId="Web-{5EA87E00-148E-AB9F-558F-52E0C44EDC93}" dt="2022-01-13T18:29:22.131" v="3" actId="20577"/>
+          <ac:spMkLst>
+            <pc:docMk/>
+            <pc:sldMk cId="5960377" sldId="259"/>
+            <ac:spMk id="94" creationId="{361FB899-EBCA-A144-BC72-6D65DDDA1D5D}"/>
+          </ac:spMkLst>
+        </pc:spChg>
+      </pc:sldChg>
+      <pc:sldChg chg="modSp">
+        <pc:chgData name="Ankita Sood" userId="S::asood@adobe.com::c93a62e3-2a47-429d-82c6-c2a8fd110ae7" providerId="AD" clId="Web-{5EA87E00-148E-AB9F-558F-52E0C44EDC93}" dt="2022-01-13T18:29:42.444" v="16" actId="20577"/>
+        <pc:sldMkLst>
+          <pc:docMk/>
+          <pc:sldMk cId="2161849182" sldId="267"/>
+        </pc:sldMkLst>
+        <pc:spChg chg="mod">
+          <ac:chgData name="Ankita Sood" userId="S::asood@adobe.com::c93a62e3-2a47-429d-82c6-c2a8fd110ae7" providerId="AD" clId="Web-{5EA87E00-148E-AB9F-558F-52E0C44EDC93}" dt="2022-01-13T18:29:42.444" v="16" actId="20577"/>
+          <ac:spMkLst>
+            <pc:docMk/>
+            <pc:sldMk cId="2161849182" sldId="267"/>
+            <ac:spMk id="12" creationId="{B5B9BF51-8921-A94B-954A-82B5B5874814}"/>
+          </ac:spMkLst>
+        </pc:spChg>
+        <pc:graphicFrameChg chg="mod modGraphic">
+          <ac:chgData name="Ankita Sood" userId="S::asood@adobe.com::c93a62e3-2a47-429d-82c6-c2a8fd110ae7" providerId="AD" clId="Web-{5EA87E00-148E-AB9F-558F-52E0C44EDC93}" dt="2022-01-13T18:29:37.693" v="15"/>
+          <ac:graphicFrameMkLst>
+            <pc:docMk/>
+            <pc:sldMk cId="2161849182" sldId="267"/>
+            <ac:graphicFrameMk id="9" creationId="{00000000-0000-0000-0000-000000000000}"/>
+          </ac:graphicFrameMkLst>
+        </pc:graphicFrameChg>
+        <pc:graphicFrameChg chg="mod modGraphic">
+          <ac:chgData name="Ankita Sood" userId="S::asood@adobe.com::c93a62e3-2a47-429d-82c6-c2a8fd110ae7" providerId="AD" clId="Web-{5EA87E00-148E-AB9F-558F-52E0C44EDC93}" dt="2022-01-13T18:29:31.787" v="5"/>
+          <ac:graphicFrameMkLst>
+            <pc:docMk/>
+            <pc:sldMk cId="2161849182" sldId="267"/>
+            <ac:graphicFrameMk id="13" creationId="{63DBC3ED-EEDC-974A-82A2-F5182CF12546}"/>
+          </ac:graphicFrameMkLst>
+        </pc:graphicFrameChg>
+      </pc:sldChg>
+    </pc:docChg>
+  </pc:docChgLst>
+  <pc:docChgLst>
+    <pc:chgData name="Akilah Johnson" userId="S::akjohnso@adobe.com::2fa3aa60-0c9c-4d06-bae2-795983241227" providerId="AD" clId="Web-{112231ED-4F38-A856-2EFF-9D0F88AC9BDF}"/>
+    <pc:docChg chg="modSld">
+      <pc:chgData name="Akilah Johnson" userId="S::akjohnso@adobe.com::2fa3aa60-0c9c-4d06-bae2-795983241227" providerId="AD" clId="Web-{112231ED-4F38-A856-2EFF-9D0F88AC9BDF}" dt="2021-09-22T19:11:31.474" v="2" actId="1076"/>
+      <pc:docMkLst>
+        <pc:docMk/>
+      </pc:docMkLst>
+      <pc:sldChg chg="modSp">
+        <pc:chgData name="Akilah Johnson" userId="S::akjohnso@adobe.com::2fa3aa60-0c9c-4d06-bae2-795983241227" providerId="AD" clId="Web-{112231ED-4F38-A856-2EFF-9D0F88AC9BDF}" dt="2021-09-22T19:11:31.474" v="2" actId="1076"/>
+        <pc:sldMkLst>
+          <pc:docMk/>
+          <pc:sldMk cId="1050037809" sldId="261"/>
+        </pc:sldMkLst>
+        <pc:spChg chg="mod">
+          <ac:chgData name="Akilah Johnson" userId="S::akjohnso@adobe.com::2fa3aa60-0c9c-4d06-bae2-795983241227" providerId="AD" clId="Web-{112231ED-4F38-A856-2EFF-9D0F88AC9BDF}" dt="2021-09-22T19:11:31.474" v="2" actId="1076"/>
+          <ac:spMkLst>
+            <pc:docMk/>
+            <pc:sldMk cId="1050037809" sldId="261"/>
+            <ac:spMk id="23" creationId="{00000000-0000-0000-0000-000000000000}"/>
+          </ac:spMkLst>
+        </pc:spChg>
+        <pc:spChg chg="mod">
+          <ac:chgData name="Akilah Johnson" userId="S::akjohnso@adobe.com::2fa3aa60-0c9c-4d06-bae2-795983241227" providerId="AD" clId="Web-{112231ED-4F38-A856-2EFF-9D0F88AC9BDF}" dt="2021-09-22T19:08:28.879" v="0" actId="1076"/>
+          <ac:spMkLst>
+            <pc:docMk/>
+            <pc:sldMk cId="1050037809" sldId="261"/>
+            <ac:spMk id="64" creationId="{41467BDC-3D83-D844-B922-CD07E94E5AAB}"/>
+          </ac:spMkLst>
+        </pc:spChg>
+      </pc:sldChg>
+    </pc:docChg>
+  </pc:docChgLst>
+  <pc:docChgLst>
+    <pc:chgData name="Akilah Johnson" userId="S::akjohnso@adobe.com::2fa3aa60-0c9c-4d06-bae2-795983241227" providerId="AD" clId="Web-{A40C3D7D-993B-38B2-2DDA-C562505A1054}"/>
+    <pc:docChg chg="modSld">
+      <pc:chgData name="Akilah Johnson" userId="S::akjohnso@adobe.com::2fa3aa60-0c9c-4d06-bae2-795983241227" providerId="AD" clId="Web-{A40C3D7D-993B-38B2-2DDA-C562505A1054}" dt="2021-09-22T23:00:46.860" v="3"/>
+      <pc:docMkLst>
+        <pc:docMk/>
+      </pc:docMkLst>
+      <pc:sldChg chg="modSp">
+        <pc:chgData name="Akilah Johnson" userId="S::akjohnso@adobe.com::2fa3aa60-0c9c-4d06-bae2-795983241227" providerId="AD" clId="Web-{A40C3D7D-993B-38B2-2DDA-C562505A1054}" dt="2021-09-22T23:00:46.860" v="3"/>
+        <pc:sldMkLst>
+          <pc:docMk/>
+          <pc:sldMk cId="1050037809" sldId="261"/>
+        </pc:sldMkLst>
+        <pc:graphicFrameChg chg="mod modGraphic">
+          <ac:chgData name="Akilah Johnson" userId="S::akjohnso@adobe.com::2fa3aa60-0c9c-4d06-bae2-795983241227" providerId="AD" clId="Web-{A40C3D7D-993B-38B2-2DDA-C562505A1054}" dt="2021-09-22T23:00:46.860" v="3"/>
+          <ac:graphicFrameMkLst>
+            <pc:docMk/>
+            <pc:sldMk cId="1050037809" sldId="261"/>
+            <ac:graphicFrameMk id="25" creationId="{3A91F5B0-3974-A14D-A146-FB590F2AAD18}"/>
+          </ac:graphicFrameMkLst>
+        </pc:graphicFrameChg>
+      </pc:sldChg>
+    </pc:docChg>
+  </pc:docChgLst>
+  <pc:docChgLst>
+    <pc:chgData name="Akilah Johnson" userId="S::akjohnso@adobe.com::2fa3aa60-0c9c-4d06-bae2-795983241227" providerId="AD" clId="Web-{0AC6A3A1-0788-C69A-5EFD-279F3FA2CF0F}"/>
+    <pc:docChg chg="modSld">
+      <pc:chgData name="Akilah Johnson" userId="S::akjohnso@adobe.com::2fa3aa60-0c9c-4d06-bae2-795983241227" providerId="AD" clId="Web-{0AC6A3A1-0788-C69A-5EFD-279F3FA2CF0F}" dt="2021-09-22T18:56:17.553" v="29"/>
+      <pc:docMkLst>
+        <pc:docMk/>
+      </pc:docMkLst>
+      <pc:sldChg chg="modSp delCm">
+        <pc:chgData name="Akilah Johnson" userId="S::akjohnso@adobe.com::2fa3aa60-0c9c-4d06-bae2-795983241227" providerId="AD" clId="Web-{0AC6A3A1-0788-C69A-5EFD-279F3FA2CF0F}" dt="2021-09-22T18:56:17.553" v="29"/>
+        <pc:sldMkLst>
+          <pc:docMk/>
+          <pc:sldMk cId="1050037809" sldId="261"/>
+        </pc:sldMkLst>
+        <pc:spChg chg="mod">
+          <ac:chgData name="Akilah Johnson" userId="S::akjohnso@adobe.com::2fa3aa60-0c9c-4d06-bae2-795983241227" providerId="AD" clId="Web-{0AC6A3A1-0788-C69A-5EFD-279F3FA2CF0F}" dt="2021-09-22T18:55:46.585" v="16" actId="20577"/>
+          <ac:spMkLst>
+            <pc:docMk/>
+            <pc:sldMk cId="1050037809" sldId="261"/>
+            <ac:spMk id="64" creationId="{41467BDC-3D83-D844-B922-CD07E94E5AAB}"/>
+          </ac:spMkLst>
+        </pc:spChg>
+        <pc:graphicFrameChg chg="mod modGraphic">
+          <ac:chgData name="Akilah Johnson" userId="S::akjohnso@adobe.com::2fa3aa60-0c9c-4d06-bae2-795983241227" providerId="AD" clId="Web-{0AC6A3A1-0788-C69A-5EFD-279F3FA2CF0F}" dt="2021-09-22T18:55:59.928" v="28"/>
+          <ac:graphicFrameMkLst>
+            <pc:docMk/>
+            <pc:sldMk cId="1050037809" sldId="261"/>
+            <ac:graphicFrameMk id="25" creationId="{3A91F5B0-3974-A14D-A146-FB590F2AAD18}"/>
+          </ac:graphicFrameMkLst>
+        </pc:graphicFrameChg>
+      </pc:sldChg>
+    </pc:docChg>
+  </pc:docChgLst>
+  <pc:docChgLst>
+    <pc:chgData name="Akilah Johnson" userId="S::akjohnso@adobe.com::2fa3aa60-0c9c-4d06-bae2-795983241227" providerId="AD" clId="Web-{DC554207-FA81-638A-220E-C39F63BF408A}"/>
+    <pc:docChg chg="modSld">
+      <pc:chgData name="Akilah Johnson" userId="S::akjohnso@adobe.com::2fa3aa60-0c9c-4d06-bae2-795983241227" providerId="AD" clId="Web-{DC554207-FA81-638A-220E-C39F63BF408A}" dt="2021-11-23T23:50:17.249" v="7"/>
+      <pc:docMkLst>
+        <pc:docMk/>
+      </pc:docMkLst>
+      <pc:sldChg chg="modSp">
+        <pc:chgData name="Akilah Johnson" userId="S::akjohnso@adobe.com::2fa3aa60-0c9c-4d06-bae2-795983241227" providerId="AD" clId="Web-{DC554207-FA81-638A-220E-C39F63BF408A}" dt="2021-11-23T23:50:17.249" v="7"/>
+        <pc:sldMkLst>
+          <pc:docMk/>
+          <pc:sldMk cId="2161849182" sldId="267"/>
+        </pc:sldMkLst>
+        <pc:graphicFrameChg chg="mod modGraphic">
+          <ac:chgData name="Akilah Johnson" userId="S::akjohnso@adobe.com::2fa3aa60-0c9c-4d06-bae2-795983241227" providerId="AD" clId="Web-{DC554207-FA81-638A-220E-C39F63BF408A}" dt="2021-11-23T23:50:17.249" v="7"/>
+          <ac:graphicFrameMkLst>
+            <pc:docMk/>
+            <pc:sldMk cId="2161849182" sldId="267"/>
+            <ac:graphicFrameMk id="9" creationId="{00000000-0000-0000-0000-000000000000}"/>
+          </ac:graphicFrameMkLst>
+        </pc:graphicFrameChg>
+      </pc:sldChg>
+    </pc:docChg>
+  </pc:docChgLst>
+  <pc:docChgLst>
+    <pc:chgData name="Akilah Johnson" userId="S::akjohnso@adobe.com::2fa3aa60-0c9c-4d06-bae2-795983241227" providerId="AD" clId="Web-{D02E726A-82A5-CF13-9EBE-9B674D878D37}"/>
+    <pc:docChg chg="modSld">
+      <pc:chgData name="Akilah Johnson" userId="S::akjohnso@adobe.com::2fa3aa60-0c9c-4d06-bae2-795983241227" providerId="AD" clId="Web-{D02E726A-82A5-CF13-9EBE-9B674D878D37}" dt="2021-10-12T19:51:27.470" v="10"/>
+      <pc:docMkLst>
+        <pc:docMk/>
+      </pc:docMkLst>
+      <pc:sldChg chg="modSp delCm">
+        <pc:chgData name="Akilah Johnson" userId="S::akjohnso@adobe.com::2fa3aa60-0c9c-4d06-bae2-795983241227" providerId="AD" clId="Web-{D02E726A-82A5-CF13-9EBE-9B674D878D37}" dt="2021-10-12T19:51:27.470" v="10"/>
+        <pc:sldMkLst>
+          <pc:docMk/>
+          <pc:sldMk cId="2161849182" sldId="267"/>
+        </pc:sldMkLst>
+        <pc:spChg chg="mod">
+          <ac:chgData name="Akilah Johnson" userId="S::akjohnso@adobe.com::2fa3aa60-0c9c-4d06-bae2-795983241227" providerId="AD" clId="Web-{D02E726A-82A5-CF13-9EBE-9B674D878D37}" dt="2021-10-12T19:51:04.127" v="8" actId="20577"/>
+          <ac:spMkLst>
+            <pc:docMk/>
+            <pc:sldMk cId="2161849182" sldId="267"/>
+            <ac:spMk id="2" creationId="{00000000-0000-0000-0000-000000000000}"/>
+          </ac:spMkLst>
+        </pc:spChg>
+      </pc:sldChg>
+    </pc:docChg>
+  </pc:docChgLst>
+  <pc:docChgLst>
+    <pc:chgData name="Lauren Schutte" userId="6e08b2d3-447a-4d66-86be-444d50df187f" providerId="ADAL" clId="{51054313-E3E9-A543-B651-B15A687DE6AB}"/>
+    <pc:docChg chg="custSel modSld">
+      <pc:chgData name="Lauren Schutte" userId="6e08b2d3-447a-4d66-86be-444d50df187f" providerId="ADAL" clId="{51054313-E3E9-A543-B651-B15A687DE6AB}" dt="2021-12-06T17:05:18.742" v="125" actId="20577"/>
+      <pc:docMkLst>
+        <pc:docMk/>
+      </pc:docMkLst>
+      <pc:sldChg chg="modSp mod">
+        <pc:chgData name="Lauren Schutte" userId="6e08b2d3-447a-4d66-86be-444d50df187f" providerId="ADAL" clId="{51054313-E3E9-A543-B651-B15A687DE6AB}" dt="2021-12-06T17:05:18.742" v="125" actId="20577"/>
+        <pc:sldMkLst>
+          <pc:docMk/>
+          <pc:sldMk cId="2161849182" sldId="267"/>
+        </pc:sldMkLst>
+        <pc:graphicFrameChg chg="mod modGraphic">
+          <ac:chgData name="Lauren Schutte" userId="6e08b2d3-447a-4d66-86be-444d50df187f" providerId="ADAL" clId="{51054313-E3E9-A543-B651-B15A687DE6AB}" dt="2021-12-06T17:05:18.742" v="125" actId="20577"/>
+          <ac:graphicFrameMkLst>
+            <pc:docMk/>
+            <pc:sldMk cId="2161849182" sldId="267"/>
+            <ac:graphicFrameMk id="9" creationId="{00000000-0000-0000-0000-000000000000}"/>
+          </ac:graphicFrameMkLst>
+        </pc:graphicFrameChg>
+      </pc:sldChg>
+    </pc:docChg>
+  </pc:docChgLst>
+  <pc:docChgLst>
+    <pc:chgData name="Ankita Sood" userId="c93a62e3-2a47-429d-82c6-c2a8fd110ae7" providerId="ADAL" clId="{F52CA613-E759-D441-AA53-CD1E38E4D602}"/>
+    <pc:docChg chg="modSld">
+      <pc:chgData name="Ankita Sood" userId="c93a62e3-2a47-429d-82c6-c2a8fd110ae7" providerId="ADAL" clId="{F52CA613-E759-D441-AA53-CD1E38E4D602}" dt="2022-01-20T17:29:41.146" v="3" actId="20577"/>
+      <pc:docMkLst>
+        <pc:docMk/>
+      </pc:docMkLst>
+      <pc:sldChg chg="modSp mod">
+        <pc:chgData name="Ankita Sood" userId="c93a62e3-2a47-429d-82c6-c2a8fd110ae7" providerId="ADAL" clId="{F52CA613-E759-D441-AA53-CD1E38E4D602}" dt="2022-01-20T17:29:41.146" v="3" actId="20577"/>
+        <pc:sldMkLst>
+          <pc:docMk/>
+          <pc:sldMk cId="2161849182" sldId="267"/>
+        </pc:sldMkLst>
+        <pc:spChg chg="mod">
+          <ac:chgData name="Ankita Sood" userId="c93a62e3-2a47-429d-82c6-c2a8fd110ae7" providerId="ADAL" clId="{F52CA613-E759-D441-AA53-CD1E38E4D602}" dt="2022-01-20T17:27:01.168" v="2" actId="20577"/>
+          <ac:spMkLst>
+            <pc:docMk/>
+            <pc:sldMk cId="2161849182" sldId="267"/>
+            <ac:spMk id="12" creationId="{B5B9BF51-8921-A94B-954A-82B5B5874814}"/>
+          </ac:spMkLst>
+        </pc:spChg>
+        <pc:graphicFrameChg chg="modGraphic">
+          <ac:chgData name="Ankita Sood" userId="c93a62e3-2a47-429d-82c6-c2a8fd110ae7" providerId="ADAL" clId="{F52CA613-E759-D441-AA53-CD1E38E4D602}" dt="2022-01-20T17:29:41.146" v="3" actId="20577"/>
+          <ac:graphicFrameMkLst>
+            <pc:docMk/>
+            <pc:sldMk cId="2161849182" sldId="267"/>
+            <ac:graphicFrameMk id="13" creationId="{63DBC3ED-EEDC-974A-82A2-F5182CF12546}"/>
+          </ac:graphicFrameMkLst>
+        </pc:graphicFrameChg>
+      </pc:sldChg>
+    </pc:docChg>
+  </pc:docChgLst>
+  <pc:docChgLst>
+    <pc:chgData name="Akilah Johnson" userId="S::akjohnso@adobe.com::2fa3aa60-0c9c-4d06-bae2-795983241227" providerId="AD" clId="Web-{0AB2EF93-BE08-D205-D43E-3B568BB37DAA}"/>
+    <pc:docChg chg="modSld">
+      <pc:chgData name="Akilah Johnson" userId="S::akjohnso@adobe.com::2fa3aa60-0c9c-4d06-bae2-795983241227" providerId="AD" clId="Web-{0AB2EF93-BE08-D205-D43E-3B568BB37DAA}" dt="2021-09-22T23:01:45.877" v="13"/>
+      <pc:docMkLst>
+        <pc:docMk/>
+      </pc:docMkLst>
+      <pc:sldChg chg="modSp">
+        <pc:chgData name="Akilah Johnson" userId="S::akjohnso@adobe.com::2fa3aa60-0c9c-4d06-bae2-795983241227" providerId="AD" clId="Web-{0AB2EF93-BE08-D205-D43E-3B568BB37DAA}" dt="2021-09-22T23:01:45.877" v="13"/>
+        <pc:sldMkLst>
+          <pc:docMk/>
+          <pc:sldMk cId="1050037809" sldId="261"/>
+        </pc:sldMkLst>
+        <pc:graphicFrameChg chg="mod modGraphic">
+          <ac:chgData name="Akilah Johnson" userId="S::akjohnso@adobe.com::2fa3aa60-0c9c-4d06-bae2-795983241227" providerId="AD" clId="Web-{0AB2EF93-BE08-D205-D43E-3B568BB37DAA}" dt="2021-09-22T23:01:45.877" v="13"/>
+          <ac:graphicFrameMkLst>
+            <pc:docMk/>
+            <pc:sldMk cId="1050037809" sldId="261"/>
+            <ac:graphicFrameMk id="25" creationId="{3A91F5B0-3974-A14D-A146-FB590F2AAD18}"/>
+          </ac:graphicFrameMkLst>
+        </pc:graphicFrameChg>
+      </pc:sldChg>
+    </pc:docChg>
+  </pc:docChgLst>
+  <pc:docChgLst>
+    <pc:chgData name="Andy Witt" userId="S::awitt@adobe.com::e9157bdf-53b2-40e4-9459-936793d75696" providerId="AD" clId="Web-{3F02B349-0406-AE51-D438-E7A0BE890230}"/>
+    <pc:docChg chg="modSld">
+      <pc:chgData name="Andy Witt" userId="S::awitt@adobe.com::e9157bdf-53b2-40e4-9459-936793d75696" providerId="AD" clId="Web-{3F02B349-0406-AE51-D438-E7A0BE890230}" dt="2021-08-25T18:45:07.550" v="11"/>
+      <pc:docMkLst>
+        <pc:docMk/>
+      </pc:docMkLst>
+      <pc:sldChg chg="modSp">
+        <pc:chgData name="Andy Witt" userId="S::awitt@adobe.com::e9157bdf-53b2-40e4-9459-936793d75696" providerId="AD" clId="Web-{3F02B349-0406-AE51-D438-E7A0BE890230}" dt="2021-08-25T18:45:07.550" v="11"/>
+        <pc:sldMkLst>
+          <pc:docMk/>
+          <pc:sldMk cId="1050037809" sldId="261"/>
+        </pc:sldMkLst>
+        <pc:graphicFrameChg chg="mod modGraphic">
+          <ac:chgData name="Andy Witt" userId="S::awitt@adobe.com::e9157bdf-53b2-40e4-9459-936793d75696" providerId="AD" clId="Web-{3F02B349-0406-AE51-D438-E7A0BE890230}" dt="2021-08-25T18:45:07.550" v="11"/>
+          <ac:graphicFrameMkLst>
+            <pc:docMk/>
+            <pc:sldMk cId="1050037809" sldId="261"/>
+            <ac:graphicFrameMk id="25" creationId="{3A91F5B0-3974-A14D-A146-FB590F2AAD18}"/>
+          </ac:graphicFrameMkLst>
+        </pc:graphicFrameChg>
+      </pc:sldChg>
+    </pc:docChg>
+  </pc:docChgLst>
+  <pc:docChgLst>
+    <pc:chgData name="Akilah Johnson" userId="2fa3aa60-0c9c-4d06-bae2-795983241227" providerId="ADAL" clId="{7598C71F-6B67-2947-B18A-AD3AFAF83B9E}"/>
+    <pc:docChg chg="modSld">
+      <pc:chgData name="Akilah Johnson" userId="2fa3aa60-0c9c-4d06-bae2-795983241227" providerId="ADAL" clId="{7598C71F-6B67-2947-B18A-AD3AFAF83B9E}" dt="2021-11-24T00:03:04.956" v="14" actId="20577"/>
+      <pc:docMkLst>
+        <pc:docMk/>
+      </pc:docMkLst>
+      <pc:sldChg chg="modSp mod">
+        <pc:chgData name="Akilah Johnson" userId="2fa3aa60-0c9c-4d06-bae2-795983241227" providerId="ADAL" clId="{7598C71F-6B67-2947-B18A-AD3AFAF83B9E}" dt="2021-11-24T00:03:04.956" v="14" actId="20577"/>
+        <pc:sldMkLst>
+          <pc:docMk/>
+          <pc:sldMk cId="2161849182" sldId="267"/>
+        </pc:sldMkLst>
+        <pc:graphicFrameChg chg="modGraphic">
+          <ac:chgData name="Akilah Johnson" userId="2fa3aa60-0c9c-4d06-bae2-795983241227" providerId="ADAL" clId="{7598C71F-6B67-2947-B18A-AD3AFAF83B9E}" dt="2021-11-24T00:03:04.956" v="14" actId="20577"/>
+          <ac:graphicFrameMkLst>
+            <pc:docMk/>
+            <pc:sldMk cId="2161849182" sldId="267"/>
+            <ac:graphicFrameMk id="9" creationId="{00000000-0000-0000-0000-000000000000}"/>
+          </ac:graphicFrameMkLst>
+        </pc:graphicFrameChg>
+      </pc:sldChg>
+    </pc:docChg>
+  </pc:docChgLst>
+  <pc:docChgLst>
+    <pc:chgData name="Lauren Schutte" userId="6e08b2d3-447a-4d66-86be-444d50df187f" providerId="ADAL" clId="{1A3D389F-0E00-444F-BDF7-5C174E20EEC2}"/>
+    <pc:docChg chg="undo custSel modSld">
+      <pc:chgData name="Lauren Schutte" userId="6e08b2d3-447a-4d66-86be-444d50df187f" providerId="ADAL" clId="{1A3D389F-0E00-444F-BDF7-5C174E20EEC2}" dt="2021-10-13T19:40:59.066" v="67" actId="20577"/>
+      <pc:docMkLst>
+        <pc:docMk/>
+      </pc:docMkLst>
+      <pc:sldChg chg="delSp modSp mod">
+        <pc:chgData name="Lauren Schutte" userId="6e08b2d3-447a-4d66-86be-444d50df187f" providerId="ADAL" clId="{1A3D389F-0E00-444F-BDF7-5C174E20EEC2}" dt="2021-10-13T19:40:25.578" v="61" actId="478"/>
+        <pc:sldMkLst>
+          <pc:docMk/>
+          <pc:sldMk cId="5960377" sldId="259"/>
+        </pc:sldMkLst>
+        <pc:spChg chg="mod">
+          <ac:chgData name="Lauren Schutte" userId="6e08b2d3-447a-4d66-86be-444d50df187f" providerId="ADAL" clId="{1A3D389F-0E00-444F-BDF7-5C174E20EEC2}" dt="2021-10-13T19:33:45.182" v="59" actId="20577"/>
+          <ac:spMkLst>
+            <pc:docMk/>
+            <pc:sldMk cId="5960377" sldId="259"/>
+            <ac:spMk id="127" creationId="{BB896A03-8E7E-344F-BDE1-37C49461FF04}"/>
+          </ac:spMkLst>
+        </pc:spChg>
+        <pc:grpChg chg="del mod">
+          <ac:chgData name="Lauren Schutte" userId="6e08b2d3-447a-4d66-86be-444d50df187f" providerId="ADAL" clId="{1A3D389F-0E00-444F-BDF7-5C174E20EEC2}" dt="2021-10-13T19:40:25.578" v="61" actId="478"/>
+          <ac:grpSpMkLst>
+            <pc:docMk/>
+            <pc:sldMk cId="5960377" sldId="259"/>
+            <ac:grpSpMk id="62" creationId="{C539739D-1D3E-204D-9819-C44D9AE36DE8}"/>
+          </ac:grpSpMkLst>
+        </pc:grpChg>
+      </pc:sldChg>
+      <pc:sldChg chg="modSp mod">
+        <pc:chgData name="Lauren Schutte" userId="6e08b2d3-447a-4d66-86be-444d50df187f" providerId="ADAL" clId="{1A3D389F-0E00-444F-BDF7-5C174E20EEC2}" dt="2021-10-13T19:40:59.066" v="67" actId="20577"/>
+        <pc:sldMkLst>
+          <pc:docMk/>
+          <pc:sldMk cId="2161849182" sldId="267"/>
+        </pc:sldMkLst>
+        <pc:spChg chg="mod">
+          <ac:chgData name="Lauren Schutte" userId="6e08b2d3-447a-4d66-86be-444d50df187f" providerId="ADAL" clId="{1A3D389F-0E00-444F-BDF7-5C174E20EEC2}" dt="2021-10-13T19:40:59.066" v="67" actId="20577"/>
+          <ac:spMkLst>
+            <pc:docMk/>
+            <pc:sldMk cId="2161849182" sldId="267"/>
+            <ac:spMk id="2" creationId="{00000000-0000-0000-0000-000000000000}"/>
+          </ac:spMkLst>
+        </pc:spChg>
+        <pc:graphicFrameChg chg="mod modGraphic">
+          <ac:chgData name="Lauren Schutte" userId="6e08b2d3-447a-4d66-86be-444d50df187f" providerId="ADAL" clId="{1A3D389F-0E00-444F-BDF7-5C174E20EEC2}" dt="2021-10-13T19:33:05.183" v="58"/>
+          <ac:graphicFrameMkLst>
+            <pc:docMk/>
+            <pc:sldMk cId="2161849182" sldId="267"/>
+            <ac:graphicFrameMk id="9" creationId="{00000000-0000-0000-0000-000000000000}"/>
+          </ac:graphicFrameMkLst>
+        </pc:graphicFrameChg>
+      </pc:sldChg>
+    </pc:docChg>
+  </pc:docChgLst>
+  <pc:docChgLst>
+    <pc:chgData name="Akilah Johnson" userId="S::akjohnso@adobe.com::2fa3aa60-0c9c-4d06-bae2-795983241227" providerId="AD" clId="Web-{3CA2F123-FAC9-2CDD-7937-C83283BA7837}"/>
+    <pc:docChg chg="modSld">
+      <pc:chgData name="Akilah Johnson" userId="S::akjohnso@adobe.com::2fa3aa60-0c9c-4d06-bae2-795983241227" providerId="AD" clId="Web-{3CA2F123-FAC9-2CDD-7937-C83283BA7837}" dt="2021-09-16T20:58:19.458" v="0" actId="1076"/>
+      <pc:docMkLst>
+        <pc:docMk/>
+      </pc:docMkLst>
+      <pc:sldChg chg="modSp">
+        <pc:chgData name="Akilah Johnson" userId="S::akjohnso@adobe.com::2fa3aa60-0c9c-4d06-bae2-795983241227" providerId="AD" clId="Web-{3CA2F123-FAC9-2CDD-7937-C83283BA7837}" dt="2021-09-16T20:58:19.458" v="0" actId="1076"/>
+        <pc:sldMkLst>
+          <pc:docMk/>
+          <pc:sldMk cId="717026355" sldId="266"/>
+        </pc:sldMkLst>
+        <pc:spChg chg="mod">
+          <ac:chgData name="Akilah Johnson" userId="S::akjohnso@adobe.com::2fa3aa60-0c9c-4d06-bae2-795983241227" providerId="AD" clId="Web-{3CA2F123-FAC9-2CDD-7937-C83283BA7837}" dt="2021-09-16T20:58:19.458" v="0" actId="1076"/>
+          <ac:spMkLst>
+            <pc:docMk/>
+            <pc:sldMk cId="717026355" sldId="266"/>
+            <ac:spMk id="83" creationId="{BB34E685-A734-974B-A33A-BE51D1A8BC0D}"/>
+          </ac:spMkLst>
+        </pc:spChg>
+      </pc:sldChg>
+    </pc:docChg>
+  </pc:docChgLst>
+  <pc:docChgLst>
+    <pc:chgData name="Akilah Johnson" userId="S::akjohnso@adobe.com::2fa3aa60-0c9c-4d06-bae2-795983241227" providerId="AD" clId="Web-{19826C17-B3F5-53A1-AAFF-C7771804C7A7}"/>
+    <pc:docChg chg="modSld">
+      <pc:chgData name="Akilah Johnson" userId="S::akjohnso@adobe.com::2fa3aa60-0c9c-4d06-bae2-795983241227" providerId="AD" clId="Web-{19826C17-B3F5-53A1-AAFF-C7771804C7A7}" dt="2021-10-13T18:50:21.160" v="67"/>
+      <pc:docMkLst>
+        <pc:docMk/>
+      </pc:docMkLst>
+      <pc:sldChg chg="modSp">
+        <pc:chgData name="Akilah Johnson" userId="S::akjohnso@adobe.com::2fa3aa60-0c9c-4d06-bae2-795983241227" providerId="AD" clId="Web-{19826C17-B3F5-53A1-AAFF-C7771804C7A7}" dt="2021-10-13T18:38:26.810" v="9" actId="20577"/>
+        <pc:sldMkLst>
+          <pc:docMk/>
+          <pc:sldMk cId="5960377" sldId="259"/>
+        </pc:sldMkLst>
+        <pc:spChg chg="mod">
+          <ac:chgData name="Akilah Johnson" userId="S::akjohnso@adobe.com::2fa3aa60-0c9c-4d06-bae2-795983241227" providerId="AD" clId="Web-{19826C17-B3F5-53A1-AAFF-C7771804C7A7}" dt="2021-10-13T18:38:26.810" v="9" actId="20577"/>
+          <ac:spMkLst>
+            <pc:docMk/>
+            <pc:sldMk cId="5960377" sldId="259"/>
+            <ac:spMk id="75" creationId="{4602CC83-B0C7-8445-9007-87E67CDDD9D0}"/>
+          </ac:spMkLst>
+        </pc:spChg>
+        <pc:spChg chg="mod">
+          <ac:chgData name="Akilah Johnson" userId="S::akjohnso@adobe.com::2fa3aa60-0c9c-4d06-bae2-795983241227" providerId="AD" clId="Web-{19826C17-B3F5-53A1-AAFF-C7771804C7A7}" dt="2021-10-13T18:38:17.716" v="5" actId="20577"/>
+          <ac:spMkLst>
+            <pc:docMk/>
+            <pc:sldMk cId="5960377" sldId="259"/>
+            <ac:spMk id="83" creationId="{7A016ADC-2A30-8A4B-BE07-A9AB6C1898A7}"/>
+          </ac:spMkLst>
+        </pc:spChg>
+        <pc:spChg chg="mod">
+          <ac:chgData name="Akilah Johnson" userId="S::akjohnso@adobe.com::2fa3aa60-0c9c-4d06-bae2-795983241227" providerId="AD" clId="Web-{19826C17-B3F5-53A1-AAFF-C7771804C7A7}" dt="2021-10-13T18:38:19.654" v="6" actId="20577"/>
+          <ac:spMkLst>
+            <pc:docMk/>
+            <pc:sldMk cId="5960377" sldId="259"/>
+            <ac:spMk id="87" creationId="{57C0C871-6516-F145-97DA-27A143E6185C}"/>
+          </ac:spMkLst>
+        </pc:spChg>
+        <pc:spChg chg="mod">
+          <ac:chgData name="Akilah Johnson" userId="S::akjohnso@adobe.com::2fa3aa60-0c9c-4d06-bae2-795983241227" providerId="AD" clId="Web-{19826C17-B3F5-53A1-AAFF-C7771804C7A7}" dt="2021-10-13T18:38:14.044" v="4" actId="20577"/>
+          <ac:spMkLst>
+            <pc:docMk/>
+            <pc:sldMk cId="5960377" sldId="259"/>
+            <ac:spMk id="124" creationId="{14AAF776-9013-4C40-92F9-FFFE22C4038F}"/>
+          </ac:spMkLst>
+        </pc:spChg>
+        <pc:spChg chg="mod">
+          <ac:chgData name="Akilah Johnson" userId="S::akjohnso@adobe.com::2fa3aa60-0c9c-4d06-bae2-795983241227" providerId="AD" clId="Web-{19826C17-B3F5-53A1-AAFF-C7771804C7A7}" dt="2021-10-13T18:38:10.013" v="2" actId="20577"/>
+          <ac:spMkLst>
+            <pc:docMk/>
+            <pc:sldMk cId="5960377" sldId="259"/>
+            <ac:spMk id="125" creationId="{AF4EBBF5-5438-A043-B9AA-3822381D52EE}"/>
+          </ac:spMkLst>
+        </pc:spChg>
+        <pc:spChg chg="mod">
+          <ac:chgData name="Akilah Johnson" userId="S::akjohnso@adobe.com::2fa3aa60-0c9c-4d06-bae2-795983241227" providerId="AD" clId="Web-{19826C17-B3F5-53A1-AAFF-C7771804C7A7}" dt="2021-10-13T18:38:12.263" v="3" actId="20577"/>
+          <ac:spMkLst>
+            <pc:docMk/>
+            <pc:sldMk cId="5960377" sldId="259"/>
+            <ac:spMk id="126" creationId="{7F65676D-32E4-7B4B-BB85-4D504B5882BD}"/>
+          </ac:spMkLst>
+        </pc:spChg>
+      </pc:sldChg>
+      <pc:sldChg chg="modSp">
+        <pc:chgData name="Akilah Johnson" userId="S::akjohnso@adobe.com::2fa3aa60-0c9c-4d06-bae2-795983241227" providerId="AD" clId="Web-{19826C17-B3F5-53A1-AAFF-C7771804C7A7}" dt="2021-10-13T18:40:23.717" v="19" actId="20577"/>
+        <pc:sldMkLst>
+          <pc:docMk/>
+          <pc:sldMk cId="1050037809" sldId="261"/>
+        </pc:sldMkLst>
+        <pc:spChg chg="mod">
+          <ac:chgData name="Akilah Johnson" userId="S::akjohnso@adobe.com::2fa3aa60-0c9c-4d06-bae2-795983241227" providerId="AD" clId="Web-{19826C17-B3F5-53A1-AAFF-C7771804C7A7}" dt="2021-10-13T18:40:23.717" v="19" actId="20577"/>
+          <ac:spMkLst>
+            <pc:docMk/>
+            <pc:sldMk cId="1050037809" sldId="261"/>
+            <ac:spMk id="56" creationId="{00000000-0000-0000-0000-000000000000}"/>
+          </ac:spMkLst>
+        </pc:spChg>
+        <pc:graphicFrameChg chg="mod modGraphic">
+          <ac:chgData name="Akilah Johnson" userId="S::akjohnso@adobe.com::2fa3aa60-0c9c-4d06-bae2-795983241227" providerId="AD" clId="Web-{19826C17-B3F5-53A1-AAFF-C7771804C7A7}" dt="2021-10-13T18:39:38.154" v="17"/>
+          <ac:graphicFrameMkLst>
+            <pc:docMk/>
+            <pc:sldMk cId="1050037809" sldId="261"/>
+            <ac:graphicFrameMk id="111" creationId="{D8653CEC-4213-DE40-9BAF-D1E3318FF89C}"/>
+          </ac:graphicFrameMkLst>
+        </pc:graphicFrameChg>
+      </pc:sldChg>
+      <pc:sldChg chg="modSp">
+        <pc:chgData name="Akilah Johnson" userId="S::akjohnso@adobe.com::2fa3aa60-0c9c-4d06-bae2-795983241227" providerId="AD" clId="Web-{19826C17-B3F5-53A1-AAFF-C7771804C7A7}" dt="2021-10-13T18:39:10.373" v="15" actId="20577"/>
+        <pc:sldMkLst>
+          <pc:docMk/>
+          <pc:sldMk cId="717026355" sldId="266"/>
+        </pc:sldMkLst>
+        <pc:spChg chg="mod">
+          <ac:chgData name="Akilah Johnson" userId="S::akjohnso@adobe.com::2fa3aa60-0c9c-4d06-bae2-795983241227" providerId="AD" clId="Web-{19826C17-B3F5-53A1-AAFF-C7771804C7A7}" dt="2021-10-13T18:39:10.373" v="15" actId="20577"/>
+          <ac:spMkLst>
+            <pc:docMk/>
+            <pc:sldMk cId="717026355" sldId="266"/>
+            <ac:spMk id="9" creationId="{00000000-0000-0000-0000-000000000000}"/>
+          </ac:spMkLst>
+        </pc:spChg>
+        <pc:spChg chg="mod">
+          <ac:chgData name="Akilah Johnson" userId="S::akjohnso@adobe.com::2fa3aa60-0c9c-4d06-bae2-795983241227" providerId="AD" clId="Web-{19826C17-B3F5-53A1-AAFF-C7771804C7A7}" dt="2021-10-13T18:38:44.029" v="11" actId="20577"/>
+          <ac:spMkLst>
+            <pc:docMk/>
+            <pc:sldMk cId="717026355" sldId="266"/>
+            <ac:spMk id="82" creationId="{F6061E8D-9723-464D-AA49-7A3A3A02BE92}"/>
+          </ac:spMkLst>
+        </pc:spChg>
+        <pc:spChg chg="mod">
+          <ac:chgData name="Akilah Johnson" userId="S::akjohnso@adobe.com::2fa3aa60-0c9c-4d06-bae2-795983241227" providerId="AD" clId="Web-{19826C17-B3F5-53A1-AAFF-C7771804C7A7}" dt="2021-10-13T18:39:00.638" v="13" actId="20577"/>
+          <ac:spMkLst>
+            <pc:docMk/>
+            <pc:sldMk cId="717026355" sldId="266"/>
+            <ac:spMk id="83" creationId="{BB34E685-A734-974B-A33A-BE51D1A8BC0D}"/>
+          </ac:spMkLst>
+        </pc:spChg>
+      </pc:sldChg>
+      <pc:sldChg chg="modSp">
+        <pc:chgData name="Akilah Johnson" userId="S::akjohnso@adobe.com::2fa3aa60-0c9c-4d06-bae2-795983241227" providerId="AD" clId="Web-{19826C17-B3F5-53A1-AAFF-C7771804C7A7}" dt="2021-10-13T18:50:21.160" v="67"/>
+        <pc:sldMkLst>
+          <pc:docMk/>
+          <pc:sldMk cId="2161849182" sldId="267"/>
+        </pc:sldMkLst>
+        <pc:graphicFrameChg chg="mod modGraphic">
+          <ac:chgData name="Akilah Johnson" userId="S::akjohnso@adobe.com::2fa3aa60-0c9c-4d06-bae2-795983241227" providerId="AD" clId="Web-{19826C17-B3F5-53A1-AAFF-C7771804C7A7}" dt="2021-10-13T18:50:21.160" v="67"/>
+          <ac:graphicFrameMkLst>
+            <pc:docMk/>
+            <pc:sldMk cId="2161849182" sldId="267"/>
+            <ac:graphicFrameMk id="9" creationId="{00000000-0000-0000-0000-000000000000}"/>
+          </ac:graphicFrameMkLst>
+        </pc:graphicFrameChg>
+      </pc:sldChg>
+    </pc:docChg>
+  </pc:docChgLst>
+</pc:chgInfo>
 </file>
 
 <file path=ppt/comments/comment1.xml><?xml version="1.0" encoding="utf-8"?>
@@ -245,7 +773,7 @@
           <a:p>
             <a:fld id="{CCB2A597-803A-C244-97E2-A01066125D19}" type="datetimeFigureOut">
               <a:rPr lang="en-US" smtClean="0"/>
-              <a:t>1/27/2022</a:t>
+              <a:t>3/3/2022</a:t>
             </a:fld>
             <a:endParaRPr lang="en-US"/>
           </a:p>
@@ -1026,7 +1554,7 @@
           <a:p>
             <a:fld id="{1D8BD707-D9CF-40AE-B4C6-C98DA3205C09}" type="datetimeFigureOut">
               <a:rPr lang="en-US"/>
-              <a:t>1/27/2022</a:t>
+              <a:t>3/3/2022</a:t>
             </a:fld>
             <a:endParaRPr lang="en-US"/>
           </a:p>
@@ -1266,7 +1794,7 @@
           <a:p>
             <a:fld id="{1D8BD707-D9CF-40AE-B4C6-C98DA3205C09}" type="datetimeFigureOut">
               <a:rPr lang="en-US"/>
-              <a:t>1/27/2022</a:t>
+              <a:t>3/3/2022</a:t>
             </a:fld>
             <a:endParaRPr lang="en-US"/>
           </a:p>
@@ -1519,7 +2047,7 @@
           <a:p>
             <a:fld id="{1D8BD707-D9CF-40AE-B4C6-C98DA3205C09}" type="datetimeFigureOut">
               <a:rPr lang="en-US"/>
-              <a:t>1/27/2022</a:t>
+              <a:t>3/3/2022</a:t>
             </a:fld>
             <a:endParaRPr lang="en-US"/>
           </a:p>
@@ -1706,7 +2234,7 @@
           <a:p>
             <a:fld id="{1D8BD707-D9CF-40AE-B4C6-C98DA3205C09}" type="datetimeFigureOut">
               <a:rPr lang="en-US"/>
-              <a:t>1/27/2022</a:t>
+              <a:t>3/3/2022</a:t>
             </a:fld>
             <a:endParaRPr lang="en-US"/>
           </a:p>
@@ -1864,7 +2392,7 @@
           <a:p>
             <a:fld id="{1D8BD707-D9CF-40AE-B4C6-C98DA3205C09}" type="datetimeFigureOut">
               <a:rPr lang="en-US"/>
-              <a:t>1/27/2022</a:t>
+              <a:t>3/3/2022</a:t>
             </a:fld>
             <a:endParaRPr lang="en-US"/>
           </a:p>
@@ -2122,7 +2650,7 @@
           <a:p>
             <a:fld id="{1D8BD707-D9CF-40AE-B4C6-C98DA3205C09}" type="datetimeFigureOut">
               <a:rPr lang="en-US"/>
-              <a:t>1/27/2022</a:t>
+              <a:t>3/3/2022</a:t>
             </a:fld>
             <a:endParaRPr lang="en-US"/>
           </a:p>
@@ -2373,8 +2901,8 @@
             </a:pPr>
             <a:r>
               <a:rPr lang="ja-JP" sz="2300" dirty="0">
-                <a:latin typeface="Adobe Clean Han Regular" panose="020B0500000000000000" pitchFamily="34" charset="-128"/>
-                <a:ea typeface="Adobe Clean Han Regular" panose="020B0500000000000000" pitchFamily="34" charset="-128"/>
+                <a:latin typeface="Adobe Clean Han Bold" panose="020B0600000000000000" pitchFamily="34" charset="-128"/>
+                <a:ea typeface="Adobe Clean Han Bold" panose="020B0600000000000000" pitchFamily="34" charset="-128"/>
               </a:rPr>
               <a:t>アドビサポートのプラン</a:t>
             </a:r>
@@ -2389,8 +2917,8 @@
         </p:nvSpPr>
         <p:spPr>
           <a:xfrm>
-            <a:off x="125148" y="7013546"/>
-            <a:ext cx="4450662" cy="228268"/>
+            <a:off x="125148" y="7013545"/>
+            <a:ext cx="4923930" cy="228268"/>
           </a:xfrm>
           <a:prstGeom prst="rect">
             <a:avLst/>
@@ -2420,8 +2948,8 @@
                     <a:srgbClr val="020302"/>
                   </a:solidFill>
                 </a:uFill>
-                <a:latin typeface="Adobe Clean Han Regular" panose="020B0500000000000000" pitchFamily="34" charset="-128"/>
-                <a:ea typeface="Adobe Clean Han Regular" panose="020B0500000000000000" pitchFamily="34" charset="-128"/>
+                <a:latin typeface="Adobe Clean Han Bold" panose="020B0600000000000000" pitchFamily="34" charset="-128"/>
+                <a:ea typeface="Adobe Clean Han Bold" panose="020B0600000000000000" pitchFamily="34" charset="-128"/>
                 <a:cs typeface="Adobe Clean"/>
               </a:rPr>
               <a:t>サービスレベルターゲット：初期対応</a:t>
@@ -2438,14 +2966,14 @@
           <p:nvPr>
             <p:extLst>
               <p:ext uri="{D42A27DB-BD31-4B8C-83A1-F6EECF244321}">
-                <p14:modId xmlns:p14="http://schemas.microsoft.com/office/powerpoint/2010/main" val="949158571"/>
+                <p14:modId xmlns:p14="http://schemas.microsoft.com/office/powerpoint/2010/main" val="83007773"/>
               </p:ext>
             </p:extLst>
           </p:nvPr>
         </p:nvGraphicFramePr>
         <p:xfrm>
           <a:off x="146919" y="7473158"/>
-          <a:ext cx="7477080" cy="2172629"/>
+          <a:ext cx="7477080" cy="2172630"/>
         </p:xfrm>
         <a:graphic>
           <a:graphicData uri="http://schemas.openxmlformats.org/drawingml/2006/table">
@@ -2454,21 +2982,21 @@
                 <a:tableStyleId>{2D5ABB26-0587-4C30-8999-92F81FD0307C}</a:tableStyleId>
               </a:tblPr>
               <a:tblGrid>
-                <a:gridCol w="4741311">
+                <a:gridCol w="4653681">
                   <a:extLst>
                     <a:ext uri="{9D8B030D-6E8A-4147-A177-3AD203B41FA5}">
                       <a16:colId xmlns:a16="http://schemas.microsoft.com/office/drawing/2014/main" val="20000"/>
                     </a:ext>
                   </a:extLst>
                 </a:gridCol>
-                <a:gridCol w="1280160">
+                <a:gridCol w="1509294">
                   <a:extLst>
                     <a:ext uri="{9D8B030D-6E8A-4147-A177-3AD203B41FA5}">
                       <a16:colId xmlns:a16="http://schemas.microsoft.com/office/drawing/2014/main" val="20001"/>
                     </a:ext>
                   </a:extLst>
                 </a:gridCol>
-                <a:gridCol w="1455609">
+                <a:gridCol w="1314105">
                   <a:extLst>
                     <a:ext uri="{9D8B030D-6E8A-4147-A177-3AD203B41FA5}">
                       <a16:colId xmlns:a16="http://schemas.microsoft.com/office/drawing/2014/main" val="20002"/>
@@ -2476,7 +3004,7 @@
                   </a:extLst>
                 </a:gridCol>
               </a:tblGrid>
-              <a:tr h="336767">
+              <a:tr h="356269">
                 <a:tc>
                   <a:txBody>
                     <a:bodyPr/>
@@ -2491,12 +3019,12 @@
                         </a:spcBef>
                       </a:pPr>
                       <a:r>
-                        <a:rPr lang="ja-JP" sz="900">
+                        <a:rPr lang="ja-JP" sz="900" dirty="0">
                           <a:solidFill>
                             <a:srgbClr val="020302"/>
                           </a:solidFill>
-                          <a:latin typeface="Adobe Clean Han Regular" panose="020B0500000000000000" pitchFamily="34" charset="-128"/>
-                          <a:ea typeface="Adobe Clean Han Regular" panose="020B0500000000000000" pitchFamily="34" charset="-128"/>
+                          <a:latin typeface="Adobe Clean Han Bold" panose="020B0600000000000000" pitchFamily="34" charset="-128"/>
+                          <a:ea typeface="Adobe Clean Han Bold" panose="020B0600000000000000" pitchFamily="34" charset="-128"/>
                           <a:cs typeface="Adobe Clean"/>
                         </a:rPr>
                         <a:t>優先度</a:t>
@@ -2538,33 +3066,24 @@
                     <a:bodyPr/>
                     <a:lstStyle/>
                     <a:p>
-                      <a:pPr marL="2540" marR="0" lvl="0" indent="0" algn="ctr" defTabSz="914400" eaLnBrk="1" fontAlgn="auto" latinLnBrk="0" hangingPunct="1">
+                      <a:pPr marL="381000">
                         <a:lnSpc>
                           <a:spcPct val="100000"/>
                         </a:lnSpc>
                         <a:spcBef>
-                          <a:spcPts val="60"/>
+                          <a:spcPts val="55"/>
                         </a:spcBef>
-                        <a:spcAft>
-                          <a:spcPts val="0"/>
-                        </a:spcAft>
-                        <a:buClrTx/>
-                        <a:buSzTx/>
-                        <a:buFontTx/>
-                        <a:buNone/>
-                        <a:tabLst/>
-                        <a:defRPr/>
                       </a:pPr>
                       <a:r>
-                        <a:rPr lang="ja-JP" altLang="en-US" sz="900" dirty="0">
+                        <a:rPr lang="ja-JP" sz="900" dirty="0">
                           <a:solidFill>
-                            <a:srgbClr val="404040"/>
+                            <a:srgbClr val="020302"/>
                           </a:solidFill>
-                          <a:latin typeface="Adobe Clean Han Regular" panose="020B0500000000000000" pitchFamily="34" charset="-128"/>
-                          <a:ea typeface="Adobe Clean Han Regular" panose="020B0500000000000000" pitchFamily="34" charset="-128"/>
+                          <a:latin typeface="Adobe Clean Han Bold" panose="020B0600000000000000" pitchFamily="34" charset="-128"/>
+                          <a:ea typeface="Adobe Clean Han Bold" panose="020B0600000000000000" pitchFamily="34" charset="-128"/>
                           <a:cs typeface="Adobe Clean"/>
                         </a:rPr>
-                        <a:t>オンラインサポート</a:t>
+                        <a:t>標準サポート</a:t>
                       </a:r>
                     </a:p>
                   </a:txBody>
@@ -2606,33 +3125,45 @@
                     <a:bodyPr/>
                     <a:lstStyle/>
                     <a:p>
-                      <a:pPr marL="2540" marR="0" lvl="0" indent="0" algn="ctr" defTabSz="914400" eaLnBrk="1" fontAlgn="auto" latinLnBrk="0" hangingPunct="1">
+                      <a:pPr marL="0" indent="0" algn="ctr">
                         <a:lnSpc>
                           <a:spcPct val="100000"/>
                         </a:lnSpc>
                         <a:spcBef>
-                          <a:spcPts val="60"/>
+                          <a:spcPts val="80"/>
                         </a:spcBef>
-                        <a:spcAft>
-                          <a:spcPts val="0"/>
-                        </a:spcAft>
-                        <a:buClrTx/>
-                        <a:buSzTx/>
-                        <a:buFontTx/>
-                        <a:buNone/>
-                        <a:tabLst/>
-                        <a:defRPr/>
                       </a:pPr>
                       <a:r>
-                        <a:rPr lang="ja-JP" altLang="en-US" sz="900" dirty="0">
+                        <a:rPr lang="ja-JP" sz="900" dirty="0">
                           <a:solidFill>
                             <a:srgbClr val="FFFFFF"/>
                           </a:solidFill>
-                          <a:latin typeface="Adobe Clean Han Regular" panose="020B0500000000000000" pitchFamily="34" charset="-128"/>
-                          <a:ea typeface="Adobe Clean Han Regular" panose="020B0500000000000000" pitchFamily="34" charset="-128"/>
+                          <a:latin typeface="Adobe Clean Han Bold" panose="020B0600000000000000" pitchFamily="34" charset="-128"/>
+                          <a:ea typeface="Adobe Clean Han Bold" panose="020B0600000000000000" pitchFamily="34" charset="-128"/>
                           <a:cs typeface="Adobe Clean"/>
                         </a:rPr>
-                        <a:t>エンタープライズサポート</a:t>
+                        <a:t>エンタープラ</a:t>
+                      </a:r>
+                      <a:br>
+                        <a:rPr lang="cs-CZ" altLang="ja-JP" sz="900" dirty="0">
+                          <a:solidFill>
+                            <a:srgbClr val="FFFFFF"/>
+                          </a:solidFill>
+                          <a:latin typeface="Adobe Clean Han Bold" panose="020B0600000000000000" pitchFamily="34" charset="-128"/>
+                          <a:ea typeface="Adobe Clean Han Bold" panose="020B0600000000000000" pitchFamily="34" charset="-128"/>
+                          <a:cs typeface="Adobe Clean"/>
+                        </a:rPr>
+                      </a:br>
+                      <a:r>
+                        <a:rPr lang="ja-JP" sz="900" dirty="0">
+                          <a:solidFill>
+                            <a:srgbClr val="FFFFFF"/>
+                          </a:solidFill>
+                          <a:latin typeface="Adobe Clean Han Bold" panose="020B0600000000000000" pitchFamily="34" charset="-128"/>
+                          <a:ea typeface="Adobe Clean Han Bold" panose="020B0600000000000000" pitchFamily="34" charset="-128"/>
+                          <a:cs typeface="Adobe Clean"/>
+                        </a:rPr>
+                        <a:t>イズサポート</a:t>
                       </a:r>
                     </a:p>
                   </a:txBody>
@@ -2678,7 +3209,7 @@
                   </a:ext>
                 </a:extLst>
               </a:tr>
-              <a:tr h="484756">
+              <a:tr h="512828">
                 <a:tc>
                   <a:txBody>
                     <a:bodyPr/>
@@ -2697,8 +3228,8 @@
                           <a:solidFill>
                             <a:srgbClr val="020302"/>
                           </a:solidFill>
-                          <a:latin typeface="Adobe Clean Han Regular" panose="020B0500000000000000" pitchFamily="34" charset="-128"/>
-                          <a:ea typeface="Adobe Clean Han Regular" panose="020B0500000000000000" pitchFamily="34" charset="-128"/>
+                          <a:latin typeface="Adobe Clean Han Bold" panose="020B0600000000000000" pitchFamily="34" charset="-128"/>
+                          <a:ea typeface="Adobe Clean Han Bold" panose="020B0600000000000000" pitchFamily="34" charset="-128"/>
                           <a:cs typeface="Adobe Clean"/>
                         </a:rPr>
                         <a:t>優先度 1</a:t>
@@ -2721,7 +3252,18 @@
                         <a:buNone/>
                       </a:pPr>
                       <a:r>
-                        <a:rPr lang="ja-JP" sz="900" b="0" i="0" u="none" strike="noStrike" spc="-10" baseline="0" dirty="0">
+                        <a:rPr lang="ja-JP" sz="900" b="0" i="0" dirty="0">
+                          <a:solidFill>
+                            <a:srgbClr val="020302"/>
+                          </a:solidFill>
+                          <a:latin typeface="Adobe Clean Han Light" panose="020B0300000000000000" pitchFamily="34" charset="-128"/>
+                          <a:ea typeface="Adobe Clean Han Light" panose="020B0300000000000000" pitchFamily="34" charset="-128"/>
+                          <a:cs typeface="+mn-cs"/>
+                        </a:rPr>
+                        <a:t> </a:t>
+                      </a:r>
+                      <a:r>
+                        <a:rPr lang="ja-JP" sz="900" b="0" i="0" u="none" strike="noStrike" dirty="0">
                           <a:solidFill>
                             <a:schemeClr val="tx1"/>
                           </a:solidFill>
@@ -2777,26 +3319,7 @@
                           <a:latin typeface="Adobe Clean Han Light" panose="020B0300000000000000" pitchFamily="34" charset="-128"/>
                           <a:ea typeface="Adobe Clean Han Light" panose="020B0300000000000000" pitchFamily="34" charset="-128"/>
                         </a:rPr>
-                        <a:t>24 時間年中無休／</a:t>
-                      </a:r>
-                      <a:br>
-                        <a:rPr lang="sk-SK" altLang="ja-JP" sz="900" b="0" i="0" u="none" strike="noStrike" dirty="0">
-                          <a:solidFill>
-                            <a:srgbClr val="020302"/>
-                          </a:solidFill>
-                          <a:latin typeface="Adobe Clean Han Light" panose="020B0300000000000000" pitchFamily="34" charset="-128"/>
-                          <a:ea typeface="Adobe Clean Han Light" panose="020B0300000000000000" pitchFamily="34" charset="-128"/>
-                        </a:rPr>
-                      </a:br>
-                      <a:r>
-                        <a:rPr lang="ja-JP" sz="900" b="0" i="0" u="none" strike="noStrike" dirty="0">
-                          <a:solidFill>
-                            <a:srgbClr val="020302"/>
-                          </a:solidFill>
-                          <a:latin typeface="Adobe Clean Han Light" panose="020B0300000000000000" pitchFamily="34" charset="-128"/>
-                          <a:ea typeface="Adobe Clean Han Light" panose="020B0300000000000000" pitchFamily="34" charset="-128"/>
-                        </a:rPr>
-                        <a:t>1 時間</a:t>
+                        <a:t>24 時間年中無休／1 時間</a:t>
                       </a:r>
                     </a:p>
                   </a:txBody>
@@ -2837,33 +3360,14 @@
                     <a:p>
                       <a:pPr algn="ctr" fontAlgn="ctr"/>
                       <a:r>
-                        <a:rPr lang="ja-JP" sz="900" b="0" i="0" u="none" strike="noStrike" dirty="0">
+                        <a:rPr lang="ja-JP" sz="900" b="0" i="0" u="none" strike="noStrike">
                           <a:solidFill>
                             <a:srgbClr val="020302"/>
                           </a:solidFill>
                           <a:latin typeface="Adobe Clean Han Light" panose="020B0300000000000000" pitchFamily="34" charset="-128"/>
                           <a:ea typeface="Adobe Clean Han Light" panose="020B0300000000000000" pitchFamily="34" charset="-128"/>
                         </a:rPr>
-                        <a:t>24 時間年中無休／</a:t>
-                      </a:r>
-                      <a:br>
-                        <a:rPr lang="sk-SK" altLang="ja-JP" sz="900" b="0" i="0" u="none" strike="noStrike" dirty="0">
-                          <a:solidFill>
-                            <a:srgbClr val="020302"/>
-                          </a:solidFill>
-                          <a:latin typeface="Adobe Clean Han Light" panose="020B0300000000000000" pitchFamily="34" charset="-128"/>
-                          <a:ea typeface="Adobe Clean Han Light" panose="020B0300000000000000" pitchFamily="34" charset="-128"/>
-                        </a:rPr>
-                      </a:br>
-                      <a:r>
-                        <a:rPr lang="ja-JP" sz="900" b="0" i="0" u="none" strike="noStrike" dirty="0">
-                          <a:solidFill>
-                            <a:srgbClr val="020302"/>
-                          </a:solidFill>
-                          <a:latin typeface="Adobe Clean Han Light" panose="020B0300000000000000" pitchFamily="34" charset="-128"/>
-                          <a:ea typeface="Adobe Clean Han Light" panose="020B0300000000000000" pitchFamily="34" charset="-128"/>
-                        </a:rPr>
-                        <a:t>30 分</a:t>
+                        <a:t>24 時間年中無休／30 分</a:t>
                       </a:r>
                     </a:p>
                   </a:txBody>
@@ -2914,7 +3418,7 @@
                   </a:ext>
                 </a:extLst>
               </a:tr>
-              <a:tr h="0">
+              <a:tr h="448744">
                 <a:tc>
                   <a:txBody>
                     <a:bodyPr/>
@@ -2929,15 +3433,26 @@
                         </a:spcBef>
                       </a:pPr>
                       <a:r>
-                        <a:rPr lang="ja-JP" sz="900" b="1" dirty="0">
+                        <a:rPr lang="ja-JP" altLang="en-US" sz="900" b="1" dirty="0">
                           <a:solidFill>
                             <a:srgbClr val="020302"/>
                           </a:solidFill>
-                          <a:latin typeface="Adobe Clean Han Regular" panose="020B0500000000000000" pitchFamily="34" charset="-128"/>
-                          <a:ea typeface="Adobe Clean Han Regular" panose="020B0500000000000000" pitchFamily="34" charset="-128"/>
+                          <a:latin typeface="Adobe Clean Han Bold" panose="020B0600000000000000" pitchFamily="34" charset="-128"/>
+                          <a:ea typeface="Adobe Clean Han Bold" panose="020B0600000000000000" pitchFamily="34" charset="-128"/>
                           <a:cs typeface="Adobe Clean"/>
                         </a:rPr>
-                        <a:t>優先度 2</a:t>
+                        <a:t>優先度 </a:t>
+                      </a:r>
+                      <a:r>
+                        <a:rPr lang="en-US" altLang="ja-JP" sz="900" b="1" dirty="0">
+                          <a:solidFill>
+                            <a:srgbClr val="020302"/>
+                          </a:solidFill>
+                          <a:latin typeface="Adobe Clean Han Bold" panose="020B0600000000000000" pitchFamily="34" charset="-128"/>
+                          <a:ea typeface="Adobe Clean Han Bold" panose="020B0600000000000000" pitchFamily="34" charset="-128"/>
+                          <a:cs typeface="Adobe Clean"/>
+                        </a:rPr>
+                        <a:t>2</a:t>
                       </a:r>
                     </a:p>
                     <a:p>
@@ -2959,6 +3474,17 @@
                         <a:defRPr/>
                       </a:pPr>
                       <a:r>
+                        <a:rPr lang="ja-JP" sz="900" b="0" i="0" dirty="0">
+                          <a:solidFill>
+                            <a:srgbClr val="020302"/>
+                          </a:solidFill>
+                          <a:latin typeface="Adobe Clean Han Light" panose="020B0300000000000000" pitchFamily="34" charset="-128"/>
+                          <a:ea typeface="Adobe Clean Han Light" panose="020B0300000000000000" pitchFamily="34" charset="-128"/>
+                          <a:cs typeface="+mn-cs"/>
+                        </a:rPr>
+                        <a:t> </a:t>
+                      </a:r>
+                      <a:r>
                         <a:rPr lang="ja-JP" sz="900" b="0" i="0" u="none" strike="noStrike" dirty="0">
                           <a:solidFill>
                             <a:schemeClr val="tx1"/>
@@ -2967,10 +3493,10 @@
                           <a:ea typeface="Adobe Clean Han Light" panose="020B0300000000000000" pitchFamily="34" charset="-128"/>
                           <a:cs typeface="+mn-cs"/>
                         </a:rPr>
-                        <a:t>お客様の業務機能に重大なサービス低下や潜在的なデータ損失があるか、主な機能が</a:t>
+                        <a:t>お客様の業務機能に重大なサービス低下や潜在的なデータ損失があるか、</a:t>
                       </a:r>
                       <a:br>
-                        <a:rPr lang="sk-SK" altLang="ja-JP" sz="900" b="0" i="0" u="none" strike="noStrike" dirty="0">
+                        <a:rPr lang="cs-CZ" altLang="ja-JP" sz="900" b="0" i="0" u="none" strike="noStrike" dirty="0">
                           <a:solidFill>
                             <a:schemeClr val="tx1"/>
                           </a:solidFill>
@@ -2988,7 +3514,7 @@
                           <a:ea typeface="Adobe Clean Han Light" panose="020B0300000000000000" pitchFamily="34" charset="-128"/>
                           <a:cs typeface="+mn-cs"/>
                         </a:rPr>
-                        <a:t>影響を受けている。</a:t>
+                        <a:t>主な機能が影響を受けている。</a:t>
                       </a:r>
                     </a:p>
                   </a:txBody>
@@ -3077,7 +3603,7 @@
                     <a:p>
                       <a:pPr algn="ctr" fontAlgn="ctr"/>
                       <a:r>
-                        <a:rPr lang="ja-JP" sz="900" b="0" i="0" u="none" strike="noStrike" dirty="0">
+                        <a:rPr lang="ja-JP" sz="900" b="0" i="0" u="none" strike="noStrike">
                           <a:solidFill>
                             <a:srgbClr val="020302"/>
                           </a:solidFill>
@@ -3132,7 +3658,7 @@
                   </a:ext>
                 </a:extLst>
               </a:tr>
-              <a:tr h="566928">
+              <a:tr h="473943">
                 <a:tc>
                   <a:txBody>
                     <a:bodyPr/>
@@ -3143,19 +3669,30 @@
                           <a:spcPct val="100000"/>
                         </a:lnSpc>
                         <a:spcBef>
-                          <a:spcPts val="630"/>
+                          <a:spcPts val="125"/>
                         </a:spcBef>
                       </a:pPr>
                       <a:r>
-                        <a:rPr lang="ja-JP" sz="900" b="1" dirty="0">
+                        <a:rPr lang="ja-JP" altLang="en-US" sz="900" b="1" dirty="0">
                           <a:solidFill>
                             <a:srgbClr val="020302"/>
                           </a:solidFill>
-                          <a:latin typeface="Adobe Clean Han Regular" panose="020B0500000000000000" pitchFamily="34" charset="-128"/>
-                          <a:ea typeface="Adobe Clean Han Regular" panose="020B0500000000000000" pitchFamily="34" charset="-128"/>
+                          <a:latin typeface="Adobe Clean Han Bold" panose="020B0600000000000000" pitchFamily="34" charset="-128"/>
+                          <a:ea typeface="Adobe Clean Han Bold" panose="020B0600000000000000" pitchFamily="34" charset="-128"/>
                           <a:cs typeface="Adobe Clean"/>
                         </a:rPr>
-                        <a:t>優先度 3</a:t>
+                        <a:t>優先度 </a:t>
+                      </a:r>
+                      <a:r>
+                        <a:rPr lang="en-US" altLang="ja-JP" sz="900" b="1" dirty="0">
+                          <a:solidFill>
+                            <a:srgbClr val="020302"/>
+                          </a:solidFill>
+                          <a:latin typeface="Adobe Clean Han Bold" panose="020B0600000000000000" pitchFamily="34" charset="-128"/>
+                          <a:ea typeface="Adobe Clean Han Bold" panose="020B0600000000000000" pitchFamily="34" charset="-128"/>
+                          <a:cs typeface="Adobe Clean"/>
+                        </a:rPr>
+                        <a:t>3</a:t>
                       </a:r>
                     </a:p>
                     <a:p>
@@ -3168,7 +3705,7 @@
                         </a:spcBef>
                       </a:pPr>
                       <a:r>
-                        <a:rPr lang="ja-JP" sz="900" b="0" i="0" u="none" strike="noStrike" spc="-20" baseline="0" dirty="0">
+                        <a:rPr lang="ja-JP" sz="900" b="0" i="0" u="none" strike="noStrike" dirty="0">
                           <a:solidFill>
                             <a:schemeClr val="tx1"/>
                           </a:solidFill>
@@ -3265,7 +3802,7 @@
                     <a:p>
                       <a:pPr algn="ctr" fontAlgn="ctr"/>
                       <a:r>
-                        <a:rPr lang="ja-JP" sz="900" b="0" i="0" u="none" strike="noStrike" dirty="0">
+                        <a:rPr lang="ja-JP" sz="900" b="0" i="0" u="none" strike="noStrike">
                           <a:solidFill>
                             <a:srgbClr val="020302"/>
                           </a:solidFill>
@@ -3320,11 +3857,43 @@
                   </a:ext>
                 </a:extLst>
               </a:tr>
-              <a:tr h="359998">
+              <a:tr h="380846">
                 <a:tc>
                   <a:txBody>
                     <a:bodyPr/>
                     <a:lstStyle/>
+                    <a:p>
+                      <a:pPr marL="50800">
+                        <a:lnSpc>
+                          <a:spcPct val="100000"/>
+                        </a:lnSpc>
+                        <a:spcBef>
+                          <a:spcPts val="125"/>
+                        </a:spcBef>
+                      </a:pPr>
+                      <a:r>
+                        <a:rPr lang="ja-JP" altLang="en-US" sz="900" b="1" dirty="0">
+                          <a:solidFill>
+                            <a:srgbClr val="020302"/>
+                          </a:solidFill>
+                          <a:latin typeface="Adobe Clean Han Bold" panose="020B0600000000000000" pitchFamily="34" charset="-128"/>
+                          <a:ea typeface="Adobe Clean Han Bold" panose="020B0600000000000000" pitchFamily="34" charset="-128"/>
+                          <a:cs typeface="Adobe Clean"/>
+                        </a:rPr>
+                        <a:t>優先度 </a:t>
+                      </a:r>
+                      <a:r>
+                        <a:rPr lang="en-US" altLang="ja-JP" sz="900" b="1" dirty="0">
+                          <a:solidFill>
+                            <a:srgbClr val="020302"/>
+                          </a:solidFill>
+                          <a:latin typeface="Adobe Clean Han Bold" panose="020B0600000000000000" pitchFamily="34" charset="-128"/>
+                          <a:ea typeface="Adobe Clean Han Bold" panose="020B0600000000000000" pitchFamily="34" charset="-128"/>
+                          <a:cs typeface="Adobe Clean"/>
+                        </a:rPr>
+                        <a:t>4</a:t>
+                      </a:r>
+                    </a:p>
                     <a:p>
                       <a:pPr marL="49530">
                         <a:lnSpc>
@@ -3339,22 +3908,12 @@
                           <a:solidFill>
                             <a:srgbClr val="020302"/>
                           </a:solidFill>
-                          <a:latin typeface="Adobe Clean Han Regular" panose="020B0500000000000000" pitchFamily="34" charset="-128"/>
-                          <a:ea typeface="Adobe Clean Han Regular" panose="020B0500000000000000" pitchFamily="34" charset="-128"/>
-                          <a:cs typeface="Adobe Clean"/>
+                          <a:latin typeface="Adobe Clean Han Light" panose="020B0300000000000000" pitchFamily="34" charset="-128"/>
+                          <a:ea typeface="Adobe Clean Han Light" panose="020B0300000000000000" pitchFamily="34" charset="-128"/>
+                          <a:cs typeface="+mn-cs"/>
                         </a:rPr>
-                        <a:t>優先度 4</a:t>
+                        <a:t> </a:t>
                       </a:r>
-                    </a:p>
-                    <a:p>
-                      <a:pPr marL="49530">
-                        <a:lnSpc>
-                          <a:spcPct val="100000"/>
-                        </a:lnSpc>
-                        <a:spcBef>
-                          <a:spcPts val="145"/>
-                        </a:spcBef>
-                      </a:pPr>
                       <a:r>
                         <a:rPr lang="ja-JP" sz="900" b="0" i="0" u="none" strike="noStrike" dirty="0">
                           <a:solidFill>
@@ -3568,8 +4127,36 @@
               </a:spcBef>
             </a:pPr>
             <a:r>
-              <a:rPr lang="ja-JP" dirty="0"/>
-              <a:t>©2021 Adobe.All Rights Reserved.Adobe Confidential.</a:t>
+              <a:rPr lang="en-US" spc="-10" dirty="0"/>
+              <a:t>©2021</a:t>
+            </a:r>
+            <a:r>
+              <a:rPr lang="en-US" spc="-5" dirty="0"/>
+              <a:t> Adobe. All</a:t>
+            </a:r>
+            <a:r>
+              <a:rPr lang="en-US" spc="-10" dirty="0"/>
+              <a:t> Rights</a:t>
+            </a:r>
+            <a:r>
+              <a:rPr lang="en-US" spc="-5" dirty="0"/>
+              <a:t> </a:t>
+            </a:r>
+            <a:r>
+              <a:rPr lang="en-US" spc="-10" dirty="0"/>
+              <a:t>Reserved.</a:t>
+            </a:r>
+            <a:r>
+              <a:rPr lang="en-US" spc="-5" dirty="0"/>
+              <a:t> Adobe</a:t>
+            </a:r>
+            <a:r>
+              <a:rPr lang="en-US" spc="60" dirty="0"/>
+              <a:t> </a:t>
+            </a:r>
+            <a:r>
+              <a:rPr lang="en-US" spc="-10" dirty="0"/>
+              <a:t>Confidential.</a:t>
             </a:r>
           </a:p>
         </p:txBody>
@@ -3603,11 +4190,10 @@
           <a:lstStyle/>
           <a:p>
             <a:r>
-              <a:rPr lang="ja-JP" sz="700" i="1" dirty="0">
+              <a:rPr lang="en-US" sz="700" i="1" dirty="0">
                 <a:solidFill>
                   <a:schemeClr val="bg1"/>
                 </a:solidFill>
-                <a:latin typeface="Adobe Clean Light" panose="020B0303020404020204" pitchFamily="34" charset="0"/>
               </a:rPr>
               <a:t>Adobe Experience Cloud</a:t>
             </a:r>
@@ -3628,15 +4214,15 @@
         </p:nvSpPr>
         <p:spPr>
           <a:xfrm>
-            <a:off x="146919" y="756605"/>
-            <a:ext cx="6035427" cy="1244508"/>
+            <a:off x="146920" y="617459"/>
+            <a:ext cx="5879400" cy="1396023"/>
           </a:xfrm>
           <a:prstGeom prst="rect">
             <a:avLst/>
           </a:prstGeom>
         </p:spPr>
         <p:txBody>
-          <a:bodyPr vert="horz" wrap="square" lIns="0" tIns="24130" rIns="0" bIns="0" rtlCol="0">
+          <a:bodyPr vert="horz" wrap="square" lIns="0" tIns="24130" rIns="0" bIns="0" rtlCol="0" anchor="t">
             <a:spAutoFit/>
           </a:bodyPr>
           <a:lstStyle/>
@@ -3654,28 +4240,28 @@
                 <a:solidFill>
                   <a:schemeClr val="bg1"/>
                 </a:solidFill>
-                <a:latin typeface="Adobe Clean Han Normal" panose="020B0400000000000000" pitchFamily="34" charset="-128"/>
-                <a:ea typeface="Adobe Clean Han Normal" panose="020B0400000000000000" pitchFamily="34" charset="-128"/>
+                <a:latin typeface="Adobe Clean Han Light" panose="020B0300000000000000" pitchFamily="34" charset="-128"/>
+                <a:ea typeface="Adobe Clean Han Light" panose="020B0300000000000000" pitchFamily="34" charset="-128"/>
               </a:rPr>
-              <a:t>オンライン | ビジネス |</a:t>
+              <a:t>標準 |</a:t>
             </a:r>
             <a:r>
               <a:rPr lang="ja-JP" sz="1200" b="1" dirty="0">
                 <a:solidFill>
                   <a:schemeClr val="bg1"/>
                 </a:solidFill>
-                <a:latin typeface="Adobe Clean Han Normal" panose="020B0400000000000000" pitchFamily="34" charset="-128"/>
-                <a:ea typeface="Adobe Clean Han Normal" panose="020B0400000000000000" pitchFamily="34" charset="-128"/>
+                <a:latin typeface="Adobe Clean Han Light" panose="020B0300000000000000" pitchFamily="34" charset="-128"/>
+                <a:ea typeface="Adobe Clean Han Light" panose="020B0300000000000000" pitchFamily="34" charset="-128"/>
               </a:rPr>
-              <a:t> </a:t>
+              <a:t> </a:t>
             </a:r>
             <a:r>
               <a:rPr lang="ja-JP" sz="1200" b="1" dirty="0">
                 <a:solidFill>
                   <a:schemeClr val="bg1"/>
                 </a:solidFill>
-                <a:latin typeface="Adobe Clean Han Regular" panose="020B0500000000000000" pitchFamily="34" charset="-128"/>
-                <a:ea typeface="Adobe Clean Han Regular" panose="020B0500000000000000" pitchFamily="34" charset="-128"/>
+                <a:latin typeface="Adobe Clean Han Bold" panose="020B0600000000000000" pitchFamily="34" charset="-128"/>
+                <a:ea typeface="Adobe Clean Han Bold" panose="020B0600000000000000" pitchFamily="34" charset="-128"/>
               </a:rPr>
               <a:t>エンタープライズ</a:t>
             </a:r>
@@ -3684,37 +4270,34 @@
                 <a:solidFill>
                   <a:schemeClr val="bg1"/>
                 </a:solidFill>
-                <a:latin typeface="Adobe Clean Han Normal" panose="020B0400000000000000" pitchFamily="34" charset="-128"/>
-                <a:ea typeface="Adobe Clean Han Normal" panose="020B0400000000000000" pitchFamily="34" charset="-128"/>
+                <a:latin typeface="Adobe Clean Han Light" panose="020B0300000000000000" pitchFamily="34" charset="-128"/>
+                <a:ea typeface="Adobe Clean Han Light" panose="020B0300000000000000" pitchFamily="34" charset="-128"/>
               </a:rPr>
-              <a:t> </a:t>
+              <a:t> </a:t>
             </a:r>
             <a:r>
               <a:rPr lang="ja-JP" sz="1200" dirty="0">
                 <a:solidFill>
                   <a:schemeClr val="bg1"/>
                 </a:solidFill>
-                <a:latin typeface="Adobe Clean Han Normal" panose="020B0400000000000000" pitchFamily="34" charset="-128"/>
-                <a:ea typeface="Adobe Clean Han Normal" panose="020B0400000000000000" pitchFamily="34" charset="-128"/>
+                <a:latin typeface="Adobe Clean Han Light" panose="020B0300000000000000" pitchFamily="34" charset="-128"/>
+                <a:ea typeface="Adobe Clean Han Light" panose="020B0300000000000000" pitchFamily="34" charset="-128"/>
               </a:rPr>
               <a:t>| エリート</a:t>
             </a:r>
             <a:br>
+              <a:rPr lang="ja-JP" sz="900" dirty="0">
+                <a:latin typeface="Adobe Clean Han Light" panose="020B0300000000000000" pitchFamily="34" charset="-128"/>
+                <a:ea typeface="Adobe Clean Han Light" panose="020B0300000000000000" pitchFamily="34" charset="-128"/>
+              </a:rPr>
+            </a:br>
+            <a:r>
               <a:rPr lang="ja-JP" sz="900" dirty="0">
                 <a:solidFill>
                   <a:schemeClr val="bg1"/>
                 </a:solidFill>
-                <a:latin typeface="Adobe Clean Light" panose="020B0303020404020204" pitchFamily="34" charset="0"/>
-                <a:ea typeface="MS Mincho"/>
-              </a:rPr>
-            </a:br>
-            <a:r>
-              <a:rPr lang="ja-JP" sz="850" dirty="0">
-                <a:solidFill>
-                  <a:schemeClr val="bg1"/>
-                </a:solidFill>
-                <a:latin typeface="Adobe Clean Han Normal" panose="020B0400000000000000" pitchFamily="34" charset="-128"/>
-                <a:ea typeface="Adobe Clean Han Normal" panose="020B0400000000000000" pitchFamily="34" charset="-128"/>
+                <a:latin typeface="Adobe Clean Han Light" panose="020B0300000000000000" pitchFamily="34" charset="-128"/>
+                <a:ea typeface="Adobe Clean Han Light" panose="020B0300000000000000" pitchFamily="34" charset="-128"/>
               </a:rPr>
               <a:t>エンタープライズサポートでは、Adobe Experience League のパーソナライズされたラーニングパスやモニタリングされているコミュニティフォーラムへのアクセスが提供されます。アドビ製品に関する詳細なテクニカルドキュメントや最新のリリースノートは、いつでも参照可能です。また、エンタープライズサポートのお客様には、アドビサポートチーム内における専任の技術相談窓口として、専任サポートエンジニアが対応します。お客様がお使いの Experience Cloud ソリューションに関する豊富な知識と経験を持つサポートチームが、あらゆるサポートリクエストを適切なタイミングで解決できるように、テクニカルチームと協力してお客様を支援します。エンタープライズサポートには、お客様のビジネスの中断を最も重要なタイミングで最小限に抑えることができるような、さらなるサービスが充実しています。 </a:t>
             </a:r>
@@ -3736,7 +4319,7 @@
           <p:nvPr>
             <p:extLst>
               <p:ext uri="{D42A27DB-BD31-4B8C-83A1-F6EECF244321}">
-                <p14:modId xmlns:p14="http://schemas.microsoft.com/office/powerpoint/2010/main" val="1438718938"/>
+                <p14:modId xmlns:p14="http://schemas.microsoft.com/office/powerpoint/2010/main" val="3421008480"/>
               </p:ext>
             </p:extLst>
           </p:nvPr>
@@ -3752,28 +4335,28 @@
                 <a:tableStyleId>{2D5ABB26-0587-4C30-8999-92F81FD0307C}</a:tableStyleId>
               </a:tblPr>
               <a:tblGrid>
-                <a:gridCol w="1288362">
+                <a:gridCol w="1284552">
                   <a:extLst>
                     <a:ext uri="{9D8B030D-6E8A-4147-A177-3AD203B41FA5}">
                       <a16:colId xmlns:a16="http://schemas.microsoft.com/office/drawing/2014/main" val="1674920574"/>
                     </a:ext>
                   </a:extLst>
                 </a:gridCol>
-                <a:gridCol w="3436620">
+                <a:gridCol w="3512820">
                   <a:extLst>
                     <a:ext uri="{9D8B030D-6E8A-4147-A177-3AD203B41FA5}">
                       <a16:colId xmlns:a16="http://schemas.microsoft.com/office/drawing/2014/main" val="20001"/>
                     </a:ext>
                   </a:extLst>
                 </a:gridCol>
-                <a:gridCol w="1347980">
+                <a:gridCol w="1363980">
                   <a:extLst>
                     <a:ext uri="{9D8B030D-6E8A-4147-A177-3AD203B41FA5}">
                       <a16:colId xmlns:a16="http://schemas.microsoft.com/office/drawing/2014/main" val="2563521174"/>
                     </a:ext>
                   </a:extLst>
                 </a:gridCol>
-                <a:gridCol w="1425889">
+                <a:gridCol w="1337499">
                   <a:extLst>
                     <a:ext uri="{9D8B030D-6E8A-4147-A177-3AD203B41FA5}">
                       <a16:colId xmlns:a16="http://schemas.microsoft.com/office/drawing/2014/main" val="20003"/>
@@ -3829,11 +4412,11 @@
                           <a:solidFill>
                             <a:srgbClr val="404040"/>
                           </a:solidFill>
-                          <a:latin typeface="Adobe Clean Han Regular" panose="020B0500000000000000" pitchFamily="34" charset="-128"/>
-                          <a:ea typeface="Adobe Clean Han Regular" panose="020B0500000000000000" pitchFamily="34" charset="-128"/>
+                          <a:latin typeface="Adobe Clean Han Bold" panose="020B0600000000000000" pitchFamily="34" charset="-128"/>
+                          <a:ea typeface="Adobe Clean Han Bold" panose="020B0600000000000000" pitchFamily="34" charset="-128"/>
                           <a:cs typeface="Adobe Clean"/>
                         </a:rPr>
-                        <a:t>オンラインサポート</a:t>
+                        <a:t>標準サポート</a:t>
                       </a:r>
                     </a:p>
                   </a:txBody>
@@ -3879,11 +4462,32 @@
                           <a:solidFill>
                             <a:srgbClr val="FFFFFF"/>
                           </a:solidFill>
-                          <a:latin typeface="Adobe Clean Han Regular" panose="020B0500000000000000" pitchFamily="34" charset="-128"/>
-                          <a:ea typeface="Adobe Clean Han Regular" panose="020B0500000000000000" pitchFamily="34" charset="-128"/>
+                          <a:latin typeface="Adobe Clean Han Bold" panose="020B0600000000000000" pitchFamily="34" charset="-128"/>
+                          <a:ea typeface="Adobe Clean Han Bold" panose="020B0600000000000000" pitchFamily="34" charset="-128"/>
                           <a:cs typeface="Adobe Clean"/>
                         </a:rPr>
-                        <a:t>エンタープライズサポート</a:t>
+                        <a:t>エンタープライ</a:t>
+                      </a:r>
+                      <a:br>
+                        <a:rPr lang="cs-CZ" altLang="ja-JP" sz="900" dirty="0">
+                          <a:solidFill>
+                            <a:srgbClr val="FFFFFF"/>
+                          </a:solidFill>
+                          <a:latin typeface="Adobe Clean Han Bold" panose="020B0600000000000000" pitchFamily="34" charset="-128"/>
+                          <a:ea typeface="Adobe Clean Han Bold" panose="020B0600000000000000" pitchFamily="34" charset="-128"/>
+                          <a:cs typeface="Adobe Clean"/>
+                        </a:rPr>
+                      </a:br>
+                      <a:r>
+                        <a:rPr lang="ja-JP" sz="900" dirty="0">
+                          <a:solidFill>
+                            <a:srgbClr val="FFFFFF"/>
+                          </a:solidFill>
+                          <a:latin typeface="Adobe Clean Han Bold" panose="020B0600000000000000" pitchFamily="34" charset="-128"/>
+                          <a:ea typeface="Adobe Clean Han Bold" panose="020B0600000000000000" pitchFamily="34" charset="-128"/>
+                          <a:cs typeface="Adobe Clean"/>
+                        </a:rPr>
+                        <a:t>ズサポート</a:t>
                       </a:r>
                     </a:p>
                   </a:txBody>
@@ -4108,8 +4712,8 @@
                           <a:solidFill>
                             <a:schemeClr val="bg1"/>
                           </a:solidFill>
-                          <a:latin typeface="Adobe Clean" panose="020B0503020404020204" pitchFamily="34" charset="0"/>
-                          <a:ea typeface="MS Mincho"/>
+                          <a:latin typeface="Adobe Clean Han Bold" panose="020B0600000000000000" pitchFamily="34" charset="-128"/>
+                          <a:ea typeface="Adobe Clean Han Bold" panose="020B0600000000000000" pitchFamily="34" charset="-128"/>
                           <a:cs typeface="AdobeClean-Light"/>
                         </a:rPr>
                         <a:t>担当エキスパート</a:t>
@@ -4634,8 +5238,8 @@
                           <a:solidFill>
                             <a:schemeClr val="bg1"/>
                           </a:solidFill>
-                          <a:latin typeface="Adobe Clean Han Regular" panose="020B0500000000000000" pitchFamily="34" charset="-128"/>
-                          <a:ea typeface="Adobe Clean Han Regular" panose="020B0500000000000000" pitchFamily="34" charset="-128"/>
+                          <a:latin typeface="Adobe Clean Han Bold" panose="020B0600000000000000" pitchFamily="34" charset="-128"/>
+                          <a:ea typeface="Adobe Clean Han Bold" panose="020B0600000000000000" pitchFamily="34" charset="-128"/>
                           <a:cs typeface="AdobeClean-Light"/>
                         </a:rPr>
                         <a:t>サポートサービス</a:t>
@@ -4695,7 +5299,7 @@
                         </a:spcBef>
                       </a:pPr>
                       <a:r>
-                        <a:rPr lang="ja-JP" sz="900" dirty="0">
+                        <a:rPr lang="ja-JP" sz="900">
                           <a:solidFill>
                             <a:srgbClr val="020302"/>
                           </a:solidFill>
@@ -4703,7 +5307,7 @@
                           <a:ea typeface="Adobe Clean Han Light" panose="020B0300000000000000" pitchFamily="34" charset="-128"/>
                           <a:cs typeface="AdobeClean-Light"/>
                         </a:rPr>
-                        <a:t>オンラインサポート</a:t>
+                        <a:t>標準サポート</a:t>
                       </a:r>
                     </a:p>
                   </a:txBody>
@@ -5052,7 +5656,7 @@
                         </a:spcBef>
                       </a:pPr>
                       <a:r>
-                        <a:rPr lang="ja-JP" sz="900" dirty="0">
+                        <a:rPr lang="ja-JP" sz="900">
                           <a:solidFill>
                             <a:srgbClr val="020302"/>
                           </a:solidFill>
@@ -5099,12 +5703,12 @@
                         </a:spcBef>
                       </a:pPr>
                       <a:r>
-                        <a:rPr lang="ja-JP" sz="900" dirty="0">
+                        <a:rPr lang="en-US" altLang="ja-JP" sz="900" dirty="0">
                           <a:solidFill>
                             <a:srgbClr val="020302"/>
                           </a:solidFill>
-                          <a:latin typeface="Adobe Clean Light" panose="020B0303020404020204" pitchFamily="34" charset="0"/>
-                          <a:ea typeface="MS Mincho"/>
+                          <a:latin typeface="Adobe Clean Han Light" panose="020B0300000000000000" pitchFamily="34" charset="-128"/>
+                          <a:ea typeface="Adobe Clean Han Light" panose="020B0300000000000000" pitchFamily="34" charset="-128"/>
                           <a:cs typeface="AdobeClean-Light"/>
                         </a:rPr>
                         <a:t>4</a:t>
@@ -5138,12 +5742,12 @@
                         </a:spcBef>
                       </a:pPr>
                       <a:r>
-                        <a:rPr lang="ja-JP" sz="900" dirty="0">
+                        <a:rPr lang="en-US" altLang="ja-JP" sz="900" dirty="0">
                           <a:solidFill>
                             <a:srgbClr val="020302"/>
                           </a:solidFill>
-                          <a:latin typeface="Adobe Clean Light" panose="020B0303020404020204" pitchFamily="34" charset="0"/>
-                          <a:ea typeface="MS Mincho"/>
+                          <a:latin typeface="Adobe Clean Han Light" panose="020B0300000000000000" pitchFamily="34" charset="-128"/>
+                          <a:ea typeface="Adobe Clean Han Light" panose="020B0300000000000000" pitchFamily="34" charset="-128"/>
                           <a:cs typeface="AdobeClean-Light"/>
                         </a:rPr>
                         <a:t>10</a:t>
@@ -5219,7 +5823,7 @@
                         </a:spcBef>
                       </a:pPr>
                       <a:r>
-                        <a:rPr lang="ja-JP" sz="900">
+                        <a:rPr lang="ja-JP" sz="900" dirty="0">
                           <a:solidFill>
                             <a:srgbClr val="020302"/>
                           </a:solidFill>
@@ -5373,7 +5977,7 @@
                         </a:spcBef>
                       </a:pPr>
                       <a:r>
-                        <a:rPr lang="ja-JP" sz="900" dirty="0">
+                        <a:rPr lang="ja-JP" sz="900">
                           <a:solidFill>
                             <a:srgbClr val="020302"/>
                           </a:solidFill>
@@ -5527,7 +6131,7 @@
                         </a:spcBef>
                       </a:pPr>
                       <a:r>
-                        <a:rPr lang="ja-JP" sz="900" dirty="0">
+                        <a:rPr lang="ja-JP" sz="900">
                           <a:solidFill>
                             <a:srgbClr val="020302"/>
                           </a:solidFill>
@@ -5588,13 +6192,19 @@
                     <a:bodyPr/>
                     <a:lstStyle/>
                     <a:p>
-                      <a:pPr algn="ctr">
+                      <a:pPr marL="0" algn="ctr">
                         <a:lnSpc>
                           <a:spcPct val="100000"/>
                         </a:lnSpc>
+                        <a:spcBef>
+                          <a:spcPts val="455"/>
+                        </a:spcBef>
                       </a:pPr>
                       <a:r>
-                        <a:rPr lang="ja-JP" sz="900" dirty="0">
+                        <a:rPr lang="en-US" altLang="ja-JP" sz="900" dirty="0">
+                          <a:solidFill>
+                            <a:srgbClr val="020302"/>
+                          </a:solidFill>
                           <a:latin typeface="Adobe Clean Han Light" panose="020B0300000000000000" pitchFamily="34" charset="-128"/>
                           <a:ea typeface="Adobe Clean Han Light" panose="020B0300000000000000" pitchFamily="34" charset="-128"/>
                           <a:cs typeface="Times New Roman"/>
@@ -5642,7 +6252,7 @@
                         </a:spcBef>
                       </a:pPr>
                       <a:r>
-                        <a:rPr lang="ja-JP" sz="900" dirty="0">
+                        <a:rPr lang="ja-JP" sz="900">
                           <a:latin typeface="Adobe Clean Han Light" panose="020B0300000000000000" pitchFamily="34" charset="-128"/>
                           <a:ea typeface="Adobe Clean Han Light" panose="020B0300000000000000" pitchFamily="34" charset="-128"/>
                           <a:cs typeface="AdobeClean-Light"/>
@@ -5706,13 +6316,19 @@
                     <a:bodyPr/>
                     <a:lstStyle/>
                     <a:p>
-                      <a:pPr algn="ctr">
+                      <a:pPr marL="0" algn="ctr">
                         <a:lnSpc>
                           <a:spcPct val="100000"/>
                         </a:lnSpc>
+                        <a:spcBef>
+                          <a:spcPts val="455"/>
+                        </a:spcBef>
                       </a:pPr>
                       <a:r>
-                        <a:rPr lang="ja-JP" sz="900" dirty="0">
+                        <a:rPr lang="en-US" altLang="ja-JP" sz="900" dirty="0">
+                          <a:solidFill>
+                            <a:srgbClr val="020302"/>
+                          </a:solidFill>
                           <a:latin typeface="Adobe Clean Han Light" panose="020B0300000000000000" pitchFamily="34" charset="-128"/>
                           <a:ea typeface="Adobe Clean Han Light" panose="020B0300000000000000" pitchFamily="34" charset="-128"/>
                           <a:cs typeface="Times New Roman"/>
@@ -5932,7 +6548,7 @@
                         </a:spcBef>
                       </a:pPr>
                       <a:r>
-                        <a:rPr lang="ja-JP" sz="900" dirty="0">
+                        <a:rPr lang="ja-JP" sz="900">
                           <a:solidFill>
                             <a:srgbClr val="020302"/>
                           </a:solidFill>
@@ -6540,8 +7156,8 @@
                           <a:solidFill>
                             <a:schemeClr val="bg1"/>
                           </a:solidFill>
-                          <a:latin typeface="Adobe Clean Han Regular" panose="020B0500000000000000" pitchFamily="34" charset="-128"/>
-                          <a:ea typeface="Adobe Clean Han Regular" panose="020B0500000000000000" pitchFamily="34" charset="-128"/>
+                          <a:latin typeface="Adobe Clean Han Bold" panose="020B0600000000000000" pitchFamily="34" charset="-128"/>
+                          <a:ea typeface="Adobe Clean Han Bold" panose="020B0600000000000000" pitchFamily="34" charset="-128"/>
                           <a:cs typeface="AdobeClean-Light"/>
                         </a:rPr>
                         <a:t>フィールドサービス</a:t>
@@ -6880,7 +7496,7 @@
                     <a:bodyPr/>
                     <a:lstStyle/>
                     <a:p>
-                      <a:pPr marL="48260" marR="0" lvl="0" indent="0" defTabSz="914400" eaLnBrk="1" fontAlgn="auto" latinLnBrk="0" hangingPunct="0">
+                      <a:pPr marL="48260" marR="0" lvl="0" indent="0" eaLnBrk="1" fontAlgn="auto" latinLnBrk="0" hangingPunct="0">
                         <a:lnSpc>
                           <a:spcPct val="100000"/>
                         </a:lnSpc>
@@ -6894,8 +7510,6 @@
                         <a:buSzTx/>
                         <a:buFontTx/>
                         <a:buNone/>
-                        <a:tabLst/>
-                        <a:defRPr/>
                       </a:pPr>
                       <a:r>
                         <a:rPr lang="ja-JP" sz="900" dirty="0">
@@ -6903,7 +7517,7 @@
                           <a:ea typeface="Adobe Clean Han Light" panose="020B0300000000000000" pitchFamily="34" charset="-128"/>
                           <a:cs typeface="AdobeClean-Light"/>
                         </a:rPr>
-                        <a:t>フィールドサービスアクティビティ </a:t>
+                        <a:t>フィールドサービスアクティビティ </a:t>
                       </a:r>
                     </a:p>
                   </a:txBody>
@@ -7037,8 +7651,8 @@
         </p:nvSpPr>
         <p:spPr>
           <a:xfrm>
-            <a:off x="2835998" y="8769581"/>
-            <a:ext cx="2471332" cy="1102866"/>
+            <a:off x="2835999" y="8815301"/>
+            <a:ext cx="2194560" cy="1102866"/>
           </a:xfrm>
           <a:prstGeom prst="rect">
             <a:avLst/>
@@ -7070,49 +7684,7 @@
                 <a:ea typeface="Adobe Clean Han Light" panose="020B0300000000000000" pitchFamily="34" charset="-128"/>
                 <a:cs typeface="AdobeClean-Light"/>
               </a:rPr>
-              <a:t>チャットセッションを開始すると、</a:t>
-            </a:r>
-            <a:br>
-              <a:rPr lang="sk-SK" altLang="ja-JP" sz="1000" dirty="0">
-                <a:solidFill>
-                  <a:srgbClr val="020302"/>
-                </a:solidFill>
-                <a:latin typeface="Adobe Clean Han Light" panose="020B0300000000000000" pitchFamily="34" charset="-128"/>
-                <a:ea typeface="Adobe Clean Han Light" panose="020B0300000000000000" pitchFamily="34" charset="-128"/>
-                <a:cs typeface="AdobeClean-Light"/>
-              </a:rPr>
-            </a:br>
-            <a:r>
-              <a:rPr lang="ja-JP" sz="1000" dirty="0">
-                <a:solidFill>
-                  <a:srgbClr val="020302"/>
-                </a:solidFill>
-                <a:latin typeface="Adobe Clean Han Light" panose="020B0300000000000000" pitchFamily="34" charset="-128"/>
-                <a:ea typeface="Adobe Clean Han Light" panose="020B0300000000000000" pitchFamily="34" charset="-128"/>
-                <a:cs typeface="AdobeClean-Light"/>
-              </a:rPr>
-              <a:t>回答やケース申請による支援を受け</a:t>
-            </a:r>
-            <a:br>
-              <a:rPr lang="sk-SK" altLang="ja-JP" sz="1000" dirty="0">
-                <a:solidFill>
-                  <a:srgbClr val="020302"/>
-                </a:solidFill>
-                <a:latin typeface="Adobe Clean Han Light" panose="020B0300000000000000" pitchFamily="34" charset="-128"/>
-                <a:ea typeface="Adobe Clean Han Light" panose="020B0300000000000000" pitchFamily="34" charset="-128"/>
-                <a:cs typeface="AdobeClean-Light"/>
-              </a:rPr>
-            </a:br>
-            <a:r>
-              <a:rPr lang="ja-JP" sz="1000" dirty="0">
-                <a:solidFill>
-                  <a:srgbClr val="020302"/>
-                </a:solidFill>
-                <a:latin typeface="Adobe Clean Han Light" panose="020B0300000000000000" pitchFamily="34" charset="-128"/>
-                <a:ea typeface="Adobe Clean Han Light" panose="020B0300000000000000" pitchFamily="34" charset="-128"/>
-                <a:cs typeface="AdobeClean-Light"/>
-              </a:rPr>
-              <a:t>ることができます。</a:t>
+              <a:t>チャットセッションを開始すると、回答やケース申請による支援を受けることができます。</a:t>
             </a:r>
           </a:p>
           <a:p>
@@ -7133,28 +7705,7 @@
                 <a:ea typeface="Adobe Clean Han Light" panose="020B0300000000000000" pitchFamily="34" charset="-128"/>
                 <a:cs typeface="AdobeClean-LightIt"/>
               </a:rPr>
-              <a:t>* すべての製品にライブチャットサ</a:t>
-            </a:r>
-            <a:br>
-              <a:rPr lang="sk-SK" altLang="ja-JP" sz="1000" i="1" dirty="0">
-                <a:solidFill>
-                  <a:srgbClr val="7A7A7A"/>
-                </a:solidFill>
-                <a:latin typeface="Adobe Clean Han Light" panose="020B0300000000000000" pitchFamily="34" charset="-128"/>
-                <a:ea typeface="Adobe Clean Han Light" panose="020B0300000000000000" pitchFamily="34" charset="-128"/>
-                <a:cs typeface="AdobeClean-LightIt"/>
-              </a:rPr>
-            </a:br>
-            <a:r>
-              <a:rPr lang="ja-JP" sz="1000" i="1" dirty="0">
-                <a:solidFill>
-                  <a:srgbClr val="7A7A7A"/>
-                </a:solidFill>
-                <a:latin typeface="Adobe Clean Han Light" panose="020B0300000000000000" pitchFamily="34" charset="-128"/>
-                <a:ea typeface="Adobe Clean Han Light" panose="020B0300000000000000" pitchFamily="34" charset="-128"/>
-                <a:cs typeface="AdobeClean-LightIt"/>
-              </a:rPr>
-              <a:t>ポートがあるわけではありません。</a:t>
+              <a:t>* すべての製品にライブチャットサポートがあるわけではありません。</a:t>
             </a:r>
             <a:br>
               <a:rPr lang="ja-JP" sz="1000" i="1" dirty="0">
@@ -7207,8 +7758,8 @@
         </p:nvSpPr>
         <p:spPr>
           <a:xfrm>
-            <a:off x="689236" y="6310508"/>
-            <a:ext cx="1958713" cy="184666"/>
+            <a:off x="689237" y="6420998"/>
+            <a:ext cx="2033388" cy="184666"/>
           </a:xfrm>
           <a:prstGeom prst="rect">
             <a:avLst/>
@@ -7262,8 +7813,8 @@
         </p:nvSpPr>
         <p:spPr>
           <a:xfrm>
-            <a:off x="689237" y="6513694"/>
-            <a:ext cx="1690706" cy="184666"/>
+            <a:off x="689236" y="6624184"/>
+            <a:ext cx="1817503" cy="184666"/>
           </a:xfrm>
           <a:prstGeom prst="rect">
             <a:avLst/>
@@ -7285,8 +7836,8 @@
             </a:pPr>
             <a:r>
               <a:rPr lang="ja-JP" sz="1200" b="1" dirty="0">
-                <a:latin typeface="Adobe Clean Han Regular" panose="020B0500000000000000" pitchFamily="34" charset="-128"/>
-                <a:ea typeface="Adobe Clean Han Regular" panose="020B0500000000000000" pitchFamily="34" charset="-128"/>
+                <a:latin typeface="Adobe Clean Han Bold" panose="020B0600000000000000" pitchFamily="34" charset="-128"/>
+                <a:ea typeface="Adobe Clean Han Bold" panose="020B0600000000000000" pitchFamily="34" charset="-128"/>
                 <a:cs typeface="Open Sans" pitchFamily="34" charset="0"/>
               </a:rPr>
               <a:t>オンラインフォーラム</a:t>
@@ -7308,7 +7859,7 @@
         </p:nvSpPr>
         <p:spPr>
           <a:xfrm>
-            <a:off x="355868" y="6747757"/>
+            <a:off x="355868" y="6858247"/>
             <a:ext cx="2194560" cy="1113125"/>
           </a:xfrm>
           <a:prstGeom prst="rect">
@@ -7322,7 +7873,7 @@
           <a:lstStyle/>
           <a:p>
             <a:r>
-              <a:rPr lang="ja-JP" sz="1000" dirty="0">
+              <a:rPr lang="ja-JP" sz="1000">
                 <a:solidFill>
                   <a:srgbClr val="4B4B4B"/>
                 </a:solidFill>
@@ -7350,7 +7901,7 @@
         </p:nvSpPr>
         <p:spPr>
           <a:xfrm>
-            <a:off x="5723508" y="6310508"/>
+            <a:off x="5723508" y="6420998"/>
             <a:ext cx="1463040" cy="184666"/>
           </a:xfrm>
           <a:prstGeom prst="rect">
@@ -7377,7 +7928,7 @@
               <a:defRPr/>
             </a:pPr>
             <a:r>
-              <a:rPr lang="ja-JP" sz="1200" dirty="0">
+              <a:rPr lang="ja-JP" sz="1200">
                 <a:solidFill>
                   <a:srgbClr val="000000"/>
                 </a:solidFill>
@@ -7405,7 +7956,7 @@
         </p:nvSpPr>
         <p:spPr>
           <a:xfrm>
-            <a:off x="5723508" y="6513694"/>
+            <a:off x="5723508" y="6624184"/>
             <a:ext cx="1745671" cy="184666"/>
           </a:xfrm>
           <a:prstGeom prst="rect">
@@ -7428,8 +7979,8 @@
             </a:pPr>
             <a:r>
               <a:rPr lang="ja-JP" sz="1200" b="1">
-                <a:latin typeface="Adobe Clean Han Regular" panose="020B0500000000000000" pitchFamily="34" charset="-128"/>
-                <a:ea typeface="Adobe Clean Han Regular" panose="020B0500000000000000" pitchFamily="34" charset="-128"/>
+                <a:latin typeface="Adobe Clean Han Bold" panose="020B0600000000000000" pitchFamily="34" charset="-128"/>
+                <a:ea typeface="Adobe Clean Han Bold" panose="020B0600000000000000" pitchFamily="34" charset="-128"/>
                 <a:cs typeface="Open Sans" pitchFamily="34" charset="0"/>
               </a:rPr>
               <a:t>セルフガイドジャーニー</a:t>
@@ -7451,8 +8002,8 @@
         </p:nvSpPr>
         <p:spPr>
           <a:xfrm>
-            <a:off x="5265660" y="6705955"/>
-            <a:ext cx="2308619" cy="1267014"/>
+            <a:off x="5265660" y="6816445"/>
+            <a:ext cx="2300073" cy="1267014"/>
           </a:xfrm>
           <a:prstGeom prst="rect">
             <a:avLst/>
@@ -7493,8 +8044,8 @@
         </p:nvSpPr>
         <p:spPr>
           <a:xfrm>
-            <a:off x="3201544" y="8269324"/>
-            <a:ext cx="1883244" cy="184666"/>
+            <a:off x="3201544" y="8315044"/>
+            <a:ext cx="1908376" cy="184666"/>
           </a:xfrm>
           <a:prstGeom prst="rect">
             <a:avLst/>
@@ -7548,7 +8099,7 @@
         </p:nvSpPr>
         <p:spPr>
           <a:xfrm>
-            <a:off x="3201544" y="8450543"/>
+            <a:off x="3201544" y="8496263"/>
             <a:ext cx="1269578" cy="184666"/>
           </a:xfrm>
           <a:prstGeom prst="rect">
@@ -7570,9 +8121,9 @@
               </a:spcAft>
             </a:pPr>
             <a:r>
-              <a:rPr lang="ja-JP" sz="1200" b="1" dirty="0">
-                <a:latin typeface="Adobe Clean Han Regular" panose="020B0500000000000000" pitchFamily="34" charset="-128"/>
-                <a:ea typeface="Adobe Clean Han Regular" panose="020B0500000000000000" pitchFamily="34" charset="-128"/>
+              <a:rPr lang="ja-JP" sz="1200" b="1">
+                <a:latin typeface="Adobe Clean Han Bold" panose="020B0600000000000000" pitchFamily="34" charset="-128"/>
+                <a:ea typeface="Adobe Clean Han Bold" panose="020B0600000000000000" pitchFamily="34" charset="-128"/>
                 <a:cs typeface="Open Sans" pitchFamily="34" charset="0"/>
               </a:rPr>
               <a:t>チャットサポート</a:t>
@@ -7596,7 +8147,7 @@
         </p:nvSpPr>
         <p:spPr>
           <a:xfrm>
-            <a:off x="3201544" y="6310508"/>
+            <a:off x="3201544" y="6420998"/>
             <a:ext cx="2520000" cy="184666"/>
           </a:xfrm>
           <a:prstGeom prst="rect">
@@ -7623,7 +8174,7 @@
               <a:defRPr/>
             </a:pPr>
             <a:r>
-              <a:rPr lang="ja-JP" sz="1200" dirty="0">
+              <a:rPr lang="ja-JP" sz="1200">
                 <a:solidFill>
                   <a:srgbClr val="000000"/>
                 </a:solidFill>
@@ -7651,7 +8202,7 @@
         </p:nvSpPr>
         <p:spPr>
           <a:xfrm>
-            <a:off x="3201544" y="6513694"/>
+            <a:off x="3201544" y="6624184"/>
             <a:ext cx="952184" cy="184666"/>
           </a:xfrm>
           <a:prstGeom prst="rect">
@@ -7673,9 +8224,9 @@
               </a:spcAft>
             </a:pPr>
             <a:r>
-              <a:rPr lang="ja-JP" sz="1200" b="1" dirty="0">
-                <a:latin typeface="Adobe Clean Han Regular" panose="020B0500000000000000" pitchFamily="34" charset="-128"/>
-                <a:ea typeface="Adobe Clean Han Regular" panose="020B0500000000000000" pitchFamily="34" charset="-128"/>
+              <a:rPr lang="ja-JP" sz="1200" b="1">
+                <a:latin typeface="Adobe Clean Han Bold" panose="020B0600000000000000" pitchFamily="34" charset="-128"/>
+                <a:ea typeface="Adobe Clean Han Bold" panose="020B0600000000000000" pitchFamily="34" charset="-128"/>
                 <a:cs typeface="Open Sans" pitchFamily="34" charset="0"/>
               </a:rPr>
               <a:t>電話サポート</a:t>
@@ -7697,7 +8248,7 @@
         </p:nvSpPr>
         <p:spPr>
           <a:xfrm>
-            <a:off x="2835999" y="6743458"/>
+            <a:off x="2835999" y="6853948"/>
             <a:ext cx="2194560" cy="959237"/>
           </a:xfrm>
           <a:prstGeom prst="rect">
@@ -7711,7 +8262,7 @@
           <a:lstStyle/>
           <a:p>
             <a:r>
-              <a:rPr lang="ja-JP" sz="1000" dirty="0">
+              <a:rPr lang="ja-JP" sz="1000">
                 <a:solidFill>
                   <a:srgbClr val="020302"/>
                 </a:solidFill>
@@ -7721,7 +8272,7 @@
               <a:t>承認済みユーザーまたは</a:t>
             </a:r>
             <a:r>
-              <a:rPr lang="ja-JP" sz="1000" b="1" dirty="0">
+              <a:rPr lang="ja-JP" sz="1000" b="1">
                 <a:solidFill>
                   <a:srgbClr val="020302"/>
                 </a:solidFill>
@@ -7731,7 +8282,7 @@
               <a:t>サポート対象ユーザー</a:t>
             </a:r>
             <a:r>
-              <a:rPr lang="ja-JP" sz="1000" dirty="0">
+              <a:rPr lang="ja-JP" sz="1000">
                 <a:latin typeface="Adobe Clean Han Light" panose="020B0300000000000000" pitchFamily="34" charset="-128"/>
                 <a:ea typeface="Adobe Clean Han Light" panose="020B0300000000000000" pitchFamily="34" charset="-128"/>
               </a:rPr>
@@ -7754,8 +8305,8 @@
         </p:nvSpPr>
         <p:spPr>
           <a:xfrm>
-            <a:off x="214971" y="6195697"/>
-            <a:ext cx="2245360" cy="115295"/>
+            <a:off x="214971" y="6249037"/>
+            <a:ext cx="1848207" cy="45719"/>
           </a:xfrm>
           <a:custGeom>
             <a:avLst/>
@@ -7802,37 +8353,34 @@
         </p:nvSpPr>
         <p:spPr>
           <a:xfrm>
-            <a:off x="214971" y="5872718"/>
-            <a:ext cx="2304477" cy="307777"/>
+            <a:off x="214971" y="5971778"/>
+            <a:ext cx="1751442" cy="307777"/>
           </a:xfrm>
           <a:prstGeom prst="rect">
             <a:avLst/>
           </a:prstGeom>
         </p:spPr>
         <p:txBody>
-          <a:bodyPr wrap="none" lIns="0">
+          <a:bodyPr wrap="none" lIns="0" tIns="45720" rIns="91440" bIns="45720" anchor="t">
             <a:spAutoFit/>
           </a:bodyPr>
           <a:lstStyle/>
           <a:p>
             <a:pPr>
-              <a:lnSpc>
-                <a:spcPct val="100000"/>
-              </a:lnSpc>
               <a:spcBef>
                 <a:spcPts val="280"/>
               </a:spcBef>
             </a:pPr>
             <a:r>
-              <a:rPr lang="ja-JP" sz="1400" b="1">
+              <a:rPr lang="ja-JP" sz="1400" b="1" dirty="0">
                 <a:solidFill>
                   <a:srgbClr val="020302"/>
                 </a:solidFill>
-                <a:latin typeface="Adobe Clean Han Regular" panose="020B0500000000000000" pitchFamily="34" charset="-128"/>
-                <a:ea typeface="Adobe Clean Han Regular" panose="020B0500000000000000" pitchFamily="34" charset="-128"/>
+                <a:latin typeface="Adobe Clean Han Bold" panose="020B0600000000000000" pitchFamily="34" charset="-128"/>
+                <a:ea typeface="Adobe Clean Han Bold" panose="020B0600000000000000" pitchFamily="34" charset="-128"/>
                 <a:cs typeface="Adobe Clean"/>
               </a:rPr>
-              <a:t>オンラインサポートの特長</a:t>
+              <a:t>標準サポートの特長</a:t>
             </a:r>
           </a:p>
         </p:txBody>
@@ -7853,7 +8401,7 @@
         </p:nvSpPr>
         <p:spPr>
           <a:xfrm>
-            <a:off x="689237" y="8269324"/>
+            <a:off x="689237" y="8315044"/>
             <a:ext cx="991521" cy="184666"/>
           </a:xfrm>
           <a:prstGeom prst="rect">
@@ -7908,7 +8456,7 @@
         </p:nvSpPr>
         <p:spPr>
           <a:xfrm>
-            <a:off x="689237" y="8450543"/>
+            <a:off x="689237" y="8496263"/>
             <a:ext cx="793487" cy="184666"/>
           </a:xfrm>
           <a:prstGeom prst="rect">
@@ -7931,8 +8479,8 @@
             </a:pPr>
             <a:r>
               <a:rPr lang="ja-JP" sz="1200" b="1" dirty="0">
-                <a:latin typeface="Adobe Clean Han Regular" panose="020B0500000000000000" pitchFamily="34" charset="-128"/>
-                <a:ea typeface="Adobe Clean Han Regular" panose="020B0500000000000000" pitchFamily="34" charset="-128"/>
+                <a:latin typeface="Adobe Clean Han Bold" panose="020B0600000000000000" pitchFamily="34" charset="-128"/>
+                <a:ea typeface="Adobe Clean Han Bold" panose="020B0600000000000000" pitchFamily="34" charset="-128"/>
                 <a:cs typeface="Open Sans" pitchFamily="34" charset="0"/>
               </a:rPr>
               <a:t>ウェビナー</a:t>
@@ -7954,7 +8502,7 @@
         </p:nvSpPr>
         <p:spPr>
           <a:xfrm>
-            <a:off x="355868" y="8735153"/>
+            <a:off x="355868" y="8780873"/>
             <a:ext cx="2194560" cy="1113125"/>
           </a:xfrm>
           <a:prstGeom prst="rect">
@@ -7968,7 +8516,7 @@
           <a:lstStyle/>
           <a:p>
             <a:r>
-              <a:rPr lang="ja-JP" sz="1000" dirty="0">
+              <a:rPr lang="ja-JP" sz="1000">
                 <a:solidFill>
                   <a:srgbClr val="4B4B4B"/>
                 </a:solidFill>
@@ -7996,8 +8544,8 @@
         </p:nvSpPr>
         <p:spPr>
           <a:xfrm>
-            <a:off x="5723508" y="8139784"/>
-            <a:ext cx="2086992" cy="184666"/>
+            <a:off x="5723508" y="8223604"/>
+            <a:ext cx="1881252" cy="184666"/>
           </a:xfrm>
           <a:prstGeom prst="rect">
             <a:avLst/>
@@ -8051,8 +8599,8 @@
         </p:nvSpPr>
         <p:spPr>
           <a:xfrm>
-            <a:off x="5723508" y="8340053"/>
-            <a:ext cx="1486754" cy="369332"/>
+            <a:off x="5723508" y="8412443"/>
+            <a:ext cx="1653914" cy="369332"/>
           </a:xfrm>
           <a:prstGeom prst="rect">
             <a:avLst/>
@@ -8074,26 +8622,26 @@
             </a:pPr>
             <a:r>
               <a:rPr lang="ja-JP" sz="1200" b="1" dirty="0">
-                <a:latin typeface="Adobe Clean Han Regular" panose="020B0500000000000000" pitchFamily="34" charset="-128"/>
-                <a:ea typeface="Adobe Clean Han Regular" panose="020B0500000000000000" pitchFamily="34" charset="-128"/>
+                <a:latin typeface="Adobe Clean Han Bold" panose="020B0600000000000000" pitchFamily="34" charset="-128"/>
+                <a:ea typeface="Adobe Clean Han Bold" panose="020B0600000000000000" pitchFamily="34" charset="-128"/>
                 <a:cs typeface="Open Sans" pitchFamily="34" charset="0"/>
               </a:rPr>
-              <a:t>24 時間年中無休のサ</a:t>
+              <a:t>24 時間年中無休のサポ</a:t>
             </a:r>
             <a:br>
-              <a:rPr lang="sk-SK" altLang="ja-JP" sz="1200" b="1" dirty="0">
-                <a:latin typeface="Adobe Clean Han Regular" panose="020B0500000000000000" pitchFamily="34" charset="-128"/>
-                <a:ea typeface="Adobe Clean Han Regular" panose="020B0500000000000000" pitchFamily="34" charset="-128"/>
+              <a:rPr lang="cs-CZ" altLang="ja-JP" sz="1200" b="1" dirty="0">
+                <a:latin typeface="Adobe Clean Han Bold" panose="020B0600000000000000" pitchFamily="34" charset="-128"/>
+                <a:ea typeface="Adobe Clean Han Bold" panose="020B0600000000000000" pitchFamily="34" charset="-128"/>
                 <a:cs typeface="Open Sans" pitchFamily="34" charset="0"/>
               </a:rPr>
             </a:br>
             <a:r>
               <a:rPr lang="ja-JP" sz="1200" b="1" dirty="0">
-                <a:latin typeface="Adobe Clean Han Regular" panose="020B0500000000000000" pitchFamily="34" charset="-128"/>
-                <a:ea typeface="Adobe Clean Han Regular" panose="020B0500000000000000" pitchFamily="34" charset="-128"/>
+                <a:latin typeface="Adobe Clean Han Bold" panose="020B0600000000000000" pitchFamily="34" charset="-128"/>
+                <a:ea typeface="Adobe Clean Han Bold" panose="020B0600000000000000" pitchFamily="34" charset="-128"/>
                 <a:cs typeface="Open Sans" pitchFamily="34" charset="0"/>
               </a:rPr>
-              <a:t>ポートポータル</a:t>
+              <a:t>ートポータル</a:t>
             </a:r>
           </a:p>
         </p:txBody>
@@ -8112,8 +8660,8 @@
         </p:nvSpPr>
         <p:spPr>
           <a:xfrm>
-            <a:off x="5265660" y="8696175"/>
-            <a:ext cx="2407679" cy="1113125"/>
+            <a:off x="5265661" y="8741895"/>
+            <a:ext cx="2194560" cy="1113125"/>
           </a:xfrm>
           <a:prstGeom prst="rect">
             <a:avLst/>
@@ -8133,7 +8681,26 @@
                 <a:latin typeface="Adobe Clean Han Light" panose="020B0300000000000000" pitchFamily="34" charset="-128"/>
                 <a:ea typeface="Adobe Clean Han Light" panose="020B0300000000000000" pitchFamily="34" charset="-128"/>
               </a:rPr>
-              <a:t>オンラインのセルフサービスサポートポータルにオンデマンドでアクセスして、サポートリクエストを申請したり、ケースのステータスを確認したり、その他のリソース（ナレッジベース、ニュースとアラート、注目すべきヒントなど）を参照したりできます。</a:t>
+              <a:t>オンラインのセルフサービスサポートポータルにオンデマンドでアクセスして、サポートリクエストを申請したり、ケースのステータスを確認したり、</a:t>
+            </a:r>
+            <a:br>
+              <a:rPr lang="cs-CZ" altLang="ja-JP" sz="1000" dirty="0">
+                <a:solidFill>
+                  <a:srgbClr val="4B4B4B"/>
+                </a:solidFill>
+                <a:latin typeface="Adobe Clean Han Light" panose="020B0300000000000000" pitchFamily="34" charset="-128"/>
+                <a:ea typeface="Adobe Clean Han Light" panose="020B0300000000000000" pitchFamily="34" charset="-128"/>
+              </a:rPr>
+            </a:br>
+            <a:r>
+              <a:rPr lang="ja-JP" sz="1000" dirty="0">
+                <a:solidFill>
+                  <a:srgbClr val="4B4B4B"/>
+                </a:solidFill>
+                <a:latin typeface="Adobe Clean Han Light" panose="020B0300000000000000" pitchFamily="34" charset="-128"/>
+                <a:ea typeface="Adobe Clean Han Light" panose="020B0300000000000000" pitchFamily="34" charset="-128"/>
+              </a:rPr>
+              <a:t>その他のリソース（ナレッジベース、ニュースとアラート、注目すべきヒントなど）を参照したりできます。</a:t>
             </a:r>
           </a:p>
         </p:txBody>
@@ -8262,13 +8829,44 @@
           </a:lstStyle>
           <a:p>
             <a:pPr marL="12700">
+              <a:lnSpc>
+                <a:spcPct val="100000"/>
+              </a:lnSpc>
               <a:spcBef>
                 <a:spcPts val="80"/>
               </a:spcBef>
             </a:pPr>
             <a:r>
-              <a:rPr lang="ja-JP"/>
-              <a:t>©2021 Adobe.All Rights Reserved.Adobe Confidential.</a:t>
+              <a:rPr lang="en-US" spc="-10" dirty="0"/>
+              <a:t>©2021</a:t>
+            </a:r>
+            <a:r>
+              <a:rPr lang="en-US" spc="-5" dirty="0"/>
+              <a:t> Adobe. All</a:t>
+            </a:r>
+            <a:r>
+              <a:rPr lang="en-US" spc="-10" dirty="0"/>
+              <a:t> Rights</a:t>
+            </a:r>
+            <a:r>
+              <a:rPr lang="en-US" spc="-5" dirty="0"/>
+              <a:t> </a:t>
+            </a:r>
+            <a:r>
+              <a:rPr lang="en-US" spc="-10" dirty="0"/>
+              <a:t>Reserved.</a:t>
+            </a:r>
+            <a:r>
+              <a:rPr lang="en-US" spc="-5" dirty="0"/>
+              <a:t> Adobe</a:t>
+            </a:r>
+            <a:r>
+              <a:rPr lang="en-US" spc="60" dirty="0"/>
+              <a:t> </a:t>
+            </a:r>
+            <a:r>
+              <a:rPr lang="en-US" spc="-10" dirty="0"/>
+              <a:t>Confidential.</a:t>
             </a:r>
           </a:p>
         </p:txBody>
@@ -8287,8 +8885,8 @@
         </p:nvSpPr>
         <p:spPr>
           <a:xfrm>
-            <a:off x="214971" y="868681"/>
-            <a:ext cx="2742542" cy="79054"/>
+            <a:off x="214970" y="868681"/>
+            <a:ext cx="2779689" cy="79355"/>
           </a:xfrm>
           <a:custGeom>
             <a:avLst/>
@@ -8361,8 +8959,8 @@
                 <a:solidFill>
                   <a:srgbClr val="020302"/>
                 </a:solidFill>
-                <a:latin typeface="Adobe Clean Han Regular" panose="020B0500000000000000" pitchFamily="34" charset="-128"/>
-                <a:ea typeface="Adobe Clean Han Regular" panose="020B0500000000000000" pitchFamily="34" charset="-128"/>
+                <a:latin typeface="Adobe Clean Han Bold" panose="020B0600000000000000" pitchFamily="34" charset="-128"/>
+                <a:ea typeface="Adobe Clean Han Bold" panose="020B0600000000000000" pitchFamily="34" charset="-128"/>
                 <a:cs typeface="Adobe Clean"/>
               </a:rPr>
               <a:t>エンタープライズサポートの特長</a:t>
@@ -8385,7 +8983,7 @@
         <p:spPr>
           <a:xfrm>
             <a:off x="689237" y="2603192"/>
-            <a:ext cx="1690706" cy="197490"/>
+            <a:ext cx="1861191" cy="197490"/>
           </a:xfrm>
           <a:prstGeom prst="rect">
             <a:avLst/>
@@ -8410,8 +9008,8 @@
                 <a:solidFill>
                   <a:srgbClr val="020302"/>
                 </a:solidFill>
-                <a:latin typeface="Adobe Clean Han Regular" panose="020B0500000000000000" pitchFamily="34" charset="-128"/>
-                <a:ea typeface="Adobe Clean Han Regular" panose="020B0500000000000000" pitchFamily="34" charset="-128"/>
+                <a:latin typeface="Adobe Clean Han Bold" panose="020B0600000000000000" pitchFamily="34" charset="-128"/>
+                <a:ea typeface="Adobe Clean Han Bold" panose="020B0600000000000000" pitchFamily="34" charset="-128"/>
                 <a:cs typeface="Adobe Clean"/>
               </a:rPr>
               <a:t>エスカレーション管理</a:t>
@@ -8433,7 +9031,7 @@
         </p:nvSpPr>
         <p:spPr>
           <a:xfrm>
-            <a:off x="355868" y="2923693"/>
+            <a:off x="381000" y="2923693"/>
             <a:ext cx="2194560" cy="782265"/>
           </a:xfrm>
           <a:prstGeom prst="rect">
@@ -8455,7 +9053,7 @@
               </a:spcBef>
             </a:pPr>
             <a:r>
-              <a:rPr lang="ja-JP" sz="1000" dirty="0">
+              <a:rPr lang="ja-JP" sz="1000">
                 <a:solidFill>
                   <a:srgbClr val="4B4B4B"/>
                 </a:solidFill>
@@ -8482,7 +9080,7 @@
         <p:spPr>
           <a:xfrm>
             <a:off x="3201544" y="2592995"/>
-            <a:ext cx="1789556" cy="197490"/>
+            <a:ext cx="2089249" cy="197490"/>
           </a:xfrm>
           <a:prstGeom prst="rect">
             <a:avLst/>
@@ -8507,8 +9105,8 @@
                 <a:solidFill>
                   <a:srgbClr val="020302"/>
                 </a:solidFill>
-                <a:latin typeface="Adobe Clean Han Regular" panose="020B0500000000000000" pitchFamily="34" charset="-128"/>
-                <a:ea typeface="Adobe Clean Han Regular" panose="020B0500000000000000" pitchFamily="34" charset="-128"/>
+                <a:latin typeface="Adobe Clean Han Bold" panose="020B0600000000000000" pitchFamily="34" charset="-128"/>
+                <a:ea typeface="Adobe Clean Han Bold" panose="020B0600000000000000" pitchFamily="34" charset="-128"/>
                 <a:cs typeface="Adobe Clean"/>
               </a:rPr>
               <a:t>サービスレビュー</a:t>
@@ -8530,7 +9128,7 @@
         </p:nvSpPr>
         <p:spPr>
           <a:xfrm>
-            <a:off x="2835999" y="2921585"/>
+            <a:off x="2861131" y="2921585"/>
             <a:ext cx="2194560" cy="628377"/>
           </a:xfrm>
           <a:prstGeom prst="rect">
@@ -8552,7 +9150,7 @@
               </a:spcBef>
             </a:pPr>
             <a:r>
-              <a:rPr lang="ja-JP" sz="1000" dirty="0">
+              <a:rPr lang="ja-JP" sz="1000">
                 <a:solidFill>
                   <a:srgbClr val="4B4B4B"/>
                 </a:solidFill>
@@ -8578,7 +9176,7 @@
         </p:nvSpPr>
         <p:spPr>
           <a:xfrm>
-            <a:off x="5265661" y="1426694"/>
+            <a:off x="5290793" y="1426694"/>
             <a:ext cx="2194560" cy="628377"/>
           </a:xfrm>
           <a:prstGeom prst="rect">
@@ -8600,7 +9198,7 @@
               </a:spcBef>
             </a:pPr>
             <a:r>
-              <a:rPr lang="ja-JP" sz="1000" dirty="0">
+              <a:rPr lang="ja-JP" sz="1000">
                 <a:solidFill>
                   <a:srgbClr val="4B4B4B"/>
                 </a:solidFill>
@@ -8626,7 +9224,7 @@
         </p:nvSpPr>
         <p:spPr>
           <a:xfrm>
-            <a:off x="5265661" y="5001737"/>
+            <a:off x="5290793" y="4948397"/>
             <a:ext cx="2194560" cy="536622"/>
           </a:xfrm>
           <a:prstGeom prst="rect">
@@ -8648,7 +9246,7 @@
               </a:spcBef>
             </a:pPr>
             <a:r>
-              <a:rPr lang="ja-JP" sz="1000" dirty="0">
+              <a:rPr lang="ja-JP" sz="1000">
                 <a:solidFill>
                   <a:srgbClr val="4B4B4B"/>
                 </a:solidFill>
@@ -8674,7 +9272,7 @@
         </p:nvSpPr>
         <p:spPr>
           <a:xfrm>
-            <a:off x="2835999" y="4994097"/>
+            <a:off x="2861131" y="4940757"/>
             <a:ext cx="2194560" cy="540276"/>
           </a:xfrm>
           <a:prstGeom prst="rect">
@@ -8703,7 +9301,26 @@
                 <a:latin typeface="Adobe Clean Han Light" panose="020B0300000000000000" pitchFamily="34" charset="-128"/>
                 <a:ea typeface="Adobe Clean Han Light" panose="020B0300000000000000" pitchFamily="34" charset="-128"/>
               </a:rPr>
-              <a:t>最適化のチャンスがあるカスタマイズソリューションの採用領域を特定、レビュー、提案します。</a:t>
+              <a:t>最適化のチャンスがあるカスタマイズソリューションの採用領域を特定、</a:t>
+            </a:r>
+            <a:br>
+              <a:rPr lang="cs-CZ" altLang="ja-JP" sz="1000" dirty="0">
+                <a:solidFill>
+                  <a:srgbClr val="4B4B4B"/>
+                </a:solidFill>
+                <a:latin typeface="Adobe Clean Han Light" panose="020B0300000000000000" pitchFamily="34" charset="-128"/>
+                <a:ea typeface="Adobe Clean Han Light" panose="020B0300000000000000" pitchFamily="34" charset="-128"/>
+              </a:rPr>
+            </a:br>
+            <a:r>
+              <a:rPr lang="ja-JP" sz="1000" dirty="0">
+                <a:solidFill>
+                  <a:srgbClr val="4B4B4B"/>
+                </a:solidFill>
+                <a:latin typeface="Adobe Clean Han Light" panose="020B0300000000000000" pitchFamily="34" charset="-128"/>
+                <a:ea typeface="Adobe Clean Han Light" panose="020B0300000000000000" pitchFamily="34" charset="-128"/>
+              </a:rPr>
+              <a:t>レビュー、提案します。</a:t>
             </a:r>
           </a:p>
         </p:txBody>
@@ -8722,7 +9339,7 @@
         </p:nvSpPr>
         <p:spPr>
           <a:xfrm>
-            <a:off x="355868" y="4947989"/>
+            <a:off x="381000" y="4894649"/>
             <a:ext cx="2194560" cy="900375"/>
           </a:xfrm>
           <a:prstGeom prst="rect">
@@ -8770,7 +9387,7 @@
         </p:nvSpPr>
         <p:spPr>
           <a:xfrm>
-            <a:off x="2835999" y="1401973"/>
+            <a:off x="2861131" y="1401973"/>
             <a:ext cx="2194560" cy="959237"/>
           </a:xfrm>
           <a:prstGeom prst="rect">
@@ -8789,7 +9406,7 @@
               </a:spcBef>
             </a:pPr>
             <a:r>
-              <a:rPr lang="ja-JP" sz="1000" dirty="0">
+              <a:rPr lang="ja-JP" sz="1000">
                 <a:solidFill>
                   <a:srgbClr val="4B4B4B"/>
                 </a:solidFill>
@@ -8818,7 +9435,7 @@
         <p:spPr>
           <a:xfrm>
             <a:off x="3201544" y="1127425"/>
-            <a:ext cx="1883244" cy="184666"/>
+            <a:ext cx="1908376" cy="184666"/>
           </a:xfrm>
           <a:prstGeom prst="rect">
             <a:avLst/>
@@ -8843,8 +9460,8 @@
                 <a:solidFill>
                   <a:srgbClr val="020302"/>
                 </a:solidFill>
-                <a:latin typeface="Adobe Clean Han Regular" panose="020B0500000000000000" pitchFamily="34" charset="-128"/>
-                <a:ea typeface="Adobe Clean Han Regular" panose="020B0500000000000000" pitchFamily="34" charset="-128"/>
+                <a:latin typeface="Adobe Clean Han Bold" panose="020B0600000000000000" pitchFamily="34" charset="-128"/>
+                <a:ea typeface="Adobe Clean Han Bold" panose="020B0600000000000000" pitchFamily="34" charset="-128"/>
               </a:rPr>
               <a:t>専任サポートエンジニア</a:t>
             </a:r>
@@ -8905,7 +9522,7 @@
         <p:spPr>
           <a:xfrm>
             <a:off x="5723508" y="1099976"/>
-            <a:ext cx="2036824" cy="197490"/>
+            <a:ext cx="1881252" cy="197490"/>
           </a:xfrm>
           <a:prstGeom prst="rect">
             <a:avLst/>
@@ -8930,8 +9547,8 @@
                 <a:solidFill>
                   <a:srgbClr val="020302"/>
                 </a:solidFill>
-                <a:latin typeface="Adobe Clean Han Regular" panose="020B0500000000000000" pitchFamily="34" charset="-128"/>
-                <a:ea typeface="Adobe Clean Han Regular" panose="020B0500000000000000" pitchFamily="34" charset="-128"/>
+                <a:latin typeface="Adobe Clean Han Bold" panose="020B0600000000000000" pitchFamily="34" charset="-128"/>
+                <a:ea typeface="Adobe Clean Han Bold" panose="020B0600000000000000" pitchFamily="34" charset="-128"/>
                 <a:cs typeface="Adobe Clean"/>
               </a:rPr>
               <a:t>エキスパートセッション</a:t>
@@ -8954,7 +9571,7 @@
         <p:spPr>
           <a:xfrm>
             <a:off x="5181600" y="4466703"/>
-            <a:ext cx="2438400" cy="461665"/>
+            <a:ext cx="2520000" cy="461665"/>
           </a:xfrm>
           <a:prstGeom prst="rect">
             <a:avLst/>
@@ -8979,8 +9596,8 @@
                 <a:solidFill>
                   <a:srgbClr val="020302"/>
                 </a:solidFill>
-                <a:latin typeface="Adobe Clean Han Regular" panose="020B0500000000000000" pitchFamily="34" charset="-128"/>
-                <a:ea typeface="Adobe Clean Han Regular" panose="020B0500000000000000" pitchFamily="34" charset="-128"/>
+                <a:latin typeface="Adobe Clean Han Bold" panose="020B0600000000000000" pitchFamily="34" charset="-128"/>
+                <a:ea typeface="Adobe Clean Han Bold" panose="020B0600000000000000" pitchFamily="34" charset="-128"/>
                 <a:cs typeface="Adobe Clean"/>
               </a:rPr>
               <a:t>AEM as a Cloud Service のカスタマイズのベストプラクティス</a:t>
@@ -9002,8 +9619,8 @@
         </p:nvSpPr>
         <p:spPr>
           <a:xfrm>
-            <a:off x="2752588" y="4438393"/>
-            <a:ext cx="2238512" cy="461665"/>
+            <a:off x="2752587" y="4438393"/>
+            <a:ext cx="2097517" cy="461665"/>
           </a:xfrm>
           <a:prstGeom prst="rect">
             <a:avLst/>
@@ -9028,8 +9645,8 @@
                 <a:solidFill>
                   <a:srgbClr val="020302"/>
                 </a:solidFill>
-                <a:latin typeface="Adobe Clean Han Regular" panose="020B0500000000000000" pitchFamily="34" charset="-128"/>
-                <a:ea typeface="Adobe Clean Han Regular" panose="020B0500000000000000" pitchFamily="34" charset="-128"/>
+                <a:latin typeface="Adobe Clean Han Bold" panose="020B0600000000000000" pitchFamily="34" charset="-128"/>
+                <a:ea typeface="Adobe Clean Han Bold" panose="020B0600000000000000" pitchFamily="34" charset="-128"/>
                 <a:cs typeface="Adobe Clean"/>
               </a:rPr>
               <a:t>AEM as a Cloud Service の付加価値サービス</a:t>
@@ -9077,8 +9694,8 @@
                 <a:solidFill>
                   <a:srgbClr val="020302"/>
                 </a:solidFill>
-                <a:latin typeface="Adobe Clean Han Regular" panose="020B0500000000000000" pitchFamily="34" charset="-128"/>
-                <a:ea typeface="Adobe Clean Han Regular" panose="020B0500000000000000" pitchFamily="34" charset="-128"/>
+                <a:latin typeface="Adobe Clean Han Bold" panose="020B0600000000000000" pitchFamily="34" charset="-128"/>
+                <a:ea typeface="Adobe Clean Han Bold" panose="020B0600000000000000" pitchFamily="34" charset="-128"/>
                 <a:cs typeface="Adobe Clean"/>
               </a:rPr>
               <a:t>AEM as a Cloud Service 向けガバナンス</a:t>
@@ -9179,7 +9796,7 @@
         <p:spPr>
           <a:xfrm>
             <a:off x="689237" y="1102554"/>
-            <a:ext cx="1444363" cy="197490"/>
+            <a:ext cx="1568246" cy="197490"/>
           </a:xfrm>
           <a:prstGeom prst="rect">
             <a:avLst/>
@@ -9204,8 +9821,8 @@
                 <a:solidFill>
                   <a:srgbClr val="020302"/>
                 </a:solidFill>
-                <a:latin typeface="Adobe Clean Han Regular" panose="020B0500000000000000" pitchFamily="34" charset="-128"/>
-                <a:ea typeface="Adobe Clean Han Regular" panose="020B0500000000000000" pitchFamily="34" charset="-128"/>
+                <a:latin typeface="Adobe Clean Han Bold" panose="020B0600000000000000" pitchFamily="34" charset="-128"/>
+                <a:ea typeface="Adobe Clean Han Bold" panose="020B0600000000000000" pitchFamily="34" charset="-128"/>
                 <a:cs typeface="Adobe Clean"/>
               </a:rPr>
               <a:t>ケースレビュー</a:t>
@@ -9266,7 +9883,7 @@
         </p:nvSpPr>
         <p:spPr>
           <a:xfrm>
-            <a:off x="355868" y="1426046"/>
+            <a:off x="381000" y="1426046"/>
             <a:ext cx="2194560" cy="782265"/>
           </a:xfrm>
           <a:prstGeom prst="rect">
@@ -9315,7 +9932,7 @@
         <p:spPr>
           <a:xfrm>
             <a:off x="214971" y="3981193"/>
-            <a:ext cx="3428183" cy="307777"/>
+            <a:ext cx="3442609" cy="307777"/>
           </a:xfrm>
           <a:prstGeom prst="rect">
             <a:avLst/>
@@ -9340,8 +9957,8 @@
                 <a:solidFill>
                   <a:srgbClr val="020302"/>
                 </a:solidFill>
-                <a:latin typeface="Adobe Clean Han Regular" panose="020B0500000000000000" pitchFamily="34" charset="-128"/>
-                <a:ea typeface="Adobe Clean Han Regular" panose="020B0500000000000000" pitchFamily="34" charset="-128"/>
+                <a:latin typeface="Adobe Clean Han Bold" panose="020B0600000000000000" pitchFamily="34" charset="-128"/>
+                <a:ea typeface="Adobe Clean Han Bold" panose="020B0600000000000000" pitchFamily="34" charset="-128"/>
                 <a:cs typeface="Adobe Clean"/>
               </a:rPr>
               <a:t>クラウドサポートアクティビティ - AEM</a:t>
@@ -9363,8 +9980,8 @@
         </p:nvSpPr>
         <p:spPr>
           <a:xfrm>
-            <a:off x="214971" y="4310484"/>
-            <a:ext cx="3299754" cy="90147"/>
+            <a:off x="214970" y="4310484"/>
+            <a:ext cx="3374049" cy="53613"/>
           </a:xfrm>
           <a:custGeom>
             <a:avLst/>
@@ -9428,7 +10045,7 @@
         </p:blipFill>
         <p:spPr>
           <a:xfrm>
-            <a:off x="3616886" y="3892352"/>
+            <a:off x="3674042" y="3892352"/>
             <a:ext cx="461665" cy="461665"/>
           </a:xfrm>
           <a:prstGeom prst="rect">
@@ -9467,7 +10084,7 @@
         </p:blipFill>
         <p:spPr>
           <a:xfrm>
-            <a:off x="2776853" y="6325548"/>
+            <a:off x="2776853" y="6436038"/>
             <a:ext cx="411480" cy="411480"/>
           </a:xfrm>
           <a:prstGeom prst="rect">
@@ -9506,7 +10123,7 @@
         </p:blipFill>
         <p:spPr>
           <a:xfrm>
-            <a:off x="228600" y="8269324"/>
+            <a:off x="228600" y="8315044"/>
             <a:ext cx="411480" cy="411480"/>
           </a:xfrm>
           <a:prstGeom prst="rect">
@@ -9545,7 +10162,7 @@
         </p:blipFill>
         <p:spPr>
           <a:xfrm>
-            <a:off x="228600" y="6286880"/>
+            <a:off x="228600" y="6404990"/>
             <a:ext cx="411480" cy="411480"/>
           </a:xfrm>
           <a:prstGeom prst="rect">
@@ -9584,7 +10201,7 @@
         </p:blipFill>
         <p:spPr>
           <a:xfrm>
-            <a:off x="5257800" y="6377940"/>
+            <a:off x="5257800" y="6431280"/>
             <a:ext cx="411480" cy="411480"/>
           </a:xfrm>
           <a:prstGeom prst="rect">
@@ -9623,7 +10240,7 @@
         </p:blipFill>
         <p:spPr>
           <a:xfrm>
-            <a:off x="5257800" y="8269324"/>
+            <a:off x="5257800" y="8315044"/>
             <a:ext cx="411480" cy="411480"/>
           </a:xfrm>
           <a:prstGeom prst="rect">
@@ -9662,7 +10279,7 @@
         </p:blipFill>
         <p:spPr>
           <a:xfrm>
-            <a:off x="2776853" y="8269324"/>
+            <a:off x="2776853" y="8315044"/>
             <a:ext cx="411480" cy="411480"/>
           </a:xfrm>
           <a:prstGeom prst="rect">
@@ -9778,7 +10395,7 @@
         </p:nvSpPr>
         <p:spPr>
           <a:xfrm rot="5400000" flipH="1">
-            <a:off x="3863341" y="5213598"/>
+            <a:off x="3863341" y="5301228"/>
             <a:ext cx="45719" cy="5577840"/>
           </a:xfrm>
           <a:custGeom>
@@ -10047,79 +10664,14 @@
       </p:sp>
       <p:sp>
         <p:nvSpPr>
-          <p:cNvPr id="6" name="object 6"/>
-          <p:cNvSpPr txBox="1"/>
-          <p:nvPr/>
-        </p:nvSpPr>
-        <p:spPr>
-          <a:xfrm>
-            <a:off x="110488" y="9670288"/>
-            <a:ext cx="7355840" cy="315595"/>
-          </a:xfrm>
-          <a:prstGeom prst="rect">
-            <a:avLst/>
-          </a:prstGeom>
-        </p:spPr>
-        <p:txBody>
-          <a:bodyPr vert="horz" wrap="square" lIns="0" tIns="0" rIns="0" bIns="0" rtlCol="0">
-            <a:spAutoFit/>
-          </a:bodyPr>
-          <a:lstStyle/>
-          <a:p>
-            <a:pPr algn="r">
-              <a:lnSpc>
-                <a:spcPts val="590"/>
-              </a:lnSpc>
-            </a:pPr>
-            <a:endParaRPr sz="500">
-              <a:latin typeface="Adobe Clean"/>
-              <a:cs typeface="Adobe Clean"/>
-            </a:endParaRPr>
-          </a:p>
-          <a:p>
-            <a:pPr>
-              <a:lnSpc>
-                <a:spcPct val="100000"/>
-              </a:lnSpc>
-              <a:spcBef>
-                <a:spcPts val="20"/>
-              </a:spcBef>
-            </a:pPr>
-            <a:endParaRPr sz="700">
-              <a:latin typeface="Adobe Clean"/>
-              <a:cs typeface="Adobe Clean"/>
-            </a:endParaRPr>
-          </a:p>
-          <a:p>
-            <a:pPr>
-              <a:lnSpc>
-                <a:spcPct val="100000"/>
-              </a:lnSpc>
-            </a:pPr>
-            <a:r>
-              <a:rPr lang="ja-JP" sz="800">
-                <a:solidFill>
-                  <a:srgbClr val="6D6D6D"/>
-                </a:solidFill>
-                <a:latin typeface="Adobe Clean"/>
-                <a:ea typeface="MS Mincho"/>
-                <a:cs typeface="Adobe Clean"/>
-              </a:rPr>
-              <a:t>©2021 Adobe.All Rights Reserved.Adobe Confidential.</a:t>
-            </a:r>
-          </a:p>
-        </p:txBody>
-      </p:sp>
-      <p:sp>
-        <p:nvSpPr>
           <p:cNvPr id="8" name="object 8"/>
           <p:cNvSpPr/>
           <p:nvPr/>
         </p:nvSpPr>
         <p:spPr>
           <a:xfrm>
-            <a:off x="4293870" y="914778"/>
-            <a:ext cx="2884170" cy="102492"/>
+            <a:off x="4358640" y="914779"/>
+            <a:ext cx="2903220" cy="135230"/>
           </a:xfrm>
           <a:custGeom>
             <a:avLst/>
@@ -10160,8 +10712,8 @@
         </p:nvSpPr>
         <p:spPr>
           <a:xfrm>
-            <a:off x="4259580" y="589788"/>
-            <a:ext cx="3171950" cy="228268"/>
+            <a:off x="4358640" y="589788"/>
+            <a:ext cx="3072890" cy="228268"/>
           </a:xfrm>
           <a:prstGeom prst="rect">
             <a:avLst/>
@@ -10179,12 +10731,12 @@
               </a:spcBef>
             </a:pPr>
             <a:r>
-              <a:rPr lang="ja-JP" sz="1400" b="1" dirty="0">
+              <a:rPr lang="ja-JP" sz="1400" b="1">
                 <a:solidFill>
                   <a:srgbClr val="020302"/>
                 </a:solidFill>
-                <a:latin typeface="Adobe Clean Han Regular" panose="020B0500000000000000" pitchFamily="34" charset="-128"/>
-                <a:ea typeface="Adobe Clean Han Regular" panose="020B0500000000000000" pitchFamily="34" charset="-128"/>
+                <a:latin typeface="Adobe Clean Han Bold" panose="020B0600000000000000" pitchFamily="34" charset="-128"/>
+                <a:ea typeface="Adobe Clean Han Bold" panose="020B0600000000000000" pitchFamily="34" charset="-128"/>
                 <a:cs typeface="Adobe Clean"/>
               </a:rPr>
               <a:t>フィールドサービスアクティビティ</a:t>
@@ -10226,8 +10778,8 @@
                 <a:solidFill>
                   <a:srgbClr val="020302"/>
                 </a:solidFill>
-                <a:latin typeface="Adobe Clean Han Regular" panose="020B0500000000000000" pitchFamily="34" charset="-128"/>
-                <a:ea typeface="Adobe Clean Han Regular" panose="020B0500000000000000" pitchFamily="34" charset="-128"/>
+                <a:latin typeface="Adobe Clean Han Bold" panose="020B0600000000000000" pitchFamily="34" charset="-128"/>
+                <a:ea typeface="Adobe Clean Han Bold" panose="020B0600000000000000" pitchFamily="34" charset="-128"/>
                 <a:cs typeface="Adobe Clean"/>
               </a:rPr>
               <a:t>Launch Advisory </a:t>
@@ -10266,8 +10818,8 @@
                 <a:solidFill>
                   <a:srgbClr val="1F1F1F"/>
                 </a:solidFill>
-                <a:latin typeface="Adobe Clean Han Regular" panose="020B0500000000000000" pitchFamily="34" charset="-128"/>
-                <a:ea typeface="Adobe Clean Han Regular" panose="020B0500000000000000" pitchFamily="34" charset="-128"/>
+                <a:latin typeface="Adobe Clean Han Bold" panose="020B0600000000000000" pitchFamily="34" charset="-128"/>
+                <a:ea typeface="Adobe Clean Han Bold" panose="020B0600000000000000" pitchFamily="34" charset="-128"/>
                 <a:cs typeface="Adobe Clean"/>
               </a:rPr>
               <a:t>新しい Adobe Experience Cloud ソリューション</a:t>
@@ -10289,15 +10841,7 @@
                 <a:ea typeface="Adobe Clean Han Light" panose="020B0300000000000000" pitchFamily="34" charset="-128"/>
                 <a:cs typeface="Adobe Clean Light" charset="0"/>
               </a:rPr>
-              <a:t>デ</a:t>
-            </a:r>
-            <a:r>
-              <a:rPr lang="ja-JP" sz="1000" b="1" dirty="0">
-                <a:latin typeface="Adobe Clean Han Regular" panose="020B0500000000000000" pitchFamily="34" charset="-128"/>
-                <a:ea typeface="Adobe Clean Han Regular" panose="020B0500000000000000" pitchFamily="34" charset="-128"/>
-                <a:cs typeface="Adobe Clean Light" charset="0"/>
-              </a:rPr>
-              <a:t>プロイメントの成功をサポート</a:t>
+              <a:t>デプロイメントの成功をサポート</a:t>
             </a:r>
             <a:r>
               <a:rPr lang="ja-JP" sz="1000" dirty="0">
@@ -10314,8 +10858,8 @@
                 <a:solidFill>
                   <a:srgbClr val="000000"/>
                 </a:solidFill>
-                <a:latin typeface="Adobe Clean Han Regular" panose="020B0500000000000000" pitchFamily="34" charset="-128"/>
-                <a:ea typeface="Adobe Clean Han Regular" panose="020B0500000000000000" pitchFamily="34" charset="-128"/>
+                <a:latin typeface="Adobe Clean Han Bold" panose="020B0600000000000000" pitchFamily="34" charset="-128"/>
+                <a:ea typeface="Adobe Clean Han Bold" panose="020B0600000000000000" pitchFamily="34" charset="-128"/>
               </a:rPr>
               <a:t>価値実現までの時間を短縮</a:t>
             </a:r>
@@ -10329,8 +10873,8 @@
             </a:r>
             <a:r>
               <a:rPr lang="ja-JP" sz="1000" b="1" dirty="0">
-                <a:latin typeface="Adobe Clean Han Regular" panose="020B0500000000000000" pitchFamily="34" charset="-128"/>
-                <a:ea typeface="Adobe Clean Han Regular" panose="020B0500000000000000" pitchFamily="34" charset="-128"/>
+                <a:latin typeface="Adobe Clean Han Bold" panose="020B0600000000000000" pitchFamily="34" charset="-128"/>
+                <a:ea typeface="Adobe Clean Han Bold" panose="020B0600000000000000" pitchFamily="34" charset="-128"/>
                 <a:cs typeface="Adobe Clean Light" charset="0"/>
               </a:rPr>
               <a:t>アドバイザリサービスおよび提案の中核</a:t>
@@ -10390,7 +10934,7 @@
         <p:spPr>
           <a:xfrm>
             <a:off x="3965471" y="1228675"/>
-            <a:ext cx="3603474" cy="1013098"/>
+            <a:ext cx="3564741" cy="1013098"/>
           </a:xfrm>
           <a:prstGeom prst="rect">
             <a:avLst/>
@@ -10422,99 +10966,109 @@
                 <a:solidFill>
                   <a:srgbClr val="4B4B4B"/>
                 </a:solidFill>
-                <a:latin typeface="Adobe Clean Han Light" panose="020B0300000000000000" pitchFamily="34" charset="-128"/>
-                <a:ea typeface="Adobe Clean Han Light" panose="020B0300000000000000" pitchFamily="34" charset="-128"/>
+                <a:latin typeface="Adobe Clean Han Bold" panose="020B0600000000000000" pitchFamily="34" charset="-128"/>
+                <a:ea typeface="Adobe Clean Han Bold" panose="020B0600000000000000" pitchFamily="34" charset="-128"/>
               </a:rPr>
-              <a:t>は、</a:t>
-            </a:r>
-            <a:r>
-              <a:rPr lang="ja-JP" sz="1000" dirty="0">
-                <a:solidFill>
-                  <a:srgbClr val="4B4B4B"/>
-                </a:solidFill>
-                <a:latin typeface="Adobe Clean Han Regular" panose="020B0500000000000000" pitchFamily="34" charset="-128"/>
-                <a:ea typeface="Adobe Clean Han Regular" panose="020B0500000000000000" pitchFamily="34" charset="-128"/>
-              </a:rPr>
-              <a:t>迅速な解決</a:t>
-            </a:r>
-            <a:r>
-              <a:rPr lang="ja-JP" sz="1000" dirty="0">
+              <a:t>は</a:t>
+            </a:r>
+            <a:r>
+              <a:rPr lang="ja-JP" altLang="en-US" sz="1000" dirty="0">
                 <a:solidFill>
                   <a:srgbClr val="4B4B4B"/>
                 </a:solidFill>
                 <a:latin typeface="Adobe Clean Han Light" panose="020B0300000000000000" pitchFamily="34" charset="-128"/>
                 <a:ea typeface="Adobe Clean Han Light" panose="020B0300000000000000" pitchFamily="34" charset="-128"/>
               </a:rPr>
-              <a:t>、集中的なカスタマーサクセス、</a:t>
-            </a:r>
-            <a:r>
-              <a:rPr lang="ja-JP" sz="1000" b="1" dirty="0">
+              <a:t>、迅速な解決、集中的なカスタマーサクセス、</a:t>
+            </a:r>
+            <a:r>
+              <a:rPr lang="ja-JP" altLang="en-US" sz="1000" b="1" dirty="0">
                 <a:solidFill>
                   <a:srgbClr val="4B4B4B"/>
                 </a:solidFill>
-                <a:latin typeface="Adobe Clean Han Regular" panose="020B0500000000000000" pitchFamily="34" charset="-128"/>
-                <a:ea typeface="Adobe Clean Han Regular" panose="020B0500000000000000" pitchFamily="34" charset="-128"/>
+                <a:latin typeface="Adobe Clean Han Bold" panose="020B0600000000000000" pitchFamily="34" charset="-128"/>
+                <a:ea typeface="Adobe Clean Han Bold" panose="020B0600000000000000" pitchFamily="34" charset="-128"/>
               </a:rPr>
               <a:t>価値実現までの時間</a:t>
             </a:r>
             <a:r>
-              <a:rPr lang="ja-JP" sz="1000" dirty="0">
+              <a:rPr lang="ja-JP" altLang="en-US" sz="1000" dirty="0">
                 <a:solidFill>
                   <a:srgbClr val="4B4B4B"/>
                 </a:solidFill>
                 <a:latin typeface="Adobe Clean Han Light" panose="020B0300000000000000" pitchFamily="34" charset="-128"/>
                 <a:ea typeface="Adobe Clean Han Light" panose="020B0300000000000000" pitchFamily="34" charset="-128"/>
               </a:rPr>
-              <a:t>の短縮のために使用されます。</a:t>
-            </a:r>
-            <a:br>
-              <a:rPr lang="sk-SK" altLang="ja-JP" sz="1000" dirty="0">
+              <a:t>の短縮のために使用されます。アドビサポート契約の対象となるソリューション製品で、</a:t>
+            </a:r>
+            <a:r>
+              <a:rPr lang="en-US" altLang="ja-JP" sz="1000" dirty="0">
                 <a:solidFill>
                   <a:srgbClr val="4B4B4B"/>
                 </a:solidFill>
                 <a:latin typeface="Adobe Clean Han Light" panose="020B0300000000000000" pitchFamily="34" charset="-128"/>
                 <a:ea typeface="Adobe Clean Han Light" panose="020B0300000000000000" pitchFamily="34" charset="-128"/>
               </a:rPr>
-            </a:br>
-            <a:r>
-              <a:rPr lang="ja-JP" sz="1000" dirty="0">
+              <a:t>Launch Advisory </a:t>
+            </a:r>
+            <a:r>
+              <a:rPr lang="ja-JP" altLang="en-US" sz="1000" dirty="0">
                 <a:solidFill>
                   <a:srgbClr val="4B4B4B"/>
                 </a:solidFill>
                 <a:latin typeface="Adobe Clean Han Light" panose="020B0300000000000000" pitchFamily="34" charset="-128"/>
                 <a:ea typeface="Adobe Clean Han Light" panose="020B0300000000000000" pitchFamily="34" charset="-128"/>
               </a:rPr>
-              <a:t>アドビサポート契約の対象となるソリューション製品で、Launch Advisory が適用される場合、</a:t>
-            </a:r>
-            <a:r>
-              <a:rPr lang="ja-JP" sz="1000" b="1" dirty="0">
+              <a:t>が適用される場合、</a:t>
+            </a:r>
+            <a:r>
+              <a:rPr lang="en-US" altLang="ja-JP" sz="1000" b="1" dirty="0">
                 <a:solidFill>
                   <a:srgbClr val="4B4B4B"/>
                 </a:solidFill>
-                <a:latin typeface="Adobe Clean Han Regular" panose="020B0500000000000000" pitchFamily="34" charset="-128"/>
-                <a:ea typeface="Adobe Clean Han Regular" panose="020B0500000000000000" pitchFamily="34" charset="-128"/>
+                <a:latin typeface="Adobe Clean Han Bold" panose="020B0600000000000000" pitchFamily="34" charset="-128"/>
+                <a:ea typeface="Adobe Clean Han Bold" panose="020B0600000000000000" pitchFamily="34" charset="-128"/>
               </a:rPr>
-              <a:t>1 年目のフィールドサービスはありません</a:t>
-            </a:r>
-            <a:r>
-              <a:rPr lang="ja-JP" sz="1000" dirty="0">
+              <a:t>1 </a:t>
+            </a:r>
+            <a:r>
+              <a:rPr lang="ja-JP" altLang="en-US" sz="1000" b="1" dirty="0">
+                <a:solidFill>
+                  <a:srgbClr val="4B4B4B"/>
+                </a:solidFill>
+                <a:latin typeface="Adobe Clean Han Bold" panose="020B0600000000000000" pitchFamily="34" charset="-128"/>
+                <a:ea typeface="Adobe Clean Han Bold" panose="020B0600000000000000" pitchFamily="34" charset="-128"/>
+              </a:rPr>
+              <a:t>年目のフィールドサ</a:t>
+            </a:r>
+            <a:br>
+              <a:rPr lang="cs-CZ" altLang="ja-JP" sz="1000" b="1" dirty="0">
+                <a:solidFill>
+                  <a:srgbClr val="4B4B4B"/>
+                </a:solidFill>
+                <a:latin typeface="Adobe Clean Han Bold" panose="020B0600000000000000" pitchFamily="34" charset="-128"/>
+                <a:ea typeface="Adobe Clean Han Bold" panose="020B0600000000000000" pitchFamily="34" charset="-128"/>
+              </a:rPr>
+            </a:br>
+            <a:r>
+              <a:rPr lang="ja-JP" altLang="en-US" sz="1000" b="1" dirty="0">
+                <a:solidFill>
+                  <a:srgbClr val="4B4B4B"/>
+                </a:solidFill>
+                <a:latin typeface="Adobe Clean Han Bold" panose="020B0600000000000000" pitchFamily="34" charset="-128"/>
+                <a:ea typeface="Adobe Clean Han Bold" panose="020B0600000000000000" pitchFamily="34" charset="-128"/>
+              </a:rPr>
+              <a:t>ービス</a:t>
+            </a:r>
+            <a:r>
+              <a:rPr lang="ja-JP" altLang="en-US" sz="1000" dirty="0">
                 <a:solidFill>
                   <a:srgbClr val="4B4B4B"/>
                 </a:solidFill>
                 <a:latin typeface="Adobe Clean Han Light" panose="020B0300000000000000" pitchFamily="34" charset="-128"/>
                 <a:ea typeface="Adobe Clean Han Light" panose="020B0300000000000000" pitchFamily="34" charset="-128"/>
               </a:rPr>
-              <a:t>。</a:t>
-            </a:r>
-            <a:r>
-              <a:rPr lang="ja-JP" sz="1000" dirty="0">
-                <a:solidFill>
-                  <a:srgbClr val="4B4B4B"/>
-                </a:solidFill>
-                <a:latin typeface="Adobe Clean Light" panose="020B0303020404020204" pitchFamily="34" charset="0"/>
-                <a:ea typeface="MS Mincho"/>
-              </a:rPr>
-              <a:t> </a:t>
+              <a:t>はありません。 </a:t>
             </a:r>
           </a:p>
           <a:p>
@@ -10547,8 +11101,8 @@
         </p:nvSpPr>
         <p:spPr>
           <a:xfrm flipV="1">
-            <a:off x="924304" y="869060"/>
-            <a:ext cx="1285496" cy="45719"/>
+            <a:off x="924304" y="869059"/>
+            <a:ext cx="1552196" cy="45719"/>
           </a:xfrm>
           <a:custGeom>
             <a:avLst/>
@@ -10631,6 +11185,54 @@
       </p:sp>
       <p:sp>
         <p:nvSpPr>
+          <p:cNvPr id="67" name="object 21">
+            <a:extLst>
+              <a:ext uri="{FF2B5EF4-FFF2-40B4-BE49-F238E27FC236}">
+                <a16:creationId xmlns:a16="http://schemas.microsoft.com/office/drawing/2014/main" id="{F9FB5025-2514-684C-812E-4F3EA1789BFC}"/>
+              </a:ext>
+            </a:extLst>
+          </p:cNvPr>
+          <p:cNvSpPr/>
+          <p:nvPr/>
+        </p:nvSpPr>
+        <p:spPr>
+          <a:xfrm>
+            <a:off x="4457700" y="762000"/>
+            <a:ext cx="114300" cy="0"/>
+          </a:xfrm>
+          <a:custGeom>
+            <a:avLst/>
+            <a:gdLst/>
+            <a:ahLst/>
+            <a:cxnLst/>
+            <a:rect l="l" t="t" r="r" b="b"/>
+            <a:pathLst>
+              <a:path w="114300">
+                <a:moveTo>
+                  <a:pt x="0" y="0"/>
+                </a:moveTo>
+                <a:lnTo>
+                  <a:pt x="113703" y="0"/>
+                </a:lnTo>
+              </a:path>
+            </a:pathLst>
+          </a:custGeom>
+          <a:ln w="9906">
+            <a:solidFill>
+              <a:srgbClr val="FFFFFF"/>
+            </a:solidFill>
+          </a:ln>
+        </p:spPr>
+        <p:txBody>
+          <a:bodyPr wrap="square" lIns="0" tIns="0" rIns="0" bIns="0" rtlCol="0"/>
+          <a:lstStyle/>
+          <a:p>
+            <a:endParaRPr/>
+          </a:p>
+        </p:txBody>
+      </p:sp>
+      <p:sp>
+        <p:nvSpPr>
           <p:cNvPr id="4" name="Rectangle 3">
             <a:extLst>
               <a:ext uri="{FF2B5EF4-FFF2-40B4-BE49-F238E27FC236}">
@@ -10643,7 +11245,7 @@
         </p:nvSpPr>
         <p:spPr>
           <a:xfrm>
-            <a:off x="172087" y="3767939"/>
+            <a:off x="172087" y="3867961"/>
             <a:ext cx="3525469" cy="2644314"/>
           </a:xfrm>
           <a:prstGeom prst="rect">
@@ -10673,8 +11275,8 @@
                 <a:solidFill>
                   <a:srgbClr val="000000"/>
                 </a:solidFill>
-                <a:latin typeface="Adobe Clean Han Regular" panose="020B0500000000000000" pitchFamily="34" charset="-128"/>
-                <a:ea typeface="Adobe Clean Han Regular" panose="020B0500000000000000" pitchFamily="34" charset="-128"/>
+                <a:latin typeface="Adobe Clean Han Bold" panose="020B0600000000000000" pitchFamily="34" charset="-128"/>
+                <a:ea typeface="Adobe Clean Han Bold" panose="020B0600000000000000" pitchFamily="34" charset="-128"/>
               </a:rPr>
               <a:t>ベストプラクティスに基づいたガイダンス</a:t>
             </a:r>
@@ -10719,8 +11321,8 @@
             </a:r>
             <a:r>
               <a:rPr lang="ja-JP" sz="1000" b="1" dirty="0">
-                <a:latin typeface="Adobe Clean Han Regular" panose="020B0500000000000000" pitchFamily="34" charset="-128"/>
-                <a:ea typeface="Adobe Clean Han Regular" panose="020B0500000000000000" pitchFamily="34" charset="-128"/>
+                <a:latin typeface="Adobe Clean Han Bold" panose="020B0600000000000000" pitchFamily="34" charset="-128"/>
+                <a:ea typeface="Adobe Clean Han Bold" panose="020B0600000000000000" pitchFamily="34" charset="-128"/>
               </a:rPr>
               <a:t>キックオフ、定義、デザイン、サービスイン、ポストローンチ</a:t>
             </a:r>
@@ -10729,7 +11331,20 @@
                 <a:latin typeface="Adobe Clean Han Light" panose="020B0300000000000000" pitchFamily="34" charset="-128"/>
                 <a:ea typeface="Adobe Clean Han Light" panose="020B0300000000000000" pitchFamily="34" charset="-128"/>
               </a:rPr>
-              <a:t>）に合わせて、ガイド、検証、評価、提案を行います。</a:t>
+              <a:t>）に合わせて、</a:t>
+            </a:r>
+            <a:br>
+              <a:rPr lang="cs-CZ" altLang="ja-JP" sz="1000" dirty="0">
+                <a:latin typeface="Adobe Clean Han Light" panose="020B0300000000000000" pitchFamily="34" charset="-128"/>
+                <a:ea typeface="Adobe Clean Han Light" panose="020B0300000000000000" pitchFamily="34" charset="-128"/>
+              </a:rPr>
+            </a:br>
+            <a:r>
+              <a:rPr lang="ja-JP" sz="1000" dirty="0">
+                <a:latin typeface="Adobe Clean Han Light" panose="020B0300000000000000" pitchFamily="34" charset="-128"/>
+                <a:ea typeface="Adobe Clean Han Light" panose="020B0300000000000000" pitchFamily="34" charset="-128"/>
+              </a:rPr>
+              <a:t>ガイド、検証、評価、提案を行います。</a:t>
             </a:r>
           </a:p>
           <a:p>
@@ -10770,10 +11385,10 @@
                 <a:latin typeface="Adobe Clean Han Light" panose="020B0300000000000000" pitchFamily="34" charset="-128"/>
                 <a:ea typeface="Adobe Clean Han Light" panose="020B0300000000000000" pitchFamily="34" charset="-128"/>
               </a:rPr>
-              <a:t>キックオフ（プロジェクトコラボレーション</a:t>
+              <a:t>キックオフ（プロジェクトコラボレーション計画を</a:t>
             </a:r>
             <a:br>
-              <a:rPr lang="sk-SK" altLang="ja-JP" sz="1000" dirty="0">
+              <a:rPr lang="cs-CZ" altLang="ja-JP" sz="1000" dirty="0">
                 <a:latin typeface="Adobe Clean Han Light" panose="020B0300000000000000" pitchFamily="34" charset="-128"/>
                 <a:ea typeface="Adobe Clean Han Light" panose="020B0300000000000000" pitchFamily="34" charset="-128"/>
               </a:rPr>
@@ -10783,7 +11398,7 @@
                 <a:latin typeface="Adobe Clean Han Light" panose="020B0300000000000000" pitchFamily="34" charset="-128"/>
                 <a:ea typeface="Adobe Clean Han Light" panose="020B0300000000000000" pitchFamily="34" charset="-128"/>
               </a:rPr>
-              <a:t>計画を含む）資料</a:t>
+              <a:t>含む）資料</a:t>
             </a:r>
           </a:p>
           <a:p>
@@ -10919,7 +11534,7 @@
           <a:p>
             <a:pPr algn="ctr"/>
             <a:r>
-              <a:rPr lang="ja-JP" sz="1600" dirty="0">
+              <a:rPr lang="ja-JP" sz="1600">
                 <a:latin typeface="Adobe Clean Han Regular" panose="020B0500000000000000" pitchFamily="34" charset="-128"/>
                 <a:ea typeface="Adobe Clean Han Regular" panose="020B0500000000000000" pitchFamily="34" charset="-128"/>
               </a:rPr>
@@ -11028,7 +11643,7 @@
           <a:p>
             <a:pPr algn="ctr"/>
             <a:r>
-              <a:rPr lang="ja-JP" sz="1600">
+              <a:rPr lang="ja-JP" sz="1600" dirty="0">
                 <a:latin typeface="Adobe Clean Han Regular" panose="020B0500000000000000" pitchFamily="34" charset="-128"/>
                 <a:ea typeface="Adobe Clean Han Regular" panose="020B0500000000000000" pitchFamily="34" charset="-128"/>
               </a:rPr>
@@ -11051,8 +11666,8 @@
         </p:nvSpPr>
         <p:spPr>
           <a:xfrm>
-            <a:off x="2872566" y="2168544"/>
-            <a:ext cx="933111" cy="430887"/>
+            <a:off x="2918286" y="2317134"/>
+            <a:ext cx="933111" cy="246221"/>
           </a:xfrm>
           <a:prstGeom prst="rect">
             <a:avLst/>
@@ -11067,24 +11682,11 @@
           <a:p>
             <a:pPr algn="ctr"/>
             <a:r>
-              <a:rPr lang="ja-JP" sz="1100" dirty="0">
+              <a:rPr lang="ja-JP" sz="1000" spc="-170">
                 <a:latin typeface="Adobe Clean Han Regular" panose="020B0500000000000000" pitchFamily="34" charset="-128"/>
                 <a:ea typeface="Adobe Clean Han Regular" panose="020B0500000000000000" pitchFamily="34" charset="-128"/>
               </a:rPr>
-              <a:t>ポスト</a:t>
-            </a:r>
-            <a:br>
-              <a:rPr lang="sk-SK" altLang="ja-JP" sz="1100" dirty="0">
-                <a:latin typeface="Adobe Clean Han Regular" panose="020B0500000000000000" pitchFamily="34" charset="-128"/>
-                <a:ea typeface="Adobe Clean Han Regular" panose="020B0500000000000000" pitchFamily="34" charset="-128"/>
-              </a:rPr>
-            </a:br>
-            <a:r>
-              <a:rPr lang="ja-JP" sz="1100" dirty="0">
-                <a:latin typeface="Adobe Clean Han Regular" panose="020B0500000000000000" pitchFamily="34" charset="-128"/>
-                <a:ea typeface="Adobe Clean Han Regular" panose="020B0500000000000000" pitchFamily="34" charset="-128"/>
-              </a:rPr>
-              <a:t>ローンチ</a:t>
+              <a:t>ポストローンチ</a:t>
             </a:r>
           </a:p>
         </p:txBody>
@@ -11104,20 +11706,15 @@
           <p:nvPr/>
         </p:nvPicPr>
         <p:blipFill>
-          <a:blip r:embed="rId4" cstate="print">
-            <a:extLst>
-              <a:ext uri="{28A0092B-C50C-407E-A947-70E740481C1C}">
-                <a14:useLocalDpi xmlns:a14="http://schemas.microsoft.com/office/drawing/2010/main" val="0"/>
-              </a:ext>
-            </a:extLst>
-          </a:blip>
-          <a:srcRect/>
-          <a:stretch/>
+          <a:blip r:embed="rId4"/>
+          <a:stretch>
+            <a:fillRect/>
+          </a:stretch>
         </p:blipFill>
         <p:spPr>
           <a:xfrm>
-            <a:off x="336106" y="6379881"/>
-            <a:ext cx="3093589" cy="2855621"/>
+            <a:off x="333965" y="6646581"/>
+            <a:ext cx="3097872" cy="2855621"/>
           </a:xfrm>
           <a:prstGeom prst="rect">
             <a:avLst/>
@@ -11192,7 +11789,7 @@
         </p:nvSpPr>
         <p:spPr>
           <a:xfrm>
-            <a:off x="3855907" y="4594409"/>
+            <a:off x="3855907" y="4694431"/>
             <a:ext cx="3525469" cy="2310889"/>
           </a:xfrm>
           <a:prstGeom prst="rect">
@@ -11215,8 +11812,8 @@
                 <a:solidFill>
                   <a:srgbClr val="000000"/>
                 </a:solidFill>
-                <a:latin typeface="Adobe Clean Han Regular" panose="020B0500000000000000" pitchFamily="34" charset="-128"/>
-                <a:ea typeface="Adobe Clean Han Regular" panose="020B0500000000000000" pitchFamily="34" charset="-128"/>
+                <a:latin typeface="Adobe Clean Han Bold" panose="020B0600000000000000" pitchFamily="34" charset="-128"/>
+                <a:ea typeface="Adobe Clean Han Bold" panose="020B0600000000000000" pitchFamily="34" charset="-128"/>
               </a:rPr>
               <a:t>テクニカルトラックアクティビティ</a:t>
             </a:r>
@@ -11231,7 +11828,7 @@
               <a:t>は、お客様が技術的に安定し、ツールを最大限に活用できるようにします。</a:t>
             </a:r>
             <a:br>
-              <a:rPr lang="sk-SK" altLang="ja-JP" sz="1000" dirty="0">
+              <a:rPr lang="cs-CZ" altLang="ja-JP" sz="1000" dirty="0">
                 <a:solidFill>
                   <a:srgbClr val="000000"/>
                 </a:solidFill>
@@ -11257,7 +11854,8 @@
               </a:spcBef>
             </a:pPr>
             <a:endParaRPr lang="en-US" sz="1000" dirty="0">
-              <a:latin typeface="Adobe Clean Light" charset="0"/>
+              <a:latin typeface="Adobe Clean Han Light" panose="020B0300000000000000" pitchFamily="34" charset="-128"/>
+              <a:ea typeface="Adobe Clean Han Light" panose="020B0300000000000000" pitchFamily="34" charset="-128"/>
             </a:endParaRPr>
           </a:p>
           <a:p>
@@ -11404,7 +12002,7 @@
         </p:nvSpPr>
         <p:spPr>
           <a:xfrm>
-            <a:off x="3851397" y="7149434"/>
+            <a:off x="3851397" y="7249456"/>
             <a:ext cx="3525469" cy="2054409"/>
           </a:xfrm>
           <a:prstGeom prst="rect">
@@ -11427,8 +12025,8 @@
                 <a:solidFill>
                   <a:srgbClr val="000000"/>
                 </a:solidFill>
-                <a:latin typeface="Adobe Clean Han Regular" panose="020B0500000000000000" pitchFamily="34" charset="-128"/>
-                <a:ea typeface="Adobe Clean Han Regular" panose="020B0500000000000000" pitchFamily="34" charset="-128"/>
+                <a:latin typeface="Adobe Clean Han Bold" panose="020B0600000000000000" pitchFamily="34" charset="-128"/>
+                <a:ea typeface="Adobe Clean Han Bold" panose="020B0600000000000000" pitchFamily="34" charset="-128"/>
               </a:rPr>
               <a:t>戦略的トラックアクティビティ</a:t>
             </a:r>
@@ -11560,7 +12158,7 @@
         </p:nvSpPr>
         <p:spPr>
           <a:xfrm>
-            <a:off x="3851397" y="3791639"/>
+            <a:off x="3851397" y="3891661"/>
             <a:ext cx="3525468" cy="584775"/>
           </a:xfrm>
           <a:prstGeom prst="rect">
@@ -11584,8 +12182,8 @@
                 <a:solidFill>
                   <a:srgbClr val="1F1F1F"/>
                 </a:solidFill>
-                <a:latin typeface="Adobe Clean Han Regular" panose="020B0500000000000000" pitchFamily="34" charset="-128"/>
-                <a:ea typeface="Adobe Clean Han Regular" panose="020B0500000000000000" pitchFamily="34" charset="-128"/>
+                <a:latin typeface="Adobe Clean Han Light" panose="020B0300000000000000" pitchFamily="34" charset="-128"/>
+                <a:ea typeface="Adobe Clean Han Light" panose="020B0300000000000000" pitchFamily="34" charset="-128"/>
                 <a:cs typeface="AdobeClean-Light"/>
               </a:rPr>
               <a:t>エンタープライズのお客様は、</a:t>
@@ -11595,8 +12193,8 @@
                 <a:solidFill>
                   <a:srgbClr val="1F1F1F"/>
                 </a:solidFill>
-                <a:latin typeface="Adobe Clean Han Regular" panose="020B0500000000000000" pitchFamily="34" charset="-128"/>
-                <a:ea typeface="Adobe Clean Han Regular" panose="020B0500000000000000" pitchFamily="34" charset="-128"/>
+                <a:latin typeface="Adobe Clean Han Bold" panose="020B0600000000000000" pitchFamily="34" charset="-128"/>
+                <a:ea typeface="Adobe Clean Han Bold" panose="020B0600000000000000" pitchFamily="34" charset="-128"/>
                 <a:cs typeface="AdobeClean-Light"/>
               </a:rPr>
               <a:t>2 </a:t>
@@ -11606,8 +12204,8 @@
                 <a:solidFill>
                   <a:srgbClr val="1F1F1F"/>
                 </a:solidFill>
-                <a:latin typeface="Adobe Clean Han Regular" panose="020B0500000000000000" pitchFamily="34" charset="-128"/>
-                <a:ea typeface="Adobe Clean Han Regular" panose="020B0500000000000000" pitchFamily="34" charset="-128"/>
+                <a:latin typeface="Adobe Clean Han Bold" panose="020B0600000000000000" pitchFamily="34" charset="-128"/>
+                <a:ea typeface="Adobe Clean Han Bold" panose="020B0600000000000000" pitchFamily="34" charset="-128"/>
                 <a:cs typeface="AdobeClean-Light"/>
               </a:rPr>
               <a:t>つのトラック</a:t>
@@ -11617,8 +12215,8 @@
                 <a:solidFill>
                   <a:srgbClr val="1F1F1F"/>
                 </a:solidFill>
-                <a:latin typeface="Adobe Clean Han Regular" panose="020B0500000000000000" pitchFamily="34" charset="-128"/>
-                <a:ea typeface="Adobe Clean Han Regular" panose="020B0500000000000000" pitchFamily="34" charset="-128"/>
+                <a:latin typeface="Adobe Clean Han Bold" panose="020B0600000000000000" pitchFamily="34" charset="-128"/>
+                <a:ea typeface="Adobe Clean Han Bold" panose="020B0600000000000000" pitchFamily="34" charset="-128"/>
                 <a:cs typeface="AdobeClean-Light"/>
               </a:rPr>
               <a:t>（テクニカルトラック</a:t>
@@ -11628,8 +12226,8 @@
                 <a:solidFill>
                   <a:srgbClr val="1F1F1F"/>
                 </a:solidFill>
-                <a:latin typeface="Adobe Clean Han Regular" panose="020B0500000000000000" pitchFamily="34" charset="-128"/>
-                <a:ea typeface="Adobe Clean Han Regular" panose="020B0500000000000000" pitchFamily="34" charset="-128"/>
+                <a:latin typeface="Adobe Clean Han Light" panose="020B0300000000000000" pitchFamily="34" charset="-128"/>
+                <a:ea typeface="Adobe Clean Han Light" panose="020B0300000000000000" pitchFamily="34" charset="-128"/>
                 <a:cs typeface="AdobeClean-Light"/>
               </a:rPr>
               <a:t>および／または</a:t>
@@ -11639,19 +12237,19 @@
                 <a:solidFill>
                   <a:srgbClr val="1F1F1F"/>
                 </a:solidFill>
-                <a:latin typeface="Adobe Clean Han Regular" panose="020B0500000000000000" pitchFamily="34" charset="-128"/>
-                <a:ea typeface="Adobe Clean Han Regular" panose="020B0500000000000000" pitchFamily="34" charset="-128"/>
+                <a:latin typeface="Adobe Clean Han Bold" panose="020B0600000000000000" pitchFamily="34" charset="-128"/>
+                <a:ea typeface="Adobe Clean Han Bold" panose="020B0600000000000000" pitchFamily="34" charset="-128"/>
                 <a:cs typeface="AdobeClean-Light"/>
               </a:rPr>
               <a:t>戦略的トラック）から、</a:t>
             </a:r>
             <a:br>
-              <a:rPr lang="sk-SK" altLang="ja-JP" sz="1000" b="1" dirty="0">
+              <a:rPr lang="cs-CZ" altLang="ja-JP" sz="1000" b="1" dirty="0">
                 <a:solidFill>
                   <a:srgbClr val="1F1F1F"/>
                 </a:solidFill>
-                <a:latin typeface="Adobe Clean Han Regular" panose="020B0500000000000000" pitchFamily="34" charset="-128"/>
-                <a:ea typeface="Adobe Clean Han Regular" panose="020B0500000000000000" pitchFamily="34" charset="-128"/>
+                <a:latin typeface="Adobe Clean Han Bold" panose="020B0600000000000000" pitchFamily="34" charset="-128"/>
+                <a:ea typeface="Adobe Clean Han Bold" panose="020B0600000000000000" pitchFamily="34" charset="-128"/>
                 <a:cs typeface="AdobeClean-Light"/>
               </a:rPr>
             </a:br>
@@ -11660,8 +12258,8 @@
                 <a:solidFill>
                   <a:srgbClr val="1F1F1F"/>
                 </a:solidFill>
-                <a:latin typeface="Adobe Clean Han Regular" panose="020B0500000000000000" pitchFamily="34" charset="-128"/>
-                <a:ea typeface="Adobe Clean Han Regular" panose="020B0500000000000000" pitchFamily="34" charset="-128"/>
+                <a:latin typeface="Adobe Clean Han Bold" panose="020B0600000000000000" pitchFamily="34" charset="-128"/>
+                <a:ea typeface="Adobe Clean Han Bold" panose="020B0600000000000000" pitchFamily="34" charset="-128"/>
                 <a:cs typeface="AdobeClean-Light"/>
               </a:rPr>
               <a:t>1 年ごとに 2 つのアクティビティを利用できます</a:t>
@@ -11671,8 +12269,8 @@
                 <a:solidFill>
                   <a:srgbClr val="1F1F1F"/>
                 </a:solidFill>
-                <a:latin typeface="Adobe Clean Han Regular" panose="020B0500000000000000" pitchFamily="34" charset="-128"/>
-                <a:ea typeface="Adobe Clean Han Regular" panose="020B0500000000000000" pitchFamily="34" charset="-128"/>
+                <a:latin typeface="Adobe Clean Han Light" panose="020B0300000000000000" pitchFamily="34" charset="-128"/>
+                <a:ea typeface="Adobe Clean Han Light" panose="020B0300000000000000" pitchFamily="34" charset="-128"/>
                 <a:cs typeface="AdobeClean-Light"/>
               </a:rPr>
               <a:t>。</a:t>
@@ -11694,8 +12292,8 @@
         </p:nvSpPr>
         <p:spPr>
           <a:xfrm>
-            <a:off x="2236134" y="2168544"/>
-            <a:ext cx="826006" cy="430887"/>
+            <a:off x="2129029" y="2317134"/>
+            <a:ext cx="933111" cy="246221"/>
           </a:xfrm>
           <a:prstGeom prst="rect">
             <a:avLst/>
@@ -11710,24 +12308,11 @@
           <a:p>
             <a:pPr algn="ctr"/>
             <a:r>
-              <a:rPr lang="ja-JP" sz="1100" dirty="0">
+              <a:rPr lang="ja-JP" sz="1000" spc="-170" dirty="0">
                 <a:latin typeface="Adobe Clean Han Regular" panose="020B0500000000000000" pitchFamily="34" charset="-128"/>
                 <a:ea typeface="Adobe Clean Han Regular" panose="020B0500000000000000" pitchFamily="34" charset="-128"/>
               </a:rPr>
-              <a:t>サービ</a:t>
-            </a:r>
-            <a:br>
-              <a:rPr lang="sk-SK" altLang="ja-JP" sz="1100" dirty="0">
-                <a:latin typeface="Adobe Clean Han Regular" panose="020B0500000000000000" pitchFamily="34" charset="-128"/>
-                <a:ea typeface="Adobe Clean Han Regular" panose="020B0500000000000000" pitchFamily="34" charset="-128"/>
-              </a:rPr>
-            </a:br>
-            <a:r>
-              <a:rPr lang="ja-JP" sz="1100" dirty="0">
-                <a:latin typeface="Adobe Clean Han Regular" panose="020B0500000000000000" pitchFamily="34" charset="-128"/>
-                <a:ea typeface="Adobe Clean Han Regular" panose="020B0500000000000000" pitchFamily="34" charset="-128"/>
-              </a:rPr>
-              <a:t>スイン</a:t>
+              <a:t>サービスイン</a:t>
             </a:r>
           </a:p>
         </p:txBody>
@@ -11747,7 +12332,7 @@
         <p:spPr>
           <a:xfrm>
             <a:off x="878679" y="2320287"/>
-            <a:ext cx="826006" cy="261610"/>
+            <a:ext cx="826006" cy="246221"/>
           </a:xfrm>
           <a:prstGeom prst="rect">
             <a:avLst/>
@@ -11762,7 +12347,7 @@
           <a:p>
             <a:pPr algn="ctr"/>
             <a:r>
-              <a:rPr lang="ja-JP" sz="1100">
+              <a:rPr lang="ja-JP" sz="1000">
                 <a:latin typeface="Adobe Clean Han Regular" panose="020B0500000000000000" pitchFamily="34" charset="-128"/>
                 <a:ea typeface="Adobe Clean Han Regular" panose="020B0500000000000000" pitchFamily="34" charset="-128"/>
               </a:rPr>
@@ -11785,8 +12370,8 @@
         </p:nvSpPr>
         <p:spPr>
           <a:xfrm>
-            <a:off x="172087" y="2330087"/>
-            <a:ext cx="892676" cy="261610"/>
+            <a:off x="205422" y="2330087"/>
+            <a:ext cx="826006" cy="246221"/>
           </a:xfrm>
           <a:prstGeom prst="rect">
             <a:avLst/>
@@ -11801,7 +12386,7 @@
           <a:p>
             <a:pPr algn="ctr"/>
             <a:r>
-              <a:rPr lang="ja-JP" sz="1100" dirty="0">
+              <a:rPr lang="ja-JP" sz="1000">
                 <a:latin typeface="Adobe Clean Han Regular" panose="020B0500000000000000" pitchFamily="34" charset="-128"/>
                 <a:ea typeface="Adobe Clean Han Regular" panose="020B0500000000000000" pitchFamily="34" charset="-128"/>
               </a:rPr>
@@ -11825,7 +12410,7 @@
         <p:spPr>
           <a:xfrm>
             <a:off x="1558548" y="2320287"/>
-            <a:ext cx="826006" cy="261610"/>
+            <a:ext cx="826006" cy="246221"/>
           </a:xfrm>
           <a:prstGeom prst="rect">
             <a:avLst/>
@@ -11840,7 +12425,7 @@
           <a:p>
             <a:pPr algn="ctr"/>
             <a:r>
-              <a:rPr lang="ja-JP" sz="1100" dirty="0">
+              <a:rPr lang="ja-JP" sz="1000" spc="-100">
                 <a:latin typeface="Adobe Clean Han Regular" panose="020B0500000000000000" pitchFamily="34" charset="-128"/>
                 <a:ea typeface="Adobe Clean Han Regular" panose="020B0500000000000000" pitchFamily="34" charset="-128"/>
               </a:rPr>
@@ -11901,7 +12486,7 @@
           <a:p>
             <a:pPr algn="ctr"/>
             <a:r>
-              <a:rPr lang="ja-JP">
+              <a:rPr lang="ja-JP" dirty="0">
                 <a:solidFill>
                   <a:schemeClr val="accent1">
                     <a:lumMod val="50000"/>
@@ -11911,6 +12496,84 @@
                 <a:ea typeface="Adobe Clean Han Regular" panose="020B0500000000000000" pitchFamily="34" charset="-128"/>
               </a:rPr>
               <a:t>1 年ごとに 2 つのアクティビティ</a:t>
+            </a:r>
+          </a:p>
+        </p:txBody>
+      </p:sp>
+      <p:sp>
+        <p:nvSpPr>
+          <p:cNvPr id="35" name="object 11">
+            <a:extLst>
+              <a:ext uri="{FF2B5EF4-FFF2-40B4-BE49-F238E27FC236}">
+                <a16:creationId xmlns:a16="http://schemas.microsoft.com/office/drawing/2014/main" id="{8EDCA538-35C4-48E4-B4FA-FA2EBFF222CC}"/>
+              </a:ext>
+            </a:extLst>
+          </p:cNvPr>
+          <p:cNvSpPr txBox="1">
+            <a:spLocks noGrp="1"/>
+          </p:cNvSpPr>
+          <p:nvPr>
+            <p:ph type="ftr" sz="quarter" idx="5"/>
+          </p:nvPr>
+        </p:nvSpPr>
+        <p:spPr>
+          <a:xfrm>
+            <a:off x="97788" y="9888626"/>
+            <a:ext cx="2245360" cy="133370"/>
+          </a:xfrm>
+          <a:prstGeom prst="rect">
+            <a:avLst/>
+          </a:prstGeom>
+        </p:spPr>
+        <p:txBody>
+          <a:bodyPr vert="horz" wrap="square" lIns="0" tIns="10160" rIns="0" bIns="0" rtlCol="0">
+            <a:spAutoFit/>
+          </a:bodyPr>
+          <a:lstStyle/>
+          <a:p>
+            <a:pPr marL="12700">
+              <a:lnSpc>
+                <a:spcPct val="100000"/>
+              </a:lnSpc>
+              <a:spcBef>
+                <a:spcPts val="80"/>
+              </a:spcBef>
+            </a:pPr>
+            <a:r>
+              <a:rPr spc="-10" dirty="0"/>
+              <a:t>©202</a:t>
+            </a:r>
+            <a:r>
+              <a:rPr lang="en-US" spc="-10" dirty="0"/>
+              <a:t>1</a:t>
+            </a:r>
+            <a:r>
+              <a:rPr spc="-5" dirty="0"/>
+              <a:t> Adobe. All</a:t>
+            </a:r>
+            <a:r>
+              <a:rPr spc="-10" dirty="0"/>
+              <a:t> Rights</a:t>
+            </a:r>
+            <a:r>
+              <a:rPr spc="-5" dirty="0"/>
+              <a:t> </a:t>
+            </a:r>
+            <a:r>
+              <a:rPr spc="-10" dirty="0"/>
+              <a:t>Reserved.</a:t>
+            </a:r>
+            <a:r>
+              <a:rPr spc="-5" dirty="0"/>
+              <a:t> Adobe</a:t>
+            </a:r>
+            <a:r>
+              <a:rPr spc="60" dirty="0"/>
+              <a:t> </a:t>
+            </a:r>
+            <a:r>
+              <a:rPr spc="-10" dirty="0"/>
+              <a:t>Confidential.</a:t>
             </a:r>
           </a:p>
         </p:txBody>
@@ -12104,138 +12767,11 @@
                 <a:solidFill>
                   <a:srgbClr val="020302"/>
                 </a:solidFill>
-                <a:latin typeface="Adobe Clean Han Regular" panose="020B0500000000000000" pitchFamily="34" charset="-128"/>
-                <a:ea typeface="Adobe Clean Han Regular" panose="020B0500000000000000" pitchFamily="34" charset="-128"/>
+                <a:latin typeface="Adobe Clean Han Bold" panose="020B0600000000000000" pitchFamily="34" charset="-128"/>
+                <a:ea typeface="Adobe Clean Han Bold" panose="020B0600000000000000" pitchFamily="34" charset="-128"/>
                 <a:cs typeface="Adobe Clean"/>
               </a:rPr>
               <a:t>リソース</a:t>
-            </a:r>
-          </a:p>
-        </p:txBody>
-      </p:sp>
-      <p:sp>
-        <p:nvSpPr>
-          <p:cNvPr id="24" name="object 24"/>
-          <p:cNvSpPr txBox="1"/>
-          <p:nvPr/>
-        </p:nvSpPr>
-        <p:spPr>
-          <a:xfrm>
-            <a:off x="6754821" y="9283729"/>
-            <a:ext cx="1017579" cy="662305"/>
-          </a:xfrm>
-          <a:prstGeom prst="rect">
-            <a:avLst/>
-          </a:prstGeom>
-        </p:spPr>
-        <p:txBody>
-          <a:bodyPr vert="horz" wrap="square" lIns="0" tIns="12065" rIns="0" bIns="0" rtlCol="0">
-            <a:spAutoFit/>
-          </a:bodyPr>
-          <a:lstStyle/>
-          <a:p>
-            <a:pPr marL="12700">
-              <a:lnSpc>
-                <a:spcPts val="930"/>
-              </a:lnSpc>
-              <a:spcBef>
-                <a:spcPts val="95"/>
-              </a:spcBef>
-            </a:pPr>
-            <a:r>
-              <a:rPr lang="ja-JP" sz="800" dirty="0">
-                <a:solidFill>
-                  <a:srgbClr val="777879"/>
-                </a:solidFill>
-                <a:latin typeface="Adobe Clean"/>
-                <a:ea typeface="MS Mincho"/>
-                <a:cs typeface="Adobe Clean"/>
-              </a:rPr>
-              <a:t>Adobe</a:t>
-            </a:r>
-          </a:p>
-          <a:p>
-            <a:pPr marL="12700">
-              <a:lnSpc>
-                <a:spcPts val="915"/>
-              </a:lnSpc>
-            </a:pPr>
-            <a:r>
-              <a:rPr lang="ja-JP" sz="800" dirty="0">
-                <a:solidFill>
-                  <a:srgbClr val="777879"/>
-                </a:solidFill>
-                <a:latin typeface="Adobe Clean"/>
-                <a:ea typeface="MS Mincho"/>
-                <a:cs typeface="Adobe Clean"/>
-              </a:rPr>
-              <a:t>345 Park Avenue</a:t>
-            </a:r>
-          </a:p>
-          <a:p>
-            <a:pPr marL="12700">
-              <a:lnSpc>
-                <a:spcPts val="944"/>
-              </a:lnSpc>
-            </a:pPr>
-            <a:r>
-              <a:rPr lang="ja-JP" sz="800" dirty="0">
-                <a:solidFill>
-                  <a:srgbClr val="777879"/>
-                </a:solidFill>
-                <a:latin typeface="Adobe Clean"/>
-                <a:ea typeface="MS Mincho"/>
-                <a:cs typeface="Adobe Clean"/>
-              </a:rPr>
-              <a:t>San Jose, CA95110-2704</a:t>
-            </a:r>
-          </a:p>
-          <a:p>
-            <a:pPr marL="12700">
-              <a:lnSpc>
-                <a:spcPct val="100000"/>
-              </a:lnSpc>
-              <a:spcBef>
-                <a:spcPts val="45"/>
-              </a:spcBef>
-            </a:pPr>
-            <a:r>
-              <a:rPr lang="ja-JP" sz="800" dirty="0">
-                <a:solidFill>
-                  <a:srgbClr val="777879"/>
-                </a:solidFill>
-                <a:latin typeface="Adobe Clean"/>
-                <a:ea typeface="MS Mincho"/>
-                <a:cs typeface="Adobe Clean"/>
-              </a:rPr>
-              <a:t>USA</a:t>
-            </a:r>
-          </a:p>
-          <a:p>
-            <a:pPr marL="12700">
-              <a:lnSpc>
-                <a:spcPct val="100000"/>
-              </a:lnSpc>
-              <a:spcBef>
-                <a:spcPts val="265"/>
-              </a:spcBef>
-            </a:pPr>
-            <a:r>
-              <a:rPr lang="ja-JP" sz="800" u="sng" dirty="0">
-                <a:solidFill>
-                  <a:srgbClr val="5F5F5F"/>
-                </a:solidFill>
-                <a:uFill>
-                  <a:solidFill>
-                    <a:srgbClr val="0000FF"/>
-                  </a:solidFill>
-                </a:uFill>
-                <a:latin typeface="Adobe Clean"/>
-                <a:ea typeface="MS Mincho"/>
-                <a:cs typeface="Adobe Clean"/>
-                <a:hlinkClick r:id="rId3"/>
-              </a:rPr>
-              <a:t>www.adobe.com</a:t>
             </a:r>
           </a:p>
         </p:txBody>
@@ -12255,7 +12791,7 @@
             <a:avLst/>
           </a:prstGeom>
           <a:blipFill>
-            <a:blip r:embed="rId4" cstate="print"/>
+            <a:blip r:embed="rId3" cstate="print"/>
             <a:stretch>
               <a:fillRect/>
             </a:stretch>
@@ -12367,7 +12903,7 @@
             <a:avLst/>
           </a:prstGeom>
           <a:blipFill>
-            <a:blip r:embed="rId5" cstate="print"/>
+            <a:blip r:embed="rId4" cstate="print"/>
             <a:stretch>
               <a:fillRect/>
             </a:stretch>
@@ -12390,7 +12926,7 @@
         <p:spPr>
           <a:xfrm>
             <a:off x="75947" y="9437110"/>
-            <a:ext cx="6028760" cy="563616"/>
+            <a:ext cx="5896662" cy="563616"/>
           </a:xfrm>
           <a:prstGeom prst="rect">
             <a:avLst/>
@@ -12432,16 +12968,39 @@
               </a:spcBef>
             </a:pPr>
             <a:r>
-              <a:rPr lang="ja-JP" sz="800" dirty="0">
+              <a:rPr lang="en-US" sz="800" spc="-5" dirty="0">
                 <a:solidFill>
                   <a:srgbClr val="6D6D6D"/>
                 </a:solidFill>
                 <a:latin typeface="Adobe Clean"/>
-                <a:ea typeface="MS Mincho"/>
                 <a:cs typeface="Adobe Clean"/>
               </a:rPr>
-              <a:t>©2021 Adobe.All Rights Reserved.Adobe Confidential.</a:t>
-            </a:r>
+              <a:t>©2021 Adobe. All Rights Reserved. Adobe</a:t>
+            </a:r>
+            <a:r>
+              <a:rPr lang="en-US" sz="800" spc="75" dirty="0">
+                <a:solidFill>
+                  <a:srgbClr val="6D6D6D"/>
+                </a:solidFill>
+                <a:latin typeface="Adobe Clean"/>
+                <a:cs typeface="Adobe Clean"/>
+              </a:rPr>
+              <a:t> </a:t>
+            </a:r>
+            <a:r>
+              <a:rPr lang="en-US" sz="800" spc="-5" dirty="0">
+                <a:solidFill>
+                  <a:srgbClr val="6D6D6D"/>
+                </a:solidFill>
+                <a:latin typeface="Adobe Clean"/>
+                <a:cs typeface="Adobe Clean"/>
+              </a:rPr>
+              <a:t>Confidential.</a:t>
+            </a:r>
+            <a:endParaRPr lang="en-US" sz="800" dirty="0">
+              <a:latin typeface="Adobe Clean"/>
+              <a:cs typeface="Adobe Clean"/>
+            </a:endParaRPr>
           </a:p>
         </p:txBody>
       </p:sp>
@@ -12482,8 +13041,8 @@
                 <a:solidFill>
                   <a:srgbClr val="020302"/>
                 </a:solidFill>
-                <a:latin typeface="Adobe Clean Han Regular" panose="020B0500000000000000" pitchFamily="34" charset="-128"/>
-                <a:ea typeface="Adobe Clean Han Regular" panose="020B0500000000000000" pitchFamily="34" charset="-128"/>
+                <a:latin typeface="Adobe Clean Han Bold" panose="020B0600000000000000" pitchFamily="34" charset="-128"/>
+                <a:ea typeface="Adobe Clean Han Bold" panose="020B0600000000000000" pitchFamily="34" charset="-128"/>
                 <a:cs typeface="Adobe Clean"/>
               </a:rPr>
               <a:t>アドビサポートの対象地域、現地の営業時間、言語サポート</a:t>
@@ -12503,47 +13062,7 @@
                 <a:latin typeface="Adobe Clean Han Light" panose="020B0300000000000000" pitchFamily="34" charset="-128"/>
                 <a:ea typeface="Adobe Clean Han Light" panose="020B0300000000000000" pitchFamily="34" charset="-128"/>
               </a:rPr>
-              <a:t>アドビサポートの対象地域と現地営業時間は、以下のとおりです。対象地域は、お客様のセールスオーダーやその他のアドビサポー</a:t>
-            </a:r>
-            <a:r>
-              <a:rPr lang="ja-JP" sz="1000">
-                <a:solidFill>
-                  <a:srgbClr val="1F1F1F"/>
-                </a:solidFill>
-                <a:latin typeface="Adobe Clean Han Light" panose="020B0300000000000000" pitchFamily="34" charset="-128"/>
-                <a:ea typeface="Adobe Clean Han Light" panose="020B0300000000000000" pitchFamily="34" charset="-128"/>
-              </a:rPr>
-              <a:t>トの</a:t>
-            </a:r>
-            <a:r>
-              <a:rPr lang="ja-JP" altLang="en-US" sz="1000">
-                <a:solidFill>
-                  <a:srgbClr val="1F1F1F"/>
-                </a:solidFill>
-                <a:latin typeface="Adobe Clean Han Light" panose="020B0300000000000000" pitchFamily="34" charset="-128"/>
-                <a:ea typeface="Adobe Clean Han Light" panose="020B0300000000000000" pitchFamily="34" charset="-128"/>
-              </a:rPr>
-              <a:t>ご契約資料</a:t>
-            </a:r>
-            <a:r>
-              <a:rPr lang="ja-JP" sz="1000">
-                <a:solidFill>
-                  <a:srgbClr val="1F1F1F"/>
-                </a:solidFill>
-                <a:latin typeface="Adobe Clean Han Light" panose="020B0300000000000000" pitchFamily="34" charset="-128"/>
-                <a:ea typeface="Adobe Clean Han Light" panose="020B0300000000000000" pitchFamily="34" charset="-128"/>
-              </a:rPr>
-              <a:t>に</a:t>
-            </a:r>
-            <a:r>
-              <a:rPr lang="ja-JP" sz="1000" dirty="0">
-                <a:solidFill>
-                  <a:srgbClr val="1F1F1F"/>
-                </a:solidFill>
-                <a:latin typeface="Adobe Clean Han Light" panose="020B0300000000000000" pitchFamily="34" charset="-128"/>
-                <a:ea typeface="Adobe Clean Han Light" panose="020B0300000000000000" pitchFamily="34" charset="-128"/>
-              </a:rPr>
-              <a:t>記載されている請求先の地域に準じます。</a:t>
+              <a:t>アドビサポートの対象地域と現地営業時間は、以下のとおりです。対象地域は、お客様のセールスオーダーやその他のアドビサポートのご契約資料に記載されている請求先の地域に準じます。</a:t>
             </a:r>
           </a:p>
         </p:txBody>
@@ -12563,7 +13082,7 @@
           <p:nvPr>
             <p:extLst>
               <p:ext uri="{D42A27DB-BD31-4B8C-83A1-F6EECF244321}">
-                <p14:modId xmlns:p14="http://schemas.microsoft.com/office/powerpoint/2010/main" val="1497308557"/>
+                <p14:modId xmlns:p14="http://schemas.microsoft.com/office/powerpoint/2010/main" val="677332330"/>
               </p:ext>
             </p:extLst>
           </p:nvPr>
@@ -12620,8 +13139,8 @@
                           <a:solidFill>
                             <a:schemeClr val="tx1"/>
                           </a:solidFill>
-                          <a:latin typeface="Adobe Clean Han Regular" panose="020B0500000000000000" pitchFamily="34" charset="-128"/>
-                          <a:ea typeface="Adobe Clean Han Regular" panose="020B0500000000000000" pitchFamily="34" charset="-128"/>
+                          <a:latin typeface="Adobe Clean Han Bold" panose="020B0600000000000000" pitchFamily="34" charset="-128"/>
+                          <a:ea typeface="Adobe Clean Han Bold" panose="020B0600000000000000" pitchFamily="34" charset="-128"/>
                         </a:rPr>
                         <a:t>南北アメリカ</a:t>
                       </a:r>
@@ -12686,95 +13205,39 @@
                           <a:solidFill>
                             <a:schemeClr val="tx1"/>
                           </a:solidFill>
-                          <a:latin typeface="Adobe Clean Han Regular" panose="020B0500000000000000" pitchFamily="34" charset="-128"/>
-                          <a:ea typeface="Adobe Clean Han Regular" panose="020B0500000000000000" pitchFamily="34" charset="-128"/>
+                          <a:latin typeface="Adobe Clean Han Bold" panose="020B0600000000000000" pitchFamily="34" charset="-128"/>
+                          <a:ea typeface="Adobe Clean Han Bold" panose="020B0600000000000000" pitchFamily="34" charset="-128"/>
                         </a:rPr>
                         <a:t>ヨーロッパ、中東、</a:t>
                       </a:r>
                       <a:br>
-                        <a:rPr lang="sk-SK" altLang="ja-JP" sz="1100" dirty="0">
+                        <a:rPr lang="cs-CZ" altLang="ja-JP" sz="1100">
                           <a:solidFill>
                             <a:schemeClr val="tx1"/>
                           </a:solidFill>
-                          <a:latin typeface="Adobe Clean Han Regular" panose="020B0500000000000000" pitchFamily="34" charset="-128"/>
-                          <a:ea typeface="Adobe Clean Han Regular" panose="020B0500000000000000" pitchFamily="34" charset="-128"/>
+                          <a:latin typeface="Adobe Clean Han Bold" panose="020B0600000000000000" pitchFamily="34" charset="-128"/>
+                          <a:ea typeface="Adobe Clean Han Bold" panose="020B0600000000000000" pitchFamily="34" charset="-128"/>
                         </a:rPr>
                       </a:br>
+                      <a:r>
+                        <a:rPr lang="ja-JP" sz="1100">
+                          <a:solidFill>
+                            <a:schemeClr val="tx1"/>
+                          </a:solidFill>
+                          <a:latin typeface="Adobe Clean Han Bold" panose="020B0600000000000000" pitchFamily="34" charset="-128"/>
+                          <a:ea typeface="Adobe Clean Han Bold" panose="020B0600000000000000" pitchFamily="34" charset="-128"/>
+                        </a:rPr>
+                        <a:t>ア</a:t>
+                      </a:r>
                       <a:r>
                         <a:rPr lang="ja-JP" sz="1100" dirty="0">
                           <a:solidFill>
                             <a:schemeClr val="tx1"/>
                           </a:solidFill>
-                          <a:latin typeface="Adobe Clean Han Regular" panose="020B0500000000000000" pitchFamily="34" charset="-128"/>
-                          <a:ea typeface="Adobe Clean Han Regular" panose="020B0500000000000000" pitchFamily="34" charset="-128"/>
+                          <a:latin typeface="Adobe Clean Han Bold" panose="020B0600000000000000" pitchFamily="34" charset="-128"/>
+                          <a:ea typeface="Adobe Clean Han Bold" panose="020B0600000000000000" pitchFamily="34" charset="-128"/>
                         </a:rPr>
-                        <a:t>アフリカ</a:t>
-                      </a:r>
-                    </a:p>
-                  </a:txBody>
-                  <a:tcPr anchor="ctr">
-                    <a:lnL w="12700" cap="flat" cmpd="sng" algn="ctr">
-                      <a:solidFill>
-                        <a:schemeClr val="bg1">
-                          <a:lumMod val="85000"/>
-                        </a:schemeClr>
-                      </a:solidFill>
-                      <a:prstDash val="solid"/>
-                      <a:round/>
-                      <a:headEnd type="none" w="med" len="med"/>
-                      <a:tailEnd type="none" w="med" len="med"/>
-                    </a:lnL>
-                    <a:lnR w="12700" cap="flat" cmpd="sng" algn="ctr">
-                      <a:solidFill>
-                        <a:schemeClr val="bg1">
-                          <a:lumMod val="85000"/>
-                        </a:schemeClr>
-                      </a:solidFill>
-                      <a:prstDash val="solid"/>
-                      <a:round/>
-                      <a:headEnd type="none" w="med" len="med"/>
-                      <a:tailEnd type="none" w="med" len="med"/>
-                    </a:lnR>
-                    <a:lnT w="12700" cap="flat" cmpd="sng" algn="ctr">
-                      <a:solidFill>
-                        <a:schemeClr val="bg1">
-                          <a:lumMod val="85000"/>
-                        </a:schemeClr>
-                      </a:solidFill>
-                      <a:prstDash val="solid"/>
-                      <a:round/>
-                      <a:headEnd type="none" w="med" len="med"/>
-                      <a:tailEnd type="none" w="med" len="med"/>
-                    </a:lnT>
-                    <a:lnB w="12700" cap="flat" cmpd="sng" algn="ctr">
-                      <a:solidFill>
-                        <a:schemeClr val="bg1">
-                          <a:lumMod val="85000"/>
-                        </a:schemeClr>
-                      </a:solidFill>
-                      <a:prstDash val="solid"/>
-                      <a:round/>
-                      <a:headEnd type="none" w="med" len="med"/>
-                      <a:tailEnd type="none" w="med" len="med"/>
-                    </a:lnB>
-                    <a:noFill/>
-                  </a:tcPr>
-                </a:tc>
-                <a:tc>
-                  <a:txBody>
-                    <a:bodyPr/>
-                    <a:lstStyle/>
-                    <a:p>
-                      <a:pPr algn="ctr"/>
-                      <a:r>
-                        <a:rPr lang="ja-JP" sz="1100" dirty="0">
-                          <a:solidFill>
-                            <a:schemeClr val="tx1"/>
-                          </a:solidFill>
-                          <a:latin typeface="Adobe Clean Han Regular" panose="020B0500000000000000" pitchFamily="34" charset="-128"/>
-                          <a:ea typeface="Adobe Clean Han Regular" panose="020B0500000000000000" pitchFamily="34" charset="-128"/>
-                        </a:rPr>
-                        <a:t>アジア太平洋</a:t>
+                        <a:t>フリカ</a:t>
                       </a:r>
                     </a:p>
                   </a:txBody>
@@ -12837,8 +13300,74 @@
                           <a:solidFill>
                             <a:schemeClr val="tx1"/>
                           </a:solidFill>
-                          <a:latin typeface="Adobe Clean Han Regular" panose="020B0500000000000000" pitchFamily="34" charset="-128"/>
-                          <a:ea typeface="Adobe Clean Han Regular" panose="020B0500000000000000" pitchFamily="34" charset="-128"/>
+                          <a:latin typeface="Adobe Clean Han Bold" panose="020B0600000000000000" pitchFamily="34" charset="-128"/>
+                          <a:ea typeface="Adobe Clean Han Bold" panose="020B0600000000000000" pitchFamily="34" charset="-128"/>
+                        </a:rPr>
+                        <a:t>アジア太平洋</a:t>
+                      </a:r>
+                    </a:p>
+                  </a:txBody>
+                  <a:tcPr anchor="ctr">
+                    <a:lnL w="12700" cap="flat" cmpd="sng" algn="ctr">
+                      <a:solidFill>
+                        <a:schemeClr val="bg1">
+                          <a:lumMod val="85000"/>
+                        </a:schemeClr>
+                      </a:solidFill>
+                      <a:prstDash val="solid"/>
+                      <a:round/>
+                      <a:headEnd type="none" w="med" len="med"/>
+                      <a:tailEnd type="none" w="med" len="med"/>
+                    </a:lnL>
+                    <a:lnR w="12700" cap="flat" cmpd="sng" algn="ctr">
+                      <a:solidFill>
+                        <a:schemeClr val="bg1">
+                          <a:lumMod val="85000"/>
+                        </a:schemeClr>
+                      </a:solidFill>
+                      <a:prstDash val="solid"/>
+                      <a:round/>
+                      <a:headEnd type="none" w="med" len="med"/>
+                      <a:tailEnd type="none" w="med" len="med"/>
+                    </a:lnR>
+                    <a:lnT w="12700" cap="flat" cmpd="sng" algn="ctr">
+                      <a:solidFill>
+                        <a:schemeClr val="bg1">
+                          <a:lumMod val="85000"/>
+                        </a:schemeClr>
+                      </a:solidFill>
+                      <a:prstDash val="solid"/>
+                      <a:round/>
+                      <a:headEnd type="none" w="med" len="med"/>
+                      <a:tailEnd type="none" w="med" len="med"/>
+                    </a:lnT>
+                    <a:lnB w="12700" cap="flat" cmpd="sng" algn="ctr">
+                      <a:solidFill>
+                        <a:schemeClr val="bg1">
+                          <a:lumMod val="85000"/>
+                        </a:schemeClr>
+                      </a:solidFill>
+                      <a:prstDash val="solid"/>
+                      <a:round/>
+                      <a:headEnd type="none" w="med" len="med"/>
+                      <a:tailEnd type="none" w="med" len="med"/>
+                    </a:lnB>
+                    <a:noFill/>
+                  </a:tcPr>
+                </a:tc>
+                <a:tc>
+                  <a:txBody>
+                    <a:bodyPr/>
+                    <a:lstStyle/>
+                    <a:p>
+                      <a:pPr algn="ctr"/>
+                      <a:r>
+                        <a:rPr lang="ja-JP" sz="1100">
+                          <a:solidFill>
+                            <a:schemeClr val="tx1"/>
+                          </a:solidFill>
+                          <a:latin typeface="Adobe Clean Han Bold" panose="020B0600000000000000" pitchFamily="34" charset="-128"/>
+                          <a:ea typeface="Adobe Clean Han Bold" panose="020B0600000000000000" pitchFamily="34" charset="-128"/>
                         </a:rPr>
                         <a:t>日本 </a:t>
                       </a:r>
@@ -12847,8 +13376,8 @@
                           <a:solidFill>
                             <a:schemeClr val="tx1"/>
                           </a:solidFill>
-                          <a:latin typeface="Adobe Clean Han Regular" panose="020B0500000000000000" pitchFamily="34" charset="-128"/>
-                          <a:ea typeface="Adobe Clean Han Regular" panose="020B0500000000000000" pitchFamily="34" charset="-128"/>
+                          <a:latin typeface="Adobe Clean Han Bold" panose="020B0600000000000000" pitchFamily="34" charset="-128"/>
+                          <a:ea typeface="Adobe Clean Han Bold" panose="020B0600000000000000" pitchFamily="34" charset="-128"/>
                         </a:rPr>
                         <a:t>1 </a:t>
                       </a:r>
@@ -12920,76 +13449,10 @@
                           <a:solidFill>
                             <a:schemeClr val="tx1"/>
                           </a:solidFill>
-                          <a:latin typeface="Adobe Clean Han Regular" panose="020B0500000000000000" pitchFamily="34" charset="-128"/>
-                          <a:ea typeface="Adobe Clean Han Regular" panose="020B0500000000000000" pitchFamily="34" charset="-128"/>
+                          <a:latin typeface="Adobe Clean Han Bold" panose="020B0600000000000000" pitchFamily="34" charset="-128"/>
+                          <a:ea typeface="Adobe Clean Han Bold" panose="020B0600000000000000" pitchFamily="34" charset="-128"/>
                         </a:rPr>
                         <a:t>午前 6:00 ～午後 5:30</a:t>
-                      </a:r>
-                    </a:p>
-                  </a:txBody>
-                  <a:tcPr anchor="ctr">
-                    <a:lnL w="12700" cap="flat" cmpd="sng" algn="ctr">
-                      <a:solidFill>
-                        <a:schemeClr val="bg1">
-                          <a:lumMod val="85000"/>
-                        </a:schemeClr>
-                      </a:solidFill>
-                      <a:prstDash val="solid"/>
-                      <a:round/>
-                      <a:headEnd type="none" w="med" len="med"/>
-                      <a:tailEnd type="none" w="med" len="med"/>
-                    </a:lnL>
-                    <a:lnR w="12700" cap="flat" cmpd="sng" algn="ctr">
-                      <a:solidFill>
-                        <a:schemeClr val="bg1">
-                          <a:lumMod val="85000"/>
-                        </a:schemeClr>
-                      </a:solidFill>
-                      <a:prstDash val="solid"/>
-                      <a:round/>
-                      <a:headEnd type="none" w="med" len="med"/>
-                      <a:tailEnd type="none" w="med" len="med"/>
-                    </a:lnR>
-                    <a:lnT w="12700" cap="flat" cmpd="sng" algn="ctr">
-                      <a:solidFill>
-                        <a:schemeClr val="bg1">
-                          <a:lumMod val="85000"/>
-                        </a:schemeClr>
-                      </a:solidFill>
-                      <a:prstDash val="solid"/>
-                      <a:round/>
-                      <a:headEnd type="none" w="med" len="med"/>
-                      <a:tailEnd type="none" w="med" len="med"/>
-                    </a:lnT>
-                    <a:lnB w="12700" cap="flat" cmpd="sng" algn="ctr">
-                      <a:solidFill>
-                        <a:schemeClr val="bg1">
-                          <a:lumMod val="85000"/>
-                        </a:schemeClr>
-                      </a:solidFill>
-                      <a:prstDash val="solid"/>
-                      <a:round/>
-                      <a:headEnd type="none" w="med" len="med"/>
-                      <a:tailEnd type="none" w="med" len="med"/>
-                    </a:lnB>
-                    <a:noFill/>
-                  </a:tcPr>
-                </a:tc>
-                <a:tc>
-                  <a:txBody>
-                    <a:bodyPr/>
-                    <a:lstStyle/>
-                    <a:p>
-                      <a:pPr algn="ctr"/>
-                      <a:r>
-                        <a:rPr lang="ja-JP" sz="1100">
-                          <a:solidFill>
-                            <a:schemeClr val="tx1"/>
-                          </a:solidFill>
-                          <a:latin typeface="Adobe Clean Han Regular" panose="020B0500000000000000" pitchFamily="34" charset="-128"/>
-                          <a:ea typeface="Adobe Clean Han Regular" panose="020B0500000000000000" pitchFamily="34" charset="-128"/>
-                        </a:rPr>
-                        <a:t>午前 9:00 ～午後 5:00</a:t>
                       </a:r>
                     </a:p>
                   </a:txBody>
@@ -13052,8 +13515,8 @@
                           <a:solidFill>
                             <a:schemeClr val="tx1"/>
                           </a:solidFill>
-                          <a:latin typeface="Adobe Clean Han Regular" panose="020B0500000000000000" pitchFamily="34" charset="-128"/>
-                          <a:ea typeface="Adobe Clean Han Regular" panose="020B0500000000000000" pitchFamily="34" charset="-128"/>
+                          <a:latin typeface="Adobe Clean Han Bold" panose="020B0600000000000000" pitchFamily="34" charset="-128"/>
+                          <a:ea typeface="Adobe Clean Han Bold" panose="020B0600000000000000" pitchFamily="34" charset="-128"/>
                         </a:rPr>
                         <a:t>午前 9:00 ～午後 5:00</a:t>
                       </a:r>
@@ -13118,8 +13581,74 @@
                           <a:solidFill>
                             <a:schemeClr val="tx1"/>
                           </a:solidFill>
-                          <a:latin typeface="Adobe Clean Han Regular" panose="020B0500000000000000" pitchFamily="34" charset="-128"/>
-                          <a:ea typeface="Adobe Clean Han Regular" panose="020B0500000000000000" pitchFamily="34" charset="-128"/>
+                          <a:latin typeface="Adobe Clean Han Bold" panose="020B0600000000000000" pitchFamily="34" charset="-128"/>
+                          <a:ea typeface="Adobe Clean Han Bold" panose="020B0600000000000000" pitchFamily="34" charset="-128"/>
+                        </a:rPr>
+                        <a:t>午前 9:00 ～午後 5:00</a:t>
+                      </a:r>
+                    </a:p>
+                  </a:txBody>
+                  <a:tcPr anchor="ctr">
+                    <a:lnL w="12700" cap="flat" cmpd="sng" algn="ctr">
+                      <a:solidFill>
+                        <a:schemeClr val="bg1">
+                          <a:lumMod val="85000"/>
+                        </a:schemeClr>
+                      </a:solidFill>
+                      <a:prstDash val="solid"/>
+                      <a:round/>
+                      <a:headEnd type="none" w="med" len="med"/>
+                      <a:tailEnd type="none" w="med" len="med"/>
+                    </a:lnL>
+                    <a:lnR w="12700" cap="flat" cmpd="sng" algn="ctr">
+                      <a:solidFill>
+                        <a:schemeClr val="bg1">
+                          <a:lumMod val="85000"/>
+                        </a:schemeClr>
+                      </a:solidFill>
+                      <a:prstDash val="solid"/>
+                      <a:round/>
+                      <a:headEnd type="none" w="med" len="med"/>
+                      <a:tailEnd type="none" w="med" len="med"/>
+                    </a:lnR>
+                    <a:lnT w="12700" cap="flat" cmpd="sng" algn="ctr">
+                      <a:solidFill>
+                        <a:schemeClr val="bg1">
+                          <a:lumMod val="85000"/>
+                        </a:schemeClr>
+                      </a:solidFill>
+                      <a:prstDash val="solid"/>
+                      <a:round/>
+                      <a:headEnd type="none" w="med" len="med"/>
+                      <a:tailEnd type="none" w="med" len="med"/>
+                    </a:lnT>
+                    <a:lnB w="12700" cap="flat" cmpd="sng" algn="ctr">
+                      <a:solidFill>
+                        <a:schemeClr val="bg1">
+                          <a:lumMod val="85000"/>
+                        </a:schemeClr>
+                      </a:solidFill>
+                      <a:prstDash val="solid"/>
+                      <a:round/>
+                      <a:headEnd type="none" w="med" len="med"/>
+                      <a:tailEnd type="none" w="med" len="med"/>
+                    </a:lnB>
+                    <a:noFill/>
+                  </a:tcPr>
+                </a:tc>
+                <a:tc>
+                  <a:txBody>
+                    <a:bodyPr/>
+                    <a:lstStyle/>
+                    <a:p>
+                      <a:pPr algn="ctr"/>
+                      <a:r>
+                        <a:rPr lang="ja-JP" sz="1100" dirty="0">
+                          <a:solidFill>
+                            <a:schemeClr val="tx1"/>
+                          </a:solidFill>
+                          <a:latin typeface="Adobe Clean Han Bold" panose="020B0600000000000000" pitchFamily="34" charset="-128"/>
+                          <a:ea typeface="Adobe Clean Han Bold" panose="020B0600000000000000" pitchFamily="34" charset="-128"/>
                         </a:rPr>
                         <a:t>午前 9:00 ～午後 5:30</a:t>
                       </a:r>
@@ -13199,8 +13728,8 @@
                       </a:pPr>
                       <a:r>
                         <a:rPr lang="ja-JP" sz="1100" b="0" i="0" u="none" strike="noStrike" noProof="0" dirty="0">
-                          <a:latin typeface="Adobe Clean Han Regular" panose="020B0500000000000000" pitchFamily="34" charset="-128"/>
-                          <a:ea typeface="Adobe Clean Han Regular" panose="020B0500000000000000" pitchFamily="34" charset="-128"/>
+                          <a:latin typeface="Adobe Clean Han Bold" panose="020B0600000000000000" pitchFamily="34" charset="-128"/>
+                          <a:ea typeface="Adobe Clean Han Bold" panose="020B0600000000000000" pitchFamily="34" charset="-128"/>
                         </a:rPr>
                         <a:t>サポートで対応している言語は、英語および日本語のみです。</a:t>
                       </a:r>
@@ -13219,8 +13748,8 @@
                         <a:buNone/>
                       </a:pPr>
                       <a:endParaRPr lang="en-US" sz="1100" b="0" i="0" u="none" strike="noStrike" noProof="0" dirty="0">
-                        <a:latin typeface="Adobe Clean Han Regular" panose="020B0500000000000000" pitchFamily="34" charset="-128"/>
-                        <a:ea typeface="Adobe Clean Han Regular" panose="020B0500000000000000" pitchFamily="34" charset="-128"/>
+                        <a:latin typeface="Adobe Clean Han Bold" panose="020B0600000000000000" pitchFamily="34" charset="-128"/>
+                        <a:ea typeface="Adobe Clean Han Bold" panose="020B0600000000000000" pitchFamily="34" charset="-128"/>
                       </a:endParaRPr>
                     </a:p>
                     <a:p>
@@ -13238,22 +13767,22 @@
                       </a:pPr>
                       <a:r>
                         <a:rPr lang="ja-JP" sz="1100" b="0" i="0" u="none" strike="noStrike" noProof="0" dirty="0">
-                          <a:latin typeface="Adobe Clean Han Regular" panose="020B0500000000000000" pitchFamily="34" charset="-128"/>
-                          <a:ea typeface="Adobe Clean Han Regular" panose="020B0500000000000000" pitchFamily="34" charset="-128"/>
+                          <a:latin typeface="Adobe Clean Han Bold" panose="020B0600000000000000" pitchFamily="34" charset="-128"/>
+                          <a:ea typeface="Adobe Clean Han Bold" panose="020B0600000000000000" pitchFamily="34" charset="-128"/>
                         </a:rPr>
                         <a:t> </a:t>
                       </a:r>
                       <a:r>
                         <a:rPr lang="ja-JP" sz="1100" b="0" i="0" u="none" strike="noStrike" baseline="30000" noProof="0" dirty="0">
-                          <a:latin typeface="Adobe Clean Han Regular" panose="020B0500000000000000" pitchFamily="34" charset="-128"/>
-                          <a:ea typeface="Adobe Clean Han Regular" panose="020B0500000000000000" pitchFamily="34" charset="-128"/>
+                          <a:latin typeface="Adobe Clean Han Bold" panose="020B0600000000000000" pitchFamily="34" charset="-128"/>
+                          <a:ea typeface="Adobe Clean Han Bold" panose="020B0600000000000000" pitchFamily="34" charset="-128"/>
                         </a:rPr>
                         <a:t>1 </a:t>
                       </a:r>
                       <a:r>
                         <a:rPr lang="ja-JP" sz="1100" b="0" i="0" u="none" strike="noStrike" noProof="0" dirty="0">
-                          <a:latin typeface="Adobe Clean Han Regular" panose="020B0500000000000000" pitchFamily="34" charset="-128"/>
-                          <a:ea typeface="Adobe Clean Han Regular" panose="020B0500000000000000" pitchFamily="34" charset="-128"/>
+                          <a:latin typeface="Adobe Clean Han Bold" panose="020B0600000000000000" pitchFamily="34" charset="-128"/>
+                          <a:ea typeface="Adobe Clean Han Bold" panose="020B0600000000000000" pitchFamily="34" charset="-128"/>
                         </a:rPr>
                         <a:t>P2、P3、P4 の場合は、営業時間内のみの対応です。</a:t>
                       </a:r>
@@ -13569,7 +14098,7 @@
           <p:nvPr/>
         </p:nvPicPr>
         <p:blipFill>
-          <a:blip r:embed="rId6" cstate="print"/>
+          <a:blip r:embed="rId5" cstate="print"/>
           <a:stretch>
             <a:fillRect/>
           </a:stretch>
@@ -13599,7 +14128,7 @@
         <p:spPr>
           <a:xfrm>
             <a:off x="2840871" y="8528519"/>
-            <a:ext cx="810895" cy="385445"/>
+            <a:ext cx="810895" cy="408445"/>
           </a:xfrm>
           <a:prstGeom prst="rect">
             <a:avLst/>
@@ -13611,7 +14140,7 @@
           </a:bodyPr>
           <a:lstStyle/>
           <a:p>
-            <a:pPr marR="5080" algn="ctr">
+            <a:pPr marL="139065" marR="5080" indent="-139065" algn="ctr">
               <a:lnSpc>
                 <a:spcPts val="1390"/>
               </a:lnSpc>
@@ -13624,29 +14153,37 @@
                 <a:solidFill>
                   <a:srgbClr val="FFFFFF"/>
                 </a:solidFill>
-                <a:latin typeface="Adobe Clean Han Regular" panose="020B0500000000000000" pitchFamily="34" charset="-128"/>
-                <a:ea typeface="Adobe Clean Han Regular" panose="020B0500000000000000" pitchFamily="34" charset="-128"/>
+                <a:latin typeface="Adobe Clean Han Bold" panose="020B0600000000000000" pitchFamily="34" charset="-128"/>
+                <a:ea typeface="Adobe Clean Han Bold" panose="020B0600000000000000" pitchFamily="34" charset="-128"/>
                 <a:cs typeface="Adobe Clean"/>
               </a:rPr>
               <a:t>卓越した</a:t>
             </a:r>
-            <a:br>
+            <a:endParaRPr lang="cs-CZ" altLang="ja-JP" sz="1200" b="1" dirty="0">
+              <a:solidFill>
+                <a:srgbClr val="FFFFFF"/>
+              </a:solidFill>
+              <a:latin typeface="Adobe Clean Han Bold" panose="020B0600000000000000" pitchFamily="34" charset="-128"/>
+              <a:ea typeface="Adobe Clean Han Bold" panose="020B0600000000000000" pitchFamily="34" charset="-128"/>
+              <a:cs typeface="Adobe Clean"/>
+            </a:endParaRPr>
+          </a:p>
+          <a:p>
+            <a:pPr marL="139065" marR="5080" indent="-139065" algn="ctr">
+              <a:lnSpc>
+                <a:spcPts val="1390"/>
+              </a:lnSpc>
+              <a:spcBef>
+                <a:spcPts val="185"/>
+              </a:spcBef>
+            </a:pPr>
+            <a:r>
               <a:rPr lang="ja-JP" sz="1200" b="1" dirty="0">
                 <a:solidFill>
                   <a:srgbClr val="FFFFFF"/>
                 </a:solidFill>
-                <a:latin typeface="Adobe Clean Han Regular" panose="020B0500000000000000" pitchFamily="34" charset="-128"/>
-                <a:ea typeface="Adobe Clean Han Regular" panose="020B0500000000000000" pitchFamily="34" charset="-128"/>
-                <a:cs typeface="Adobe Clean"/>
-              </a:rPr>
-            </a:br>
-            <a:r>
-              <a:rPr lang="ja-JP" sz="1200" b="1" dirty="0">
-                <a:solidFill>
-                  <a:srgbClr val="FFFFFF"/>
-                </a:solidFill>
-                <a:latin typeface="Adobe Clean Han Regular" panose="020B0500000000000000" pitchFamily="34" charset="-128"/>
-                <a:ea typeface="Adobe Clean Han Regular" panose="020B0500000000000000" pitchFamily="34" charset="-128"/>
+                <a:latin typeface="Adobe Clean Han Bold" panose="020B0600000000000000" pitchFamily="34" charset="-128"/>
+                <a:ea typeface="Adobe Clean Han Bold" panose="020B0600000000000000" pitchFamily="34" charset="-128"/>
                 <a:cs typeface="Adobe Clean"/>
               </a:rPr>
               <a:t>専門知識</a:t>
@@ -13669,7 +14206,7 @@
         <p:spPr>
           <a:xfrm>
             <a:off x="4732495" y="8541244"/>
-            <a:ext cx="810895" cy="382797"/>
+            <a:ext cx="810895" cy="408445"/>
           </a:xfrm>
           <a:prstGeom prst="rect">
             <a:avLst/>
@@ -13681,7 +14218,7 @@
           </a:bodyPr>
           <a:lstStyle/>
           <a:p>
-            <a:pPr marR="5080" algn="ctr">
+            <a:pPr marL="139065" marR="5080" indent="-139065" algn="ctr">
               <a:lnSpc>
                 <a:spcPts val="1390"/>
               </a:lnSpc>
@@ -13694,29 +14231,37 @@
                 <a:solidFill>
                   <a:srgbClr val="FFFFFF"/>
                 </a:solidFill>
-                <a:latin typeface="Adobe Clean Han Regular" panose="020B0500000000000000" pitchFamily="34" charset="-128"/>
-                <a:ea typeface="Adobe Clean Han Regular" panose="020B0500000000000000" pitchFamily="34" charset="-128"/>
+                <a:latin typeface="Adobe Clean Han Bold" panose="020B0600000000000000" pitchFamily="34" charset="-128"/>
+                <a:ea typeface="Adobe Clean Han Bold" panose="020B0600000000000000" pitchFamily="34" charset="-128"/>
                 <a:cs typeface="Adobe Clean"/>
               </a:rPr>
               <a:t>迅速な</a:t>
             </a:r>
-            <a:br>
+            <a:endParaRPr lang="cs-CZ" altLang="ja-JP" sz="1200" b="1" dirty="0">
+              <a:solidFill>
+                <a:srgbClr val="FFFFFF"/>
+              </a:solidFill>
+              <a:latin typeface="Adobe Clean Han Bold" panose="020B0600000000000000" pitchFamily="34" charset="-128"/>
+              <a:ea typeface="Adobe Clean Han Bold" panose="020B0600000000000000" pitchFamily="34" charset="-128"/>
+              <a:cs typeface="Adobe Clean"/>
+            </a:endParaRPr>
+          </a:p>
+          <a:p>
+            <a:pPr marL="139065" marR="5080" indent="-139065" algn="ctr">
+              <a:lnSpc>
+                <a:spcPts val="1390"/>
+              </a:lnSpc>
+              <a:spcBef>
+                <a:spcPts val="185"/>
+              </a:spcBef>
+            </a:pPr>
+            <a:r>
               <a:rPr lang="ja-JP" sz="1200" b="1" dirty="0">
                 <a:solidFill>
                   <a:srgbClr val="FFFFFF"/>
                 </a:solidFill>
-                <a:latin typeface="Adobe Clean Han Regular" panose="020B0500000000000000" pitchFamily="34" charset="-128"/>
-                <a:ea typeface="Adobe Clean Han Regular" panose="020B0500000000000000" pitchFamily="34" charset="-128"/>
-                <a:cs typeface="Adobe Clean"/>
-              </a:rPr>
-            </a:br>
-            <a:r>
-              <a:rPr lang="ja-JP" sz="1200" b="1" dirty="0">
-                <a:solidFill>
-                  <a:srgbClr val="FFFFFF"/>
-                </a:solidFill>
-                <a:latin typeface="Adobe Clean Han Regular" panose="020B0500000000000000" pitchFamily="34" charset="-128"/>
-                <a:ea typeface="Adobe Clean Han Regular" panose="020B0500000000000000" pitchFamily="34" charset="-128"/>
+                <a:latin typeface="Adobe Clean Han Bold" panose="020B0600000000000000" pitchFamily="34" charset="-128"/>
+                <a:ea typeface="Adobe Clean Han Bold" panose="020B0600000000000000" pitchFamily="34" charset="-128"/>
                 <a:cs typeface="Adobe Clean"/>
               </a:rPr>
               <a:t>サポート</a:t>
@@ -13738,8 +14283,8 @@
         </p:nvSpPr>
         <p:spPr>
           <a:xfrm>
-            <a:off x="6365875" y="8543943"/>
-            <a:ext cx="1027028" cy="382797"/>
+            <a:off x="6443344" y="8543943"/>
+            <a:ext cx="932816" cy="382797"/>
           </a:xfrm>
           <a:prstGeom prst="rect">
             <a:avLst/>
@@ -13751,7 +14296,7 @@
           </a:bodyPr>
           <a:lstStyle/>
           <a:p>
-            <a:pPr marR="5080" algn="ctr">
+            <a:pPr marL="50800" marR="5080" indent="-51435" algn="ctr">
               <a:lnSpc>
                 <a:spcPts val="1390"/>
               </a:lnSpc>
@@ -13764,8 +14309,8 @@
                 <a:solidFill>
                   <a:srgbClr val="FFFFFF"/>
                 </a:solidFill>
-                <a:latin typeface="Adobe Clean Han Regular" panose="020B0500000000000000" pitchFamily="34" charset="-128"/>
-                <a:ea typeface="Adobe Clean Han Regular" panose="020B0500000000000000" pitchFamily="34" charset="-128"/>
+                <a:latin typeface="Adobe Clean Han Bold" panose="020B0600000000000000" pitchFamily="34" charset="-128"/>
+                <a:ea typeface="Adobe Clean Han Bold" panose="020B0600000000000000" pitchFamily="34" charset="-128"/>
                 <a:cs typeface="Adobe Clean"/>
               </a:rPr>
               <a:t>戦略的</a:t>
@@ -13775,8 +14320,8 @@
                 <a:solidFill>
                   <a:srgbClr val="FFFFFF"/>
                 </a:solidFill>
-                <a:latin typeface="Adobe Clean Han Regular" panose="020B0500000000000000" pitchFamily="34" charset="-128"/>
-                <a:ea typeface="Adobe Clean Han Regular" panose="020B0500000000000000" pitchFamily="34" charset="-128"/>
+                <a:latin typeface="Adobe Clean Han Bold" panose="020B0600000000000000" pitchFamily="34" charset="-128"/>
+                <a:ea typeface="Adobe Clean Han Bold" panose="020B0600000000000000" pitchFamily="34" charset="-128"/>
                 <a:cs typeface="Adobe Clean"/>
               </a:rPr>
             </a:br>
@@ -13785,8 +14330,8 @@
                 <a:solidFill>
                   <a:srgbClr val="FFFFFF"/>
                 </a:solidFill>
-                <a:latin typeface="Adobe Clean Han Regular" panose="020B0500000000000000" pitchFamily="34" charset="-128"/>
-                <a:ea typeface="Adobe Clean Han Regular" panose="020B0500000000000000" pitchFamily="34" charset="-128"/>
+                <a:latin typeface="Adobe Clean Han Bold" panose="020B0600000000000000" pitchFamily="34" charset="-128"/>
+                <a:ea typeface="Adobe Clean Han Bold" panose="020B0600000000000000" pitchFamily="34" charset="-128"/>
                 <a:cs typeface="Adobe Clean"/>
               </a:rPr>
               <a:t>アドバイス</a:t>
@@ -13809,14 +14354,14 @@
           <p:nvPr>
             <p:extLst>
               <p:ext uri="{D42A27DB-BD31-4B8C-83A1-F6EECF244321}">
-                <p14:modId xmlns:p14="http://schemas.microsoft.com/office/powerpoint/2010/main" val="688958463"/>
+                <p14:modId xmlns:p14="http://schemas.microsoft.com/office/powerpoint/2010/main" val="1431819887"/>
               </p:ext>
             </p:extLst>
           </p:nvPr>
         </p:nvGraphicFramePr>
         <p:xfrm>
           <a:off x="194237" y="1272353"/>
-          <a:ext cx="7368291" cy="3388360"/>
+          <a:ext cx="7368291" cy="3235960"/>
         </p:xfrm>
         <a:graphic>
           <a:graphicData uri="http://schemas.openxmlformats.org/drawingml/2006/table">
@@ -13825,14 +14370,14 @@
                 <a:tableStyleId>{5C22544A-7EE6-4342-B048-85BDC9FD1C3A}</a:tableStyleId>
               </a:tblPr>
               <a:tblGrid>
-                <a:gridCol w="3691964">
+                <a:gridCol w="3478603">
                   <a:extLst>
                     <a:ext uri="{9D8B030D-6E8A-4147-A177-3AD203B41FA5}">
                       <a16:colId xmlns:a16="http://schemas.microsoft.com/office/drawing/2014/main" val="2364693614"/>
                     </a:ext>
                   </a:extLst>
                 </a:gridCol>
-                <a:gridCol w="3676327">
+                <a:gridCol w="3889688">
                   <a:extLst>
                     <a:ext uri="{9D8B030D-6E8A-4147-A177-3AD203B41FA5}">
                       <a16:colId xmlns:a16="http://schemas.microsoft.com/office/drawing/2014/main" val="1545335406"/>
@@ -13851,10 +14396,10 @@
                           <a:solidFill>
                             <a:schemeClr val="tx1"/>
                           </a:solidFill>
-                          <a:latin typeface="Adobe Clean Han Regular" panose="020B0500000000000000" pitchFamily="34" charset="-128"/>
-                          <a:ea typeface="Adobe Clean Han Regular" panose="020B0500000000000000" pitchFamily="34" charset="-128"/>
+                          <a:latin typeface="Adobe Clean Han Bold" panose="020B0600000000000000" pitchFamily="34" charset="-128"/>
+                          <a:ea typeface="Adobe Clean Han Bold" panose="020B0600000000000000" pitchFamily="34" charset="-128"/>
                           <a:cs typeface="+mn-cs"/>
-                          <a:hlinkClick r:id="rId7"/>
+                          <a:hlinkClick r:id="rId6"/>
                         </a:rPr>
                         <a:t>Experience League</a:t>
                       </a:r>
@@ -14023,10 +14568,10 @@
                           <a:solidFill>
                             <a:schemeClr val="dk1"/>
                           </a:solidFill>
-                          <a:latin typeface="Adobe Clean Han Regular" panose="020B0500000000000000" pitchFamily="34" charset="-128"/>
-                          <a:ea typeface="Adobe Clean Han Regular" panose="020B0500000000000000" pitchFamily="34" charset="-128"/>
+                          <a:latin typeface="Adobe Clean Han Bold" panose="020B0600000000000000" pitchFamily="34" charset="-128"/>
+                          <a:ea typeface="Adobe Clean Han Bold" panose="020B0600000000000000" pitchFamily="34" charset="-128"/>
                           <a:cs typeface="+mn-cs"/>
-                          <a:hlinkClick r:id="rId8"/>
+                          <a:hlinkClick r:id="rId7"/>
                         </a:rPr>
                         <a:t>トレーニング</a:t>
                       </a:r>
@@ -14035,8 +14580,8 @@
                           <a:solidFill>
                             <a:schemeClr val="dk1"/>
                           </a:solidFill>
-                          <a:latin typeface="Adobe Clean Han Regular" panose="020B0500000000000000" pitchFamily="34" charset="-128"/>
-                          <a:ea typeface="Adobe Clean Han Regular" panose="020B0500000000000000" pitchFamily="34" charset="-128"/>
+                          <a:latin typeface="Adobe Clean Han Bold" panose="020B0600000000000000" pitchFamily="34" charset="-128"/>
+                          <a:ea typeface="Adobe Clean Han Bold" panose="020B0600000000000000" pitchFamily="34" charset="-128"/>
                           <a:cs typeface="+mn-cs"/>
                         </a:rPr>
                         <a:t> </a:t>
@@ -14208,10 +14753,10 @@
                           <a:solidFill>
                             <a:schemeClr val="tx1"/>
                           </a:solidFill>
-                          <a:latin typeface="Adobe Clean Han Regular" panose="020B0500000000000000" pitchFamily="34" charset="-128"/>
-                          <a:ea typeface="Adobe Clean Han Regular" panose="020B0500000000000000" pitchFamily="34" charset="-128"/>
+                          <a:latin typeface="Adobe Clean Han Bold" panose="020B0600000000000000" pitchFamily="34" charset="-128"/>
+                          <a:ea typeface="Adobe Clean Han Bold" panose="020B0600000000000000" pitchFamily="34" charset="-128"/>
                           <a:cs typeface="+mn-cs"/>
-                          <a:hlinkClick r:id="rId9"/>
+                          <a:hlinkClick r:id="rId8"/>
                         </a:rPr>
                         <a:t>本番環境の問題とシステム障害</a:t>
                       </a:r>
@@ -14380,10 +14925,10 @@
                           <a:solidFill>
                             <a:schemeClr val="tx1"/>
                           </a:solidFill>
-                          <a:latin typeface="Adobe Clean Han Regular" panose="020B0500000000000000" pitchFamily="34" charset="-128"/>
-                          <a:ea typeface="Adobe Clean Han Regular" panose="020B0500000000000000" pitchFamily="34" charset="-128"/>
+                          <a:latin typeface="Adobe Clean Han Bold" panose="020B0600000000000000" pitchFamily="34" charset="-128"/>
+                          <a:ea typeface="Adobe Clean Han Bold" panose="020B0600000000000000" pitchFamily="34" charset="-128"/>
                           <a:cs typeface="+mn-cs"/>
-                          <a:hlinkClick r:id="rId10"/>
+                          <a:hlinkClick r:id="rId9"/>
                         </a:rPr>
                         <a:t>利用条件</a:t>
                       </a:r>
@@ -14528,13 +15073,13 @@
           <p:nvPr/>
         </p:nvPicPr>
         <p:blipFill>
-          <a:blip r:embed="rId11">
+          <a:blip r:embed="rId10">
             <a:extLst>
               <a:ext uri="{28A0092B-C50C-407E-A947-70E740481C1C}">
                 <a14:useLocalDpi xmlns:a14="http://schemas.microsoft.com/office/drawing/2010/main" val="0"/>
               </a:ext>
               <a:ext uri="{96DAC541-7B7A-43D3-8B79-37D633B846F1}">
-                <asvg:svgBlip xmlns:asvg="http://schemas.microsoft.com/office/drawing/2016/SVG/main" r:embed="rId12"/>
+                <asvg:svgBlip xmlns:asvg="http://schemas.microsoft.com/office/drawing/2016/SVG/main" r:embed="rId11"/>
               </a:ext>
             </a:extLst>
           </a:blip>
@@ -14567,13 +15112,13 @@
           <p:nvPr/>
         </p:nvPicPr>
         <p:blipFill>
-          <a:blip r:embed="rId13">
+          <a:blip r:embed="rId12">
             <a:extLst>
               <a:ext uri="{28A0092B-C50C-407E-A947-70E740481C1C}">
                 <a14:useLocalDpi xmlns:a14="http://schemas.microsoft.com/office/drawing/2010/main" val="0"/>
               </a:ext>
               <a:ext uri="{96DAC541-7B7A-43D3-8B79-37D633B846F1}">
-                <asvg:svgBlip xmlns:asvg="http://schemas.microsoft.com/office/drawing/2016/SVG/main" r:embed="rId14"/>
+                <asvg:svgBlip xmlns:asvg="http://schemas.microsoft.com/office/drawing/2016/SVG/main" r:embed="rId13"/>
               </a:ext>
             </a:extLst>
           </a:blip>
@@ -14606,13 +15151,13 @@
           <p:nvPr/>
         </p:nvPicPr>
         <p:blipFill>
-          <a:blip r:embed="rId15">
+          <a:blip r:embed="rId14">
             <a:extLst>
               <a:ext uri="{28A0092B-C50C-407E-A947-70E740481C1C}">
                 <a14:useLocalDpi xmlns:a14="http://schemas.microsoft.com/office/drawing/2010/main" val="0"/>
               </a:ext>
               <a:ext uri="{96DAC541-7B7A-43D3-8B79-37D633B846F1}">
-                <asvg:svgBlip xmlns:asvg="http://schemas.microsoft.com/office/drawing/2016/SVG/main" r:embed="rId16"/>
+                <asvg:svgBlip xmlns:asvg="http://schemas.microsoft.com/office/drawing/2016/SVG/main" r:embed="rId15"/>
               </a:ext>
             </a:extLst>
           </a:blip>
@@ -14630,6 +15175,204 @@
           </a:prstGeom>
         </p:spPr>
       </p:pic>
+      <p:sp>
+        <p:nvSpPr>
+          <p:cNvPr id="21" name="object 24">
+            <a:extLst>
+              <a:ext uri="{FF2B5EF4-FFF2-40B4-BE49-F238E27FC236}">
+                <a16:creationId xmlns:a16="http://schemas.microsoft.com/office/drawing/2014/main" id="{51AF0E6B-9A0D-4F8C-87A5-0AE2F42CCD53}"/>
+              </a:ext>
+            </a:extLst>
+          </p:cNvPr>
+          <p:cNvSpPr txBox="1"/>
+          <p:nvPr/>
+        </p:nvSpPr>
+        <p:spPr>
+          <a:xfrm>
+            <a:off x="6754821" y="9283729"/>
+            <a:ext cx="930275" cy="662305"/>
+          </a:xfrm>
+          <a:prstGeom prst="rect">
+            <a:avLst/>
+          </a:prstGeom>
+        </p:spPr>
+        <p:txBody>
+          <a:bodyPr vert="horz" wrap="square" lIns="0" tIns="12065" rIns="0" bIns="0" rtlCol="0">
+            <a:spAutoFit/>
+          </a:bodyPr>
+          <a:lstStyle/>
+          <a:p>
+            <a:pPr marL="12700">
+              <a:lnSpc>
+                <a:spcPts val="930"/>
+              </a:lnSpc>
+              <a:spcBef>
+                <a:spcPts val="95"/>
+              </a:spcBef>
+            </a:pPr>
+            <a:r>
+              <a:rPr sz="800" spc="-15" dirty="0">
+                <a:solidFill>
+                  <a:srgbClr val="777879"/>
+                </a:solidFill>
+                <a:latin typeface="Adobe Clean"/>
+                <a:cs typeface="Adobe Clean"/>
+              </a:rPr>
+              <a:t>Adobe</a:t>
+            </a:r>
+            <a:endParaRPr sz="800" dirty="0">
+              <a:latin typeface="Adobe Clean"/>
+              <a:cs typeface="Adobe Clean"/>
+            </a:endParaRPr>
+          </a:p>
+          <a:p>
+            <a:pPr marL="12700">
+              <a:lnSpc>
+                <a:spcPts val="915"/>
+              </a:lnSpc>
+            </a:pPr>
+            <a:r>
+              <a:rPr sz="800" spc="-15" dirty="0">
+                <a:solidFill>
+                  <a:srgbClr val="777879"/>
+                </a:solidFill>
+                <a:latin typeface="Adobe Clean"/>
+                <a:cs typeface="Adobe Clean"/>
+              </a:rPr>
+              <a:t>345 Park</a:t>
+            </a:r>
+            <a:r>
+              <a:rPr sz="800" spc="-100" dirty="0">
+                <a:solidFill>
+                  <a:srgbClr val="777879"/>
+                </a:solidFill>
+                <a:latin typeface="Adobe Clean"/>
+                <a:cs typeface="Adobe Clean"/>
+              </a:rPr>
+              <a:t> </a:t>
+            </a:r>
+            <a:r>
+              <a:rPr sz="800" spc="-15" dirty="0">
+                <a:solidFill>
+                  <a:srgbClr val="777879"/>
+                </a:solidFill>
+                <a:latin typeface="Adobe Clean"/>
+                <a:cs typeface="Adobe Clean"/>
+              </a:rPr>
+              <a:t>Avenue</a:t>
+            </a:r>
+            <a:endParaRPr sz="800" dirty="0">
+              <a:latin typeface="Adobe Clean"/>
+              <a:cs typeface="Adobe Clean"/>
+            </a:endParaRPr>
+          </a:p>
+          <a:p>
+            <a:pPr marL="12700">
+              <a:lnSpc>
+                <a:spcPts val="944"/>
+              </a:lnSpc>
+            </a:pPr>
+            <a:r>
+              <a:rPr sz="800" spc="-10" dirty="0">
+                <a:solidFill>
+                  <a:srgbClr val="777879"/>
+                </a:solidFill>
+                <a:latin typeface="Adobe Clean"/>
+                <a:cs typeface="Adobe Clean"/>
+              </a:rPr>
+              <a:t>San </a:t>
+            </a:r>
+            <a:r>
+              <a:rPr sz="800" spc="-15" dirty="0">
+                <a:solidFill>
+                  <a:srgbClr val="777879"/>
+                </a:solidFill>
+                <a:latin typeface="Adobe Clean"/>
+                <a:cs typeface="Adobe Clean"/>
+              </a:rPr>
+              <a:t>Jose,</a:t>
+            </a:r>
+            <a:r>
+              <a:rPr sz="800" spc="-140" dirty="0">
+                <a:solidFill>
+                  <a:srgbClr val="777879"/>
+                </a:solidFill>
+                <a:latin typeface="Adobe Clean"/>
+                <a:cs typeface="Adobe Clean"/>
+              </a:rPr>
+              <a:t> </a:t>
+            </a:r>
+            <a:r>
+              <a:rPr sz="800" spc="-20" dirty="0">
+                <a:solidFill>
+                  <a:srgbClr val="777879"/>
+                </a:solidFill>
+                <a:latin typeface="Adobe Clean"/>
+                <a:cs typeface="Adobe Clean"/>
+              </a:rPr>
+              <a:t>CA95110-2704</a:t>
+            </a:r>
+            <a:endParaRPr sz="800" dirty="0">
+              <a:latin typeface="Adobe Clean"/>
+              <a:cs typeface="Adobe Clean"/>
+            </a:endParaRPr>
+          </a:p>
+          <a:p>
+            <a:pPr marL="12700">
+              <a:lnSpc>
+                <a:spcPct val="100000"/>
+              </a:lnSpc>
+              <a:spcBef>
+                <a:spcPts val="45"/>
+              </a:spcBef>
+            </a:pPr>
+            <a:r>
+              <a:rPr sz="800" spc="-10" dirty="0">
+                <a:solidFill>
+                  <a:srgbClr val="777879"/>
+                </a:solidFill>
+                <a:latin typeface="Adobe Clean"/>
+                <a:cs typeface="Adobe Clean"/>
+              </a:rPr>
+              <a:t>USA</a:t>
+            </a:r>
+            <a:endParaRPr sz="800" dirty="0">
+              <a:latin typeface="Adobe Clean"/>
+              <a:cs typeface="Adobe Clean"/>
+            </a:endParaRPr>
+          </a:p>
+          <a:p>
+            <a:pPr marL="12700">
+              <a:lnSpc>
+                <a:spcPct val="100000"/>
+              </a:lnSpc>
+              <a:spcBef>
+                <a:spcPts val="265"/>
+              </a:spcBef>
+            </a:pPr>
+            <a:r>
+              <a:rPr sz="800" u="sng" spc="-25" dirty="0">
+                <a:solidFill>
+                  <a:srgbClr val="5F5F5F"/>
+                </a:solidFill>
+                <a:uFill>
+                  <a:solidFill>
+                    <a:srgbClr val="0000FF"/>
+                  </a:solidFill>
+                </a:uFill>
+                <a:latin typeface="Adobe Clean"/>
+                <a:cs typeface="Adobe Clean"/>
+                <a:hlinkClick r:id="rId16"/>
+              </a:rPr>
+              <a:t>www.adobe.com</a:t>
+            </a:r>
+            <a:endParaRPr sz="800" dirty="0">
+              <a:latin typeface="Adobe Clean"/>
+              <a:cs typeface="Adobe Clean"/>
+            </a:endParaRPr>
+          </a:p>
+        </p:txBody>
+      </p:sp>
     </p:spTree>
     <p:extLst>
       <p:ext uri="{BB962C8B-B14F-4D97-AF65-F5344CB8AC3E}">
@@ -15076,15 +15819,6 @@
 </file>
 
 <file path=customXml/item2.xml><?xml version="1.0" encoding="utf-8"?>
-<?mso-contentType ?>
-<FormTemplates xmlns="http://schemas.microsoft.com/sharepoint/v3/contenttype/forms">
-  <Display>DocumentLibraryForm</Display>
-  <Edit>DocumentLibraryForm</Edit>
-  <New>DocumentLibraryForm</New>
-</FormTemplates>
-</file>
-
-<file path=customXml/item3.xml><?xml version="1.0" encoding="utf-8"?>
 <ct:contentTypeSchema xmlns:ct="http://schemas.microsoft.com/office/2006/metadata/contentType" xmlns:ma="http://schemas.microsoft.com/office/2006/metadata/properties/metaAttributes" ct:_="" ma:_="" ma:contentTypeName="Document" ma:contentTypeID="0x010100E783BF6876BCC646A459363AF21A7736" ma:contentTypeVersion="10" ma:contentTypeDescription="Create a new document." ma:contentTypeScope="" ma:versionID="c4ffda7f4f415767600769e454c2ea87">
   <xsd:schema xmlns:xsd="http://www.w3.org/2001/XMLSchema" xmlns:xs="http://www.w3.org/2001/XMLSchema" xmlns:p="http://schemas.microsoft.com/office/2006/metadata/properties" xmlns:ns2="8a053bff-88be-49e4-9a87-e748e18b8b62" xmlns:ns3="6c8368ec-3776-49b5-a5bb-90648cf9530f" targetNamespace="http://schemas.microsoft.com/office/2006/metadata/properties" ma:root="true" ma:fieldsID="df3ec33bccc23e23bce7bc897fad43d1" ns2:_="" ns3:_="">
     <xsd:import namespace="8a053bff-88be-49e4-9a87-e748e18b8b62"/>
@@ -15289,32 +16023,33 @@
 </ct:contentTypeSchema>
 </file>
 
+<file path=customXml/item3.xml><?xml version="1.0" encoding="utf-8"?>
+<?mso-contentType ?>
+<FormTemplates xmlns="http://schemas.microsoft.com/sharepoint/v3/contenttype/forms">
+  <Display>DocumentLibraryForm</Display>
+  <Edit>DocumentLibraryForm</Edit>
+  <New>DocumentLibraryForm</New>
+</FormTemplates>
+</file>
+
 <file path=customXml/itemProps1.xml><?xml version="1.0" encoding="utf-8"?>
 <ds:datastoreItem xmlns:ds="http://schemas.openxmlformats.org/officeDocument/2006/customXml" ds:itemID="{ED4099BE-EDEC-4FF1-8378-446617236015}">
   <ds:schemaRefs>
+    <ds:schemaRef ds:uri="http://schemas.microsoft.com/office/2006/metadata/properties"/>
+    <ds:schemaRef ds:uri="http://purl.org/dc/dcmitype/"/>
     <ds:schemaRef ds:uri="http://www.w3.org/XML/1998/namespace"/>
     <ds:schemaRef ds:uri="8a053bff-88be-49e4-9a87-e748e18b8b62"/>
     <ds:schemaRef ds:uri="http://purl.org/dc/terms/"/>
-    <ds:schemaRef ds:uri="http://purl.org/dc/dcmitype/"/>
+    <ds:schemaRef ds:uri="http://purl.org/dc/elements/1.1/"/>
     <ds:schemaRef ds:uri="http://schemas.microsoft.com/office/2006/documentManagement/types"/>
-    <ds:schemaRef ds:uri="6c8368ec-3776-49b5-a5bb-90648cf9530f"/>
-    <ds:schemaRef ds:uri="http://purl.org/dc/elements/1.1/"/>
-    <ds:schemaRef ds:uri="http://schemas.microsoft.com/office/2006/metadata/properties"/>
     <ds:schemaRef ds:uri="http://schemas.microsoft.com/office/infopath/2007/PartnerControls"/>
     <ds:schemaRef ds:uri="http://schemas.openxmlformats.org/package/2006/metadata/core-properties"/>
+    <ds:schemaRef ds:uri="6c8368ec-3776-49b5-a5bb-90648cf9530f"/>
   </ds:schemaRefs>
 </ds:datastoreItem>
 </file>
 
 <file path=customXml/itemProps2.xml><?xml version="1.0" encoding="utf-8"?>
-<ds:datastoreItem xmlns:ds="http://schemas.openxmlformats.org/officeDocument/2006/customXml" ds:itemID="{941989CE-20BB-4A6A-A33F-71A1AE469C3E}">
-  <ds:schemaRefs>
-    <ds:schemaRef ds:uri="http://schemas.microsoft.com/sharepoint/v3/contenttype/forms"/>
-  </ds:schemaRefs>
-</ds:datastoreItem>
-</file>
-
-<file path=customXml/itemProps3.xml><?xml version="1.0" encoding="utf-8"?>
 <ds:datastoreItem xmlns:ds="http://schemas.openxmlformats.org/officeDocument/2006/customXml" ds:itemID="{FB2EBF8D-136B-48EC-8FC0-F70C0583664B}">
   <ds:schemaRefs>
     <ds:schemaRef ds:uri="6c8368ec-3776-49b5-a5bb-90648cf9530f"/>
@@ -15331,4 +16066,12 @@
     <ds:schemaRef ds:uri="http://www.w3.org/2001/XMLSchema"/>
   </ds:schemaRefs>
 </ds:datastoreItem>
+</file>
+
+<file path=customXml/itemProps3.xml><?xml version="1.0" encoding="utf-8"?>
+<ds:datastoreItem xmlns:ds="http://schemas.openxmlformats.org/officeDocument/2006/customXml" ds:itemID="{941989CE-20BB-4A6A-A33F-71A1AE469C3E}">
+  <ds:schemaRefs>
+    <ds:schemaRef ds:uri="http://schemas.microsoft.com/sharepoint/v3/contenttype/forms"/>
+  </ds:schemaRefs>
+</ds:datastoreItem>
 </file>